--- a/documentation/FGV-MBA - Aplicações Estatística Espacial - Pré-Projeto - Grupo 2.pptx
+++ b/documentation/FGV-MBA - Aplicações Estatística Espacial - Pré-Projeto - Grupo 2.pptx
@@ -7,10 +7,10 @@
     <p:sldMasterId id="2147483654" r:id="rId3"/>
   </p:sldMasterIdLst>
   <p:notesMasterIdLst>
-    <p:notesMasterId r:id="rId15"/>
+    <p:notesMasterId r:id="rId16"/>
   </p:notesMasterIdLst>
   <p:handoutMasterIdLst>
-    <p:handoutMasterId r:id="rId16"/>
+    <p:handoutMasterId r:id="rId17"/>
   </p:handoutMasterIdLst>
   <p:sldIdLst>
     <p:sldId id="351" r:id="rId4"/>
@@ -24,6 +24,7 @@
     <p:sldId id="358" r:id="rId12"/>
     <p:sldId id="359" r:id="rId13"/>
     <p:sldId id="360" r:id="rId14"/>
+    <p:sldId id="361" r:id="rId15"/>
   </p:sldIdLst>
   <p:sldSz cx="12192000" cy="6858000"/>
   <p:notesSz cx="6858000" cy="9144000"/>
@@ -138,6 +139,7 @@
             <p14:sldId id="358"/>
             <p14:sldId id="359"/>
             <p14:sldId id="360"/>
+            <p14:sldId id="361"/>
           </p14:sldIdLst>
         </p14:section>
       </p14:sectionLst>
@@ -163,6 +165,14 @@
 </p:presentation>
 </file>
 
+<file path=ppt/revisionInfo.xml><?xml version="1.0" encoding="utf-8"?>
+<p1510:revInfo xmlns:a="http://schemas.openxmlformats.org/drawingml/2006/main" xmlns:r="http://schemas.openxmlformats.org/officeDocument/2006/relationships" xmlns:p1510="http://schemas.microsoft.com/office/powerpoint/2015/10/main">
+  <p1510:revLst>
+    <p1510:client id="{D36B0B77-7EBF-43FD-BAD0-C4CA36CEEB36}" v="47" dt="2020-06-02T20:38:25.399"/>
+  </p1510:revLst>
+</p1510:revInfo>
+</file>
+
 <file path=ppt/changesInfos/changesInfo1.xml><?xml version="1.0" encoding="utf-8"?>
 <pc:chgInfo xmlns:a="http://schemas.openxmlformats.org/drawingml/2006/main" xmlns:r="http://schemas.openxmlformats.org/officeDocument/2006/relationships" xmlns:ac="http://schemas.microsoft.com/office/drawing/2013/main/command" xmlns:pc="http://schemas.microsoft.com/office/powerpoint/2013/main/command">
   <pc:docChgLst>
@@ -890,6 +900,108 @@
             <ac:cxnSpMk id="151" creationId="{A102E9E0-C39A-4B76-AC25-248C244CD0CC}"/>
           </ac:cxnSpMkLst>
         </pc:cxnChg>
+      </pc:sldChg>
+    </pc:docChg>
+  </pc:docChgLst>
+  <pc:docChgLst>
+    <pc:chgData name="Ricardo Lucio Braga Reis" userId="S::a57590919@fgv.edu.br::789c906b-d924-4b68-a4ad-fed37e68814f" providerId="AD" clId="Web-{8FF9442C-03F1-4696-95FD-F425B156F4E3}"/>
+    <pc:docChg chg="addSld modSld modSection">
+      <pc:chgData name="Ricardo Lucio Braga Reis" userId="S::a57590919@fgv.edu.br::789c906b-d924-4b68-a4ad-fed37e68814f" providerId="AD" clId="Web-{8FF9442C-03F1-4696-95FD-F425B156F4E3}" dt="2020-05-28T20:04:57.372" v="906" actId="20577"/>
+      <pc:docMkLst>
+        <pc:docMk/>
+      </pc:docMkLst>
+      <pc:sldChg chg="modSp">
+        <pc:chgData name="Ricardo Lucio Braga Reis" userId="S::a57590919@fgv.edu.br::789c906b-d924-4b68-a4ad-fed37e68814f" providerId="AD" clId="Web-{8FF9442C-03F1-4696-95FD-F425B156F4E3}" dt="2020-05-28T19:31:11.314" v="528" actId="20577"/>
+        <pc:sldMkLst>
+          <pc:docMk/>
+          <pc:sldMk cId="1752641579" sldId="363"/>
+        </pc:sldMkLst>
+        <pc:spChg chg="mod">
+          <ac:chgData name="Ricardo Lucio Braga Reis" userId="S::a57590919@fgv.edu.br::789c906b-d924-4b68-a4ad-fed37e68814f" providerId="AD" clId="Web-{8FF9442C-03F1-4696-95FD-F425B156F4E3}" dt="2020-05-28T19:31:11.314" v="528" actId="20577"/>
+          <ac:spMkLst>
+            <pc:docMk/>
+            <pc:sldMk cId="1752641579" sldId="363"/>
+            <ac:spMk id="4" creationId="{E4CC8CAB-3F4C-409C-8745-BB5BD7AF0FCB}"/>
+          </ac:spMkLst>
+        </pc:spChg>
+      </pc:sldChg>
+      <pc:sldChg chg="modSp add replId">
+        <pc:chgData name="Ricardo Lucio Braga Reis" userId="S::a57590919@fgv.edu.br::789c906b-d924-4b68-a4ad-fed37e68814f" providerId="AD" clId="Web-{8FF9442C-03F1-4696-95FD-F425B156F4E3}" dt="2020-05-28T20:04:57.372" v="905" actId="20577"/>
+        <pc:sldMkLst>
+          <pc:docMk/>
+          <pc:sldMk cId="1219197679" sldId="374"/>
+        </pc:sldMkLst>
+        <pc:spChg chg="mod">
+          <ac:chgData name="Ricardo Lucio Braga Reis" userId="S::a57590919@fgv.edu.br::789c906b-d924-4b68-a4ad-fed37e68814f" providerId="AD" clId="Web-{8FF9442C-03F1-4696-95FD-F425B156F4E3}" dt="2020-05-28T20:04:57.372" v="905" actId="20577"/>
+          <ac:spMkLst>
+            <pc:docMk/>
+            <pc:sldMk cId="1219197679" sldId="374"/>
+            <ac:spMk id="4" creationId="{E4CC8CAB-3F4C-409C-8745-BB5BD7AF0FCB}"/>
+          </ac:spMkLst>
+        </pc:spChg>
+      </pc:sldChg>
+    </pc:docChg>
+  </pc:docChgLst>
+  <pc:docChgLst>
+    <pc:chgData name="Leandro Daniel" userId="682bb4abc622d264" providerId="LiveId" clId="{95C6711F-C4DC-4686-A46D-0F032EFB60A9}"/>
+    <pc:docChg chg="modSld">
+      <pc:chgData name="Leandro Daniel" userId="682bb4abc622d264" providerId="LiveId" clId="{95C6711F-C4DC-4686-A46D-0F032EFB60A9}" dt="2020-06-01T22:00:24.671" v="0" actId="20577"/>
+      <pc:docMkLst>
+        <pc:docMk/>
+      </pc:docMkLst>
+      <pc:sldChg chg="modSp mod">
+        <pc:chgData name="Leandro Daniel" userId="682bb4abc622d264" providerId="LiveId" clId="{95C6711F-C4DC-4686-A46D-0F032EFB60A9}" dt="2020-06-01T22:00:24.671" v="0" actId="20577"/>
+        <pc:sldMkLst>
+          <pc:docMk/>
+          <pc:sldMk cId="679871842" sldId="351"/>
+        </pc:sldMkLst>
+        <pc:spChg chg="mod">
+          <ac:chgData name="Leandro Daniel" userId="682bb4abc622d264" providerId="LiveId" clId="{95C6711F-C4DC-4686-A46D-0F032EFB60A9}" dt="2020-06-01T22:00:24.671" v="0" actId="20577"/>
+          <ac:spMkLst>
+            <pc:docMk/>
+            <pc:sldMk cId="679871842" sldId="351"/>
+            <ac:spMk id="2" creationId="{70F687BA-32A2-41BC-B72A-F28209A7F473}"/>
+          </ac:spMkLst>
+        </pc:spChg>
+      </pc:sldChg>
+    </pc:docChg>
+  </pc:docChgLst>
+  <pc:docChgLst>
+    <pc:chgData name="Leandro Daniel" userId="682bb4abc622d264" providerId="LiveId" clId="{7AC88094-A1D5-4FA0-8F56-B6E6CBB30C7C}"/>
+    <pc:docChg chg="undo custSel modSld">
+      <pc:chgData name="Leandro Daniel" userId="682bb4abc622d264" providerId="LiveId" clId="{7AC88094-A1D5-4FA0-8F56-B6E6CBB30C7C}" dt="2020-05-30T22:15:00.993" v="15" actId="20577"/>
+      <pc:docMkLst>
+        <pc:docMk/>
+      </pc:docMkLst>
+      <pc:sldChg chg="modSp mod">
+        <pc:chgData name="Leandro Daniel" userId="682bb4abc622d264" providerId="LiveId" clId="{7AC88094-A1D5-4FA0-8F56-B6E6CBB30C7C}" dt="2020-05-30T22:13:40.576" v="0" actId="20577"/>
+        <pc:sldMkLst>
+          <pc:docMk/>
+          <pc:sldMk cId="679871842" sldId="351"/>
+        </pc:sldMkLst>
+        <pc:spChg chg="mod">
+          <ac:chgData name="Leandro Daniel" userId="682bb4abc622d264" providerId="LiveId" clId="{7AC88094-A1D5-4FA0-8F56-B6E6CBB30C7C}" dt="2020-05-30T22:13:40.576" v="0" actId="20577"/>
+          <ac:spMkLst>
+            <pc:docMk/>
+            <pc:sldMk cId="679871842" sldId="351"/>
+            <ac:spMk id="2" creationId="{70F687BA-32A2-41BC-B72A-F28209A7F473}"/>
+          </ac:spMkLst>
+        </pc:spChg>
+      </pc:sldChg>
+      <pc:sldChg chg="modSp mod">
+        <pc:chgData name="Leandro Daniel" userId="682bb4abc622d264" providerId="LiveId" clId="{7AC88094-A1D5-4FA0-8F56-B6E6CBB30C7C}" dt="2020-05-30T22:15:00.993" v="15" actId="20577"/>
+        <pc:sldMkLst>
+          <pc:docMk/>
+          <pc:sldMk cId="2356196915" sldId="377"/>
+        </pc:sldMkLst>
+        <pc:spChg chg="mod">
+          <ac:chgData name="Leandro Daniel" userId="682bb4abc622d264" providerId="LiveId" clId="{7AC88094-A1D5-4FA0-8F56-B6E6CBB30C7C}" dt="2020-05-30T22:15:00.993" v="15" actId="20577"/>
+          <ac:spMkLst>
+            <pc:docMk/>
+            <pc:sldMk cId="2356196915" sldId="377"/>
+            <ac:spMk id="7" creationId="{CE3762FA-4222-4801-A067-946EE71C9A52}"/>
+          </ac:spMkLst>
+        </pc:spChg>
       </pc:sldChg>
     </pc:docChg>
   </pc:docChgLst>
@@ -997,6 +1109,172 @@
     </pc:docChg>
   </pc:docChgLst>
   <pc:docChgLst>
+    <pc:chgData name="Leandro Daniel" userId="682bb4abc622d264" providerId="LiveId" clId="{D36B0B77-7EBF-43FD-BAD0-C4CA36CEEB36}"/>
+    <pc:docChg chg="custSel addSld modSld">
+      <pc:chgData name="Leandro Daniel" userId="682bb4abc622d264" providerId="LiveId" clId="{D36B0B77-7EBF-43FD-BAD0-C4CA36CEEB36}" dt="2020-06-02T20:38:31.338" v="288" actId="167"/>
+      <pc:docMkLst>
+        <pc:docMk/>
+      </pc:docMkLst>
+      <pc:sldChg chg="addSp delSp modSp mod">
+        <pc:chgData name="Leandro Daniel" userId="682bb4abc622d264" providerId="LiveId" clId="{D36B0B77-7EBF-43FD-BAD0-C4CA36CEEB36}" dt="2020-06-02T20:32:44.837" v="157" actId="20577"/>
+        <pc:sldMkLst>
+          <pc:docMk/>
+          <pc:sldMk cId="2652368446" sldId="359"/>
+        </pc:sldMkLst>
+        <pc:spChg chg="mod">
+          <ac:chgData name="Leandro Daniel" userId="682bb4abc622d264" providerId="LiveId" clId="{D36B0B77-7EBF-43FD-BAD0-C4CA36CEEB36}" dt="2020-06-02T20:32:44.837" v="157" actId="20577"/>
+          <ac:spMkLst>
+            <pc:docMk/>
+            <pc:sldMk cId="2652368446" sldId="359"/>
+            <ac:spMk id="7" creationId="{D5F67441-A755-4247-851C-41974715F282}"/>
+          </ac:spMkLst>
+        </pc:spChg>
+        <pc:picChg chg="add mod">
+          <ac:chgData name="Leandro Daniel" userId="682bb4abc622d264" providerId="LiveId" clId="{D36B0B77-7EBF-43FD-BAD0-C4CA36CEEB36}" dt="2020-06-02T20:26:54.058" v="30" actId="12789"/>
+          <ac:picMkLst>
+            <pc:docMk/>
+            <pc:sldMk cId="2652368446" sldId="359"/>
+            <ac:picMk id="3" creationId="{97B3EA75-F3A8-4805-8834-5D3B319C7E31}"/>
+          </ac:picMkLst>
+        </pc:picChg>
+        <pc:picChg chg="add mod">
+          <ac:chgData name="Leandro Daniel" userId="682bb4abc622d264" providerId="LiveId" clId="{D36B0B77-7EBF-43FD-BAD0-C4CA36CEEB36}" dt="2020-06-02T20:26:54.058" v="30" actId="12789"/>
+          <ac:picMkLst>
+            <pc:docMk/>
+            <pc:sldMk cId="2652368446" sldId="359"/>
+            <ac:picMk id="4" creationId="{F59BDCC0-DD5D-438F-A3C3-65DFA845FB65}"/>
+          </ac:picMkLst>
+        </pc:picChg>
+        <pc:picChg chg="mod">
+          <ac:chgData name="Leandro Daniel" userId="682bb4abc622d264" providerId="LiveId" clId="{D36B0B77-7EBF-43FD-BAD0-C4CA36CEEB36}" dt="2020-06-02T20:26:54.058" v="30" actId="12789"/>
+          <ac:picMkLst>
+            <pc:docMk/>
+            <pc:sldMk cId="2652368446" sldId="359"/>
+            <ac:picMk id="1026" creationId="{00000000-0000-0000-0000-000000000000}"/>
+          </ac:picMkLst>
+        </pc:picChg>
+        <pc:picChg chg="mod">
+          <ac:chgData name="Leandro Daniel" userId="682bb4abc622d264" providerId="LiveId" clId="{D36B0B77-7EBF-43FD-BAD0-C4CA36CEEB36}" dt="2020-06-02T20:26:54.058" v="30" actId="12789"/>
+          <ac:picMkLst>
+            <pc:docMk/>
+            <pc:sldMk cId="2652368446" sldId="359"/>
+            <ac:picMk id="1028" creationId="{00000000-0000-0000-0000-000000000000}"/>
+          </ac:picMkLst>
+        </pc:picChg>
+        <pc:picChg chg="del">
+          <ac:chgData name="Leandro Daniel" userId="682bb4abc622d264" providerId="LiveId" clId="{D36B0B77-7EBF-43FD-BAD0-C4CA36CEEB36}" dt="2020-06-02T20:25:31.231" v="10" actId="478"/>
+          <ac:picMkLst>
+            <pc:docMk/>
+            <pc:sldMk cId="2652368446" sldId="359"/>
+            <ac:picMk id="1032" creationId="{00000000-0000-0000-0000-000000000000}"/>
+          </ac:picMkLst>
+        </pc:picChg>
+        <pc:picChg chg="mod">
+          <ac:chgData name="Leandro Daniel" userId="682bb4abc622d264" providerId="LiveId" clId="{D36B0B77-7EBF-43FD-BAD0-C4CA36CEEB36}" dt="2020-06-02T20:26:54.058" v="30" actId="12789"/>
+          <ac:picMkLst>
+            <pc:docMk/>
+            <pc:sldMk cId="2652368446" sldId="359"/>
+            <ac:picMk id="1034" creationId="{00000000-0000-0000-0000-000000000000}"/>
+          </ac:picMkLst>
+        </pc:picChg>
+      </pc:sldChg>
+      <pc:sldChg chg="modSp">
+        <pc:chgData name="Leandro Daniel" userId="682bb4abc622d264" providerId="LiveId" clId="{D36B0B77-7EBF-43FD-BAD0-C4CA36CEEB36}" dt="2020-06-02T20:30:39.746" v="39"/>
+        <pc:sldMkLst>
+          <pc:docMk/>
+          <pc:sldMk cId="2493464675" sldId="360"/>
+        </pc:sldMkLst>
+        <pc:graphicFrameChg chg="mod">
+          <ac:chgData name="Leandro Daniel" userId="682bb4abc622d264" providerId="LiveId" clId="{D36B0B77-7EBF-43FD-BAD0-C4CA36CEEB36}" dt="2020-06-02T20:30:39.746" v="39"/>
+          <ac:graphicFrameMkLst>
+            <pc:docMk/>
+            <pc:sldMk cId="2493464675" sldId="360"/>
+            <ac:graphicFrameMk id="3" creationId="{00000000-0000-0000-0000-000000000000}"/>
+          </ac:graphicFrameMkLst>
+        </pc:graphicFrameChg>
+      </pc:sldChg>
+      <pc:sldChg chg="addSp delSp modSp add mod modAnim">
+        <pc:chgData name="Leandro Daniel" userId="682bb4abc622d264" providerId="LiveId" clId="{D36B0B77-7EBF-43FD-BAD0-C4CA36CEEB36}" dt="2020-06-02T20:38:31.338" v="288" actId="167"/>
+        <pc:sldMkLst>
+          <pc:docMk/>
+          <pc:sldMk cId="533370659" sldId="361"/>
+        </pc:sldMkLst>
+        <pc:spChg chg="mod">
+          <ac:chgData name="Leandro Daniel" userId="682bb4abc622d264" providerId="LiveId" clId="{D36B0B77-7EBF-43FD-BAD0-C4CA36CEEB36}" dt="2020-06-02T20:31:23.521" v="55" actId="20577"/>
+          <ac:spMkLst>
+            <pc:docMk/>
+            <pc:sldMk cId="533370659" sldId="361"/>
+            <ac:spMk id="2" creationId="{E2289C40-6B36-4906-BF6F-3D1B594D6D57}"/>
+          </ac:spMkLst>
+        </pc:spChg>
+        <pc:spChg chg="mod">
+          <ac:chgData name="Leandro Daniel" userId="682bb4abc622d264" providerId="LiveId" clId="{D36B0B77-7EBF-43FD-BAD0-C4CA36CEEB36}" dt="2020-06-02T20:31:47.622" v="155" actId="20577"/>
+          <ac:spMkLst>
+            <pc:docMk/>
+            <pc:sldMk cId="533370659" sldId="361"/>
+            <ac:spMk id="5" creationId="{C4351BF4-6949-465B-A55A-C8561462CF2E}"/>
+          </ac:spMkLst>
+        </pc:spChg>
+        <pc:spChg chg="add mod">
+          <ac:chgData name="Leandro Daniel" userId="682bb4abc622d264" providerId="LiveId" clId="{D36B0B77-7EBF-43FD-BAD0-C4CA36CEEB36}" dt="2020-06-02T20:38:20.174" v="286" actId="164"/>
+          <ac:spMkLst>
+            <pc:docMk/>
+            <pc:sldMk cId="533370659" sldId="361"/>
+            <ac:spMk id="8" creationId="{24575FE9-2970-4439-B52B-5B4C77E954D4}"/>
+          </ac:spMkLst>
+        </pc:spChg>
+        <pc:spChg chg="add mod">
+          <ac:chgData name="Leandro Daniel" userId="682bb4abc622d264" providerId="LiveId" clId="{D36B0B77-7EBF-43FD-BAD0-C4CA36CEEB36}" dt="2020-06-02T20:38:20.174" v="286" actId="164"/>
+          <ac:spMkLst>
+            <pc:docMk/>
+            <pc:sldMk cId="533370659" sldId="361"/>
+            <ac:spMk id="9" creationId="{115DDE84-D09E-44AC-A701-31074745158F}"/>
+          </ac:spMkLst>
+        </pc:spChg>
+        <pc:spChg chg="add mod">
+          <ac:chgData name="Leandro Daniel" userId="682bb4abc622d264" providerId="LiveId" clId="{D36B0B77-7EBF-43FD-BAD0-C4CA36CEEB36}" dt="2020-06-02T20:38:20.174" v="286" actId="164"/>
+          <ac:spMkLst>
+            <pc:docMk/>
+            <pc:sldMk cId="533370659" sldId="361"/>
+            <ac:spMk id="10" creationId="{74268495-B56E-4CE0-B049-ADCA8F64564E}"/>
+          </ac:spMkLst>
+        </pc:spChg>
+        <pc:grpChg chg="add mod ord">
+          <ac:chgData name="Leandro Daniel" userId="682bb4abc622d264" providerId="LiveId" clId="{D36B0B77-7EBF-43FD-BAD0-C4CA36CEEB36}" dt="2020-06-02T20:38:31.338" v="288" actId="167"/>
+          <ac:grpSpMkLst>
+            <pc:docMk/>
+            <pc:sldMk cId="533370659" sldId="361"/>
+            <ac:grpSpMk id="11" creationId="{F7A6FD2B-CABC-4FDA-A3A6-C4157157EF93}"/>
+          </ac:grpSpMkLst>
+        </pc:grpChg>
+        <pc:graphicFrameChg chg="del">
+          <ac:chgData name="Leandro Daniel" userId="682bb4abc622d264" providerId="LiveId" clId="{D36B0B77-7EBF-43FD-BAD0-C4CA36CEEB36}" dt="2020-06-02T20:31:51.681" v="156" actId="478"/>
+          <ac:graphicFrameMkLst>
+            <pc:docMk/>
+            <pc:sldMk cId="533370659" sldId="361"/>
+            <ac:graphicFrameMk id="3" creationId="{00000000-0000-0000-0000-000000000000}"/>
+          </ac:graphicFrameMkLst>
+        </pc:graphicFrameChg>
+        <pc:picChg chg="add mod">
+          <ac:chgData name="Leandro Daniel" userId="682bb4abc622d264" providerId="LiveId" clId="{D36B0B77-7EBF-43FD-BAD0-C4CA36CEEB36}" dt="2020-06-02T20:33:55.262" v="160" actId="1076"/>
+          <ac:picMkLst>
+            <pc:docMk/>
+            <pc:sldMk cId="533370659" sldId="361"/>
+            <ac:picMk id="4" creationId="{498183E9-36AA-4CBB-8ACC-550E5AC6AC0C}"/>
+          </ac:picMkLst>
+        </pc:picChg>
+        <pc:picChg chg="add mod ord">
+          <ac:chgData name="Leandro Daniel" userId="682bb4abc622d264" providerId="LiveId" clId="{D36B0B77-7EBF-43FD-BAD0-C4CA36CEEB36}" dt="2020-06-02T20:38:20.174" v="286" actId="164"/>
+          <ac:picMkLst>
+            <pc:docMk/>
+            <pc:sldMk cId="533370659" sldId="361"/>
+            <ac:picMk id="7" creationId="{6794E1C2-97C1-4BB4-B075-1F13439ABD34}"/>
+          </ac:picMkLst>
+        </pc:picChg>
+      </pc:sldChg>
+    </pc:docChg>
+  </pc:docChgLst>
+  <pc:docChgLst>
     <pc:chgData name="Leandro de Oliveira Daniel" userId="S::a57622988@fgv.edu.br::ff7f7cd4-1074-435c-a956-4a1fef029c30" providerId="AD" clId="Web-{1E36F6F0-6EE1-4B32-A79A-91B9EDD8AA61}"/>
     <pc:docChg chg="modSld">
       <pc:chgData name="Leandro de Oliveira Daniel" userId="S::a57622988@fgv.edu.br::ff7f7cd4-1074-435c-a956-4a1fef029c30" providerId="AD" clId="Web-{1E36F6F0-6EE1-4B32-A79A-91B9EDD8AA61}" dt="2020-05-25T21:43:26.234" v="5" actId="20577"/>
@@ -1015,386 +1293,6 @@
             <pc:docMk/>
             <pc:sldMk cId="3953857876" sldId="361"/>
             <ac:spMk id="4" creationId="{84CA2768-938F-4EEA-B0DD-BAF05149B6F5}"/>
-          </ac:spMkLst>
-        </pc:spChg>
-      </pc:sldChg>
-    </pc:docChg>
-  </pc:docChgLst>
-  <pc:docChgLst>
-    <pc:chgData name="Leandro Daniel" userId="682bb4abc622d264" providerId="LiveId" clId="{0C927506-5143-4A7D-B285-178AAC9CF657}"/>
-    <pc:docChg chg="undo custSel addSld modSld">
-      <pc:chgData name="Leandro Daniel" userId="682bb4abc622d264" providerId="LiveId" clId="{0C927506-5143-4A7D-B285-178AAC9CF657}" dt="2020-05-24T21:23:35.887" v="2500" actId="478"/>
-      <pc:docMkLst>
-        <pc:docMk/>
-      </pc:docMkLst>
-      <pc:sldChg chg="addSp modSp mod">
-        <pc:chgData name="Leandro Daniel" userId="682bb4abc622d264" providerId="LiveId" clId="{0C927506-5143-4A7D-B285-178AAC9CF657}" dt="2020-05-24T20:06:37.345" v="1071" actId="20577"/>
-        <pc:sldMkLst>
-          <pc:docMk/>
-          <pc:sldMk cId="351260889" sldId="346"/>
-        </pc:sldMkLst>
-        <pc:spChg chg="mod">
-          <ac:chgData name="Leandro Daniel" userId="682bb4abc622d264" providerId="LiveId" clId="{0C927506-5143-4A7D-B285-178AAC9CF657}" dt="2020-05-24T20:06:37.345" v="1071" actId="20577"/>
-          <ac:spMkLst>
-            <pc:docMk/>
-            <pc:sldMk cId="351260889" sldId="346"/>
-            <ac:spMk id="6" creationId="{D5F67441-A755-4247-851C-41974715F282}"/>
-          </ac:spMkLst>
-        </pc:spChg>
-        <pc:spChg chg="add mod">
-          <ac:chgData name="Leandro Daniel" userId="682bb4abc622d264" providerId="LiveId" clId="{0C927506-5143-4A7D-B285-178AAC9CF657}" dt="2020-05-24T19:13:55.199" v="610" actId="20577"/>
-          <ac:spMkLst>
-            <pc:docMk/>
-            <pc:sldMk cId="351260889" sldId="346"/>
-            <ac:spMk id="7" creationId="{F98E677B-3EA7-49FD-AAB2-91F960419DAB}"/>
-          </ac:spMkLst>
-        </pc:spChg>
-      </pc:sldChg>
-      <pc:sldChg chg="modSp mod">
-        <pc:chgData name="Leandro Daniel" userId="682bb4abc622d264" providerId="LiveId" clId="{0C927506-5143-4A7D-B285-178AAC9CF657}" dt="2020-05-24T21:22:37.469" v="2498" actId="122"/>
-        <pc:sldMkLst>
-          <pc:docMk/>
-          <pc:sldMk cId="679871842" sldId="351"/>
-        </pc:sldMkLst>
-        <pc:spChg chg="mod">
-          <ac:chgData name="Leandro Daniel" userId="682bb4abc622d264" providerId="LiveId" clId="{0C927506-5143-4A7D-B285-178AAC9CF657}" dt="2020-05-24T21:22:37.469" v="2498" actId="122"/>
-          <ac:spMkLst>
-            <pc:docMk/>
-            <pc:sldMk cId="679871842" sldId="351"/>
-            <ac:spMk id="2" creationId="{70F687BA-32A2-41BC-B72A-F28209A7F473}"/>
-          </ac:spMkLst>
-        </pc:spChg>
-        <pc:spChg chg="mod">
-          <ac:chgData name="Leandro Daniel" userId="682bb4abc622d264" providerId="LiveId" clId="{0C927506-5143-4A7D-B285-178AAC9CF657}" dt="2020-05-24T20:52:34.557" v="2351" actId="207"/>
-          <ac:spMkLst>
-            <pc:docMk/>
-            <pc:sldMk cId="679871842" sldId="351"/>
-            <ac:spMk id="3" creationId="{94B768D7-96B0-41DF-9630-0D308384D261}"/>
-          </ac:spMkLst>
-        </pc:spChg>
-      </pc:sldChg>
-      <pc:sldChg chg="addSp delSp modSp add mod">
-        <pc:chgData name="Leandro Daniel" userId="682bb4abc622d264" providerId="LiveId" clId="{0C927506-5143-4A7D-B285-178AAC9CF657}" dt="2020-05-24T20:59:51.439" v="2353" actId="1076"/>
-        <pc:sldMkLst>
-          <pc:docMk/>
-          <pc:sldMk cId="3921174963" sldId="371"/>
-        </pc:sldMkLst>
-        <pc:spChg chg="del mod">
-          <ac:chgData name="Leandro Daniel" userId="682bb4abc622d264" providerId="LiveId" clId="{0C927506-5143-4A7D-B285-178AAC9CF657}" dt="2020-05-24T19:20:16.220" v="922" actId="21"/>
-          <ac:spMkLst>
-            <pc:docMk/>
-            <pc:sldMk cId="3921174963" sldId="371"/>
-            <ac:spMk id="6" creationId="{D5F67441-A755-4247-851C-41974715F282}"/>
-          </ac:spMkLst>
-        </pc:spChg>
-        <pc:spChg chg="add mod">
-          <ac:chgData name="Leandro Daniel" userId="682bb4abc622d264" providerId="LiveId" clId="{0C927506-5143-4A7D-B285-178AAC9CF657}" dt="2020-05-24T19:13:50.901" v="609" actId="20577"/>
-          <ac:spMkLst>
-            <pc:docMk/>
-            <pc:sldMk cId="3921174963" sldId="371"/>
-            <ac:spMk id="7" creationId="{6F061871-FDA0-491B-B84B-B5AB0970885B}"/>
-          </ac:spMkLst>
-        </pc:spChg>
-        <pc:spChg chg="add del mod">
-          <ac:chgData name="Leandro Daniel" userId="682bb4abc622d264" providerId="LiveId" clId="{0C927506-5143-4A7D-B285-178AAC9CF657}" dt="2020-05-24T19:20:16.220" v="922" actId="21"/>
-          <ac:spMkLst>
-            <pc:docMk/>
-            <pc:sldMk cId="3921174963" sldId="371"/>
-            <ac:spMk id="11" creationId="{1A672CB9-5A04-4176-9D9E-55D7A9EF3CE4}"/>
-          </ac:spMkLst>
-        </pc:spChg>
-        <pc:spChg chg="add mod">
-          <ac:chgData name="Leandro Daniel" userId="682bb4abc622d264" providerId="LiveId" clId="{0C927506-5143-4A7D-B285-178AAC9CF657}" dt="2020-05-24T20:13:46.032" v="1207" actId="20577"/>
-          <ac:spMkLst>
-            <pc:docMk/>
-            <pc:sldMk cId="3921174963" sldId="371"/>
-            <ac:spMk id="14" creationId="{07CA8BF6-9A49-441F-836D-9072850A59D4}"/>
-          </ac:spMkLst>
-        </pc:spChg>
-        <pc:spChg chg="add mod">
-          <ac:chgData name="Leandro Daniel" userId="682bb4abc622d264" providerId="LiveId" clId="{0C927506-5143-4A7D-B285-178AAC9CF657}" dt="2020-05-24T20:11:30.806" v="1073" actId="20577"/>
-          <ac:spMkLst>
-            <pc:docMk/>
-            <pc:sldMk cId="3921174963" sldId="371"/>
-            <ac:spMk id="18" creationId="{E05EE9CB-CEAD-49FB-B917-F3911C866716}"/>
-          </ac:spMkLst>
-        </pc:spChg>
-        <pc:graphicFrameChg chg="add del mod">
-          <ac:chgData name="Leandro Daniel" userId="682bb4abc622d264" providerId="LiveId" clId="{0C927506-5143-4A7D-B285-178AAC9CF657}" dt="2020-05-24T19:08:11.585" v="588" actId="478"/>
-          <ac:graphicFrameMkLst>
-            <pc:docMk/>
-            <pc:sldMk cId="3921174963" sldId="371"/>
-            <ac:graphicFrameMk id="3" creationId="{439B052B-7ADE-4F71-97D8-530EF1CF479F}"/>
-          </ac:graphicFrameMkLst>
-        </pc:graphicFrameChg>
-        <pc:picChg chg="add mod">
-          <ac:chgData name="Leandro Daniel" userId="682bb4abc622d264" providerId="LiveId" clId="{0C927506-5143-4A7D-B285-178AAC9CF657}" dt="2020-05-24T20:59:51.439" v="2353" actId="1076"/>
-          <ac:picMkLst>
-            <pc:docMk/>
-            <pc:sldMk cId="3921174963" sldId="371"/>
-            <ac:picMk id="3" creationId="{36078AE8-5334-447D-AD43-BB3AF83E359B}"/>
-          </ac:picMkLst>
-        </pc:picChg>
-        <pc:picChg chg="add del mod">
-          <ac:chgData name="Leandro Daniel" userId="682bb4abc622d264" providerId="LiveId" clId="{0C927506-5143-4A7D-B285-178AAC9CF657}" dt="2020-05-24T19:20:16.220" v="922" actId="21"/>
-          <ac:picMkLst>
-            <pc:docMk/>
-            <pc:sldMk cId="3921174963" sldId="371"/>
-            <ac:picMk id="8" creationId="{AC909D0D-3174-4A96-ACF9-9162A8A5ACEC}"/>
-          </ac:picMkLst>
-        </pc:picChg>
-        <pc:picChg chg="add del mod">
-          <ac:chgData name="Leandro Daniel" userId="682bb4abc622d264" providerId="LiveId" clId="{0C927506-5143-4A7D-B285-178AAC9CF657}" dt="2020-05-24T19:20:16.220" v="922" actId="21"/>
-          <ac:picMkLst>
-            <pc:docMk/>
-            <pc:sldMk cId="3921174963" sldId="371"/>
-            <ac:picMk id="9" creationId="{4E6ABAF2-18C9-4203-BEA1-09AE83E51337}"/>
-          </ac:picMkLst>
-        </pc:picChg>
-        <pc:picChg chg="add del mod">
-          <ac:chgData name="Leandro Daniel" userId="682bb4abc622d264" providerId="LiveId" clId="{0C927506-5143-4A7D-B285-178AAC9CF657}" dt="2020-05-24T19:20:16.220" v="922" actId="21"/>
-          <ac:picMkLst>
-            <pc:docMk/>
-            <pc:sldMk cId="3921174963" sldId="371"/>
-            <ac:picMk id="10" creationId="{98AB35B6-C01B-4BC7-9234-A61B0A25D67B}"/>
-          </ac:picMkLst>
-        </pc:picChg>
-        <pc:picChg chg="add mod">
-          <ac:chgData name="Leandro Daniel" userId="682bb4abc622d264" providerId="LiveId" clId="{0C927506-5143-4A7D-B285-178AAC9CF657}" dt="2020-05-24T19:20:21.954" v="924"/>
-          <ac:picMkLst>
-            <pc:docMk/>
-            <pc:sldMk cId="3921174963" sldId="371"/>
-            <ac:picMk id="15" creationId="{2F22A74C-3364-4DD1-BBA7-38E977DAC637}"/>
-          </ac:picMkLst>
-        </pc:picChg>
-        <pc:picChg chg="add mod">
-          <ac:chgData name="Leandro Daniel" userId="682bb4abc622d264" providerId="LiveId" clId="{0C927506-5143-4A7D-B285-178AAC9CF657}" dt="2020-05-24T20:05:01.027" v="943" actId="408"/>
-          <ac:picMkLst>
-            <pc:docMk/>
-            <pc:sldMk cId="3921174963" sldId="371"/>
-            <ac:picMk id="16" creationId="{B1A27C00-ABA4-4EE5-95D2-97D339292616}"/>
-          </ac:picMkLst>
-        </pc:picChg>
-        <pc:picChg chg="add mod">
-          <ac:chgData name="Leandro Daniel" userId="682bb4abc622d264" providerId="LiveId" clId="{0C927506-5143-4A7D-B285-178AAC9CF657}" dt="2020-05-24T20:04:51.283" v="941" actId="1076"/>
-          <ac:picMkLst>
-            <pc:docMk/>
-            <pc:sldMk cId="3921174963" sldId="371"/>
-            <ac:picMk id="17" creationId="{D6CEEE49-8720-460A-9FA7-E01A051D6D3D}"/>
-          </ac:picMkLst>
-        </pc:picChg>
-        <pc:cxnChg chg="add del mod">
-          <ac:chgData name="Leandro Daniel" userId="682bb4abc622d264" providerId="LiveId" clId="{0C927506-5143-4A7D-B285-178AAC9CF657}" dt="2020-05-24T19:20:16.220" v="922" actId="21"/>
-          <ac:cxnSpMkLst>
-            <pc:docMk/>
-            <pc:sldMk cId="3921174963" sldId="371"/>
-            <ac:cxnSpMk id="13" creationId="{461DF850-D789-480D-A92B-6F9C8AB2ED91}"/>
-          </ac:cxnSpMkLst>
-        </pc:cxnChg>
-        <pc:cxnChg chg="add mod">
-          <ac:chgData name="Leandro Daniel" userId="682bb4abc622d264" providerId="LiveId" clId="{0C927506-5143-4A7D-B285-178AAC9CF657}" dt="2020-05-24T19:20:21.954" v="924"/>
-          <ac:cxnSpMkLst>
-            <pc:docMk/>
-            <pc:sldMk cId="3921174963" sldId="371"/>
-            <ac:cxnSpMk id="19" creationId="{5E198959-BDE7-4419-BDC5-99C20E0B5EC8}"/>
-          </ac:cxnSpMkLst>
-        </pc:cxnChg>
-      </pc:sldChg>
-      <pc:sldChg chg="addSp delSp modSp add mod">
-        <pc:chgData name="Leandro Daniel" userId="682bb4abc622d264" providerId="LiveId" clId="{0C927506-5143-4A7D-B285-178AAC9CF657}" dt="2020-05-24T21:23:35.887" v="2500" actId="478"/>
-        <pc:sldMkLst>
-          <pc:docMk/>
-          <pc:sldMk cId="1275928961" sldId="372"/>
-        </pc:sldMkLst>
-        <pc:spChg chg="add mod">
-          <ac:chgData name="Leandro Daniel" userId="682bb4abc622d264" providerId="LiveId" clId="{0C927506-5143-4A7D-B285-178AAC9CF657}" dt="2020-05-24T21:08:40.557" v="2372" actId="114"/>
-          <ac:spMkLst>
-            <pc:docMk/>
-            <pc:sldMk cId="1275928961" sldId="372"/>
-            <ac:spMk id="6" creationId="{AD1205DC-63D6-44A4-B20E-BC9057891E98}"/>
-          </ac:spMkLst>
-        </pc:spChg>
-        <pc:spChg chg="del">
-          <ac:chgData name="Leandro Daniel" userId="682bb4abc622d264" providerId="LiveId" clId="{0C927506-5143-4A7D-B285-178AAC9CF657}" dt="2020-05-24T19:20:11.151" v="921" actId="478"/>
-          <ac:spMkLst>
-            <pc:docMk/>
-            <pc:sldMk cId="1275928961" sldId="372"/>
-            <ac:spMk id="6" creationId="{D5F67441-A755-4247-851C-41974715F282}"/>
-          </ac:spMkLst>
-        </pc:spChg>
-        <pc:spChg chg="mod">
-          <ac:chgData name="Leandro Daniel" userId="682bb4abc622d264" providerId="LiveId" clId="{0C927506-5143-4A7D-B285-178AAC9CF657}" dt="2020-05-24T19:13:45.033" v="608" actId="20577"/>
-          <ac:spMkLst>
-            <pc:docMk/>
-            <pc:sldMk cId="1275928961" sldId="372"/>
-            <ac:spMk id="7" creationId="{6F061871-FDA0-491B-B84B-B5AB0970885B}"/>
-          </ac:spMkLst>
-        </pc:spChg>
-        <pc:spChg chg="add del mod">
-          <ac:chgData name="Leandro Daniel" userId="682bb4abc622d264" providerId="LiveId" clId="{0C927506-5143-4A7D-B285-178AAC9CF657}" dt="2020-05-24T19:20:30.316" v="925" actId="478"/>
-          <ac:spMkLst>
-            <pc:docMk/>
-            <pc:sldMk cId="1275928961" sldId="372"/>
-            <ac:spMk id="11" creationId="{96D2EE0A-E21F-4805-9CCD-AE4D58E613E5}"/>
-          </ac:spMkLst>
-        </pc:spChg>
-        <pc:spChg chg="add del mod">
-          <ac:chgData name="Leandro Daniel" userId="682bb4abc622d264" providerId="LiveId" clId="{0C927506-5143-4A7D-B285-178AAC9CF657}" dt="2020-05-24T19:20:30.316" v="925" actId="478"/>
-          <ac:spMkLst>
-            <pc:docMk/>
-            <pc:sldMk cId="1275928961" sldId="372"/>
-            <ac:spMk id="15" creationId="{101961AE-8D08-4106-ACBA-2F8DAAC4EC0F}"/>
-          </ac:spMkLst>
-        </pc:spChg>
-        <pc:spChg chg="add mod">
-          <ac:chgData name="Leandro Daniel" userId="682bb4abc622d264" providerId="LiveId" clId="{0C927506-5143-4A7D-B285-178AAC9CF657}" dt="2020-05-24T21:10:27.850" v="2392" actId="20577"/>
-          <ac:spMkLst>
-            <pc:docMk/>
-            <pc:sldMk cId="1275928961" sldId="372"/>
-            <ac:spMk id="17" creationId="{0EACA767-5D74-4C51-98B7-763F041F495E}"/>
-          </ac:spMkLst>
-        </pc:spChg>
-        <pc:grpChg chg="add mod">
-          <ac:chgData name="Leandro Daniel" userId="682bb4abc622d264" providerId="LiveId" clId="{0C927506-5143-4A7D-B285-178AAC9CF657}" dt="2020-05-24T21:08:29.985" v="2371" actId="164"/>
-          <ac:grpSpMkLst>
-            <pc:docMk/>
-            <pc:sldMk cId="1275928961" sldId="372"/>
-            <ac:grpSpMk id="8" creationId="{1E163097-A71F-4360-857F-CDF7256C8A07}"/>
-          </ac:grpSpMkLst>
-        </pc:grpChg>
-        <pc:picChg chg="add mod">
-          <ac:chgData name="Leandro Daniel" userId="682bb4abc622d264" providerId="LiveId" clId="{0C927506-5143-4A7D-B285-178AAC9CF657}" dt="2020-05-24T21:08:29.985" v="2371" actId="164"/>
-          <ac:picMkLst>
-            <pc:docMk/>
-            <pc:sldMk cId="1275928961" sldId="372"/>
-            <ac:picMk id="4" creationId="{2AFB5B40-0E71-438C-A693-F6960B64154E}"/>
-          </ac:picMkLst>
-        </pc:picChg>
-        <pc:picChg chg="del">
-          <ac:chgData name="Leandro Daniel" userId="682bb4abc622d264" providerId="LiveId" clId="{0C927506-5143-4A7D-B285-178AAC9CF657}" dt="2020-05-24T19:20:11.151" v="921" actId="478"/>
-          <ac:picMkLst>
-            <pc:docMk/>
-            <pc:sldMk cId="1275928961" sldId="372"/>
-            <ac:picMk id="8" creationId="{AC909D0D-3174-4A96-ACF9-9162A8A5ACEC}"/>
-          </ac:picMkLst>
-        </pc:picChg>
-        <pc:picChg chg="del">
-          <ac:chgData name="Leandro Daniel" userId="682bb4abc622d264" providerId="LiveId" clId="{0C927506-5143-4A7D-B285-178AAC9CF657}" dt="2020-05-24T19:20:11.151" v="921" actId="478"/>
-          <ac:picMkLst>
-            <pc:docMk/>
-            <pc:sldMk cId="1275928961" sldId="372"/>
-            <ac:picMk id="9" creationId="{4E6ABAF2-18C9-4203-BEA1-09AE83E51337}"/>
-          </ac:picMkLst>
-        </pc:picChg>
-        <pc:picChg chg="add del mod">
-          <ac:chgData name="Leandro Daniel" userId="682bb4abc622d264" providerId="LiveId" clId="{0C927506-5143-4A7D-B285-178AAC9CF657}" dt="2020-05-24T21:23:35.887" v="2500" actId="478"/>
-          <ac:picMkLst>
-            <pc:docMk/>
-            <pc:sldMk cId="1275928961" sldId="372"/>
-            <ac:picMk id="9" creationId="{AB2D39B2-8115-48EF-8277-7854546058D4}"/>
-          </ac:picMkLst>
-        </pc:picChg>
-        <pc:picChg chg="del">
-          <ac:chgData name="Leandro Daniel" userId="682bb4abc622d264" providerId="LiveId" clId="{0C927506-5143-4A7D-B285-178AAC9CF657}" dt="2020-05-24T19:20:11.151" v="921" actId="478"/>
-          <ac:picMkLst>
-            <pc:docMk/>
-            <pc:sldMk cId="1275928961" sldId="372"/>
-            <ac:picMk id="10" creationId="{98AB35B6-C01B-4BC7-9234-A61B0A25D67B}"/>
-          </ac:picMkLst>
-        </pc:picChg>
-        <pc:picChg chg="add del mod">
-          <ac:chgData name="Leandro Daniel" userId="682bb4abc622d264" providerId="LiveId" clId="{0C927506-5143-4A7D-B285-178AAC9CF657}" dt="2020-05-24T19:20:30.316" v="925" actId="478"/>
-          <ac:picMkLst>
-            <pc:docMk/>
-            <pc:sldMk cId="1275928961" sldId="372"/>
-            <ac:picMk id="12" creationId="{6FBC6350-2952-468E-A4A5-5EAFFA9C1274}"/>
-          </ac:picMkLst>
-        </pc:picChg>
-        <pc:picChg chg="add del mod">
-          <ac:chgData name="Leandro Daniel" userId="682bb4abc622d264" providerId="LiveId" clId="{0C927506-5143-4A7D-B285-178AAC9CF657}" dt="2020-05-24T19:20:30.316" v="925" actId="478"/>
-          <ac:picMkLst>
-            <pc:docMk/>
-            <pc:sldMk cId="1275928961" sldId="372"/>
-            <ac:picMk id="13" creationId="{BAB79A15-E753-407A-B7F2-23D620DE7067}"/>
-          </ac:picMkLst>
-        </pc:picChg>
-        <pc:picChg chg="add del mod">
-          <ac:chgData name="Leandro Daniel" userId="682bb4abc622d264" providerId="LiveId" clId="{0C927506-5143-4A7D-B285-178AAC9CF657}" dt="2020-05-24T19:20:30.316" v="925" actId="478"/>
-          <ac:picMkLst>
-            <pc:docMk/>
-            <pc:sldMk cId="1275928961" sldId="372"/>
-            <ac:picMk id="14" creationId="{A4711A5A-BE4E-4692-9C78-47ACAF315FE3}"/>
-          </ac:picMkLst>
-        </pc:picChg>
-        <pc:cxnChg chg="add del mod">
-          <ac:chgData name="Leandro Daniel" userId="682bb4abc622d264" providerId="LiveId" clId="{0C927506-5143-4A7D-B285-178AAC9CF657}" dt="2020-05-24T19:20:30.316" v="925" actId="478"/>
-          <ac:cxnSpMkLst>
-            <pc:docMk/>
-            <pc:sldMk cId="1275928961" sldId="372"/>
-            <ac:cxnSpMk id="16" creationId="{EA648973-512C-4670-9344-A687D2E41ED4}"/>
-          </ac:cxnSpMkLst>
-        </pc:cxnChg>
-      </pc:sldChg>
-    </pc:docChg>
-  </pc:docChgLst>
-  <pc:docChgLst>
-    <pc:chgData name="Leandro Daniel" userId="682bb4abc622d264" providerId="LiveId" clId="{95C6711F-C4DC-4686-A46D-0F032EFB60A9}"/>
-    <pc:docChg chg="modSld">
-      <pc:chgData name="Leandro Daniel" userId="682bb4abc622d264" providerId="LiveId" clId="{95C6711F-C4DC-4686-A46D-0F032EFB60A9}" dt="2020-06-01T22:00:24.671" v="0" actId="20577"/>
-      <pc:docMkLst>
-        <pc:docMk/>
-      </pc:docMkLst>
-      <pc:sldChg chg="modSp mod">
-        <pc:chgData name="Leandro Daniel" userId="682bb4abc622d264" providerId="LiveId" clId="{95C6711F-C4DC-4686-A46D-0F032EFB60A9}" dt="2020-06-01T22:00:24.671" v="0" actId="20577"/>
-        <pc:sldMkLst>
-          <pc:docMk/>
-          <pc:sldMk cId="679871842" sldId="351"/>
-        </pc:sldMkLst>
-        <pc:spChg chg="mod">
-          <ac:chgData name="Leandro Daniel" userId="682bb4abc622d264" providerId="LiveId" clId="{95C6711F-C4DC-4686-A46D-0F032EFB60A9}" dt="2020-06-01T22:00:24.671" v="0" actId="20577"/>
-          <ac:spMkLst>
-            <pc:docMk/>
-            <pc:sldMk cId="679871842" sldId="351"/>
-            <ac:spMk id="2" creationId="{70F687BA-32A2-41BC-B72A-F28209A7F473}"/>
-          </ac:spMkLst>
-        </pc:spChg>
-      </pc:sldChg>
-    </pc:docChg>
-  </pc:docChgLst>
-  <pc:docChgLst>
-    <pc:chgData name="Ricardo Lucio Braga Reis" userId="S::a57590919@fgv.edu.br::789c906b-d924-4b68-a4ad-fed37e68814f" providerId="AD" clId="Web-{8FF9442C-03F1-4696-95FD-F425B156F4E3}"/>
-    <pc:docChg chg="addSld modSld modSection">
-      <pc:chgData name="Ricardo Lucio Braga Reis" userId="S::a57590919@fgv.edu.br::789c906b-d924-4b68-a4ad-fed37e68814f" providerId="AD" clId="Web-{8FF9442C-03F1-4696-95FD-F425B156F4E3}" dt="2020-05-28T20:04:57.372" v="906" actId="20577"/>
-      <pc:docMkLst>
-        <pc:docMk/>
-      </pc:docMkLst>
-      <pc:sldChg chg="modSp">
-        <pc:chgData name="Ricardo Lucio Braga Reis" userId="S::a57590919@fgv.edu.br::789c906b-d924-4b68-a4ad-fed37e68814f" providerId="AD" clId="Web-{8FF9442C-03F1-4696-95FD-F425B156F4E3}" dt="2020-05-28T19:31:11.314" v="528" actId="20577"/>
-        <pc:sldMkLst>
-          <pc:docMk/>
-          <pc:sldMk cId="1752641579" sldId="363"/>
-        </pc:sldMkLst>
-        <pc:spChg chg="mod">
-          <ac:chgData name="Ricardo Lucio Braga Reis" userId="S::a57590919@fgv.edu.br::789c906b-d924-4b68-a4ad-fed37e68814f" providerId="AD" clId="Web-{8FF9442C-03F1-4696-95FD-F425B156F4E3}" dt="2020-05-28T19:31:11.314" v="528" actId="20577"/>
-          <ac:spMkLst>
-            <pc:docMk/>
-            <pc:sldMk cId="1752641579" sldId="363"/>
-            <ac:spMk id="4" creationId="{E4CC8CAB-3F4C-409C-8745-BB5BD7AF0FCB}"/>
-          </ac:spMkLst>
-        </pc:spChg>
-      </pc:sldChg>
-      <pc:sldChg chg="modSp add replId">
-        <pc:chgData name="Ricardo Lucio Braga Reis" userId="S::a57590919@fgv.edu.br::789c906b-d924-4b68-a4ad-fed37e68814f" providerId="AD" clId="Web-{8FF9442C-03F1-4696-95FD-F425B156F4E3}" dt="2020-05-28T20:04:57.372" v="905" actId="20577"/>
-        <pc:sldMkLst>
-          <pc:docMk/>
-          <pc:sldMk cId="1219197679" sldId="374"/>
-        </pc:sldMkLst>
-        <pc:spChg chg="mod">
-          <ac:chgData name="Ricardo Lucio Braga Reis" userId="S::a57590919@fgv.edu.br::789c906b-d924-4b68-a4ad-fed37e68814f" providerId="AD" clId="Web-{8FF9442C-03F1-4696-95FD-F425B156F4E3}" dt="2020-05-28T20:04:57.372" v="905" actId="20577"/>
-          <ac:spMkLst>
-            <pc:docMk/>
-            <pc:sldMk cId="1219197679" sldId="374"/>
-            <ac:spMk id="4" creationId="{E4CC8CAB-3F4C-409C-8745-BB5BD7AF0FCB}"/>
           </ac:spMkLst>
         </pc:spChg>
       </pc:sldChg>
@@ -3755,6 +3653,323 @@
     </pc:docChg>
   </pc:docChgLst>
   <pc:docChgLst>
+    <pc:chgData name="Leandro Daniel" userId="682bb4abc622d264" providerId="LiveId" clId="{0C927506-5143-4A7D-B285-178AAC9CF657}"/>
+    <pc:docChg chg="undo custSel addSld modSld">
+      <pc:chgData name="Leandro Daniel" userId="682bb4abc622d264" providerId="LiveId" clId="{0C927506-5143-4A7D-B285-178AAC9CF657}" dt="2020-05-24T21:23:35.887" v="2500" actId="478"/>
+      <pc:docMkLst>
+        <pc:docMk/>
+      </pc:docMkLst>
+      <pc:sldChg chg="addSp modSp mod">
+        <pc:chgData name="Leandro Daniel" userId="682bb4abc622d264" providerId="LiveId" clId="{0C927506-5143-4A7D-B285-178AAC9CF657}" dt="2020-05-24T20:06:37.345" v="1071" actId="20577"/>
+        <pc:sldMkLst>
+          <pc:docMk/>
+          <pc:sldMk cId="351260889" sldId="346"/>
+        </pc:sldMkLst>
+        <pc:spChg chg="mod">
+          <ac:chgData name="Leandro Daniel" userId="682bb4abc622d264" providerId="LiveId" clId="{0C927506-5143-4A7D-B285-178AAC9CF657}" dt="2020-05-24T20:06:37.345" v="1071" actId="20577"/>
+          <ac:spMkLst>
+            <pc:docMk/>
+            <pc:sldMk cId="351260889" sldId="346"/>
+            <ac:spMk id="6" creationId="{D5F67441-A755-4247-851C-41974715F282}"/>
+          </ac:spMkLst>
+        </pc:spChg>
+        <pc:spChg chg="add mod">
+          <ac:chgData name="Leandro Daniel" userId="682bb4abc622d264" providerId="LiveId" clId="{0C927506-5143-4A7D-B285-178AAC9CF657}" dt="2020-05-24T19:13:55.199" v="610" actId="20577"/>
+          <ac:spMkLst>
+            <pc:docMk/>
+            <pc:sldMk cId="351260889" sldId="346"/>
+            <ac:spMk id="7" creationId="{F98E677B-3EA7-49FD-AAB2-91F960419DAB}"/>
+          </ac:spMkLst>
+        </pc:spChg>
+      </pc:sldChg>
+      <pc:sldChg chg="modSp mod">
+        <pc:chgData name="Leandro Daniel" userId="682bb4abc622d264" providerId="LiveId" clId="{0C927506-5143-4A7D-B285-178AAC9CF657}" dt="2020-05-24T21:22:37.469" v="2498" actId="122"/>
+        <pc:sldMkLst>
+          <pc:docMk/>
+          <pc:sldMk cId="679871842" sldId="351"/>
+        </pc:sldMkLst>
+        <pc:spChg chg="mod">
+          <ac:chgData name="Leandro Daniel" userId="682bb4abc622d264" providerId="LiveId" clId="{0C927506-5143-4A7D-B285-178AAC9CF657}" dt="2020-05-24T21:22:37.469" v="2498" actId="122"/>
+          <ac:spMkLst>
+            <pc:docMk/>
+            <pc:sldMk cId="679871842" sldId="351"/>
+            <ac:spMk id="2" creationId="{70F687BA-32A2-41BC-B72A-F28209A7F473}"/>
+          </ac:spMkLst>
+        </pc:spChg>
+        <pc:spChg chg="mod">
+          <ac:chgData name="Leandro Daniel" userId="682bb4abc622d264" providerId="LiveId" clId="{0C927506-5143-4A7D-B285-178AAC9CF657}" dt="2020-05-24T20:52:34.557" v="2351" actId="207"/>
+          <ac:spMkLst>
+            <pc:docMk/>
+            <pc:sldMk cId="679871842" sldId="351"/>
+            <ac:spMk id="3" creationId="{94B768D7-96B0-41DF-9630-0D308384D261}"/>
+          </ac:spMkLst>
+        </pc:spChg>
+      </pc:sldChg>
+      <pc:sldChg chg="addSp delSp modSp add mod">
+        <pc:chgData name="Leandro Daniel" userId="682bb4abc622d264" providerId="LiveId" clId="{0C927506-5143-4A7D-B285-178AAC9CF657}" dt="2020-05-24T20:59:51.439" v="2353" actId="1076"/>
+        <pc:sldMkLst>
+          <pc:docMk/>
+          <pc:sldMk cId="3921174963" sldId="371"/>
+        </pc:sldMkLst>
+        <pc:spChg chg="del mod">
+          <ac:chgData name="Leandro Daniel" userId="682bb4abc622d264" providerId="LiveId" clId="{0C927506-5143-4A7D-B285-178AAC9CF657}" dt="2020-05-24T19:20:16.220" v="922" actId="21"/>
+          <ac:spMkLst>
+            <pc:docMk/>
+            <pc:sldMk cId="3921174963" sldId="371"/>
+            <ac:spMk id="6" creationId="{D5F67441-A755-4247-851C-41974715F282}"/>
+          </ac:spMkLst>
+        </pc:spChg>
+        <pc:spChg chg="add mod">
+          <ac:chgData name="Leandro Daniel" userId="682bb4abc622d264" providerId="LiveId" clId="{0C927506-5143-4A7D-B285-178AAC9CF657}" dt="2020-05-24T19:13:50.901" v="609" actId="20577"/>
+          <ac:spMkLst>
+            <pc:docMk/>
+            <pc:sldMk cId="3921174963" sldId="371"/>
+            <ac:spMk id="7" creationId="{6F061871-FDA0-491B-B84B-B5AB0970885B}"/>
+          </ac:spMkLst>
+        </pc:spChg>
+        <pc:spChg chg="add del mod">
+          <ac:chgData name="Leandro Daniel" userId="682bb4abc622d264" providerId="LiveId" clId="{0C927506-5143-4A7D-B285-178AAC9CF657}" dt="2020-05-24T19:20:16.220" v="922" actId="21"/>
+          <ac:spMkLst>
+            <pc:docMk/>
+            <pc:sldMk cId="3921174963" sldId="371"/>
+            <ac:spMk id="11" creationId="{1A672CB9-5A04-4176-9D9E-55D7A9EF3CE4}"/>
+          </ac:spMkLst>
+        </pc:spChg>
+        <pc:spChg chg="add mod">
+          <ac:chgData name="Leandro Daniel" userId="682bb4abc622d264" providerId="LiveId" clId="{0C927506-5143-4A7D-B285-178AAC9CF657}" dt="2020-05-24T20:13:46.032" v="1207" actId="20577"/>
+          <ac:spMkLst>
+            <pc:docMk/>
+            <pc:sldMk cId="3921174963" sldId="371"/>
+            <ac:spMk id="14" creationId="{07CA8BF6-9A49-441F-836D-9072850A59D4}"/>
+          </ac:spMkLst>
+        </pc:spChg>
+        <pc:spChg chg="add mod">
+          <ac:chgData name="Leandro Daniel" userId="682bb4abc622d264" providerId="LiveId" clId="{0C927506-5143-4A7D-B285-178AAC9CF657}" dt="2020-05-24T20:11:30.806" v="1073" actId="20577"/>
+          <ac:spMkLst>
+            <pc:docMk/>
+            <pc:sldMk cId="3921174963" sldId="371"/>
+            <ac:spMk id="18" creationId="{E05EE9CB-CEAD-49FB-B917-F3911C866716}"/>
+          </ac:spMkLst>
+        </pc:spChg>
+        <pc:graphicFrameChg chg="add del mod">
+          <ac:chgData name="Leandro Daniel" userId="682bb4abc622d264" providerId="LiveId" clId="{0C927506-5143-4A7D-B285-178AAC9CF657}" dt="2020-05-24T19:08:11.585" v="588" actId="478"/>
+          <ac:graphicFrameMkLst>
+            <pc:docMk/>
+            <pc:sldMk cId="3921174963" sldId="371"/>
+            <ac:graphicFrameMk id="3" creationId="{439B052B-7ADE-4F71-97D8-530EF1CF479F}"/>
+          </ac:graphicFrameMkLst>
+        </pc:graphicFrameChg>
+        <pc:picChg chg="add mod">
+          <ac:chgData name="Leandro Daniel" userId="682bb4abc622d264" providerId="LiveId" clId="{0C927506-5143-4A7D-B285-178AAC9CF657}" dt="2020-05-24T20:59:51.439" v="2353" actId="1076"/>
+          <ac:picMkLst>
+            <pc:docMk/>
+            <pc:sldMk cId="3921174963" sldId="371"/>
+            <ac:picMk id="3" creationId="{36078AE8-5334-447D-AD43-BB3AF83E359B}"/>
+          </ac:picMkLst>
+        </pc:picChg>
+        <pc:picChg chg="add del mod">
+          <ac:chgData name="Leandro Daniel" userId="682bb4abc622d264" providerId="LiveId" clId="{0C927506-5143-4A7D-B285-178AAC9CF657}" dt="2020-05-24T19:20:16.220" v="922" actId="21"/>
+          <ac:picMkLst>
+            <pc:docMk/>
+            <pc:sldMk cId="3921174963" sldId="371"/>
+            <ac:picMk id="8" creationId="{AC909D0D-3174-4A96-ACF9-9162A8A5ACEC}"/>
+          </ac:picMkLst>
+        </pc:picChg>
+        <pc:picChg chg="add del mod">
+          <ac:chgData name="Leandro Daniel" userId="682bb4abc622d264" providerId="LiveId" clId="{0C927506-5143-4A7D-B285-178AAC9CF657}" dt="2020-05-24T19:20:16.220" v="922" actId="21"/>
+          <ac:picMkLst>
+            <pc:docMk/>
+            <pc:sldMk cId="3921174963" sldId="371"/>
+            <ac:picMk id="9" creationId="{4E6ABAF2-18C9-4203-BEA1-09AE83E51337}"/>
+          </ac:picMkLst>
+        </pc:picChg>
+        <pc:picChg chg="add del mod">
+          <ac:chgData name="Leandro Daniel" userId="682bb4abc622d264" providerId="LiveId" clId="{0C927506-5143-4A7D-B285-178AAC9CF657}" dt="2020-05-24T19:20:16.220" v="922" actId="21"/>
+          <ac:picMkLst>
+            <pc:docMk/>
+            <pc:sldMk cId="3921174963" sldId="371"/>
+            <ac:picMk id="10" creationId="{98AB35B6-C01B-4BC7-9234-A61B0A25D67B}"/>
+          </ac:picMkLst>
+        </pc:picChg>
+        <pc:picChg chg="add mod">
+          <ac:chgData name="Leandro Daniel" userId="682bb4abc622d264" providerId="LiveId" clId="{0C927506-5143-4A7D-B285-178AAC9CF657}" dt="2020-05-24T19:20:21.954" v="924"/>
+          <ac:picMkLst>
+            <pc:docMk/>
+            <pc:sldMk cId="3921174963" sldId="371"/>
+            <ac:picMk id="15" creationId="{2F22A74C-3364-4DD1-BBA7-38E977DAC637}"/>
+          </ac:picMkLst>
+        </pc:picChg>
+        <pc:picChg chg="add mod">
+          <ac:chgData name="Leandro Daniel" userId="682bb4abc622d264" providerId="LiveId" clId="{0C927506-5143-4A7D-B285-178AAC9CF657}" dt="2020-05-24T20:05:01.027" v="943" actId="408"/>
+          <ac:picMkLst>
+            <pc:docMk/>
+            <pc:sldMk cId="3921174963" sldId="371"/>
+            <ac:picMk id="16" creationId="{B1A27C00-ABA4-4EE5-95D2-97D339292616}"/>
+          </ac:picMkLst>
+        </pc:picChg>
+        <pc:picChg chg="add mod">
+          <ac:chgData name="Leandro Daniel" userId="682bb4abc622d264" providerId="LiveId" clId="{0C927506-5143-4A7D-B285-178AAC9CF657}" dt="2020-05-24T20:04:51.283" v="941" actId="1076"/>
+          <ac:picMkLst>
+            <pc:docMk/>
+            <pc:sldMk cId="3921174963" sldId="371"/>
+            <ac:picMk id="17" creationId="{D6CEEE49-8720-460A-9FA7-E01A051D6D3D}"/>
+          </ac:picMkLst>
+        </pc:picChg>
+        <pc:cxnChg chg="add del mod">
+          <ac:chgData name="Leandro Daniel" userId="682bb4abc622d264" providerId="LiveId" clId="{0C927506-5143-4A7D-B285-178AAC9CF657}" dt="2020-05-24T19:20:16.220" v="922" actId="21"/>
+          <ac:cxnSpMkLst>
+            <pc:docMk/>
+            <pc:sldMk cId="3921174963" sldId="371"/>
+            <ac:cxnSpMk id="13" creationId="{461DF850-D789-480D-A92B-6F9C8AB2ED91}"/>
+          </ac:cxnSpMkLst>
+        </pc:cxnChg>
+        <pc:cxnChg chg="add mod">
+          <ac:chgData name="Leandro Daniel" userId="682bb4abc622d264" providerId="LiveId" clId="{0C927506-5143-4A7D-B285-178AAC9CF657}" dt="2020-05-24T19:20:21.954" v="924"/>
+          <ac:cxnSpMkLst>
+            <pc:docMk/>
+            <pc:sldMk cId="3921174963" sldId="371"/>
+            <ac:cxnSpMk id="19" creationId="{5E198959-BDE7-4419-BDC5-99C20E0B5EC8}"/>
+          </ac:cxnSpMkLst>
+        </pc:cxnChg>
+      </pc:sldChg>
+      <pc:sldChg chg="addSp delSp modSp add mod">
+        <pc:chgData name="Leandro Daniel" userId="682bb4abc622d264" providerId="LiveId" clId="{0C927506-5143-4A7D-B285-178AAC9CF657}" dt="2020-05-24T21:23:35.887" v="2500" actId="478"/>
+        <pc:sldMkLst>
+          <pc:docMk/>
+          <pc:sldMk cId="1275928961" sldId="372"/>
+        </pc:sldMkLst>
+        <pc:spChg chg="add mod">
+          <ac:chgData name="Leandro Daniel" userId="682bb4abc622d264" providerId="LiveId" clId="{0C927506-5143-4A7D-B285-178AAC9CF657}" dt="2020-05-24T21:08:40.557" v="2372" actId="114"/>
+          <ac:spMkLst>
+            <pc:docMk/>
+            <pc:sldMk cId="1275928961" sldId="372"/>
+            <ac:spMk id="6" creationId="{AD1205DC-63D6-44A4-B20E-BC9057891E98}"/>
+          </ac:spMkLst>
+        </pc:spChg>
+        <pc:spChg chg="del">
+          <ac:chgData name="Leandro Daniel" userId="682bb4abc622d264" providerId="LiveId" clId="{0C927506-5143-4A7D-B285-178AAC9CF657}" dt="2020-05-24T19:20:11.151" v="921" actId="478"/>
+          <ac:spMkLst>
+            <pc:docMk/>
+            <pc:sldMk cId="1275928961" sldId="372"/>
+            <ac:spMk id="6" creationId="{D5F67441-A755-4247-851C-41974715F282}"/>
+          </ac:spMkLst>
+        </pc:spChg>
+        <pc:spChg chg="mod">
+          <ac:chgData name="Leandro Daniel" userId="682bb4abc622d264" providerId="LiveId" clId="{0C927506-5143-4A7D-B285-178AAC9CF657}" dt="2020-05-24T19:13:45.033" v="608" actId="20577"/>
+          <ac:spMkLst>
+            <pc:docMk/>
+            <pc:sldMk cId="1275928961" sldId="372"/>
+            <ac:spMk id="7" creationId="{6F061871-FDA0-491B-B84B-B5AB0970885B}"/>
+          </ac:spMkLst>
+        </pc:spChg>
+        <pc:spChg chg="add del mod">
+          <ac:chgData name="Leandro Daniel" userId="682bb4abc622d264" providerId="LiveId" clId="{0C927506-5143-4A7D-B285-178AAC9CF657}" dt="2020-05-24T19:20:30.316" v="925" actId="478"/>
+          <ac:spMkLst>
+            <pc:docMk/>
+            <pc:sldMk cId="1275928961" sldId="372"/>
+            <ac:spMk id="11" creationId="{96D2EE0A-E21F-4805-9CCD-AE4D58E613E5}"/>
+          </ac:spMkLst>
+        </pc:spChg>
+        <pc:spChg chg="add del mod">
+          <ac:chgData name="Leandro Daniel" userId="682bb4abc622d264" providerId="LiveId" clId="{0C927506-5143-4A7D-B285-178AAC9CF657}" dt="2020-05-24T19:20:30.316" v="925" actId="478"/>
+          <ac:spMkLst>
+            <pc:docMk/>
+            <pc:sldMk cId="1275928961" sldId="372"/>
+            <ac:spMk id="15" creationId="{101961AE-8D08-4106-ACBA-2F8DAAC4EC0F}"/>
+          </ac:spMkLst>
+        </pc:spChg>
+        <pc:spChg chg="add mod">
+          <ac:chgData name="Leandro Daniel" userId="682bb4abc622d264" providerId="LiveId" clId="{0C927506-5143-4A7D-B285-178AAC9CF657}" dt="2020-05-24T21:10:27.850" v="2392" actId="20577"/>
+          <ac:spMkLst>
+            <pc:docMk/>
+            <pc:sldMk cId="1275928961" sldId="372"/>
+            <ac:spMk id="17" creationId="{0EACA767-5D74-4C51-98B7-763F041F495E}"/>
+          </ac:spMkLst>
+        </pc:spChg>
+        <pc:grpChg chg="add mod">
+          <ac:chgData name="Leandro Daniel" userId="682bb4abc622d264" providerId="LiveId" clId="{0C927506-5143-4A7D-B285-178AAC9CF657}" dt="2020-05-24T21:08:29.985" v="2371" actId="164"/>
+          <ac:grpSpMkLst>
+            <pc:docMk/>
+            <pc:sldMk cId="1275928961" sldId="372"/>
+            <ac:grpSpMk id="8" creationId="{1E163097-A71F-4360-857F-CDF7256C8A07}"/>
+          </ac:grpSpMkLst>
+        </pc:grpChg>
+        <pc:picChg chg="add mod">
+          <ac:chgData name="Leandro Daniel" userId="682bb4abc622d264" providerId="LiveId" clId="{0C927506-5143-4A7D-B285-178AAC9CF657}" dt="2020-05-24T21:08:29.985" v="2371" actId="164"/>
+          <ac:picMkLst>
+            <pc:docMk/>
+            <pc:sldMk cId="1275928961" sldId="372"/>
+            <ac:picMk id="4" creationId="{2AFB5B40-0E71-438C-A693-F6960B64154E}"/>
+          </ac:picMkLst>
+        </pc:picChg>
+        <pc:picChg chg="del">
+          <ac:chgData name="Leandro Daniel" userId="682bb4abc622d264" providerId="LiveId" clId="{0C927506-5143-4A7D-B285-178AAC9CF657}" dt="2020-05-24T19:20:11.151" v="921" actId="478"/>
+          <ac:picMkLst>
+            <pc:docMk/>
+            <pc:sldMk cId="1275928961" sldId="372"/>
+            <ac:picMk id="8" creationId="{AC909D0D-3174-4A96-ACF9-9162A8A5ACEC}"/>
+          </ac:picMkLst>
+        </pc:picChg>
+        <pc:picChg chg="del">
+          <ac:chgData name="Leandro Daniel" userId="682bb4abc622d264" providerId="LiveId" clId="{0C927506-5143-4A7D-B285-178AAC9CF657}" dt="2020-05-24T19:20:11.151" v="921" actId="478"/>
+          <ac:picMkLst>
+            <pc:docMk/>
+            <pc:sldMk cId="1275928961" sldId="372"/>
+            <ac:picMk id="9" creationId="{4E6ABAF2-18C9-4203-BEA1-09AE83E51337}"/>
+          </ac:picMkLst>
+        </pc:picChg>
+        <pc:picChg chg="add del mod">
+          <ac:chgData name="Leandro Daniel" userId="682bb4abc622d264" providerId="LiveId" clId="{0C927506-5143-4A7D-B285-178AAC9CF657}" dt="2020-05-24T21:23:35.887" v="2500" actId="478"/>
+          <ac:picMkLst>
+            <pc:docMk/>
+            <pc:sldMk cId="1275928961" sldId="372"/>
+            <ac:picMk id="9" creationId="{AB2D39B2-8115-48EF-8277-7854546058D4}"/>
+          </ac:picMkLst>
+        </pc:picChg>
+        <pc:picChg chg="del">
+          <ac:chgData name="Leandro Daniel" userId="682bb4abc622d264" providerId="LiveId" clId="{0C927506-5143-4A7D-B285-178AAC9CF657}" dt="2020-05-24T19:20:11.151" v="921" actId="478"/>
+          <ac:picMkLst>
+            <pc:docMk/>
+            <pc:sldMk cId="1275928961" sldId="372"/>
+            <ac:picMk id="10" creationId="{98AB35B6-C01B-4BC7-9234-A61B0A25D67B}"/>
+          </ac:picMkLst>
+        </pc:picChg>
+        <pc:picChg chg="add del mod">
+          <ac:chgData name="Leandro Daniel" userId="682bb4abc622d264" providerId="LiveId" clId="{0C927506-5143-4A7D-B285-178AAC9CF657}" dt="2020-05-24T19:20:30.316" v="925" actId="478"/>
+          <ac:picMkLst>
+            <pc:docMk/>
+            <pc:sldMk cId="1275928961" sldId="372"/>
+            <ac:picMk id="12" creationId="{6FBC6350-2952-468E-A4A5-5EAFFA9C1274}"/>
+          </ac:picMkLst>
+        </pc:picChg>
+        <pc:picChg chg="add del mod">
+          <ac:chgData name="Leandro Daniel" userId="682bb4abc622d264" providerId="LiveId" clId="{0C927506-5143-4A7D-B285-178AAC9CF657}" dt="2020-05-24T19:20:30.316" v="925" actId="478"/>
+          <ac:picMkLst>
+            <pc:docMk/>
+            <pc:sldMk cId="1275928961" sldId="372"/>
+            <ac:picMk id="13" creationId="{BAB79A15-E753-407A-B7F2-23D620DE7067}"/>
+          </ac:picMkLst>
+        </pc:picChg>
+        <pc:picChg chg="add del mod">
+          <ac:chgData name="Leandro Daniel" userId="682bb4abc622d264" providerId="LiveId" clId="{0C927506-5143-4A7D-B285-178AAC9CF657}" dt="2020-05-24T19:20:30.316" v="925" actId="478"/>
+          <ac:picMkLst>
+            <pc:docMk/>
+            <pc:sldMk cId="1275928961" sldId="372"/>
+            <ac:picMk id="14" creationId="{A4711A5A-BE4E-4692-9C78-47ACAF315FE3}"/>
+          </ac:picMkLst>
+        </pc:picChg>
+        <pc:cxnChg chg="add del mod">
+          <ac:chgData name="Leandro Daniel" userId="682bb4abc622d264" providerId="LiveId" clId="{0C927506-5143-4A7D-B285-178AAC9CF657}" dt="2020-05-24T19:20:30.316" v="925" actId="478"/>
+          <ac:cxnSpMkLst>
+            <pc:docMk/>
+            <pc:sldMk cId="1275928961" sldId="372"/>
+            <ac:cxnSpMk id="16" creationId="{EA648973-512C-4670-9344-A687D2E41ED4}"/>
+          </ac:cxnSpMkLst>
+        </pc:cxnChg>
+      </pc:sldChg>
+    </pc:docChg>
+  </pc:docChgLst>
+  <pc:docChgLst>
     <pc:chgData name="Ricardo Lucio Braga Reis" userId="S::a57590919@fgv.edu.br::789c906b-d924-4b68-a4ad-fed37e68814f" providerId="AD" clId="Web-{16EAE22F-EB20-8B31-C2E7-E2D9869D9D38}"/>
     <pc:docChg chg="addSld modSld modSection">
       <pc:chgData name="Ricardo Lucio Braga Reis" userId="S::a57590919@fgv.edu.br::789c906b-d924-4b68-a4ad-fed37e68814f" providerId="AD" clId="Web-{16EAE22F-EB20-8B31-C2E7-E2D9869D9D38}" dt="2020-05-27T15:37:46.309" v="451" actId="20577"/>
@@ -3882,6 +4097,107 @@
             <pc:docMk/>
             <pc:sldMk cId="2557986528" sldId="373"/>
             <ac:spMk id="7" creationId="{6F061871-FDA0-491B-B84B-B5AB0970885B}"/>
+          </ac:spMkLst>
+        </pc:spChg>
+      </pc:sldChg>
+    </pc:docChg>
+  </pc:docChgLst>
+  <pc:docChgLst>
+    <pc:chgData name="Daniel Ferraz de Campos Filho" userId="S::a57635769@fgv.edu.br::8866a242-fb0b-48c9-aa11-19162637424d" providerId="AD" clId="Web-{3F63DED3-F8B6-4F38-9A8E-AC084F28D19E}"/>
+    <pc:docChg chg="modSld">
+      <pc:chgData name="Daniel Ferraz de Campos Filho" userId="S::a57635769@fgv.edu.br::8866a242-fb0b-48c9-aa11-19162637424d" providerId="AD" clId="Web-{3F63DED3-F8B6-4F38-9A8E-AC084F28D19E}" dt="2020-05-30T21:20:11.969" v="453" actId="20577"/>
+      <pc:docMkLst>
+        <pc:docMk/>
+      </pc:docMkLst>
+      <pc:sldChg chg="modSp">
+        <pc:chgData name="Daniel Ferraz de Campos Filho" userId="S::a57635769@fgv.edu.br::8866a242-fb0b-48c9-aa11-19162637424d" providerId="AD" clId="Web-{3F63DED3-F8B6-4F38-9A8E-AC084F28D19E}" dt="2020-05-30T20:56:03.315" v="121" actId="20577"/>
+        <pc:sldMkLst>
+          <pc:docMk/>
+          <pc:sldMk cId="3953857876" sldId="361"/>
+        </pc:sldMkLst>
+        <pc:spChg chg="mod">
+          <ac:chgData name="Daniel Ferraz de Campos Filho" userId="S::a57635769@fgv.edu.br::8866a242-fb0b-48c9-aa11-19162637424d" providerId="AD" clId="Web-{3F63DED3-F8B6-4F38-9A8E-AC084F28D19E}" dt="2020-05-30T20:56:03.315" v="121" actId="20577"/>
+          <ac:spMkLst>
+            <pc:docMk/>
+            <pc:sldMk cId="3953857876" sldId="361"/>
+            <ac:spMk id="4" creationId="{84CA2768-938F-4EEA-B0DD-BAF05149B6F5}"/>
+          </ac:spMkLst>
+        </pc:spChg>
+      </pc:sldChg>
+      <pc:sldChg chg="modSp">
+        <pc:chgData name="Daniel Ferraz de Campos Filho" userId="S::a57635769@fgv.edu.br::8866a242-fb0b-48c9-aa11-19162637424d" providerId="AD" clId="Web-{3F63DED3-F8B6-4F38-9A8E-AC084F28D19E}" dt="2020-05-30T21:03:16.620" v="154" actId="20577"/>
+        <pc:sldMkLst>
+          <pc:docMk/>
+          <pc:sldMk cId="1752641579" sldId="363"/>
+        </pc:sldMkLst>
+        <pc:spChg chg="mod">
+          <ac:chgData name="Daniel Ferraz de Campos Filho" userId="S::a57635769@fgv.edu.br::8866a242-fb0b-48c9-aa11-19162637424d" providerId="AD" clId="Web-{3F63DED3-F8B6-4F38-9A8E-AC084F28D19E}" dt="2020-05-30T21:03:16.620" v="154" actId="20577"/>
+          <ac:spMkLst>
+            <pc:docMk/>
+            <pc:sldMk cId="1752641579" sldId="363"/>
+            <ac:spMk id="4" creationId="{E4CC8CAB-3F4C-409C-8745-BB5BD7AF0FCB}"/>
+          </ac:spMkLst>
+        </pc:spChg>
+      </pc:sldChg>
+      <pc:sldChg chg="addSp delSp modSp">
+        <pc:chgData name="Daniel Ferraz de Campos Filho" userId="S::a57635769@fgv.edu.br::8866a242-fb0b-48c9-aa11-19162637424d" providerId="AD" clId="Web-{3F63DED3-F8B6-4F38-9A8E-AC084F28D19E}" dt="2020-05-30T21:20:11.969" v="452" actId="20577"/>
+        <pc:sldMkLst>
+          <pc:docMk/>
+          <pc:sldMk cId="1219197679" sldId="374"/>
+        </pc:sldMkLst>
+        <pc:spChg chg="mod">
+          <ac:chgData name="Daniel Ferraz de Campos Filho" userId="S::a57635769@fgv.edu.br::8866a242-fb0b-48c9-aa11-19162637424d" providerId="AD" clId="Web-{3F63DED3-F8B6-4F38-9A8E-AC084F28D19E}" dt="2020-05-30T21:20:11.969" v="452" actId="20577"/>
+          <ac:spMkLst>
+            <pc:docMk/>
+            <pc:sldMk cId="1219197679" sldId="374"/>
+            <ac:spMk id="4" creationId="{E4CC8CAB-3F4C-409C-8745-BB5BD7AF0FCB}"/>
+          </ac:spMkLst>
+        </pc:spChg>
+        <pc:graphicFrameChg chg="add del mod">
+          <ac:chgData name="Daniel Ferraz de Campos Filho" userId="S::a57635769@fgv.edu.br::8866a242-fb0b-48c9-aa11-19162637424d" providerId="AD" clId="Web-{3F63DED3-F8B6-4F38-9A8E-AC084F28D19E}" dt="2020-05-30T21:11:08.864" v="230"/>
+          <ac:graphicFrameMkLst>
+            <pc:docMk/>
+            <pc:sldMk cId="1219197679" sldId="374"/>
+            <ac:graphicFrameMk id="7" creationId="{697D41A9-A512-40CC-BBCE-290DA15CB751}"/>
+          </ac:graphicFrameMkLst>
+        </pc:graphicFrameChg>
+      </pc:sldChg>
+      <pc:sldChg chg="modSp">
+        <pc:chgData name="Daniel Ferraz de Campos Filho" userId="S::a57635769@fgv.edu.br::8866a242-fb0b-48c9-aa11-19162637424d" providerId="AD" clId="Web-{3F63DED3-F8B6-4F38-9A8E-AC084F28D19E}" dt="2020-05-30T21:18:50.916" v="415" actId="20577"/>
+        <pc:sldMkLst>
+          <pc:docMk/>
+          <pc:sldMk cId="2356196915" sldId="377"/>
+        </pc:sldMkLst>
+        <pc:spChg chg="mod">
+          <ac:chgData name="Daniel Ferraz de Campos Filho" userId="S::a57635769@fgv.edu.br::8866a242-fb0b-48c9-aa11-19162637424d" providerId="AD" clId="Web-{3F63DED3-F8B6-4F38-9A8E-AC084F28D19E}" dt="2020-05-30T21:18:50.916" v="415" actId="20577"/>
+          <ac:spMkLst>
+            <pc:docMk/>
+            <pc:sldMk cId="2356196915" sldId="377"/>
+            <ac:spMk id="7" creationId="{CE3762FA-4222-4801-A067-946EE71C9A52}"/>
+          </ac:spMkLst>
+        </pc:spChg>
+      </pc:sldChg>
+    </pc:docChg>
+  </pc:docChgLst>
+  <pc:docChgLst>
+    <pc:chgData name="Ricardo Lucio Braga Reis" userId="S::a57590919@fgv.edu.br::789c906b-d924-4b68-a4ad-fed37e68814f" providerId="AD" clId="Web-{AA03B29D-5316-9A96-B91F-F6CBA42BD17D}"/>
+    <pc:docChg chg="modSld">
+      <pc:chgData name="Ricardo Lucio Braga Reis" userId="S::a57590919@fgv.edu.br::789c906b-d924-4b68-a4ad-fed37e68814f" providerId="AD" clId="Web-{AA03B29D-5316-9A96-B91F-F6CBA42BD17D}" dt="2020-05-30T22:08:55.251" v="204" actId="20577"/>
+      <pc:docMkLst>
+        <pc:docMk/>
+      </pc:docMkLst>
+      <pc:sldChg chg="modSp">
+        <pc:chgData name="Ricardo Lucio Braga Reis" userId="S::a57590919@fgv.edu.br::789c906b-d924-4b68-a4ad-fed37e68814f" providerId="AD" clId="Web-{AA03B29D-5316-9A96-B91F-F6CBA42BD17D}" dt="2020-05-30T22:08:12.515" v="202" actId="20577"/>
+        <pc:sldMkLst>
+          <pc:docMk/>
+          <pc:sldMk cId="2356196915" sldId="377"/>
+        </pc:sldMkLst>
+        <pc:spChg chg="mod">
+          <ac:chgData name="Ricardo Lucio Braga Reis" userId="S::a57590919@fgv.edu.br::789c906b-d924-4b68-a4ad-fed37e68814f" providerId="AD" clId="Web-{AA03B29D-5316-9A96-B91F-F6CBA42BD17D}" dt="2020-05-30T22:08:12.515" v="202" actId="20577"/>
+          <ac:spMkLst>
+            <pc:docMk/>
+            <pc:sldMk cId="2356196915" sldId="377"/>
+            <ac:spMk id="7" creationId="{CE3762FA-4222-4801-A067-946EE71C9A52}"/>
           </ac:spMkLst>
         </pc:spChg>
       </pc:sldChg>
@@ -4044,155 +4360,15 @@
       </pc:sldMasterChg>
     </pc:docChg>
   </pc:docChgLst>
-  <pc:docChgLst>
-    <pc:chgData name="Ricardo Lucio Braga Reis" userId="S::a57590919@fgv.edu.br::789c906b-d924-4b68-a4ad-fed37e68814f" providerId="AD" clId="Web-{AA03B29D-5316-9A96-B91F-F6CBA42BD17D}"/>
-    <pc:docChg chg="modSld">
-      <pc:chgData name="Ricardo Lucio Braga Reis" userId="S::a57590919@fgv.edu.br::789c906b-d924-4b68-a4ad-fed37e68814f" providerId="AD" clId="Web-{AA03B29D-5316-9A96-B91F-F6CBA42BD17D}" dt="2020-05-30T22:08:55.251" v="204" actId="20577"/>
-      <pc:docMkLst>
-        <pc:docMk/>
-      </pc:docMkLst>
-      <pc:sldChg chg="modSp">
-        <pc:chgData name="Ricardo Lucio Braga Reis" userId="S::a57590919@fgv.edu.br::789c906b-d924-4b68-a4ad-fed37e68814f" providerId="AD" clId="Web-{AA03B29D-5316-9A96-B91F-F6CBA42BD17D}" dt="2020-05-30T22:08:12.515" v="202" actId="20577"/>
-        <pc:sldMkLst>
-          <pc:docMk/>
-          <pc:sldMk cId="2356196915" sldId="377"/>
-        </pc:sldMkLst>
-        <pc:spChg chg="mod">
-          <ac:chgData name="Ricardo Lucio Braga Reis" userId="S::a57590919@fgv.edu.br::789c906b-d924-4b68-a4ad-fed37e68814f" providerId="AD" clId="Web-{AA03B29D-5316-9A96-B91F-F6CBA42BD17D}" dt="2020-05-30T22:08:12.515" v="202" actId="20577"/>
-          <ac:spMkLst>
-            <pc:docMk/>
-            <pc:sldMk cId="2356196915" sldId="377"/>
-            <ac:spMk id="7" creationId="{CE3762FA-4222-4801-A067-946EE71C9A52}"/>
-          </ac:spMkLst>
-        </pc:spChg>
-      </pc:sldChg>
-    </pc:docChg>
-  </pc:docChgLst>
-  <pc:docChgLst>
-    <pc:chgData name="Daniel Ferraz de Campos Filho" userId="S::a57635769@fgv.edu.br::8866a242-fb0b-48c9-aa11-19162637424d" providerId="AD" clId="Web-{3F63DED3-F8B6-4F38-9A8E-AC084F28D19E}"/>
-    <pc:docChg chg="modSld">
-      <pc:chgData name="Daniel Ferraz de Campos Filho" userId="S::a57635769@fgv.edu.br::8866a242-fb0b-48c9-aa11-19162637424d" providerId="AD" clId="Web-{3F63DED3-F8B6-4F38-9A8E-AC084F28D19E}" dt="2020-05-30T21:20:11.969" v="453" actId="20577"/>
-      <pc:docMkLst>
-        <pc:docMk/>
-      </pc:docMkLst>
-      <pc:sldChg chg="modSp">
-        <pc:chgData name="Daniel Ferraz de Campos Filho" userId="S::a57635769@fgv.edu.br::8866a242-fb0b-48c9-aa11-19162637424d" providerId="AD" clId="Web-{3F63DED3-F8B6-4F38-9A8E-AC084F28D19E}" dt="2020-05-30T20:56:03.315" v="121" actId="20577"/>
-        <pc:sldMkLst>
-          <pc:docMk/>
-          <pc:sldMk cId="3953857876" sldId="361"/>
-        </pc:sldMkLst>
-        <pc:spChg chg="mod">
-          <ac:chgData name="Daniel Ferraz de Campos Filho" userId="S::a57635769@fgv.edu.br::8866a242-fb0b-48c9-aa11-19162637424d" providerId="AD" clId="Web-{3F63DED3-F8B6-4F38-9A8E-AC084F28D19E}" dt="2020-05-30T20:56:03.315" v="121" actId="20577"/>
-          <ac:spMkLst>
-            <pc:docMk/>
-            <pc:sldMk cId="3953857876" sldId="361"/>
-            <ac:spMk id="4" creationId="{84CA2768-938F-4EEA-B0DD-BAF05149B6F5}"/>
-          </ac:spMkLst>
-        </pc:spChg>
-      </pc:sldChg>
-      <pc:sldChg chg="modSp">
-        <pc:chgData name="Daniel Ferraz de Campos Filho" userId="S::a57635769@fgv.edu.br::8866a242-fb0b-48c9-aa11-19162637424d" providerId="AD" clId="Web-{3F63DED3-F8B6-4F38-9A8E-AC084F28D19E}" dt="2020-05-30T21:03:16.620" v="154" actId="20577"/>
-        <pc:sldMkLst>
-          <pc:docMk/>
-          <pc:sldMk cId="1752641579" sldId="363"/>
-        </pc:sldMkLst>
-        <pc:spChg chg="mod">
-          <ac:chgData name="Daniel Ferraz de Campos Filho" userId="S::a57635769@fgv.edu.br::8866a242-fb0b-48c9-aa11-19162637424d" providerId="AD" clId="Web-{3F63DED3-F8B6-4F38-9A8E-AC084F28D19E}" dt="2020-05-30T21:03:16.620" v="154" actId="20577"/>
-          <ac:spMkLst>
-            <pc:docMk/>
-            <pc:sldMk cId="1752641579" sldId="363"/>
-            <ac:spMk id="4" creationId="{E4CC8CAB-3F4C-409C-8745-BB5BD7AF0FCB}"/>
-          </ac:spMkLst>
-        </pc:spChg>
-      </pc:sldChg>
-      <pc:sldChg chg="addSp delSp modSp">
-        <pc:chgData name="Daniel Ferraz de Campos Filho" userId="S::a57635769@fgv.edu.br::8866a242-fb0b-48c9-aa11-19162637424d" providerId="AD" clId="Web-{3F63DED3-F8B6-4F38-9A8E-AC084F28D19E}" dt="2020-05-30T21:20:11.969" v="452" actId="20577"/>
-        <pc:sldMkLst>
-          <pc:docMk/>
-          <pc:sldMk cId="1219197679" sldId="374"/>
-        </pc:sldMkLst>
-        <pc:spChg chg="mod">
-          <ac:chgData name="Daniel Ferraz de Campos Filho" userId="S::a57635769@fgv.edu.br::8866a242-fb0b-48c9-aa11-19162637424d" providerId="AD" clId="Web-{3F63DED3-F8B6-4F38-9A8E-AC084F28D19E}" dt="2020-05-30T21:20:11.969" v="452" actId="20577"/>
-          <ac:spMkLst>
-            <pc:docMk/>
-            <pc:sldMk cId="1219197679" sldId="374"/>
-            <ac:spMk id="4" creationId="{E4CC8CAB-3F4C-409C-8745-BB5BD7AF0FCB}"/>
-          </ac:spMkLst>
-        </pc:spChg>
-        <pc:graphicFrameChg chg="add del mod">
-          <ac:chgData name="Daniel Ferraz de Campos Filho" userId="S::a57635769@fgv.edu.br::8866a242-fb0b-48c9-aa11-19162637424d" providerId="AD" clId="Web-{3F63DED3-F8B6-4F38-9A8E-AC084F28D19E}" dt="2020-05-30T21:11:08.864" v="230"/>
-          <ac:graphicFrameMkLst>
-            <pc:docMk/>
-            <pc:sldMk cId="1219197679" sldId="374"/>
-            <ac:graphicFrameMk id="7" creationId="{697D41A9-A512-40CC-BBCE-290DA15CB751}"/>
-          </ac:graphicFrameMkLst>
-        </pc:graphicFrameChg>
-      </pc:sldChg>
-      <pc:sldChg chg="modSp">
-        <pc:chgData name="Daniel Ferraz de Campos Filho" userId="S::a57635769@fgv.edu.br::8866a242-fb0b-48c9-aa11-19162637424d" providerId="AD" clId="Web-{3F63DED3-F8B6-4F38-9A8E-AC084F28D19E}" dt="2020-05-30T21:18:50.916" v="415" actId="20577"/>
-        <pc:sldMkLst>
-          <pc:docMk/>
-          <pc:sldMk cId="2356196915" sldId="377"/>
-        </pc:sldMkLst>
-        <pc:spChg chg="mod">
-          <ac:chgData name="Daniel Ferraz de Campos Filho" userId="S::a57635769@fgv.edu.br::8866a242-fb0b-48c9-aa11-19162637424d" providerId="AD" clId="Web-{3F63DED3-F8B6-4F38-9A8E-AC084F28D19E}" dt="2020-05-30T21:18:50.916" v="415" actId="20577"/>
-          <ac:spMkLst>
-            <pc:docMk/>
-            <pc:sldMk cId="2356196915" sldId="377"/>
-            <ac:spMk id="7" creationId="{CE3762FA-4222-4801-A067-946EE71C9A52}"/>
-          </ac:spMkLst>
-        </pc:spChg>
-      </pc:sldChg>
-    </pc:docChg>
-  </pc:docChgLst>
-  <pc:docChgLst>
-    <pc:chgData name="Leandro Daniel" userId="682bb4abc622d264" providerId="LiveId" clId="{7AC88094-A1D5-4FA0-8F56-B6E6CBB30C7C}"/>
-    <pc:docChg chg="undo custSel modSld">
-      <pc:chgData name="Leandro Daniel" userId="682bb4abc622d264" providerId="LiveId" clId="{7AC88094-A1D5-4FA0-8F56-B6E6CBB30C7C}" dt="2020-05-30T22:15:00.993" v="15" actId="20577"/>
-      <pc:docMkLst>
-        <pc:docMk/>
-      </pc:docMkLst>
-      <pc:sldChg chg="modSp mod">
-        <pc:chgData name="Leandro Daniel" userId="682bb4abc622d264" providerId="LiveId" clId="{7AC88094-A1D5-4FA0-8F56-B6E6CBB30C7C}" dt="2020-05-30T22:13:40.576" v="0" actId="20577"/>
-        <pc:sldMkLst>
-          <pc:docMk/>
-          <pc:sldMk cId="679871842" sldId="351"/>
-        </pc:sldMkLst>
-        <pc:spChg chg="mod">
-          <ac:chgData name="Leandro Daniel" userId="682bb4abc622d264" providerId="LiveId" clId="{7AC88094-A1D5-4FA0-8F56-B6E6CBB30C7C}" dt="2020-05-30T22:13:40.576" v="0" actId="20577"/>
-          <ac:spMkLst>
-            <pc:docMk/>
-            <pc:sldMk cId="679871842" sldId="351"/>
-            <ac:spMk id="2" creationId="{70F687BA-32A2-41BC-B72A-F28209A7F473}"/>
-          </ac:spMkLst>
-        </pc:spChg>
-      </pc:sldChg>
-      <pc:sldChg chg="modSp mod">
-        <pc:chgData name="Leandro Daniel" userId="682bb4abc622d264" providerId="LiveId" clId="{7AC88094-A1D5-4FA0-8F56-B6E6CBB30C7C}" dt="2020-05-30T22:15:00.993" v="15" actId="20577"/>
-        <pc:sldMkLst>
-          <pc:docMk/>
-          <pc:sldMk cId="2356196915" sldId="377"/>
-        </pc:sldMkLst>
-        <pc:spChg chg="mod">
-          <ac:chgData name="Leandro Daniel" userId="682bb4abc622d264" providerId="LiveId" clId="{7AC88094-A1D5-4FA0-8F56-B6E6CBB30C7C}" dt="2020-05-30T22:15:00.993" v="15" actId="20577"/>
-          <ac:spMkLst>
-            <pc:docMk/>
-            <pc:sldMk cId="2356196915" sldId="377"/>
-            <ac:spMk id="7" creationId="{CE3762FA-4222-4801-A067-946EE71C9A52}"/>
-          </ac:spMkLst>
-        </pc:spChg>
-      </pc:sldChg>
-    </pc:docChg>
-  </pc:docChgLst>
 </pc:chgInfo>
 </file>
 
 <file path=ppt/diagrams/colors1.xml><?xml version="1.0" encoding="utf-8"?>
-<dgm:colorsDef xmlns:dgm="http://schemas.openxmlformats.org/drawingml/2006/diagram" xmlns:a="http://schemas.openxmlformats.org/drawingml/2006/main" uniqueId="urn:microsoft.com/office/officeart/2005/8/colors/accent1_2">
+<dgm:colorsDef xmlns:dgm="http://schemas.openxmlformats.org/drawingml/2006/diagram" xmlns:a="http://schemas.openxmlformats.org/drawingml/2006/main" uniqueId="urn:microsoft.com/office/officeart/2005/8/colors/colorful1">
   <dgm:title val=""/>
   <dgm:desc val=""/>
   <dgm:catLst>
-    <dgm:cat type="accent1" pri="11200"/>
+    <dgm:cat type="colorful" pri="10100"/>
   </dgm:catLst>
   <dgm:styleLbl name="node0">
     <dgm:fillClrLst meth="repeat">
@@ -4206,21 +4382,13 @@
     <dgm:txFillClrLst/>
     <dgm:txEffectClrLst/>
   </dgm:styleLbl>
-  <dgm:styleLbl name="alignNode1">
-    <dgm:fillClrLst meth="repeat">
-      <a:schemeClr val="accent1"/>
-    </dgm:fillClrLst>
-    <dgm:linClrLst meth="repeat">
-      <a:schemeClr val="accent1"/>
-    </dgm:linClrLst>
-    <dgm:effectClrLst/>
-    <dgm:txLinClrLst/>
-    <dgm:txFillClrLst/>
-    <dgm:txEffectClrLst/>
-  </dgm:styleLbl>
   <dgm:styleLbl name="node1">
     <dgm:fillClrLst meth="repeat">
-      <a:schemeClr val="accent1"/>
+      <a:schemeClr val="accent2"/>
+      <a:schemeClr val="accent3"/>
+      <a:schemeClr val="accent4"/>
+      <a:schemeClr val="accent5"/>
+      <a:schemeClr val="accent6"/>
     </dgm:fillClrLst>
     <dgm:linClrLst meth="repeat">
       <a:schemeClr val="lt1"/>
@@ -4230,9 +4398,33 @@
     <dgm:txFillClrLst/>
     <dgm:txEffectClrLst/>
   </dgm:styleLbl>
+  <dgm:styleLbl name="alignNode1">
+    <dgm:fillClrLst meth="repeat">
+      <a:schemeClr val="accent2"/>
+      <a:schemeClr val="accent3"/>
+      <a:schemeClr val="accent4"/>
+      <a:schemeClr val="accent5"/>
+      <a:schemeClr val="accent6"/>
+    </dgm:fillClrLst>
+    <dgm:linClrLst meth="repeat">
+      <a:schemeClr val="accent2"/>
+      <a:schemeClr val="accent3"/>
+      <a:schemeClr val="accent4"/>
+      <a:schemeClr val="accent5"/>
+      <a:schemeClr val="accent6"/>
+    </dgm:linClrLst>
+    <dgm:effectClrLst/>
+    <dgm:txLinClrLst/>
+    <dgm:txFillClrLst/>
+    <dgm:txEffectClrLst/>
+  </dgm:styleLbl>
   <dgm:styleLbl name="lnNode1">
     <dgm:fillClrLst meth="repeat">
-      <a:schemeClr val="accent1"/>
+      <a:schemeClr val="accent2"/>
+      <a:schemeClr val="accent3"/>
+      <a:schemeClr val="accent4"/>
+      <a:schemeClr val="accent5"/>
+      <a:schemeClr val="accent6"/>
     </dgm:fillClrLst>
     <dgm:linClrLst meth="repeat">
       <a:schemeClr val="lt1"/>
@@ -4244,7 +4436,19 @@
   </dgm:styleLbl>
   <dgm:styleLbl name="vennNode1">
     <dgm:fillClrLst meth="repeat">
-      <a:schemeClr val="accent1">
+      <a:schemeClr val="accent2">
+        <a:alpha val="50000"/>
+      </a:schemeClr>
+      <a:schemeClr val="accent3">
+        <a:alpha val="50000"/>
+      </a:schemeClr>
+      <a:schemeClr val="accent4">
+        <a:alpha val="50000"/>
+      </a:schemeClr>
+      <a:schemeClr val="accent5">
+        <a:alpha val="50000"/>
+      </a:schemeClr>
+      <a:schemeClr val="accent6">
         <a:alpha val="50000"/>
       </a:schemeClr>
     </dgm:fillClrLst>
@@ -4257,8 +4461,8 @@
     <dgm:txEffectClrLst/>
   </dgm:styleLbl>
   <dgm:styleLbl name="node2">
-    <dgm:fillClrLst meth="repeat">
-      <a:schemeClr val="accent1"/>
+    <dgm:fillClrLst>
+      <a:schemeClr val="accent2"/>
     </dgm:fillClrLst>
     <dgm:linClrLst meth="repeat">
       <a:schemeClr val="lt1"/>
@@ -4269,8 +4473,8 @@
     <dgm:txEffectClrLst/>
   </dgm:styleLbl>
   <dgm:styleLbl name="node3">
-    <dgm:fillClrLst meth="repeat">
-      <a:schemeClr val="accent1"/>
+    <dgm:fillClrLst>
+      <a:schemeClr val="accent3"/>
     </dgm:fillClrLst>
     <dgm:linClrLst meth="repeat">
       <a:schemeClr val="lt1"/>
@@ -4281,8 +4485,8 @@
     <dgm:txEffectClrLst/>
   </dgm:styleLbl>
   <dgm:styleLbl name="node4">
-    <dgm:fillClrLst meth="repeat">
-      <a:schemeClr val="accent1"/>
+    <dgm:fillClrLst>
+      <a:schemeClr val="accent4"/>
     </dgm:fillClrLst>
     <dgm:linClrLst meth="repeat">
       <a:schemeClr val="lt1"/>
@@ -4294,7 +4498,19 @@
   </dgm:styleLbl>
   <dgm:styleLbl name="fgImgPlace1">
     <dgm:fillClrLst meth="repeat">
-      <a:schemeClr val="accent1">
+      <a:schemeClr val="accent2">
+        <a:tint val="50000"/>
+      </a:schemeClr>
+      <a:schemeClr val="accent3">
+        <a:tint val="50000"/>
+      </a:schemeClr>
+      <a:schemeClr val="accent4">
+        <a:tint val="50000"/>
+      </a:schemeClr>
+      <a:schemeClr val="accent5">
+        <a:tint val="50000"/>
+      </a:schemeClr>
+      <a:schemeClr val="accent6">
         <a:tint val="50000"/>
       </a:schemeClr>
     </dgm:fillClrLst>
@@ -4309,9 +4525,12 @@
     <dgm:txEffectClrLst/>
   </dgm:styleLbl>
   <dgm:styleLbl name="alignImgPlace1">
-    <dgm:fillClrLst meth="repeat">
+    <dgm:fillClrLst>
       <a:schemeClr val="accent1">
         <a:tint val="50000"/>
+      </a:schemeClr>
+      <a:schemeClr val="accent2">
+        <a:tint val="20000"/>
       </a:schemeClr>
     </dgm:fillClrLst>
     <dgm:linClrLst meth="repeat">
@@ -4325,9 +4544,12 @@
     <dgm:txEffectClrLst/>
   </dgm:styleLbl>
   <dgm:styleLbl name="bgImgPlace1">
-    <dgm:fillClrLst meth="repeat">
+    <dgm:fillClrLst>
       <a:schemeClr val="accent1">
         <a:tint val="50000"/>
+      </a:schemeClr>
+      <a:schemeClr val="accent2">
+        <a:tint val="20000"/>
       </a:schemeClr>
     </dgm:fillClrLst>
     <dgm:linClrLst meth="repeat">
@@ -4342,14 +4564,14 @@
   </dgm:styleLbl>
   <dgm:styleLbl name="sibTrans2D1">
     <dgm:fillClrLst meth="repeat">
-      <a:schemeClr val="accent1">
-        <a:tint val="60000"/>
-      </a:schemeClr>
+      <a:schemeClr val="accent2"/>
+      <a:schemeClr val="accent3"/>
+      <a:schemeClr val="accent4"/>
+      <a:schemeClr val="accent5"/>
+      <a:schemeClr val="accent6"/>
     </dgm:fillClrLst>
-    <dgm:linClrLst meth="repeat">
-      <a:schemeClr val="accent1">
-        <a:tint val="60000"/>
-      </a:schemeClr>
+    <dgm:linClrLst meth="cycle">
+      <a:schemeClr val="lt1"/>
     </dgm:linClrLst>
     <dgm:effectClrLst/>
     <dgm:txLinClrLst/>
@@ -4358,42 +4580,54 @@
   </dgm:styleLbl>
   <dgm:styleLbl name="fgSibTrans2D1">
     <dgm:fillClrLst meth="repeat">
-      <a:schemeClr val="accent1">
-        <a:tint val="60000"/>
-      </a:schemeClr>
+      <a:schemeClr val="accent2"/>
+      <a:schemeClr val="accent3"/>
+      <a:schemeClr val="accent4"/>
+      <a:schemeClr val="accent5"/>
+      <a:schemeClr val="accent6"/>
     </dgm:fillClrLst>
-    <dgm:linClrLst meth="repeat">
-      <a:schemeClr val="accent1">
-        <a:tint val="60000"/>
-      </a:schemeClr>
+    <dgm:linClrLst meth="cycle">
+      <a:schemeClr val="lt1"/>
     </dgm:linClrLst>
     <dgm:effectClrLst/>
     <dgm:txLinClrLst/>
-    <dgm:txFillClrLst/>
+    <dgm:txFillClrLst meth="repeat">
+      <a:schemeClr val="lt1"/>
+    </dgm:txFillClrLst>
     <dgm:txEffectClrLst/>
   </dgm:styleLbl>
   <dgm:styleLbl name="bgSibTrans2D1">
     <dgm:fillClrLst meth="repeat">
-      <a:schemeClr val="accent1">
-        <a:tint val="60000"/>
-      </a:schemeClr>
+      <a:schemeClr val="accent2"/>
+      <a:schemeClr val="accent3"/>
+      <a:schemeClr val="accent4"/>
+      <a:schemeClr val="accent5"/>
+      <a:schemeClr val="accent6"/>
     </dgm:fillClrLst>
-    <dgm:linClrLst meth="repeat">
-      <a:schemeClr val="accent1">
-        <a:tint val="60000"/>
-      </a:schemeClr>
+    <dgm:linClrLst meth="cycle">
+      <a:schemeClr val="lt1"/>
     </dgm:linClrLst>
     <dgm:effectClrLst/>
     <dgm:txLinClrLst/>
-    <dgm:txFillClrLst/>
+    <dgm:txFillClrLst meth="repeat">
+      <a:schemeClr val="lt1"/>
+    </dgm:txFillClrLst>
     <dgm:txEffectClrLst/>
   </dgm:styleLbl>
   <dgm:styleLbl name="sibTrans1D1">
     <dgm:fillClrLst meth="repeat">
-      <a:schemeClr val="accent1"/>
+      <a:schemeClr val="accent2"/>
+      <a:schemeClr val="accent3"/>
+      <a:schemeClr val="accent4"/>
+      <a:schemeClr val="accent5"/>
+      <a:schemeClr val="accent6"/>
     </dgm:fillClrLst>
     <dgm:linClrLst meth="repeat">
-      <a:schemeClr val="accent1"/>
+      <a:schemeClr val="accent2"/>
+      <a:schemeClr val="accent3"/>
+      <a:schemeClr val="accent4"/>
+      <a:schemeClr val="accent5"/>
+      <a:schemeClr val="accent6"/>
     </dgm:linClrLst>
     <dgm:effectClrLst/>
     <dgm:txLinClrLst/>
@@ -4404,10 +4638,10 @@
   </dgm:styleLbl>
   <dgm:styleLbl name="callout">
     <dgm:fillClrLst meth="repeat">
-      <a:schemeClr val="accent1"/>
+      <a:schemeClr val="accent2"/>
     </dgm:fillClrLst>
     <dgm:linClrLst meth="repeat">
-      <a:schemeClr val="accent1">
+      <a:schemeClr val="accent2">
         <a:tint val="50000"/>
       </a:schemeClr>
     </dgm:linClrLst>
@@ -4432,7 +4666,7 @@
   </dgm:styleLbl>
   <dgm:styleLbl name="asst1">
     <dgm:fillClrLst meth="repeat">
-      <a:schemeClr val="accent1"/>
+      <a:schemeClr val="accent2"/>
     </dgm:fillClrLst>
     <dgm:linClrLst meth="repeat">
       <a:schemeClr val="lt1"/>
@@ -4443,8 +4677,8 @@
     <dgm:txEffectClrLst/>
   </dgm:styleLbl>
   <dgm:styleLbl name="asst2">
-    <dgm:fillClrLst meth="repeat">
-      <a:schemeClr val="accent1"/>
+    <dgm:fillClrLst>
+      <a:schemeClr val="accent3"/>
     </dgm:fillClrLst>
     <dgm:linClrLst meth="repeat">
       <a:schemeClr val="lt1"/>
@@ -4455,8 +4689,8 @@
     <dgm:txEffectClrLst/>
   </dgm:styleLbl>
   <dgm:styleLbl name="asst3">
-    <dgm:fillClrLst meth="repeat">
-      <a:schemeClr val="accent1"/>
+    <dgm:fillClrLst>
+      <a:schemeClr val="accent4"/>
     </dgm:fillClrLst>
     <dgm:linClrLst meth="repeat">
       <a:schemeClr val="lt1"/>
@@ -4467,8 +4701,8 @@
     <dgm:txEffectClrLst/>
   </dgm:styleLbl>
   <dgm:styleLbl name="asst4">
-    <dgm:fillClrLst meth="repeat">
-      <a:schemeClr val="accent1"/>
+    <dgm:fillClrLst>
+      <a:schemeClr val="accent5"/>
     </dgm:fillClrLst>
     <dgm:linClrLst meth="repeat">
       <a:schemeClr val="lt1"/>
@@ -4480,14 +4714,10 @@
   </dgm:styleLbl>
   <dgm:styleLbl name="parChTrans2D1">
     <dgm:fillClrLst meth="repeat">
-      <a:schemeClr val="accent1">
-        <a:tint val="60000"/>
-      </a:schemeClr>
+      <a:schemeClr val="accent2"/>
     </dgm:fillClrLst>
     <dgm:linClrLst meth="repeat">
-      <a:schemeClr val="accent1">
-        <a:tint val="60000"/>
-      </a:schemeClr>
+      <a:schemeClr val="lt1"/>
     </dgm:linClrLst>
     <dgm:effectClrLst/>
     <dgm:txLinClrLst/>
@@ -4498,38 +4728,34 @@
   </dgm:styleLbl>
   <dgm:styleLbl name="parChTrans2D2">
     <dgm:fillClrLst meth="repeat">
-      <a:schemeClr val="accent1"/>
+      <a:schemeClr val="accent3"/>
     </dgm:fillClrLst>
     <dgm:linClrLst meth="repeat">
-      <a:schemeClr val="accent1"/>
+      <a:schemeClr val="lt1"/>
     </dgm:linClrLst>
     <dgm:effectClrLst/>
     <dgm:txLinClrLst/>
-    <dgm:txFillClrLst meth="repeat">
-      <a:schemeClr val="lt1"/>
-    </dgm:txFillClrLst>
+    <dgm:txFillClrLst/>
     <dgm:txEffectClrLst/>
   </dgm:styleLbl>
   <dgm:styleLbl name="parChTrans2D3">
     <dgm:fillClrLst meth="repeat">
-      <a:schemeClr val="accent1"/>
+      <a:schemeClr val="accent4"/>
     </dgm:fillClrLst>
     <dgm:linClrLst meth="repeat">
-      <a:schemeClr val="accent1"/>
+      <a:schemeClr val="lt1"/>
     </dgm:linClrLst>
     <dgm:effectClrLst/>
     <dgm:txLinClrLst/>
-    <dgm:txFillClrLst meth="repeat">
-      <a:schemeClr val="lt1"/>
-    </dgm:txFillClrLst>
+    <dgm:txFillClrLst/>
     <dgm:txEffectClrLst/>
   </dgm:styleLbl>
   <dgm:styleLbl name="parChTrans2D4">
     <dgm:fillClrLst meth="repeat">
-      <a:schemeClr val="accent1"/>
+      <a:schemeClr val="accent5"/>
     </dgm:fillClrLst>
     <dgm:linClrLst meth="repeat">
-      <a:schemeClr val="accent1"/>
+      <a:schemeClr val="lt1"/>
     </dgm:linClrLst>
     <dgm:effectClrLst/>
     <dgm:txLinClrLst/>
@@ -4540,12 +4766,10 @@
   </dgm:styleLbl>
   <dgm:styleLbl name="parChTrans1D1">
     <dgm:fillClrLst meth="repeat">
-      <a:schemeClr val="accent1"/>
+      <a:schemeClr val="accent2"/>
     </dgm:fillClrLst>
     <dgm:linClrLst meth="repeat">
-      <a:schemeClr val="accent1">
-        <a:shade val="60000"/>
-      </a:schemeClr>
+      <a:schemeClr val="accent1"/>
     </dgm:linClrLst>
     <dgm:effectClrLst/>
     <dgm:txLinClrLst/>
@@ -4556,12 +4780,12 @@
   </dgm:styleLbl>
   <dgm:styleLbl name="parChTrans1D2">
     <dgm:fillClrLst meth="repeat">
-      <a:schemeClr val="accent1"/>
+      <a:schemeClr val="accent3">
+        <a:tint val="90000"/>
+      </a:schemeClr>
     </dgm:fillClrLst>
     <dgm:linClrLst meth="repeat">
-      <a:schemeClr val="accent1">
-        <a:shade val="60000"/>
-      </a:schemeClr>
+      <a:schemeClr val="accent2"/>
     </dgm:linClrLst>
     <dgm:effectClrLst/>
     <dgm:txLinClrLst/>
@@ -4572,12 +4796,12 @@
   </dgm:styleLbl>
   <dgm:styleLbl name="parChTrans1D3">
     <dgm:fillClrLst meth="repeat">
-      <a:schemeClr val="accent1"/>
+      <a:schemeClr val="accent4">
+        <a:tint val="70000"/>
+      </a:schemeClr>
     </dgm:fillClrLst>
     <dgm:linClrLst meth="repeat">
-      <a:schemeClr val="accent1">
-        <a:shade val="80000"/>
-      </a:schemeClr>
+      <a:schemeClr val="accent3"/>
     </dgm:linClrLst>
     <dgm:effectClrLst/>
     <dgm:txLinClrLst/>
@@ -4588,12 +4812,12 @@
   </dgm:styleLbl>
   <dgm:styleLbl name="parChTrans1D4">
     <dgm:fillClrLst meth="repeat">
-      <a:schemeClr val="accent1"/>
+      <a:schemeClr val="accent5">
+        <a:tint val="50000"/>
+      </a:schemeClr>
     </dgm:fillClrLst>
     <dgm:linClrLst meth="repeat">
-      <a:schemeClr val="accent1">
-        <a:shade val="80000"/>
-      </a:schemeClr>
+      <a:schemeClr val="accent4"/>
     </dgm:linClrLst>
     <dgm:effectClrLst/>
     <dgm:txLinClrLst/>
@@ -4609,7 +4833,11 @@
       </a:schemeClr>
     </dgm:fillClrLst>
     <dgm:linClrLst meth="repeat">
-      <a:schemeClr val="accent1"/>
+      <a:schemeClr val="accent2"/>
+      <a:schemeClr val="accent3"/>
+      <a:schemeClr val="accent4"/>
+      <a:schemeClr val="accent5"/>
+      <a:schemeClr val="accent6"/>
     </dgm:linClrLst>
     <dgm:effectClrLst/>
     <dgm:txLinClrLst/>
@@ -4625,7 +4853,11 @@
       </a:schemeClr>
     </dgm:fillClrLst>
     <dgm:linClrLst meth="repeat">
-      <a:schemeClr val="accent1"/>
+      <a:schemeClr val="accent2"/>
+      <a:schemeClr val="accent3"/>
+      <a:schemeClr val="accent4"/>
+      <a:schemeClr val="accent5"/>
+      <a:schemeClr val="accent6"/>
     </dgm:linClrLst>
     <dgm:effectClrLst/>
     <dgm:txLinClrLst/>
@@ -4641,7 +4873,11 @@
       </a:schemeClr>
     </dgm:fillClrLst>
     <dgm:linClrLst meth="repeat">
-      <a:schemeClr val="accent1"/>
+      <a:schemeClr val="accent2"/>
+      <a:schemeClr val="accent3"/>
+      <a:schemeClr val="accent4"/>
+      <a:schemeClr val="accent5"/>
+      <a:schemeClr val="accent6"/>
     </dgm:linClrLst>
     <dgm:effectClrLst/>
     <dgm:txLinClrLst/>
@@ -4673,7 +4909,11 @@
       </a:schemeClr>
     </dgm:fillClrLst>
     <dgm:linClrLst meth="repeat">
-      <a:schemeClr val="accent1"/>
+      <a:schemeClr val="accent2"/>
+      <a:schemeClr val="accent3"/>
+      <a:schemeClr val="accent4"/>
+      <a:schemeClr val="accent5"/>
+      <a:schemeClr val="accent6"/>
     </dgm:linClrLst>
     <dgm:effectClrLst/>
     <dgm:txLinClrLst/>
@@ -4687,7 +4927,11 @@
       <a:schemeClr val="lt1"/>
     </dgm:fillClrLst>
     <dgm:linClrLst meth="repeat">
-      <a:schemeClr val="accent1"/>
+      <a:schemeClr val="accent2"/>
+      <a:schemeClr val="accent3"/>
+      <a:schemeClr val="accent4"/>
+      <a:schemeClr val="accent5"/>
+      <a:schemeClr val="accent6"/>
     </dgm:linClrLst>
     <dgm:effectClrLst/>
     <dgm:txLinClrLst/>
@@ -4701,7 +4945,11 @@
       <a:schemeClr val="lt1"/>
     </dgm:fillClrLst>
     <dgm:linClrLst meth="repeat">
-      <a:schemeClr val="accent1"/>
+      <a:schemeClr val="accent2"/>
+      <a:schemeClr val="accent3"/>
+      <a:schemeClr val="accent4"/>
+      <a:schemeClr val="accent5"/>
+      <a:schemeClr val="accent6"/>
     </dgm:linClrLst>
     <dgm:effectClrLst/>
     <dgm:txLinClrLst/>
@@ -4715,7 +4963,11 @@
       <a:schemeClr val="lt1"/>
     </dgm:fillClrLst>
     <dgm:linClrLst meth="repeat">
-      <a:schemeClr val="accent1"/>
+      <a:schemeClr val="accent2"/>
+      <a:schemeClr val="accent3"/>
+      <a:schemeClr val="accent4"/>
+      <a:schemeClr val="accent5"/>
+      <a:schemeClr val="accent6"/>
     </dgm:linClrLst>
     <dgm:effectClrLst/>
     <dgm:txLinClrLst/>
@@ -4726,15 +4978,47 @@
   </dgm:styleLbl>
   <dgm:styleLbl name="fgAccFollowNode1">
     <dgm:fillClrLst meth="repeat">
-      <a:schemeClr val="accent1">
+      <a:schemeClr val="accent2">
+        <a:tint val="40000"/>
         <a:alpha val="90000"/>
+      </a:schemeClr>
+      <a:schemeClr val="accent3">
         <a:tint val="40000"/>
+        <a:alpha val="90000"/>
+      </a:schemeClr>
+      <a:schemeClr val="accent4">
+        <a:tint val="40000"/>
+        <a:alpha val="90000"/>
+      </a:schemeClr>
+      <a:schemeClr val="accent5">
+        <a:tint val="40000"/>
+        <a:alpha val="90000"/>
+      </a:schemeClr>
+      <a:schemeClr val="accent6">
+        <a:tint val="40000"/>
+        <a:alpha val="90000"/>
       </a:schemeClr>
     </dgm:fillClrLst>
     <dgm:linClrLst meth="repeat">
-      <a:schemeClr val="accent1">
+      <a:schemeClr val="accent2">
+        <a:tint val="40000"/>
         <a:alpha val="90000"/>
+      </a:schemeClr>
+      <a:schemeClr val="accent3">
         <a:tint val="40000"/>
+        <a:alpha val="90000"/>
+      </a:schemeClr>
+      <a:schemeClr val="accent4">
+        <a:tint val="40000"/>
+        <a:alpha val="90000"/>
+      </a:schemeClr>
+      <a:schemeClr val="accent5">
+        <a:tint val="40000"/>
+        <a:alpha val="90000"/>
+      </a:schemeClr>
+      <a:schemeClr val="accent6">
+        <a:tint val="40000"/>
+        <a:alpha val="90000"/>
       </a:schemeClr>
     </dgm:linClrLst>
     <dgm:effectClrLst/>
@@ -4746,15 +5030,47 @@
   </dgm:styleLbl>
   <dgm:styleLbl name="alignAccFollowNode1">
     <dgm:fillClrLst meth="repeat">
-      <a:schemeClr val="accent1">
+      <a:schemeClr val="accent2">
+        <a:tint val="40000"/>
         <a:alpha val="90000"/>
+      </a:schemeClr>
+      <a:schemeClr val="accent3">
         <a:tint val="40000"/>
+        <a:alpha val="90000"/>
+      </a:schemeClr>
+      <a:schemeClr val="accent4">
+        <a:tint val="40000"/>
+        <a:alpha val="90000"/>
+      </a:schemeClr>
+      <a:schemeClr val="accent5">
+        <a:tint val="40000"/>
+        <a:alpha val="90000"/>
+      </a:schemeClr>
+      <a:schemeClr val="accent6">
+        <a:tint val="40000"/>
+        <a:alpha val="90000"/>
       </a:schemeClr>
     </dgm:fillClrLst>
     <dgm:linClrLst meth="repeat">
-      <a:schemeClr val="accent1">
+      <a:schemeClr val="accent2">
+        <a:tint val="40000"/>
         <a:alpha val="90000"/>
+      </a:schemeClr>
+      <a:schemeClr val="accent3">
         <a:tint val="40000"/>
+        <a:alpha val="90000"/>
+      </a:schemeClr>
+      <a:schemeClr val="accent4">
+        <a:tint val="40000"/>
+        <a:alpha val="90000"/>
+      </a:schemeClr>
+      <a:schemeClr val="accent5">
+        <a:tint val="40000"/>
+        <a:alpha val="90000"/>
+      </a:schemeClr>
+      <a:schemeClr val="accent6">
+        <a:tint val="40000"/>
+        <a:alpha val="90000"/>
       </a:schemeClr>
     </dgm:linClrLst>
     <dgm:effectClrLst/>
@@ -4766,15 +5082,47 @@
   </dgm:styleLbl>
   <dgm:styleLbl name="bgAccFollowNode1">
     <dgm:fillClrLst meth="repeat">
-      <a:schemeClr val="accent1">
+      <a:schemeClr val="accent2">
+        <a:tint val="40000"/>
         <a:alpha val="90000"/>
+      </a:schemeClr>
+      <a:schemeClr val="accent3">
         <a:tint val="40000"/>
+        <a:alpha val="90000"/>
+      </a:schemeClr>
+      <a:schemeClr val="accent4">
+        <a:tint val="40000"/>
+        <a:alpha val="90000"/>
+      </a:schemeClr>
+      <a:schemeClr val="accent5">
+        <a:tint val="40000"/>
+        <a:alpha val="90000"/>
+      </a:schemeClr>
+      <a:schemeClr val="accent6">
+        <a:tint val="40000"/>
+        <a:alpha val="90000"/>
       </a:schemeClr>
     </dgm:fillClrLst>
     <dgm:linClrLst meth="repeat">
-      <a:schemeClr val="accent1">
+      <a:schemeClr val="accent2">
+        <a:tint val="40000"/>
         <a:alpha val="90000"/>
+      </a:schemeClr>
+      <a:schemeClr val="accent3">
         <a:tint val="40000"/>
+        <a:alpha val="90000"/>
+      </a:schemeClr>
+      <a:schemeClr val="accent4">
+        <a:tint val="40000"/>
+        <a:alpha val="90000"/>
+      </a:schemeClr>
+      <a:schemeClr val="accent5">
+        <a:tint val="40000"/>
+        <a:alpha val="90000"/>
+      </a:schemeClr>
+      <a:schemeClr val="accent6">
+        <a:tint val="40000"/>
+        <a:alpha val="90000"/>
       </a:schemeClr>
     </dgm:linClrLst>
     <dgm:effectClrLst/>
@@ -4790,7 +5138,7 @@
         <a:alpha val="90000"/>
       </a:schemeClr>
     </dgm:fillClrLst>
-    <dgm:linClrLst meth="repeat">
+    <dgm:linClrLst>
       <a:schemeClr val="accent1"/>
     </dgm:linClrLst>
     <dgm:effectClrLst/>
@@ -4806,8 +5154,8 @@
         <a:alpha val="90000"/>
       </a:schemeClr>
     </dgm:fillClrLst>
-    <dgm:linClrLst meth="repeat">
-      <a:schemeClr val="accent1"/>
+    <dgm:linClrLst>
+      <a:schemeClr val="accent2"/>
     </dgm:linClrLst>
     <dgm:effectClrLst/>
     <dgm:txLinClrLst/>
@@ -4822,8 +5170,8 @@
         <a:alpha val="90000"/>
       </a:schemeClr>
     </dgm:fillClrLst>
-    <dgm:linClrLst meth="repeat">
-      <a:schemeClr val="accent1"/>
+    <dgm:linClrLst>
+      <a:schemeClr val="accent3"/>
     </dgm:linClrLst>
     <dgm:effectClrLst/>
     <dgm:txLinClrLst/>
@@ -4838,8 +5186,8 @@
         <a:alpha val="90000"/>
       </a:schemeClr>
     </dgm:fillClrLst>
-    <dgm:linClrLst meth="repeat">
-      <a:schemeClr val="accent1"/>
+    <dgm:linClrLst>
+      <a:schemeClr val="accent4"/>
     </dgm:linClrLst>
     <dgm:effectClrLst/>
     <dgm:txLinClrLst/>
@@ -4850,12 +5198,12 @@
   </dgm:styleLbl>
   <dgm:styleLbl name="bgShp">
     <dgm:fillClrLst meth="repeat">
-      <a:schemeClr val="accent1">
+      <a:schemeClr val="accent2">
         <a:tint val="40000"/>
       </a:schemeClr>
     </dgm:fillClrLst>
     <dgm:linClrLst meth="repeat">
-      <a:schemeClr val="accent1"/>
+      <a:schemeClr val="dk1"/>
     </dgm:linClrLst>
     <dgm:effectClrLst/>
     <dgm:txLinClrLst/>
@@ -4866,12 +5214,12 @@
   </dgm:styleLbl>
   <dgm:styleLbl name="dkBgShp">
     <dgm:fillClrLst meth="repeat">
-      <a:schemeClr val="accent1">
-        <a:shade val="80000"/>
+      <a:schemeClr val="accent2">
+        <a:shade val="90000"/>
       </a:schemeClr>
     </dgm:fillClrLst>
     <dgm:linClrLst meth="repeat">
-      <a:schemeClr val="accent1"/>
+      <a:schemeClr val="dk1"/>
     </dgm:linClrLst>
     <dgm:effectClrLst/>
     <dgm:txLinClrLst/>
@@ -4888,7 +5236,7 @@
       </a:schemeClr>
     </dgm:fillClrLst>
     <dgm:linClrLst meth="repeat">
-      <a:schemeClr val="accent1"/>
+      <a:schemeClr val="accent2"/>
     </dgm:linClrLst>
     <dgm:effectClrLst/>
     <dgm:txLinClrLst/>
@@ -4899,8 +5247,8 @@
   </dgm:styleLbl>
   <dgm:styleLbl name="fgShp">
     <dgm:fillClrLst meth="repeat">
-      <a:schemeClr val="accent1">
-        <a:tint val="60000"/>
+      <a:schemeClr val="accent2">
+        <a:tint val="40000"/>
       </a:schemeClr>
     </dgm:fillClrLst>
     <dgm:linClrLst meth="repeat">
@@ -4938,7 +5286,7 @@
 <dgm:dataModel xmlns:dgm="http://schemas.openxmlformats.org/drawingml/2006/diagram" xmlns:a="http://schemas.openxmlformats.org/drawingml/2006/main">
   <dgm:ptLst>
     <dgm:pt modelId="{E8648658-E929-4850-9B5E-79AD8E209BAA}" type="doc">
-      <dgm:prSet loTypeId="urn:microsoft.com/office/officeart/2005/8/layout/default" loCatId="list" qsTypeId="urn:microsoft.com/office/officeart/2005/8/quickstyle/simple1" qsCatId="simple" csTypeId="urn:microsoft.com/office/officeart/2005/8/colors/accent1_2" csCatId="accent1" phldr="1"/>
+      <dgm:prSet loTypeId="urn:microsoft.com/office/officeart/2005/8/layout/default" loCatId="list" qsTypeId="urn:microsoft.com/office/officeart/2005/8/quickstyle/simple1" qsCatId="simple" csTypeId="urn:microsoft.com/office/officeart/2005/8/colors/colorful1" csCatId="colorful" phldr="1"/>
       <dgm:spPr/>
       <dgm:t>
         <a:bodyPr/>
@@ -4956,7 +5304,7 @@
         <a:lstStyle/>
         <a:p>
           <a:r>
-            <a:rPr lang="pt-BR" sz="1400" dirty="0" smtClean="0"/>
+            <a:rPr lang="pt-BR" sz="1400" dirty="0"/>
             <a:t>Criação de scripts em R para o pré-processamento dos dados coletados junto a ANP;</a:t>
           </a:r>
           <a:endParaRPr lang="en-US" sz="1400" dirty="0"/>
@@ -4987,13 +5335,17 @@
     </dgm:pt>
     <dgm:pt modelId="{B7AA5256-253B-45F1-BAF0-973D5AEFA07D}">
       <dgm:prSet custT="1"/>
-      <dgm:spPr/>
+      <dgm:spPr>
+        <a:solidFill>
+          <a:srgbClr val="ED7D31"/>
+        </a:solidFill>
+      </dgm:spPr>
       <dgm:t>
         <a:bodyPr/>
         <a:lstStyle/>
         <a:p>
           <a:r>
-            <a:rPr lang="pt-BR" sz="1400" smtClean="0"/>
+            <a:rPr lang="pt-BR" sz="1400"/>
             <a:t>Enriquecimento de dados da ANP com dados provenientes do IBGE;</a:t>
           </a:r>
           <a:endParaRPr lang="en-US" sz="1400"/>
@@ -5024,13 +5376,17 @@
     </dgm:pt>
     <dgm:pt modelId="{D6F7EC1A-6935-4693-9841-51F07860044A}">
       <dgm:prSet custT="1"/>
-      <dgm:spPr/>
+      <dgm:spPr>
+        <a:solidFill>
+          <a:srgbClr val="ED7D31"/>
+        </a:solidFill>
+      </dgm:spPr>
       <dgm:t>
         <a:bodyPr/>
         <a:lstStyle/>
         <a:p>
           <a:r>
-            <a:rPr lang="pt-BR" sz="1400" smtClean="0"/>
+            <a:rPr lang="pt-BR" sz="1400"/>
             <a:t>Geolocalização dos postos de gasolina pesquisados utilizando R a API do Google;</a:t>
           </a:r>
           <a:endParaRPr lang="en-US" sz="1400"/>
@@ -5067,7 +5423,7 @@
         <a:lstStyle/>
         <a:p>
           <a:r>
-            <a:rPr lang="pt-BR" sz="1400" smtClean="0"/>
+            <a:rPr lang="pt-BR" sz="1400"/>
             <a:t>Análise exploratória de dados utilizando Power BI, QGIS e R;</a:t>
           </a:r>
           <a:endParaRPr lang="en-US" sz="1400"/>
@@ -5104,7 +5460,7 @@
         <a:lstStyle/>
         <a:p>
           <a:r>
-            <a:rPr lang="pt-BR" sz="1400" smtClean="0"/>
+            <a:rPr lang="pt-BR" sz="1400"/>
             <a:t>Cálculo do centroide dos municípios pesquisados;</a:t>
           </a:r>
           <a:endParaRPr lang="en-US" sz="1400"/>
@@ -5135,13 +5491,17 @@
     </dgm:pt>
     <dgm:pt modelId="{6B1A8165-52D5-4A5D-BEF2-08585E3DA989}">
       <dgm:prSet custT="1"/>
-      <dgm:spPr/>
+      <dgm:spPr>
+        <a:solidFill>
+          <a:srgbClr val="70AD47"/>
+        </a:solidFill>
+      </dgm:spPr>
       <dgm:t>
         <a:bodyPr/>
         <a:lstStyle/>
         <a:p>
           <a:r>
-            <a:rPr lang="pt-BR" sz="1400" smtClean="0"/>
+            <a:rPr lang="pt-BR" sz="1400"/>
             <a:t>Cálculo das distancias entre os postos e centroides de municípios e as refinarias;</a:t>
           </a:r>
           <a:endParaRPr lang="en-US" sz="1400"/>
@@ -5172,13 +5532,17 @@
     </dgm:pt>
     <dgm:pt modelId="{CD92B088-9638-4AEF-A864-A12F44475E28}">
       <dgm:prSet custT="1"/>
-      <dgm:spPr/>
+      <dgm:spPr>
+        <a:solidFill>
+          <a:srgbClr val="70AD47"/>
+        </a:solidFill>
+      </dgm:spPr>
       <dgm:t>
         <a:bodyPr/>
         <a:lstStyle/>
         <a:p>
           <a:r>
-            <a:rPr lang="pt-BR" sz="1400" smtClean="0"/>
+            <a:rPr lang="pt-BR" sz="1400"/>
             <a:t>Cálculo das distancias entre os postos e centroides de municípios e as distribuidoras;</a:t>
           </a:r>
           <a:endParaRPr lang="en-US" sz="1400"/>
@@ -5209,13 +5573,17 @@
     </dgm:pt>
     <dgm:pt modelId="{ED84708F-BDB2-44C9-935F-EC6D7D1DB504}">
       <dgm:prSet/>
-      <dgm:spPr/>
+      <dgm:spPr>
+        <a:solidFill>
+          <a:srgbClr val="5B9BD5"/>
+        </a:solidFill>
+      </dgm:spPr>
       <dgm:t>
         <a:bodyPr/>
         <a:lstStyle/>
         <a:p>
           <a:r>
-            <a:rPr lang="pt-BR" smtClean="0"/>
+            <a:rPr lang="pt-BR"/>
             <a:t>Regressão linear múltipla do preço da gasolina comum em função das distâncias calculadas para os postos de gasolina pesquisados (Distância Média, Desvio Padrão da Distância, Distância Mínima, Distância Máxima);</a:t>
           </a:r>
           <a:endParaRPr lang="en-US"/>
@@ -5252,10 +5620,10 @@
         <a:lstStyle/>
         <a:p>
           <a:r>
-            <a:rPr lang="pt-BR" smtClean="0"/>
+            <a:rPr lang="pt-BR" dirty="0"/>
             <a:t>Regressão linear múltipla do preço da gasolina comum em função das distâncias calculadas para os centroides dos municípios pesquisados (Distância Média, Desvio Padrão da Distância, Distância Mínima, Distância Máxima);</a:t>
           </a:r>
-          <a:endParaRPr lang="en-US"/>
+          <a:endParaRPr lang="en-US" dirty="0"/>
         </a:p>
       </dgm:t>
     </dgm:pt>
@@ -5283,13 +5651,17 @@
     </dgm:pt>
     <dgm:pt modelId="{EA0C3037-E2F4-4EDF-916A-305E1379C4E5}">
       <dgm:prSet custT="1"/>
-      <dgm:spPr/>
+      <dgm:spPr>
+        <a:solidFill>
+          <a:srgbClr val="5B9BD5"/>
+        </a:solidFill>
+      </dgm:spPr>
       <dgm:t>
         <a:bodyPr/>
         <a:lstStyle/>
         <a:p>
           <a:r>
-            <a:rPr lang="pt-BR" sz="1400" smtClean="0"/>
+            <a:rPr lang="pt-BR" sz="1400"/>
             <a:t>Análise dos resultados de regressão linear múltipla;</a:t>
           </a:r>
           <a:endParaRPr lang="en-US" sz="1400"/>
@@ -5320,13 +5692,17 @@
     </dgm:pt>
     <dgm:pt modelId="{7F16F367-36C5-49E5-BE04-07EC97D856D0}">
       <dgm:prSet custT="1"/>
-      <dgm:spPr/>
+      <dgm:spPr>
+        <a:solidFill>
+          <a:srgbClr val="70AD47"/>
+        </a:solidFill>
+      </dgm:spPr>
       <dgm:t>
         <a:bodyPr/>
         <a:lstStyle/>
         <a:p>
           <a:r>
-            <a:rPr lang="pt-BR" sz="1400" smtClean="0"/>
+            <a:rPr lang="pt-BR" sz="1400"/>
             <a:t>Cálculo de autocorrelação espacial (I de Moran) para os postos e municípios pesquisados;</a:t>
           </a:r>
           <a:endParaRPr lang="en-US" sz="1400"/>
@@ -5357,13 +5733,17 @@
     </dgm:pt>
     <dgm:pt modelId="{42F29D50-BD44-4259-BDBB-756CF4A58D72}">
       <dgm:prSet custT="1"/>
-      <dgm:spPr/>
+      <dgm:spPr>
+        <a:solidFill>
+          <a:srgbClr val="FFC000"/>
+        </a:solidFill>
+      </dgm:spPr>
       <dgm:t>
         <a:bodyPr/>
         <a:lstStyle/>
         <a:p>
           <a:r>
-            <a:rPr lang="pt-BR" sz="1400" smtClean="0"/>
+            <a:rPr lang="pt-BR" sz="1400"/>
             <a:t>Avaliação dos resultados e criação de mapas temáticos;</a:t>
           </a:r>
           <a:endParaRPr lang="en-US" sz="1400"/>
@@ -5400,7 +5780,7 @@
         <a:lstStyle/>
         <a:p>
           <a:r>
-            <a:rPr lang="pt-BR" sz="1400" dirty="0" smtClean="0"/>
+            <a:rPr lang="pt-BR" sz="1400" dirty="0"/>
             <a:t>Publicação do relatório final com as conclusões do trabalho de pesquisa.</a:t>
           </a:r>
           <a:endParaRPr lang="en-US" sz="1400" dirty="0"/>
@@ -5592,33 +5972,33 @@
     </dgm:pt>
   </dgm:ptLst>
   <dgm:cxnLst>
-    <dgm:cxn modelId="{ACA1A9AA-E5A3-425A-9838-26B5CD97C31A}" type="presOf" srcId="{6B1A8165-52D5-4A5D-BEF2-08585E3DA989}" destId="{59824F72-FA4F-412A-B4CC-B2C7A0FFCD96}" srcOrd="0" destOrd="0" presId="urn:microsoft.com/office/officeart/2005/8/layout/default"/>
-    <dgm:cxn modelId="{7804B3F0-53CB-42D2-8B1B-D3E354F23261}" type="presOf" srcId="{ED84708F-BDB2-44C9-935F-EC6D7D1DB504}" destId="{F8D1DEB7-7DD9-4FC6-AD95-EAB8679519C2}" srcOrd="0" destOrd="0" presId="urn:microsoft.com/office/officeart/2005/8/layout/default"/>
-    <dgm:cxn modelId="{9FD4A5E4-5408-47F9-A353-717C54EC2C73}" srcId="{E8648658-E929-4850-9B5E-79AD8E209BAA}" destId="{7F16F367-36C5-49E5-BE04-07EC97D856D0}" srcOrd="10" destOrd="0" parTransId="{3D361F40-D4A3-41B3-9609-87A6EBF416FC}" sibTransId="{C271F2F9-E186-45E8-95D2-A7982C4E3205}"/>
-    <dgm:cxn modelId="{ADDFFE88-8AF7-4694-8B1A-94A306657366}" srcId="{E8648658-E929-4850-9B5E-79AD8E209BAA}" destId="{CD92B088-9638-4AEF-A864-A12F44475E28}" srcOrd="6" destOrd="0" parTransId="{BC4BD58D-9E60-45C1-A6D8-6AEB2112B20D}" sibTransId="{45CE08CB-850C-4D19-BD57-4556FBFE3510}"/>
+    <dgm:cxn modelId="{99101A04-B1AE-405A-86F7-234E11D58A31}" srcId="{E8648658-E929-4850-9B5E-79AD8E209BAA}" destId="{D6F7EC1A-6935-4693-9841-51F07860044A}" srcOrd="2" destOrd="0" parTransId="{D7D26360-6F8C-4C1D-B9DB-15E887757696}" sibTransId="{70DB2A78-1EBF-4ADA-B086-19D033233FD0}"/>
     <dgm:cxn modelId="{BE997708-F07A-4FC4-9996-BCA1C98CC385}" type="presOf" srcId="{7F16F367-36C5-49E5-BE04-07EC97D856D0}" destId="{667B6356-BE5B-4115-B9A1-2ECF9C461F27}" srcOrd="0" destOrd="0" presId="urn:microsoft.com/office/officeart/2005/8/layout/default"/>
+    <dgm:cxn modelId="{98545E41-B0D7-4B92-AC32-DD7B1E4792BF}" type="presOf" srcId="{D6F7EC1A-6935-4693-9841-51F07860044A}" destId="{0F3E8439-551E-433E-8CF0-2A20ABE21DC2}" srcOrd="0" destOrd="0" presId="urn:microsoft.com/office/officeart/2005/8/layout/default"/>
+    <dgm:cxn modelId="{452AA265-060C-46F8-A845-A1D59A9BDE7C}" type="presOf" srcId="{3F6F7779-063F-4A88-B7D6-55B0C80A2DE0}" destId="{35108240-9DB9-43CF-8ACE-CAF069FE8373}" srcOrd="0" destOrd="0" presId="urn:microsoft.com/office/officeart/2005/8/layout/default"/>
+    <dgm:cxn modelId="{C33B0D69-DFA3-44C7-BD1A-3D4AE4183703}" srcId="{E8648658-E929-4850-9B5E-79AD8E209BAA}" destId="{ADB2F1B6-D744-429B-A8D6-093B4656BF4C}" srcOrd="12" destOrd="0" parTransId="{C9BFAB2B-012C-4E63-91C9-8A643B333826}" sibTransId="{A6483386-3562-4FF0-B320-8057EC3ECC54}"/>
+    <dgm:cxn modelId="{69AB116B-B666-44B8-A987-54C69E1B505E}" srcId="{E8648658-E929-4850-9B5E-79AD8E209BAA}" destId="{3F6F7779-063F-4A88-B7D6-55B0C80A2DE0}" srcOrd="4" destOrd="0" parTransId="{EFA9F5D5-65F6-4D15-8BA6-D95D7AF7983A}" sibTransId="{41EEE79C-4A3B-4004-A060-31D1517A0BAA}"/>
+    <dgm:cxn modelId="{3553416C-8C5A-4552-8186-18C56F3483F3}" type="presOf" srcId="{E8648658-E929-4850-9B5E-79AD8E209BAA}" destId="{D4A0C28A-115A-4281-94FC-FF28510964AF}" srcOrd="0" destOrd="0" presId="urn:microsoft.com/office/officeart/2005/8/layout/default"/>
+    <dgm:cxn modelId="{F9F2524D-8821-486D-AD2B-E52A2E6C8F2E}" type="presOf" srcId="{B7AA5256-253B-45F1-BAF0-973D5AEFA07D}" destId="{6AB82926-A72E-4D5E-8288-CF41374C73EF}" srcOrd="0" destOrd="0" presId="urn:microsoft.com/office/officeart/2005/8/layout/default"/>
     <dgm:cxn modelId="{2E8BA750-9860-4442-9D88-BB0CA8430F65}" srcId="{E8648658-E929-4850-9B5E-79AD8E209BAA}" destId="{EA0C3037-E2F4-4EDF-916A-305E1379C4E5}" srcOrd="9" destOrd="0" parTransId="{811651AD-2823-4F60-9E14-3C5BB9DC8581}" sibTransId="{93C48307-6E79-4523-9C6C-3678CBB2463E}"/>
     <dgm:cxn modelId="{FD90E774-CAFB-4AF8-8CFE-84E94E2DEF24}" srcId="{E8648658-E929-4850-9B5E-79AD8E209BAA}" destId="{469662AD-EFBC-4F7A-AB38-B47882BDAF9A}" srcOrd="3" destOrd="0" parTransId="{2B288B78-F171-4870-A6DB-63C5EDA8E850}" sibTransId="{FE72990D-D458-4012-8D45-F1BA207540C2}"/>
-    <dgm:cxn modelId="{69AB116B-B666-44B8-A987-54C69E1B505E}" srcId="{E8648658-E929-4850-9B5E-79AD8E209BAA}" destId="{3F6F7779-063F-4A88-B7D6-55B0C80A2DE0}" srcOrd="4" destOrd="0" parTransId="{EFA9F5D5-65F6-4D15-8BA6-D95D7AF7983A}" sibTransId="{41EEE79C-4A3B-4004-A060-31D1517A0BAA}"/>
-    <dgm:cxn modelId="{9754B5D0-C676-45AC-934F-A62B0A9DDD2E}" type="presOf" srcId="{42F29D50-BD44-4259-BDBB-756CF4A58D72}" destId="{97D69FD1-4EA8-43AE-9C7F-A115661A03CA}" srcOrd="0" destOrd="0" presId="urn:microsoft.com/office/officeart/2005/8/layout/default"/>
-    <dgm:cxn modelId="{99101A04-B1AE-405A-86F7-234E11D58A31}" srcId="{E8648658-E929-4850-9B5E-79AD8E209BAA}" destId="{D6F7EC1A-6935-4693-9841-51F07860044A}" srcOrd="2" destOrd="0" parTransId="{D7D26360-6F8C-4C1D-B9DB-15E887757696}" sibTransId="{70DB2A78-1EBF-4ADA-B086-19D033233FD0}"/>
-    <dgm:cxn modelId="{98545E41-B0D7-4B92-AC32-DD7B1E4792BF}" type="presOf" srcId="{D6F7EC1A-6935-4693-9841-51F07860044A}" destId="{0F3E8439-551E-433E-8CF0-2A20ABE21DC2}" srcOrd="0" destOrd="0" presId="urn:microsoft.com/office/officeart/2005/8/layout/default"/>
-    <dgm:cxn modelId="{36B695C1-0711-473C-88C4-AFC34A640335}" type="presOf" srcId="{88DAE15E-910B-4ECC-8A91-ECF13FDC65D2}" destId="{96E8C67B-964D-478B-A6CB-1625EA110615}" srcOrd="0" destOrd="0" presId="urn:microsoft.com/office/officeart/2005/8/layout/default"/>
-    <dgm:cxn modelId="{E05863F8-2D6F-4C02-86F7-6BFC91B001E3}" type="presOf" srcId="{ADB2F1B6-D744-429B-A8D6-093B4656BF4C}" destId="{ABDDCEE8-BCCE-4964-8FBB-6BF502AD6E1E}" srcOrd="0" destOrd="0" presId="urn:microsoft.com/office/officeart/2005/8/layout/default"/>
-    <dgm:cxn modelId="{F9F2524D-8821-486D-AD2B-E52A2E6C8F2E}" type="presOf" srcId="{B7AA5256-253B-45F1-BAF0-973D5AEFA07D}" destId="{6AB82926-A72E-4D5E-8288-CF41374C73EF}" srcOrd="0" destOrd="0" presId="urn:microsoft.com/office/officeart/2005/8/layout/default"/>
-    <dgm:cxn modelId="{2492D6FD-8061-40F3-874C-CE1D4A893B30}" srcId="{E8648658-E929-4850-9B5E-79AD8E209BAA}" destId="{6B1A8165-52D5-4A5D-BEF2-08585E3DA989}" srcOrd="5" destOrd="0" parTransId="{8E265957-4A4A-42FE-A083-957BE8F81BBB}" sibTransId="{B0B51095-4929-426B-BEED-71566D285234}"/>
-    <dgm:cxn modelId="{C33B0D69-DFA3-44C7-BD1A-3D4AE4183703}" srcId="{E8648658-E929-4850-9B5E-79AD8E209BAA}" destId="{ADB2F1B6-D744-429B-A8D6-093B4656BF4C}" srcOrd="12" destOrd="0" parTransId="{C9BFAB2B-012C-4E63-91C9-8A643B333826}" sibTransId="{A6483386-3562-4FF0-B320-8057EC3ECC54}"/>
-    <dgm:cxn modelId="{67F571F2-CD2E-40BC-AD60-ED8747EC4328}" type="presOf" srcId="{CD92B088-9638-4AEF-A864-A12F44475E28}" destId="{CD59546D-E6B4-4632-A231-8A5A2955F00C}" srcOrd="0" destOrd="0" presId="urn:microsoft.com/office/officeart/2005/8/layout/default"/>
+    <dgm:cxn modelId="{55A34579-CAEA-4DC4-982F-849D97E80A82}" type="presOf" srcId="{EF282FC1-522D-4537-81F0-E56AE42E5531}" destId="{B7476C18-3633-40ED-9BDE-280724279869}" srcOrd="0" destOrd="0" presId="urn:microsoft.com/office/officeart/2005/8/layout/default"/>
+    <dgm:cxn modelId="{ADDFFE88-8AF7-4694-8B1A-94A306657366}" srcId="{E8648658-E929-4850-9B5E-79AD8E209BAA}" destId="{CD92B088-9638-4AEF-A864-A12F44475E28}" srcOrd="6" destOrd="0" parTransId="{BC4BD58D-9E60-45C1-A6D8-6AEB2112B20D}" sibTransId="{45CE08CB-850C-4D19-BD57-4556FBFE3510}"/>
     <dgm:cxn modelId="{583B6B90-90E7-4B77-B754-1D73C1CBFC20}" srcId="{E8648658-E929-4850-9B5E-79AD8E209BAA}" destId="{EF282FC1-522D-4537-81F0-E56AE42E5531}" srcOrd="8" destOrd="0" parTransId="{4A650872-446B-4BA6-A7EF-633F126FCC03}" sibTransId="{53C673E8-7F6C-4090-B69A-B9885714992A}"/>
     <dgm:cxn modelId="{3357B496-CC28-44FE-88EB-884B16FA52D5}" type="presOf" srcId="{469662AD-EFBC-4F7A-AB38-B47882BDAF9A}" destId="{214F06FB-9C37-45DC-9F0D-04181333D59B}" srcOrd="0" destOrd="0" presId="urn:microsoft.com/office/officeart/2005/8/layout/default"/>
     <dgm:cxn modelId="{AD4B209B-82FE-4E2B-89E2-573C61AD3428}" srcId="{E8648658-E929-4850-9B5E-79AD8E209BAA}" destId="{ED84708F-BDB2-44C9-935F-EC6D7D1DB504}" srcOrd="7" destOrd="0" parTransId="{6D96C124-BA08-4F41-9A21-FE18ED0D5763}" sibTransId="{74D1CF4D-0174-4CC8-905F-482147D612E4}"/>
+    <dgm:cxn modelId="{60B938A4-671C-4A1F-A107-78E60160D758}" srcId="{E8648658-E929-4850-9B5E-79AD8E209BAA}" destId="{88DAE15E-910B-4ECC-8A91-ECF13FDC65D2}" srcOrd="0" destOrd="0" parTransId="{BD900182-0807-4ACD-90E6-3D6EB9CD8DBC}" sibTransId="{825FDF24-5865-49FB-99BA-7164D74DE16D}"/>
+    <dgm:cxn modelId="{ACA1A9AA-E5A3-425A-9838-26B5CD97C31A}" type="presOf" srcId="{6B1A8165-52D5-4A5D-BEF2-08585E3DA989}" destId="{59824F72-FA4F-412A-B4CC-B2C7A0FFCD96}" srcOrd="0" destOrd="0" presId="urn:microsoft.com/office/officeart/2005/8/layout/default"/>
+    <dgm:cxn modelId="{36B695C1-0711-473C-88C4-AFC34A640335}" type="presOf" srcId="{88DAE15E-910B-4ECC-8A91-ECF13FDC65D2}" destId="{96E8C67B-964D-478B-A6CB-1625EA110615}" srcOrd="0" destOrd="0" presId="urn:microsoft.com/office/officeart/2005/8/layout/default"/>
+    <dgm:cxn modelId="{B69DEEC9-F089-477E-8AB2-ACEF43C2CB74}" srcId="{E8648658-E929-4850-9B5E-79AD8E209BAA}" destId="{42F29D50-BD44-4259-BDBB-756CF4A58D72}" srcOrd="11" destOrd="0" parTransId="{1883BF70-0253-48C0-A2EA-AEDF2AA2004C}" sibTransId="{9E9845B8-8600-4CF1-950E-6C256F242CBE}"/>
+    <dgm:cxn modelId="{004165CE-4E0B-4904-A26B-DAEBA8FDF5D9}" srcId="{E8648658-E929-4850-9B5E-79AD8E209BAA}" destId="{B7AA5256-253B-45F1-BAF0-973D5AEFA07D}" srcOrd="1" destOrd="0" parTransId="{B972CC1E-D2B2-46D9-86FE-EBA7752E947D}" sibTransId="{4F301784-2905-4951-A72B-2D68225FF709}"/>
+    <dgm:cxn modelId="{9754B5D0-C676-45AC-934F-A62B0A9DDD2E}" type="presOf" srcId="{42F29D50-BD44-4259-BDBB-756CF4A58D72}" destId="{97D69FD1-4EA8-43AE-9C7F-A115661A03CA}" srcOrd="0" destOrd="0" presId="urn:microsoft.com/office/officeart/2005/8/layout/default"/>
+    <dgm:cxn modelId="{9FD4A5E4-5408-47F9-A353-717C54EC2C73}" srcId="{E8648658-E929-4850-9B5E-79AD8E209BAA}" destId="{7F16F367-36C5-49E5-BE04-07EC97D856D0}" srcOrd="10" destOrd="0" parTransId="{3D361F40-D4A3-41B3-9609-87A6EBF416FC}" sibTransId="{C271F2F9-E186-45E8-95D2-A7982C4E3205}"/>
     <dgm:cxn modelId="{CFC512E8-A5BE-42D9-9664-D5470755ACB3}" type="presOf" srcId="{EA0C3037-E2F4-4EDF-916A-305E1379C4E5}" destId="{E7E548EA-54CD-418D-B4EB-EBF63B5C7545}" srcOrd="0" destOrd="0" presId="urn:microsoft.com/office/officeart/2005/8/layout/default"/>
-    <dgm:cxn modelId="{3553416C-8C5A-4552-8186-18C56F3483F3}" type="presOf" srcId="{E8648658-E929-4850-9B5E-79AD8E209BAA}" destId="{D4A0C28A-115A-4281-94FC-FF28510964AF}" srcOrd="0" destOrd="0" presId="urn:microsoft.com/office/officeart/2005/8/layout/default"/>
-    <dgm:cxn modelId="{55A34579-CAEA-4DC4-982F-849D97E80A82}" type="presOf" srcId="{EF282FC1-522D-4537-81F0-E56AE42E5531}" destId="{B7476C18-3633-40ED-9BDE-280724279869}" srcOrd="0" destOrd="0" presId="urn:microsoft.com/office/officeart/2005/8/layout/default"/>
-    <dgm:cxn modelId="{60B938A4-671C-4A1F-A107-78E60160D758}" srcId="{E8648658-E929-4850-9B5E-79AD8E209BAA}" destId="{88DAE15E-910B-4ECC-8A91-ECF13FDC65D2}" srcOrd="0" destOrd="0" parTransId="{BD900182-0807-4ACD-90E6-3D6EB9CD8DBC}" sibTransId="{825FDF24-5865-49FB-99BA-7164D74DE16D}"/>
-    <dgm:cxn modelId="{004165CE-4E0B-4904-A26B-DAEBA8FDF5D9}" srcId="{E8648658-E929-4850-9B5E-79AD8E209BAA}" destId="{B7AA5256-253B-45F1-BAF0-973D5AEFA07D}" srcOrd="1" destOrd="0" parTransId="{B972CC1E-D2B2-46D9-86FE-EBA7752E947D}" sibTransId="{4F301784-2905-4951-A72B-2D68225FF709}"/>
-    <dgm:cxn modelId="{452AA265-060C-46F8-A845-A1D59A9BDE7C}" type="presOf" srcId="{3F6F7779-063F-4A88-B7D6-55B0C80A2DE0}" destId="{35108240-9DB9-43CF-8ACE-CAF069FE8373}" srcOrd="0" destOrd="0" presId="urn:microsoft.com/office/officeart/2005/8/layout/default"/>
-    <dgm:cxn modelId="{B69DEEC9-F089-477E-8AB2-ACEF43C2CB74}" srcId="{E8648658-E929-4850-9B5E-79AD8E209BAA}" destId="{42F29D50-BD44-4259-BDBB-756CF4A58D72}" srcOrd="11" destOrd="0" parTransId="{1883BF70-0253-48C0-A2EA-AEDF2AA2004C}" sibTransId="{9E9845B8-8600-4CF1-950E-6C256F242CBE}"/>
+    <dgm:cxn modelId="{7804B3F0-53CB-42D2-8B1B-D3E354F23261}" type="presOf" srcId="{ED84708F-BDB2-44C9-935F-EC6D7D1DB504}" destId="{F8D1DEB7-7DD9-4FC6-AD95-EAB8679519C2}" srcOrd="0" destOrd="0" presId="urn:microsoft.com/office/officeart/2005/8/layout/default"/>
+    <dgm:cxn modelId="{67F571F2-CD2E-40BC-AD60-ED8747EC4328}" type="presOf" srcId="{CD92B088-9638-4AEF-A864-A12F44475E28}" destId="{CD59546D-E6B4-4632-A231-8A5A2955F00C}" srcOrd="0" destOrd="0" presId="urn:microsoft.com/office/officeart/2005/8/layout/default"/>
+    <dgm:cxn modelId="{E05863F8-2D6F-4C02-86F7-6BFC91B001E3}" type="presOf" srcId="{ADB2F1B6-D744-429B-A8D6-093B4656BF4C}" destId="{ABDDCEE8-BCCE-4964-8FBB-6BF502AD6E1E}" srcOrd="0" destOrd="0" presId="urn:microsoft.com/office/officeart/2005/8/layout/default"/>
+    <dgm:cxn modelId="{2492D6FD-8061-40F3-874C-CE1D4A893B30}" srcId="{E8648658-E929-4850-9B5E-79AD8E209BAA}" destId="{6B1A8165-52D5-4A5D-BEF2-08585E3DA989}" srcOrd="5" destOrd="0" parTransId="{8E265957-4A4A-42FE-A083-957BE8F81BBB}" sibTransId="{B0B51095-4929-426B-BEED-71566D285234}"/>
     <dgm:cxn modelId="{6C29A23C-89C0-4B51-BB84-E78BD634262D}" type="presParOf" srcId="{D4A0C28A-115A-4281-94FC-FF28510964AF}" destId="{96E8C67B-964D-478B-A6CB-1625EA110615}" srcOrd="0" destOrd="0" presId="urn:microsoft.com/office/officeart/2005/8/layout/default"/>
     <dgm:cxn modelId="{F81E8CF3-4E16-4C1D-B385-0FAC2FDDAFD8}" type="presParOf" srcId="{D4A0C28A-115A-4281-94FC-FF28510964AF}" destId="{CA2E55EA-7D4F-478E-BBBD-B339A95B6281}" srcOrd="1" destOrd="0" presId="urn:microsoft.com/office/officeart/2005/8/layout/default"/>
     <dgm:cxn modelId="{1E38F197-C9AF-41FE-9F7F-6B110000F4FD}" type="presParOf" srcId="{D4A0C28A-115A-4281-94FC-FF28510964AF}" destId="{6AB82926-A72E-4D5E-8288-CF41374C73EF}" srcOrd="2" destOrd="0" presId="urn:microsoft.com/office/officeart/2005/8/layout/default"/>
@@ -5645,7 +6025,9 @@
     <dgm:cxn modelId="{EA3859C2-F4CE-48ED-9B79-9346C00B4D44}" type="presParOf" srcId="{D4A0C28A-115A-4281-94FC-FF28510964AF}" destId="{33407273-68B0-43FC-96D1-A5AD60F01E69}" srcOrd="23" destOrd="0" presId="urn:microsoft.com/office/officeart/2005/8/layout/default"/>
     <dgm:cxn modelId="{FDF2EF62-D7DF-4F10-8313-65AD2F53896F}" type="presParOf" srcId="{D4A0C28A-115A-4281-94FC-FF28510964AF}" destId="{ABDDCEE8-BCCE-4964-8FBB-6BF502AD6E1E}" srcOrd="24" destOrd="0" presId="urn:microsoft.com/office/officeart/2005/8/layout/default"/>
   </dgm:cxnLst>
-  <dgm:bg/>
+  <dgm:bg>
+    <a:effectLst/>
+  </dgm:bg>
   <dgm:whole/>
   <dgm:extLst>
     <a:ext uri="http://schemas.microsoft.com/office/drawing/2008/diagram">
@@ -5677,7 +6059,7 @@
           <a:avLst/>
         </a:prstGeom>
         <a:solidFill>
-          <a:schemeClr val="accent1">
+          <a:schemeClr val="accent2">
             <a:hueOff val="0"/>
             <a:satOff val="0"/>
             <a:lumOff val="0"/>
@@ -5718,7 +6100,7 @@
         </a:bodyPr>
         <a:lstStyle/>
         <a:p>
-          <a:pPr lvl="0" algn="ctr" defTabSz="622300">
+          <a:pPr marL="0" lvl="0" indent="0" algn="ctr" defTabSz="622300">
             <a:lnSpc>
               <a:spcPct val="90000"/>
             </a:lnSpc>
@@ -5728,9 +6110,10 @@
             <a:spcAft>
               <a:spcPct val="35000"/>
             </a:spcAft>
+            <a:buNone/>
           </a:pPr>
           <a:r>
-            <a:rPr lang="pt-BR" sz="1400" kern="1200" dirty="0" smtClean="0"/>
+            <a:rPr lang="pt-BR" sz="1400" kern="1200" dirty="0"/>
             <a:t>Criação de scripts em R para o pré-processamento dos dados coletados junto a ANP;</a:t>
           </a:r>
           <a:endParaRPr lang="en-US" sz="1400" kern="1200" dirty="0"/>
@@ -5755,7 +6138,155 @@
           <a:avLst/>
         </a:prstGeom>
         <a:solidFill>
-          <a:schemeClr val="accent1">
+          <a:srgbClr val="ED7D31"/>
+        </a:solidFill>
+        <a:ln w="12700" cap="flat" cmpd="sng" algn="ctr">
+          <a:solidFill>
+            <a:schemeClr val="lt1">
+              <a:hueOff val="0"/>
+              <a:satOff val="0"/>
+              <a:lumOff val="0"/>
+              <a:alphaOff val="0"/>
+            </a:schemeClr>
+          </a:solidFill>
+          <a:prstDash val="solid"/>
+          <a:miter lim="800000"/>
+        </a:ln>
+        <a:effectLst/>
+      </dsp:spPr>
+      <dsp:style>
+        <a:lnRef idx="2">
+          <a:scrgbClr r="0" g="0" b="0"/>
+        </a:lnRef>
+        <a:fillRef idx="1">
+          <a:scrgbClr r="0" g="0" b="0"/>
+        </a:fillRef>
+        <a:effectRef idx="0">
+          <a:scrgbClr r="0" g="0" b="0"/>
+        </a:effectRef>
+        <a:fontRef idx="minor">
+          <a:schemeClr val="lt1"/>
+        </a:fontRef>
+      </dsp:style>
+      <dsp:txBody>
+        <a:bodyPr spcFirstLastPara="0" vert="horz" wrap="square" lIns="53340" tIns="53340" rIns="53340" bIns="53340" numCol="1" spcCol="1270" anchor="ctr" anchorCtr="0">
+          <a:noAutofit/>
+        </a:bodyPr>
+        <a:lstStyle/>
+        <a:p>
+          <a:pPr marL="0" lvl="0" indent="0" algn="ctr" defTabSz="622300">
+            <a:lnSpc>
+              <a:spcPct val="90000"/>
+            </a:lnSpc>
+            <a:spcBef>
+              <a:spcPct val="0"/>
+            </a:spcBef>
+            <a:spcAft>
+              <a:spcPct val="35000"/>
+            </a:spcAft>
+            <a:buNone/>
+          </a:pPr>
+          <a:r>
+            <a:rPr lang="pt-BR" sz="1400" kern="1200"/>
+            <a:t>Enriquecimento de dados da ANP com dados provenientes do IBGE;</a:t>
+          </a:r>
+          <a:endParaRPr lang="en-US" sz="1400" kern="1200"/>
+        </a:p>
+      </dsp:txBody>
+      <dsp:txXfrm>
+        <a:off x="2413221" y="519173"/>
+        <a:ext cx="2190159" cy="1314095"/>
+      </dsp:txXfrm>
+    </dsp:sp>
+    <dsp:sp modelId="{0F3E8439-551E-433E-8CF0-2A20ABE21DC2}">
+      <dsp:nvSpPr>
+        <dsp:cNvPr id="0" name=""/>
+        <dsp:cNvSpPr/>
+      </dsp:nvSpPr>
+      <dsp:spPr>
+        <a:xfrm>
+          <a:off x="4822397" y="519173"/>
+          <a:ext cx="2190159" cy="1314095"/>
+        </a:xfrm>
+        <a:prstGeom prst="rect">
+          <a:avLst/>
+        </a:prstGeom>
+        <a:solidFill>
+          <a:srgbClr val="ED7D31"/>
+        </a:solidFill>
+        <a:ln w="12700" cap="flat" cmpd="sng" algn="ctr">
+          <a:solidFill>
+            <a:schemeClr val="lt1">
+              <a:hueOff val="0"/>
+              <a:satOff val="0"/>
+              <a:lumOff val="0"/>
+              <a:alphaOff val="0"/>
+            </a:schemeClr>
+          </a:solidFill>
+          <a:prstDash val="solid"/>
+          <a:miter lim="800000"/>
+        </a:ln>
+        <a:effectLst/>
+      </dsp:spPr>
+      <dsp:style>
+        <a:lnRef idx="2">
+          <a:scrgbClr r="0" g="0" b="0"/>
+        </a:lnRef>
+        <a:fillRef idx="1">
+          <a:scrgbClr r="0" g="0" b="0"/>
+        </a:fillRef>
+        <a:effectRef idx="0">
+          <a:scrgbClr r="0" g="0" b="0"/>
+        </a:effectRef>
+        <a:fontRef idx="minor">
+          <a:schemeClr val="lt1"/>
+        </a:fontRef>
+      </dsp:style>
+      <dsp:txBody>
+        <a:bodyPr spcFirstLastPara="0" vert="horz" wrap="square" lIns="53340" tIns="53340" rIns="53340" bIns="53340" numCol="1" spcCol="1270" anchor="ctr" anchorCtr="0">
+          <a:noAutofit/>
+        </a:bodyPr>
+        <a:lstStyle/>
+        <a:p>
+          <a:pPr marL="0" lvl="0" indent="0" algn="ctr" defTabSz="622300">
+            <a:lnSpc>
+              <a:spcPct val="90000"/>
+            </a:lnSpc>
+            <a:spcBef>
+              <a:spcPct val="0"/>
+            </a:spcBef>
+            <a:spcAft>
+              <a:spcPct val="35000"/>
+            </a:spcAft>
+            <a:buNone/>
+          </a:pPr>
+          <a:r>
+            <a:rPr lang="pt-BR" sz="1400" kern="1200"/>
+            <a:t>Geolocalização dos postos de gasolina pesquisados utilizando R a API do Google;</a:t>
+          </a:r>
+          <a:endParaRPr lang="en-US" sz="1400" kern="1200"/>
+        </a:p>
+      </dsp:txBody>
+      <dsp:txXfrm>
+        <a:off x="4822397" y="519173"/>
+        <a:ext cx="2190159" cy="1314095"/>
+      </dsp:txXfrm>
+    </dsp:sp>
+    <dsp:sp modelId="{214F06FB-9C37-45DC-9F0D-04181333D59B}">
+      <dsp:nvSpPr>
+        <dsp:cNvPr id="0" name=""/>
+        <dsp:cNvSpPr/>
+      </dsp:nvSpPr>
+      <dsp:spPr>
+        <a:xfrm>
+          <a:off x="7231572" y="519173"/>
+          <a:ext cx="2190159" cy="1314095"/>
+        </a:xfrm>
+        <a:prstGeom prst="rect">
+          <a:avLst/>
+        </a:prstGeom>
+        <a:solidFill>
+          <a:schemeClr val="accent5">
             <a:hueOff val="0"/>
             <a:satOff val="0"/>
             <a:lumOff val="0"/>
@@ -5796,7 +6327,7 @@
         </a:bodyPr>
         <a:lstStyle/>
         <a:p>
-          <a:pPr lvl="0" algn="ctr" defTabSz="622300">
+          <a:pPr marL="0" lvl="0" indent="0" algn="ctr" defTabSz="622300">
             <a:lnSpc>
               <a:spcPct val="90000"/>
             </a:lnSpc>
@@ -5806,34 +6337,35 @@
             <a:spcAft>
               <a:spcPct val="35000"/>
             </a:spcAft>
+            <a:buNone/>
           </a:pPr>
           <a:r>
-            <a:rPr lang="pt-BR" sz="1400" kern="1200" smtClean="0"/>
-            <a:t>Enriquecimento de dados da ANP com dados provenientes do IBGE;</a:t>
+            <a:rPr lang="pt-BR" sz="1400" kern="1200"/>
+            <a:t>Análise exploratória de dados utilizando Power BI, QGIS e R;</a:t>
           </a:r>
           <a:endParaRPr lang="en-US" sz="1400" kern="1200"/>
         </a:p>
       </dsp:txBody>
       <dsp:txXfrm>
-        <a:off x="2413221" y="519173"/>
+        <a:off x="7231572" y="519173"/>
         <a:ext cx="2190159" cy="1314095"/>
       </dsp:txXfrm>
     </dsp:sp>
-    <dsp:sp modelId="{0F3E8439-551E-433E-8CF0-2A20ABE21DC2}">
+    <dsp:sp modelId="{35108240-9DB9-43CF-8ACE-CAF069FE8373}">
       <dsp:nvSpPr>
         <dsp:cNvPr id="0" name=""/>
         <dsp:cNvSpPr/>
       </dsp:nvSpPr>
       <dsp:spPr>
         <a:xfrm>
-          <a:off x="4822397" y="519173"/>
+          <a:off x="9640748" y="519173"/>
           <a:ext cx="2190159" cy="1314095"/>
         </a:xfrm>
         <a:prstGeom prst="rect">
           <a:avLst/>
         </a:prstGeom>
         <a:solidFill>
-          <a:schemeClr val="accent1">
+          <a:schemeClr val="accent6">
             <a:hueOff val="0"/>
             <a:satOff val="0"/>
             <a:lumOff val="0"/>
@@ -5874,7 +6406,7 @@
         </a:bodyPr>
         <a:lstStyle/>
         <a:p>
-          <a:pPr lvl="0" algn="ctr" defTabSz="622300">
+          <a:pPr marL="0" lvl="0" indent="0" algn="ctr" defTabSz="622300">
             <a:lnSpc>
               <a:spcPct val="90000"/>
             </a:lnSpc>
@@ -5884,34 +6416,558 @@
             <a:spcAft>
               <a:spcPct val="35000"/>
             </a:spcAft>
+            <a:buNone/>
           </a:pPr>
           <a:r>
-            <a:rPr lang="pt-BR" sz="1400" kern="1200" smtClean="0"/>
-            <a:t>Geolocalização dos postos de gasolina pesquisados utilizando R a API do Google;</a:t>
+            <a:rPr lang="pt-BR" sz="1400" kern="1200"/>
+            <a:t>Cálculo do centroide dos municípios pesquisados;</a:t>
           </a:r>
           <a:endParaRPr lang="en-US" sz="1400" kern="1200"/>
         </a:p>
       </dsp:txBody>
       <dsp:txXfrm>
-        <a:off x="4822397" y="519173"/>
+        <a:off x="9640748" y="519173"/>
         <a:ext cx="2190159" cy="1314095"/>
       </dsp:txXfrm>
     </dsp:sp>
-    <dsp:sp modelId="{214F06FB-9C37-45DC-9F0D-04181333D59B}">
+    <dsp:sp modelId="{59824F72-FA4F-412A-B4CC-B2C7A0FFCD96}">
       <dsp:nvSpPr>
         <dsp:cNvPr id="0" name=""/>
         <dsp:cNvSpPr/>
       </dsp:nvSpPr>
       <dsp:spPr>
         <a:xfrm>
-          <a:off x="7231572" y="519173"/>
+          <a:off x="4045" y="2052285"/>
           <a:ext cx="2190159" cy="1314095"/>
         </a:xfrm>
         <a:prstGeom prst="rect">
           <a:avLst/>
         </a:prstGeom>
         <a:solidFill>
-          <a:schemeClr val="accent1">
+          <a:srgbClr val="70AD47"/>
+        </a:solidFill>
+        <a:ln w="12700" cap="flat" cmpd="sng" algn="ctr">
+          <a:solidFill>
+            <a:schemeClr val="lt1">
+              <a:hueOff val="0"/>
+              <a:satOff val="0"/>
+              <a:lumOff val="0"/>
+              <a:alphaOff val="0"/>
+            </a:schemeClr>
+          </a:solidFill>
+          <a:prstDash val="solid"/>
+          <a:miter lim="800000"/>
+        </a:ln>
+        <a:effectLst/>
+      </dsp:spPr>
+      <dsp:style>
+        <a:lnRef idx="2">
+          <a:scrgbClr r="0" g="0" b="0"/>
+        </a:lnRef>
+        <a:fillRef idx="1">
+          <a:scrgbClr r="0" g="0" b="0"/>
+        </a:fillRef>
+        <a:effectRef idx="0">
+          <a:scrgbClr r="0" g="0" b="0"/>
+        </a:effectRef>
+        <a:fontRef idx="minor">
+          <a:schemeClr val="lt1"/>
+        </a:fontRef>
+      </dsp:style>
+      <dsp:txBody>
+        <a:bodyPr spcFirstLastPara="0" vert="horz" wrap="square" lIns="53340" tIns="53340" rIns="53340" bIns="53340" numCol="1" spcCol="1270" anchor="ctr" anchorCtr="0">
+          <a:noAutofit/>
+        </a:bodyPr>
+        <a:lstStyle/>
+        <a:p>
+          <a:pPr marL="0" lvl="0" indent="0" algn="ctr" defTabSz="622300">
+            <a:lnSpc>
+              <a:spcPct val="90000"/>
+            </a:lnSpc>
+            <a:spcBef>
+              <a:spcPct val="0"/>
+            </a:spcBef>
+            <a:spcAft>
+              <a:spcPct val="35000"/>
+            </a:spcAft>
+            <a:buNone/>
+          </a:pPr>
+          <a:r>
+            <a:rPr lang="pt-BR" sz="1400" kern="1200"/>
+            <a:t>Cálculo das distancias entre os postos e centroides de municípios e as refinarias;</a:t>
+          </a:r>
+          <a:endParaRPr lang="en-US" sz="1400" kern="1200"/>
+        </a:p>
+      </dsp:txBody>
+      <dsp:txXfrm>
+        <a:off x="4045" y="2052285"/>
+        <a:ext cx="2190159" cy="1314095"/>
+      </dsp:txXfrm>
+    </dsp:sp>
+    <dsp:sp modelId="{CD59546D-E6B4-4632-A231-8A5A2955F00C}">
+      <dsp:nvSpPr>
+        <dsp:cNvPr id="0" name=""/>
+        <dsp:cNvSpPr/>
+      </dsp:nvSpPr>
+      <dsp:spPr>
+        <a:xfrm>
+          <a:off x="2413221" y="2052285"/>
+          <a:ext cx="2190159" cy="1314095"/>
+        </a:xfrm>
+        <a:prstGeom prst="rect">
+          <a:avLst/>
+        </a:prstGeom>
+        <a:solidFill>
+          <a:srgbClr val="70AD47"/>
+        </a:solidFill>
+        <a:ln w="12700" cap="flat" cmpd="sng" algn="ctr">
+          <a:solidFill>
+            <a:schemeClr val="lt1">
+              <a:hueOff val="0"/>
+              <a:satOff val="0"/>
+              <a:lumOff val="0"/>
+              <a:alphaOff val="0"/>
+            </a:schemeClr>
+          </a:solidFill>
+          <a:prstDash val="solid"/>
+          <a:miter lim="800000"/>
+        </a:ln>
+        <a:effectLst/>
+      </dsp:spPr>
+      <dsp:style>
+        <a:lnRef idx="2">
+          <a:scrgbClr r="0" g="0" b="0"/>
+        </a:lnRef>
+        <a:fillRef idx="1">
+          <a:scrgbClr r="0" g="0" b="0"/>
+        </a:fillRef>
+        <a:effectRef idx="0">
+          <a:scrgbClr r="0" g="0" b="0"/>
+        </a:effectRef>
+        <a:fontRef idx="minor">
+          <a:schemeClr val="lt1"/>
+        </a:fontRef>
+      </dsp:style>
+      <dsp:txBody>
+        <a:bodyPr spcFirstLastPara="0" vert="horz" wrap="square" lIns="53340" tIns="53340" rIns="53340" bIns="53340" numCol="1" spcCol="1270" anchor="ctr" anchorCtr="0">
+          <a:noAutofit/>
+        </a:bodyPr>
+        <a:lstStyle/>
+        <a:p>
+          <a:pPr marL="0" lvl="0" indent="0" algn="ctr" defTabSz="622300">
+            <a:lnSpc>
+              <a:spcPct val="90000"/>
+            </a:lnSpc>
+            <a:spcBef>
+              <a:spcPct val="0"/>
+            </a:spcBef>
+            <a:spcAft>
+              <a:spcPct val="35000"/>
+            </a:spcAft>
+            <a:buNone/>
+          </a:pPr>
+          <a:r>
+            <a:rPr lang="pt-BR" sz="1400" kern="1200"/>
+            <a:t>Cálculo das distancias entre os postos e centroides de municípios e as distribuidoras;</a:t>
+          </a:r>
+          <a:endParaRPr lang="en-US" sz="1400" kern="1200"/>
+        </a:p>
+      </dsp:txBody>
+      <dsp:txXfrm>
+        <a:off x="2413221" y="2052285"/>
+        <a:ext cx="2190159" cy="1314095"/>
+      </dsp:txXfrm>
+    </dsp:sp>
+    <dsp:sp modelId="{F8D1DEB7-7DD9-4FC6-AD95-EAB8679519C2}">
+      <dsp:nvSpPr>
+        <dsp:cNvPr id="0" name=""/>
+        <dsp:cNvSpPr/>
+      </dsp:nvSpPr>
+      <dsp:spPr>
+        <a:xfrm>
+          <a:off x="4822397" y="2052285"/>
+          <a:ext cx="2190159" cy="1314095"/>
+        </a:xfrm>
+        <a:prstGeom prst="rect">
+          <a:avLst/>
+        </a:prstGeom>
+        <a:solidFill>
+          <a:srgbClr val="5B9BD5"/>
+        </a:solidFill>
+        <a:ln w="12700" cap="flat" cmpd="sng" algn="ctr">
+          <a:solidFill>
+            <a:schemeClr val="lt1">
+              <a:hueOff val="0"/>
+              <a:satOff val="0"/>
+              <a:lumOff val="0"/>
+              <a:alphaOff val="0"/>
+            </a:schemeClr>
+          </a:solidFill>
+          <a:prstDash val="solid"/>
+          <a:miter lim="800000"/>
+        </a:ln>
+        <a:effectLst/>
+      </dsp:spPr>
+      <dsp:style>
+        <a:lnRef idx="2">
+          <a:scrgbClr r="0" g="0" b="0"/>
+        </a:lnRef>
+        <a:fillRef idx="1">
+          <a:scrgbClr r="0" g="0" b="0"/>
+        </a:fillRef>
+        <a:effectRef idx="0">
+          <a:scrgbClr r="0" g="0" b="0"/>
+        </a:effectRef>
+        <a:fontRef idx="minor">
+          <a:schemeClr val="lt1"/>
+        </a:fontRef>
+      </dsp:style>
+      <dsp:txBody>
+        <a:bodyPr spcFirstLastPara="0" vert="horz" wrap="square" lIns="41910" tIns="41910" rIns="41910" bIns="41910" numCol="1" spcCol="1270" anchor="ctr" anchorCtr="0">
+          <a:noAutofit/>
+        </a:bodyPr>
+        <a:lstStyle/>
+        <a:p>
+          <a:pPr marL="0" lvl="0" indent="0" algn="ctr" defTabSz="488950">
+            <a:lnSpc>
+              <a:spcPct val="90000"/>
+            </a:lnSpc>
+            <a:spcBef>
+              <a:spcPct val="0"/>
+            </a:spcBef>
+            <a:spcAft>
+              <a:spcPct val="35000"/>
+            </a:spcAft>
+            <a:buNone/>
+          </a:pPr>
+          <a:r>
+            <a:rPr lang="pt-BR" sz="1100" kern="1200"/>
+            <a:t>Regressão linear múltipla do preço da gasolina comum em função das distâncias calculadas para os postos de gasolina pesquisados (Distância Média, Desvio Padrão da Distância, Distância Mínima, Distância Máxima);</a:t>
+          </a:r>
+          <a:endParaRPr lang="en-US" sz="1100" kern="1200"/>
+        </a:p>
+      </dsp:txBody>
+      <dsp:txXfrm>
+        <a:off x="4822397" y="2052285"/>
+        <a:ext cx="2190159" cy="1314095"/>
+      </dsp:txXfrm>
+    </dsp:sp>
+    <dsp:sp modelId="{B7476C18-3633-40ED-9BDE-280724279869}">
+      <dsp:nvSpPr>
+        <dsp:cNvPr id="0" name=""/>
+        <dsp:cNvSpPr/>
+      </dsp:nvSpPr>
+      <dsp:spPr>
+        <a:xfrm>
+          <a:off x="7231572" y="2052285"/>
+          <a:ext cx="2190159" cy="1314095"/>
+        </a:xfrm>
+        <a:prstGeom prst="rect">
+          <a:avLst/>
+        </a:prstGeom>
+        <a:solidFill>
+          <a:schemeClr val="accent5">
+            <a:hueOff val="0"/>
+            <a:satOff val="0"/>
+            <a:lumOff val="0"/>
+            <a:alphaOff val="0"/>
+          </a:schemeClr>
+        </a:solidFill>
+        <a:ln w="12700" cap="flat" cmpd="sng" algn="ctr">
+          <a:solidFill>
+            <a:schemeClr val="lt1">
+              <a:hueOff val="0"/>
+              <a:satOff val="0"/>
+              <a:lumOff val="0"/>
+              <a:alphaOff val="0"/>
+            </a:schemeClr>
+          </a:solidFill>
+          <a:prstDash val="solid"/>
+          <a:miter lim="800000"/>
+        </a:ln>
+        <a:effectLst/>
+      </dsp:spPr>
+      <dsp:style>
+        <a:lnRef idx="2">
+          <a:scrgbClr r="0" g="0" b="0"/>
+        </a:lnRef>
+        <a:fillRef idx="1">
+          <a:scrgbClr r="0" g="0" b="0"/>
+        </a:fillRef>
+        <a:effectRef idx="0">
+          <a:scrgbClr r="0" g="0" b="0"/>
+        </a:effectRef>
+        <a:fontRef idx="minor">
+          <a:schemeClr val="lt1"/>
+        </a:fontRef>
+      </dsp:style>
+      <dsp:txBody>
+        <a:bodyPr spcFirstLastPara="0" vert="horz" wrap="square" lIns="41910" tIns="41910" rIns="41910" bIns="41910" numCol="1" spcCol="1270" anchor="ctr" anchorCtr="0">
+          <a:noAutofit/>
+        </a:bodyPr>
+        <a:lstStyle/>
+        <a:p>
+          <a:pPr marL="0" lvl="0" indent="0" algn="ctr" defTabSz="488950">
+            <a:lnSpc>
+              <a:spcPct val="90000"/>
+            </a:lnSpc>
+            <a:spcBef>
+              <a:spcPct val="0"/>
+            </a:spcBef>
+            <a:spcAft>
+              <a:spcPct val="35000"/>
+            </a:spcAft>
+            <a:buNone/>
+          </a:pPr>
+          <a:r>
+            <a:rPr lang="pt-BR" sz="1100" kern="1200" dirty="0"/>
+            <a:t>Regressão linear múltipla do preço da gasolina comum em função das distâncias calculadas para os centroides dos municípios pesquisados (Distância Média, Desvio Padrão da Distância, Distância Mínima, Distância Máxima);</a:t>
+          </a:r>
+          <a:endParaRPr lang="en-US" sz="1100" kern="1200" dirty="0"/>
+        </a:p>
+      </dsp:txBody>
+      <dsp:txXfrm>
+        <a:off x="7231572" y="2052285"/>
+        <a:ext cx="2190159" cy="1314095"/>
+      </dsp:txXfrm>
+    </dsp:sp>
+    <dsp:sp modelId="{E7E548EA-54CD-418D-B4EB-EBF63B5C7545}">
+      <dsp:nvSpPr>
+        <dsp:cNvPr id="0" name=""/>
+        <dsp:cNvSpPr/>
+      </dsp:nvSpPr>
+      <dsp:spPr>
+        <a:xfrm>
+          <a:off x="9640748" y="2052285"/>
+          <a:ext cx="2190159" cy="1314095"/>
+        </a:xfrm>
+        <a:prstGeom prst="rect">
+          <a:avLst/>
+        </a:prstGeom>
+        <a:solidFill>
+          <a:srgbClr val="5B9BD5"/>
+        </a:solidFill>
+        <a:ln w="12700" cap="flat" cmpd="sng" algn="ctr">
+          <a:solidFill>
+            <a:schemeClr val="lt1">
+              <a:hueOff val="0"/>
+              <a:satOff val="0"/>
+              <a:lumOff val="0"/>
+              <a:alphaOff val="0"/>
+            </a:schemeClr>
+          </a:solidFill>
+          <a:prstDash val="solid"/>
+          <a:miter lim="800000"/>
+        </a:ln>
+        <a:effectLst/>
+      </dsp:spPr>
+      <dsp:style>
+        <a:lnRef idx="2">
+          <a:scrgbClr r="0" g="0" b="0"/>
+        </a:lnRef>
+        <a:fillRef idx="1">
+          <a:scrgbClr r="0" g="0" b="0"/>
+        </a:fillRef>
+        <a:effectRef idx="0">
+          <a:scrgbClr r="0" g="0" b="0"/>
+        </a:effectRef>
+        <a:fontRef idx="minor">
+          <a:schemeClr val="lt1"/>
+        </a:fontRef>
+      </dsp:style>
+      <dsp:txBody>
+        <a:bodyPr spcFirstLastPara="0" vert="horz" wrap="square" lIns="53340" tIns="53340" rIns="53340" bIns="53340" numCol="1" spcCol="1270" anchor="ctr" anchorCtr="0">
+          <a:noAutofit/>
+        </a:bodyPr>
+        <a:lstStyle/>
+        <a:p>
+          <a:pPr marL="0" lvl="0" indent="0" algn="ctr" defTabSz="622300">
+            <a:lnSpc>
+              <a:spcPct val="90000"/>
+            </a:lnSpc>
+            <a:spcBef>
+              <a:spcPct val="0"/>
+            </a:spcBef>
+            <a:spcAft>
+              <a:spcPct val="35000"/>
+            </a:spcAft>
+            <a:buNone/>
+          </a:pPr>
+          <a:r>
+            <a:rPr lang="pt-BR" sz="1400" kern="1200"/>
+            <a:t>Análise dos resultados de regressão linear múltipla;</a:t>
+          </a:r>
+          <a:endParaRPr lang="en-US" sz="1400" kern="1200"/>
+        </a:p>
+      </dsp:txBody>
+      <dsp:txXfrm>
+        <a:off x="9640748" y="2052285"/>
+        <a:ext cx="2190159" cy="1314095"/>
+      </dsp:txXfrm>
+    </dsp:sp>
+    <dsp:sp modelId="{667B6356-BE5B-4115-B9A1-2ECF9C461F27}">
+      <dsp:nvSpPr>
+        <dsp:cNvPr id="0" name=""/>
+        <dsp:cNvSpPr/>
+      </dsp:nvSpPr>
+      <dsp:spPr>
+        <a:xfrm>
+          <a:off x="2413221" y="3585397"/>
+          <a:ext cx="2190159" cy="1314095"/>
+        </a:xfrm>
+        <a:prstGeom prst="rect">
+          <a:avLst/>
+        </a:prstGeom>
+        <a:solidFill>
+          <a:srgbClr val="70AD47"/>
+        </a:solidFill>
+        <a:ln w="12700" cap="flat" cmpd="sng" algn="ctr">
+          <a:solidFill>
+            <a:schemeClr val="lt1">
+              <a:hueOff val="0"/>
+              <a:satOff val="0"/>
+              <a:lumOff val="0"/>
+              <a:alphaOff val="0"/>
+            </a:schemeClr>
+          </a:solidFill>
+          <a:prstDash val="solid"/>
+          <a:miter lim="800000"/>
+        </a:ln>
+        <a:effectLst/>
+      </dsp:spPr>
+      <dsp:style>
+        <a:lnRef idx="2">
+          <a:scrgbClr r="0" g="0" b="0"/>
+        </a:lnRef>
+        <a:fillRef idx="1">
+          <a:scrgbClr r="0" g="0" b="0"/>
+        </a:fillRef>
+        <a:effectRef idx="0">
+          <a:scrgbClr r="0" g="0" b="0"/>
+        </a:effectRef>
+        <a:fontRef idx="minor">
+          <a:schemeClr val="lt1"/>
+        </a:fontRef>
+      </dsp:style>
+      <dsp:txBody>
+        <a:bodyPr spcFirstLastPara="0" vert="horz" wrap="square" lIns="53340" tIns="53340" rIns="53340" bIns="53340" numCol="1" spcCol="1270" anchor="ctr" anchorCtr="0">
+          <a:noAutofit/>
+        </a:bodyPr>
+        <a:lstStyle/>
+        <a:p>
+          <a:pPr marL="0" lvl="0" indent="0" algn="ctr" defTabSz="622300">
+            <a:lnSpc>
+              <a:spcPct val="90000"/>
+            </a:lnSpc>
+            <a:spcBef>
+              <a:spcPct val="0"/>
+            </a:spcBef>
+            <a:spcAft>
+              <a:spcPct val="35000"/>
+            </a:spcAft>
+            <a:buNone/>
+          </a:pPr>
+          <a:r>
+            <a:rPr lang="pt-BR" sz="1400" kern="1200"/>
+            <a:t>Cálculo de autocorrelação espacial (I de Moran) para os postos e municípios pesquisados;</a:t>
+          </a:r>
+          <a:endParaRPr lang="en-US" sz="1400" kern="1200"/>
+        </a:p>
+      </dsp:txBody>
+      <dsp:txXfrm>
+        <a:off x="2413221" y="3585397"/>
+        <a:ext cx="2190159" cy="1314095"/>
+      </dsp:txXfrm>
+    </dsp:sp>
+    <dsp:sp modelId="{97D69FD1-4EA8-43AE-9C7F-A115661A03CA}">
+      <dsp:nvSpPr>
+        <dsp:cNvPr id="0" name=""/>
+        <dsp:cNvSpPr/>
+      </dsp:nvSpPr>
+      <dsp:spPr>
+        <a:xfrm>
+          <a:off x="4822397" y="3585397"/>
+          <a:ext cx="2190159" cy="1314095"/>
+        </a:xfrm>
+        <a:prstGeom prst="rect">
+          <a:avLst/>
+        </a:prstGeom>
+        <a:solidFill>
+          <a:srgbClr val="FFC000"/>
+        </a:solidFill>
+        <a:ln w="12700" cap="flat" cmpd="sng" algn="ctr">
+          <a:solidFill>
+            <a:schemeClr val="lt1">
+              <a:hueOff val="0"/>
+              <a:satOff val="0"/>
+              <a:lumOff val="0"/>
+              <a:alphaOff val="0"/>
+            </a:schemeClr>
+          </a:solidFill>
+          <a:prstDash val="solid"/>
+          <a:miter lim="800000"/>
+        </a:ln>
+        <a:effectLst/>
+      </dsp:spPr>
+      <dsp:style>
+        <a:lnRef idx="2">
+          <a:scrgbClr r="0" g="0" b="0"/>
+        </a:lnRef>
+        <a:fillRef idx="1">
+          <a:scrgbClr r="0" g="0" b="0"/>
+        </a:fillRef>
+        <a:effectRef idx="0">
+          <a:scrgbClr r="0" g="0" b="0"/>
+        </a:effectRef>
+        <a:fontRef idx="minor">
+          <a:schemeClr val="lt1"/>
+        </a:fontRef>
+      </dsp:style>
+      <dsp:txBody>
+        <a:bodyPr spcFirstLastPara="0" vert="horz" wrap="square" lIns="53340" tIns="53340" rIns="53340" bIns="53340" numCol="1" spcCol="1270" anchor="ctr" anchorCtr="0">
+          <a:noAutofit/>
+        </a:bodyPr>
+        <a:lstStyle/>
+        <a:p>
+          <a:pPr marL="0" lvl="0" indent="0" algn="ctr" defTabSz="622300">
+            <a:lnSpc>
+              <a:spcPct val="90000"/>
+            </a:lnSpc>
+            <a:spcBef>
+              <a:spcPct val="0"/>
+            </a:spcBef>
+            <a:spcAft>
+              <a:spcPct val="35000"/>
+            </a:spcAft>
+            <a:buNone/>
+          </a:pPr>
+          <a:r>
+            <a:rPr lang="pt-BR" sz="1400" kern="1200"/>
+            <a:t>Avaliação dos resultados e criação de mapas temáticos;</a:t>
+          </a:r>
+          <a:endParaRPr lang="en-US" sz="1400" kern="1200"/>
+        </a:p>
+      </dsp:txBody>
+      <dsp:txXfrm>
+        <a:off x="4822397" y="3585397"/>
+        <a:ext cx="2190159" cy="1314095"/>
+      </dsp:txXfrm>
+    </dsp:sp>
+    <dsp:sp modelId="{ABDDCEE8-BCCE-4964-8FBB-6BF502AD6E1E}">
+      <dsp:nvSpPr>
+        <dsp:cNvPr id="0" name=""/>
+        <dsp:cNvSpPr/>
+      </dsp:nvSpPr>
+      <dsp:spPr>
+        <a:xfrm>
+          <a:off x="7231572" y="3585397"/>
+          <a:ext cx="2190159" cy="1314095"/>
+        </a:xfrm>
+        <a:prstGeom prst="rect">
+          <a:avLst/>
+        </a:prstGeom>
+        <a:solidFill>
+          <a:schemeClr val="accent4">
             <a:hueOff val="0"/>
             <a:satOff val="0"/>
             <a:lumOff val="0"/>
@@ -5952,7 +7008,7 @@
         </a:bodyPr>
         <a:lstStyle/>
         <a:p>
-          <a:pPr lvl="0" algn="ctr" defTabSz="622300">
+          <a:pPr marL="0" lvl="0" indent="0" algn="ctr" defTabSz="622300">
             <a:lnSpc>
               <a:spcPct val="90000"/>
             </a:lnSpc>
@@ -5962,711 +7018,10 @@
             <a:spcAft>
               <a:spcPct val="35000"/>
             </a:spcAft>
+            <a:buNone/>
           </a:pPr>
           <a:r>
-            <a:rPr lang="pt-BR" sz="1400" kern="1200" smtClean="0"/>
-            <a:t>Análise exploratória de dados utilizando Power BI, QGIS e R;</a:t>
-          </a:r>
-          <a:endParaRPr lang="en-US" sz="1400" kern="1200"/>
-        </a:p>
-      </dsp:txBody>
-      <dsp:txXfrm>
-        <a:off x="7231572" y="519173"/>
-        <a:ext cx="2190159" cy="1314095"/>
-      </dsp:txXfrm>
-    </dsp:sp>
-    <dsp:sp modelId="{35108240-9DB9-43CF-8ACE-CAF069FE8373}">
-      <dsp:nvSpPr>
-        <dsp:cNvPr id="0" name=""/>
-        <dsp:cNvSpPr/>
-      </dsp:nvSpPr>
-      <dsp:spPr>
-        <a:xfrm>
-          <a:off x="9640748" y="519173"/>
-          <a:ext cx="2190159" cy="1314095"/>
-        </a:xfrm>
-        <a:prstGeom prst="rect">
-          <a:avLst/>
-        </a:prstGeom>
-        <a:solidFill>
-          <a:schemeClr val="accent1">
-            <a:hueOff val="0"/>
-            <a:satOff val="0"/>
-            <a:lumOff val="0"/>
-            <a:alphaOff val="0"/>
-          </a:schemeClr>
-        </a:solidFill>
-        <a:ln w="12700" cap="flat" cmpd="sng" algn="ctr">
-          <a:solidFill>
-            <a:schemeClr val="lt1">
-              <a:hueOff val="0"/>
-              <a:satOff val="0"/>
-              <a:lumOff val="0"/>
-              <a:alphaOff val="0"/>
-            </a:schemeClr>
-          </a:solidFill>
-          <a:prstDash val="solid"/>
-          <a:miter lim="800000"/>
-        </a:ln>
-        <a:effectLst/>
-      </dsp:spPr>
-      <dsp:style>
-        <a:lnRef idx="2">
-          <a:scrgbClr r="0" g="0" b="0"/>
-        </a:lnRef>
-        <a:fillRef idx="1">
-          <a:scrgbClr r="0" g="0" b="0"/>
-        </a:fillRef>
-        <a:effectRef idx="0">
-          <a:scrgbClr r="0" g="0" b="0"/>
-        </a:effectRef>
-        <a:fontRef idx="minor">
-          <a:schemeClr val="lt1"/>
-        </a:fontRef>
-      </dsp:style>
-      <dsp:txBody>
-        <a:bodyPr spcFirstLastPara="0" vert="horz" wrap="square" lIns="53340" tIns="53340" rIns="53340" bIns="53340" numCol="1" spcCol="1270" anchor="ctr" anchorCtr="0">
-          <a:noAutofit/>
-        </a:bodyPr>
-        <a:lstStyle/>
-        <a:p>
-          <a:pPr lvl="0" algn="ctr" defTabSz="622300">
-            <a:lnSpc>
-              <a:spcPct val="90000"/>
-            </a:lnSpc>
-            <a:spcBef>
-              <a:spcPct val="0"/>
-            </a:spcBef>
-            <a:spcAft>
-              <a:spcPct val="35000"/>
-            </a:spcAft>
-          </a:pPr>
-          <a:r>
-            <a:rPr lang="pt-BR" sz="1400" kern="1200" smtClean="0"/>
-            <a:t>Cálculo do centroide dos municípios pesquisados;</a:t>
-          </a:r>
-          <a:endParaRPr lang="en-US" sz="1400" kern="1200"/>
-        </a:p>
-      </dsp:txBody>
-      <dsp:txXfrm>
-        <a:off x="9640748" y="519173"/>
-        <a:ext cx="2190159" cy="1314095"/>
-      </dsp:txXfrm>
-    </dsp:sp>
-    <dsp:sp modelId="{59824F72-FA4F-412A-B4CC-B2C7A0FFCD96}">
-      <dsp:nvSpPr>
-        <dsp:cNvPr id="0" name=""/>
-        <dsp:cNvSpPr/>
-      </dsp:nvSpPr>
-      <dsp:spPr>
-        <a:xfrm>
-          <a:off x="4045" y="2052285"/>
-          <a:ext cx="2190159" cy="1314095"/>
-        </a:xfrm>
-        <a:prstGeom prst="rect">
-          <a:avLst/>
-        </a:prstGeom>
-        <a:solidFill>
-          <a:schemeClr val="accent1">
-            <a:hueOff val="0"/>
-            <a:satOff val="0"/>
-            <a:lumOff val="0"/>
-            <a:alphaOff val="0"/>
-          </a:schemeClr>
-        </a:solidFill>
-        <a:ln w="12700" cap="flat" cmpd="sng" algn="ctr">
-          <a:solidFill>
-            <a:schemeClr val="lt1">
-              <a:hueOff val="0"/>
-              <a:satOff val="0"/>
-              <a:lumOff val="0"/>
-              <a:alphaOff val="0"/>
-            </a:schemeClr>
-          </a:solidFill>
-          <a:prstDash val="solid"/>
-          <a:miter lim="800000"/>
-        </a:ln>
-        <a:effectLst/>
-      </dsp:spPr>
-      <dsp:style>
-        <a:lnRef idx="2">
-          <a:scrgbClr r="0" g="0" b="0"/>
-        </a:lnRef>
-        <a:fillRef idx="1">
-          <a:scrgbClr r="0" g="0" b="0"/>
-        </a:fillRef>
-        <a:effectRef idx="0">
-          <a:scrgbClr r="0" g="0" b="0"/>
-        </a:effectRef>
-        <a:fontRef idx="minor">
-          <a:schemeClr val="lt1"/>
-        </a:fontRef>
-      </dsp:style>
-      <dsp:txBody>
-        <a:bodyPr spcFirstLastPara="0" vert="horz" wrap="square" lIns="53340" tIns="53340" rIns="53340" bIns="53340" numCol="1" spcCol="1270" anchor="ctr" anchorCtr="0">
-          <a:noAutofit/>
-        </a:bodyPr>
-        <a:lstStyle/>
-        <a:p>
-          <a:pPr lvl="0" algn="ctr" defTabSz="622300">
-            <a:lnSpc>
-              <a:spcPct val="90000"/>
-            </a:lnSpc>
-            <a:spcBef>
-              <a:spcPct val="0"/>
-            </a:spcBef>
-            <a:spcAft>
-              <a:spcPct val="35000"/>
-            </a:spcAft>
-          </a:pPr>
-          <a:r>
-            <a:rPr lang="pt-BR" sz="1400" kern="1200" smtClean="0"/>
-            <a:t>Cálculo das distancias entre os postos e centroides de municípios e as refinarias;</a:t>
-          </a:r>
-          <a:endParaRPr lang="en-US" sz="1400" kern="1200"/>
-        </a:p>
-      </dsp:txBody>
-      <dsp:txXfrm>
-        <a:off x="4045" y="2052285"/>
-        <a:ext cx="2190159" cy="1314095"/>
-      </dsp:txXfrm>
-    </dsp:sp>
-    <dsp:sp modelId="{CD59546D-E6B4-4632-A231-8A5A2955F00C}">
-      <dsp:nvSpPr>
-        <dsp:cNvPr id="0" name=""/>
-        <dsp:cNvSpPr/>
-      </dsp:nvSpPr>
-      <dsp:spPr>
-        <a:xfrm>
-          <a:off x="2413221" y="2052285"/>
-          <a:ext cx="2190159" cy="1314095"/>
-        </a:xfrm>
-        <a:prstGeom prst="rect">
-          <a:avLst/>
-        </a:prstGeom>
-        <a:solidFill>
-          <a:schemeClr val="accent1">
-            <a:hueOff val="0"/>
-            <a:satOff val="0"/>
-            <a:lumOff val="0"/>
-            <a:alphaOff val="0"/>
-          </a:schemeClr>
-        </a:solidFill>
-        <a:ln w="12700" cap="flat" cmpd="sng" algn="ctr">
-          <a:solidFill>
-            <a:schemeClr val="lt1">
-              <a:hueOff val="0"/>
-              <a:satOff val="0"/>
-              <a:lumOff val="0"/>
-              <a:alphaOff val="0"/>
-            </a:schemeClr>
-          </a:solidFill>
-          <a:prstDash val="solid"/>
-          <a:miter lim="800000"/>
-        </a:ln>
-        <a:effectLst/>
-      </dsp:spPr>
-      <dsp:style>
-        <a:lnRef idx="2">
-          <a:scrgbClr r="0" g="0" b="0"/>
-        </a:lnRef>
-        <a:fillRef idx="1">
-          <a:scrgbClr r="0" g="0" b="0"/>
-        </a:fillRef>
-        <a:effectRef idx="0">
-          <a:scrgbClr r="0" g="0" b="0"/>
-        </a:effectRef>
-        <a:fontRef idx="minor">
-          <a:schemeClr val="lt1"/>
-        </a:fontRef>
-      </dsp:style>
-      <dsp:txBody>
-        <a:bodyPr spcFirstLastPara="0" vert="horz" wrap="square" lIns="53340" tIns="53340" rIns="53340" bIns="53340" numCol="1" spcCol="1270" anchor="ctr" anchorCtr="0">
-          <a:noAutofit/>
-        </a:bodyPr>
-        <a:lstStyle/>
-        <a:p>
-          <a:pPr lvl="0" algn="ctr" defTabSz="622300">
-            <a:lnSpc>
-              <a:spcPct val="90000"/>
-            </a:lnSpc>
-            <a:spcBef>
-              <a:spcPct val="0"/>
-            </a:spcBef>
-            <a:spcAft>
-              <a:spcPct val="35000"/>
-            </a:spcAft>
-          </a:pPr>
-          <a:r>
-            <a:rPr lang="pt-BR" sz="1400" kern="1200" smtClean="0"/>
-            <a:t>Cálculo das distancias entre os postos e centroides de municípios e as distribuidoras;</a:t>
-          </a:r>
-          <a:endParaRPr lang="en-US" sz="1400" kern="1200"/>
-        </a:p>
-      </dsp:txBody>
-      <dsp:txXfrm>
-        <a:off x="2413221" y="2052285"/>
-        <a:ext cx="2190159" cy="1314095"/>
-      </dsp:txXfrm>
-    </dsp:sp>
-    <dsp:sp modelId="{F8D1DEB7-7DD9-4FC6-AD95-EAB8679519C2}">
-      <dsp:nvSpPr>
-        <dsp:cNvPr id="0" name=""/>
-        <dsp:cNvSpPr/>
-      </dsp:nvSpPr>
-      <dsp:spPr>
-        <a:xfrm>
-          <a:off x="4822397" y="2052285"/>
-          <a:ext cx="2190159" cy="1314095"/>
-        </a:xfrm>
-        <a:prstGeom prst="rect">
-          <a:avLst/>
-        </a:prstGeom>
-        <a:solidFill>
-          <a:schemeClr val="accent1">
-            <a:hueOff val="0"/>
-            <a:satOff val="0"/>
-            <a:lumOff val="0"/>
-            <a:alphaOff val="0"/>
-          </a:schemeClr>
-        </a:solidFill>
-        <a:ln w="12700" cap="flat" cmpd="sng" algn="ctr">
-          <a:solidFill>
-            <a:schemeClr val="lt1">
-              <a:hueOff val="0"/>
-              <a:satOff val="0"/>
-              <a:lumOff val="0"/>
-              <a:alphaOff val="0"/>
-            </a:schemeClr>
-          </a:solidFill>
-          <a:prstDash val="solid"/>
-          <a:miter lim="800000"/>
-        </a:ln>
-        <a:effectLst/>
-      </dsp:spPr>
-      <dsp:style>
-        <a:lnRef idx="2">
-          <a:scrgbClr r="0" g="0" b="0"/>
-        </a:lnRef>
-        <a:fillRef idx="1">
-          <a:scrgbClr r="0" g="0" b="0"/>
-        </a:fillRef>
-        <a:effectRef idx="0">
-          <a:scrgbClr r="0" g="0" b="0"/>
-        </a:effectRef>
-        <a:fontRef idx="minor">
-          <a:schemeClr val="lt1"/>
-        </a:fontRef>
-      </dsp:style>
-      <dsp:txBody>
-        <a:bodyPr spcFirstLastPara="0" vert="horz" wrap="square" lIns="41910" tIns="41910" rIns="41910" bIns="41910" numCol="1" spcCol="1270" anchor="ctr" anchorCtr="0">
-          <a:noAutofit/>
-        </a:bodyPr>
-        <a:lstStyle/>
-        <a:p>
-          <a:pPr lvl="0" algn="ctr" defTabSz="488950">
-            <a:lnSpc>
-              <a:spcPct val="90000"/>
-            </a:lnSpc>
-            <a:spcBef>
-              <a:spcPct val="0"/>
-            </a:spcBef>
-            <a:spcAft>
-              <a:spcPct val="35000"/>
-            </a:spcAft>
-          </a:pPr>
-          <a:r>
-            <a:rPr lang="pt-BR" sz="1100" kern="1200" smtClean="0"/>
-            <a:t>Regressão linear múltipla do preço da gasolina comum em função das distâncias calculadas para os postos de gasolina pesquisados (Distância Média, Desvio Padrão da Distância, Distância Mínima, Distância Máxima);</a:t>
-          </a:r>
-          <a:endParaRPr lang="en-US" sz="1100" kern="1200"/>
-        </a:p>
-      </dsp:txBody>
-      <dsp:txXfrm>
-        <a:off x="4822397" y="2052285"/>
-        <a:ext cx="2190159" cy="1314095"/>
-      </dsp:txXfrm>
-    </dsp:sp>
-    <dsp:sp modelId="{B7476C18-3633-40ED-9BDE-280724279869}">
-      <dsp:nvSpPr>
-        <dsp:cNvPr id="0" name=""/>
-        <dsp:cNvSpPr/>
-      </dsp:nvSpPr>
-      <dsp:spPr>
-        <a:xfrm>
-          <a:off x="7231572" y="2052285"/>
-          <a:ext cx="2190159" cy="1314095"/>
-        </a:xfrm>
-        <a:prstGeom prst="rect">
-          <a:avLst/>
-        </a:prstGeom>
-        <a:solidFill>
-          <a:schemeClr val="accent1">
-            <a:hueOff val="0"/>
-            <a:satOff val="0"/>
-            <a:lumOff val="0"/>
-            <a:alphaOff val="0"/>
-          </a:schemeClr>
-        </a:solidFill>
-        <a:ln w="12700" cap="flat" cmpd="sng" algn="ctr">
-          <a:solidFill>
-            <a:schemeClr val="lt1">
-              <a:hueOff val="0"/>
-              <a:satOff val="0"/>
-              <a:lumOff val="0"/>
-              <a:alphaOff val="0"/>
-            </a:schemeClr>
-          </a:solidFill>
-          <a:prstDash val="solid"/>
-          <a:miter lim="800000"/>
-        </a:ln>
-        <a:effectLst/>
-      </dsp:spPr>
-      <dsp:style>
-        <a:lnRef idx="2">
-          <a:scrgbClr r="0" g="0" b="0"/>
-        </a:lnRef>
-        <a:fillRef idx="1">
-          <a:scrgbClr r="0" g="0" b="0"/>
-        </a:fillRef>
-        <a:effectRef idx="0">
-          <a:scrgbClr r="0" g="0" b="0"/>
-        </a:effectRef>
-        <a:fontRef idx="minor">
-          <a:schemeClr val="lt1"/>
-        </a:fontRef>
-      </dsp:style>
-      <dsp:txBody>
-        <a:bodyPr spcFirstLastPara="0" vert="horz" wrap="square" lIns="41910" tIns="41910" rIns="41910" bIns="41910" numCol="1" spcCol="1270" anchor="ctr" anchorCtr="0">
-          <a:noAutofit/>
-        </a:bodyPr>
-        <a:lstStyle/>
-        <a:p>
-          <a:pPr lvl="0" algn="ctr" defTabSz="488950">
-            <a:lnSpc>
-              <a:spcPct val="90000"/>
-            </a:lnSpc>
-            <a:spcBef>
-              <a:spcPct val="0"/>
-            </a:spcBef>
-            <a:spcAft>
-              <a:spcPct val="35000"/>
-            </a:spcAft>
-          </a:pPr>
-          <a:r>
-            <a:rPr lang="pt-BR" sz="1100" kern="1200" smtClean="0"/>
-            <a:t>Regressão linear múltipla do preço da gasolina comum em função das distâncias calculadas para os centroides dos municípios pesquisados (Distância Média, Desvio Padrão da Distância, Distância Mínima, Distância Máxima);</a:t>
-          </a:r>
-          <a:endParaRPr lang="en-US" sz="1100" kern="1200"/>
-        </a:p>
-      </dsp:txBody>
-      <dsp:txXfrm>
-        <a:off x="7231572" y="2052285"/>
-        <a:ext cx="2190159" cy="1314095"/>
-      </dsp:txXfrm>
-    </dsp:sp>
-    <dsp:sp modelId="{E7E548EA-54CD-418D-B4EB-EBF63B5C7545}">
-      <dsp:nvSpPr>
-        <dsp:cNvPr id="0" name=""/>
-        <dsp:cNvSpPr/>
-      </dsp:nvSpPr>
-      <dsp:spPr>
-        <a:xfrm>
-          <a:off x="9640748" y="2052285"/>
-          <a:ext cx="2190159" cy="1314095"/>
-        </a:xfrm>
-        <a:prstGeom prst="rect">
-          <a:avLst/>
-        </a:prstGeom>
-        <a:solidFill>
-          <a:schemeClr val="accent1">
-            <a:hueOff val="0"/>
-            <a:satOff val="0"/>
-            <a:lumOff val="0"/>
-            <a:alphaOff val="0"/>
-          </a:schemeClr>
-        </a:solidFill>
-        <a:ln w="12700" cap="flat" cmpd="sng" algn="ctr">
-          <a:solidFill>
-            <a:schemeClr val="lt1">
-              <a:hueOff val="0"/>
-              <a:satOff val="0"/>
-              <a:lumOff val="0"/>
-              <a:alphaOff val="0"/>
-            </a:schemeClr>
-          </a:solidFill>
-          <a:prstDash val="solid"/>
-          <a:miter lim="800000"/>
-        </a:ln>
-        <a:effectLst/>
-      </dsp:spPr>
-      <dsp:style>
-        <a:lnRef idx="2">
-          <a:scrgbClr r="0" g="0" b="0"/>
-        </a:lnRef>
-        <a:fillRef idx="1">
-          <a:scrgbClr r="0" g="0" b="0"/>
-        </a:fillRef>
-        <a:effectRef idx="0">
-          <a:scrgbClr r="0" g="0" b="0"/>
-        </a:effectRef>
-        <a:fontRef idx="minor">
-          <a:schemeClr val="lt1"/>
-        </a:fontRef>
-      </dsp:style>
-      <dsp:txBody>
-        <a:bodyPr spcFirstLastPara="0" vert="horz" wrap="square" lIns="53340" tIns="53340" rIns="53340" bIns="53340" numCol="1" spcCol="1270" anchor="ctr" anchorCtr="0">
-          <a:noAutofit/>
-        </a:bodyPr>
-        <a:lstStyle/>
-        <a:p>
-          <a:pPr lvl="0" algn="ctr" defTabSz="622300">
-            <a:lnSpc>
-              <a:spcPct val="90000"/>
-            </a:lnSpc>
-            <a:spcBef>
-              <a:spcPct val="0"/>
-            </a:spcBef>
-            <a:spcAft>
-              <a:spcPct val="35000"/>
-            </a:spcAft>
-          </a:pPr>
-          <a:r>
-            <a:rPr lang="pt-BR" sz="1400" kern="1200" smtClean="0"/>
-            <a:t>Análise dos resultados de regressão linear múltipla;</a:t>
-          </a:r>
-          <a:endParaRPr lang="en-US" sz="1400" kern="1200"/>
-        </a:p>
-      </dsp:txBody>
-      <dsp:txXfrm>
-        <a:off x="9640748" y="2052285"/>
-        <a:ext cx="2190159" cy="1314095"/>
-      </dsp:txXfrm>
-    </dsp:sp>
-    <dsp:sp modelId="{667B6356-BE5B-4115-B9A1-2ECF9C461F27}">
-      <dsp:nvSpPr>
-        <dsp:cNvPr id="0" name=""/>
-        <dsp:cNvSpPr/>
-      </dsp:nvSpPr>
-      <dsp:spPr>
-        <a:xfrm>
-          <a:off x="2413221" y="3585397"/>
-          <a:ext cx="2190159" cy="1314095"/>
-        </a:xfrm>
-        <a:prstGeom prst="rect">
-          <a:avLst/>
-        </a:prstGeom>
-        <a:solidFill>
-          <a:schemeClr val="accent1">
-            <a:hueOff val="0"/>
-            <a:satOff val="0"/>
-            <a:lumOff val="0"/>
-            <a:alphaOff val="0"/>
-          </a:schemeClr>
-        </a:solidFill>
-        <a:ln w="12700" cap="flat" cmpd="sng" algn="ctr">
-          <a:solidFill>
-            <a:schemeClr val="lt1">
-              <a:hueOff val="0"/>
-              <a:satOff val="0"/>
-              <a:lumOff val="0"/>
-              <a:alphaOff val="0"/>
-            </a:schemeClr>
-          </a:solidFill>
-          <a:prstDash val="solid"/>
-          <a:miter lim="800000"/>
-        </a:ln>
-        <a:effectLst/>
-      </dsp:spPr>
-      <dsp:style>
-        <a:lnRef idx="2">
-          <a:scrgbClr r="0" g="0" b="0"/>
-        </a:lnRef>
-        <a:fillRef idx="1">
-          <a:scrgbClr r="0" g="0" b="0"/>
-        </a:fillRef>
-        <a:effectRef idx="0">
-          <a:scrgbClr r="0" g="0" b="0"/>
-        </a:effectRef>
-        <a:fontRef idx="minor">
-          <a:schemeClr val="lt1"/>
-        </a:fontRef>
-      </dsp:style>
-      <dsp:txBody>
-        <a:bodyPr spcFirstLastPara="0" vert="horz" wrap="square" lIns="53340" tIns="53340" rIns="53340" bIns="53340" numCol="1" spcCol="1270" anchor="ctr" anchorCtr="0">
-          <a:noAutofit/>
-        </a:bodyPr>
-        <a:lstStyle/>
-        <a:p>
-          <a:pPr lvl="0" algn="ctr" defTabSz="622300">
-            <a:lnSpc>
-              <a:spcPct val="90000"/>
-            </a:lnSpc>
-            <a:spcBef>
-              <a:spcPct val="0"/>
-            </a:spcBef>
-            <a:spcAft>
-              <a:spcPct val="35000"/>
-            </a:spcAft>
-          </a:pPr>
-          <a:r>
-            <a:rPr lang="pt-BR" sz="1400" kern="1200" smtClean="0"/>
-            <a:t>Cálculo de autocorrelação espacial (I de Moran) para os postos e municípios pesquisados;</a:t>
-          </a:r>
-          <a:endParaRPr lang="en-US" sz="1400" kern="1200"/>
-        </a:p>
-      </dsp:txBody>
-      <dsp:txXfrm>
-        <a:off x="2413221" y="3585397"/>
-        <a:ext cx="2190159" cy="1314095"/>
-      </dsp:txXfrm>
-    </dsp:sp>
-    <dsp:sp modelId="{97D69FD1-4EA8-43AE-9C7F-A115661A03CA}">
-      <dsp:nvSpPr>
-        <dsp:cNvPr id="0" name=""/>
-        <dsp:cNvSpPr/>
-      </dsp:nvSpPr>
-      <dsp:spPr>
-        <a:xfrm>
-          <a:off x="4822397" y="3585397"/>
-          <a:ext cx="2190159" cy="1314095"/>
-        </a:xfrm>
-        <a:prstGeom prst="rect">
-          <a:avLst/>
-        </a:prstGeom>
-        <a:solidFill>
-          <a:schemeClr val="accent1">
-            <a:hueOff val="0"/>
-            <a:satOff val="0"/>
-            <a:lumOff val="0"/>
-            <a:alphaOff val="0"/>
-          </a:schemeClr>
-        </a:solidFill>
-        <a:ln w="12700" cap="flat" cmpd="sng" algn="ctr">
-          <a:solidFill>
-            <a:schemeClr val="lt1">
-              <a:hueOff val="0"/>
-              <a:satOff val="0"/>
-              <a:lumOff val="0"/>
-              <a:alphaOff val="0"/>
-            </a:schemeClr>
-          </a:solidFill>
-          <a:prstDash val="solid"/>
-          <a:miter lim="800000"/>
-        </a:ln>
-        <a:effectLst/>
-      </dsp:spPr>
-      <dsp:style>
-        <a:lnRef idx="2">
-          <a:scrgbClr r="0" g="0" b="0"/>
-        </a:lnRef>
-        <a:fillRef idx="1">
-          <a:scrgbClr r="0" g="0" b="0"/>
-        </a:fillRef>
-        <a:effectRef idx="0">
-          <a:scrgbClr r="0" g="0" b="0"/>
-        </a:effectRef>
-        <a:fontRef idx="minor">
-          <a:schemeClr val="lt1"/>
-        </a:fontRef>
-      </dsp:style>
-      <dsp:txBody>
-        <a:bodyPr spcFirstLastPara="0" vert="horz" wrap="square" lIns="53340" tIns="53340" rIns="53340" bIns="53340" numCol="1" spcCol="1270" anchor="ctr" anchorCtr="0">
-          <a:noAutofit/>
-        </a:bodyPr>
-        <a:lstStyle/>
-        <a:p>
-          <a:pPr lvl="0" algn="ctr" defTabSz="622300">
-            <a:lnSpc>
-              <a:spcPct val="90000"/>
-            </a:lnSpc>
-            <a:spcBef>
-              <a:spcPct val="0"/>
-            </a:spcBef>
-            <a:spcAft>
-              <a:spcPct val="35000"/>
-            </a:spcAft>
-          </a:pPr>
-          <a:r>
-            <a:rPr lang="pt-BR" sz="1400" kern="1200" smtClean="0"/>
-            <a:t>Avaliação dos resultados e criação de mapas temáticos;</a:t>
-          </a:r>
-          <a:endParaRPr lang="en-US" sz="1400" kern="1200"/>
-        </a:p>
-      </dsp:txBody>
-      <dsp:txXfrm>
-        <a:off x="4822397" y="3585397"/>
-        <a:ext cx="2190159" cy="1314095"/>
-      </dsp:txXfrm>
-    </dsp:sp>
-    <dsp:sp modelId="{ABDDCEE8-BCCE-4964-8FBB-6BF502AD6E1E}">
-      <dsp:nvSpPr>
-        <dsp:cNvPr id="0" name=""/>
-        <dsp:cNvSpPr/>
-      </dsp:nvSpPr>
-      <dsp:spPr>
-        <a:xfrm>
-          <a:off x="7231572" y="3585397"/>
-          <a:ext cx="2190159" cy="1314095"/>
-        </a:xfrm>
-        <a:prstGeom prst="rect">
-          <a:avLst/>
-        </a:prstGeom>
-        <a:solidFill>
-          <a:schemeClr val="accent1">
-            <a:hueOff val="0"/>
-            <a:satOff val="0"/>
-            <a:lumOff val="0"/>
-            <a:alphaOff val="0"/>
-          </a:schemeClr>
-        </a:solidFill>
-        <a:ln w="12700" cap="flat" cmpd="sng" algn="ctr">
-          <a:solidFill>
-            <a:schemeClr val="lt1">
-              <a:hueOff val="0"/>
-              <a:satOff val="0"/>
-              <a:lumOff val="0"/>
-              <a:alphaOff val="0"/>
-            </a:schemeClr>
-          </a:solidFill>
-          <a:prstDash val="solid"/>
-          <a:miter lim="800000"/>
-        </a:ln>
-        <a:effectLst/>
-      </dsp:spPr>
-      <dsp:style>
-        <a:lnRef idx="2">
-          <a:scrgbClr r="0" g="0" b="0"/>
-        </a:lnRef>
-        <a:fillRef idx="1">
-          <a:scrgbClr r="0" g="0" b="0"/>
-        </a:fillRef>
-        <a:effectRef idx="0">
-          <a:scrgbClr r="0" g="0" b="0"/>
-        </a:effectRef>
-        <a:fontRef idx="minor">
-          <a:schemeClr val="lt1"/>
-        </a:fontRef>
-      </dsp:style>
-      <dsp:txBody>
-        <a:bodyPr spcFirstLastPara="0" vert="horz" wrap="square" lIns="53340" tIns="53340" rIns="53340" bIns="53340" numCol="1" spcCol="1270" anchor="ctr" anchorCtr="0">
-          <a:noAutofit/>
-        </a:bodyPr>
-        <a:lstStyle/>
-        <a:p>
-          <a:pPr lvl="0" algn="ctr" defTabSz="622300">
-            <a:lnSpc>
-              <a:spcPct val="90000"/>
-            </a:lnSpc>
-            <a:spcBef>
-              <a:spcPct val="0"/>
-            </a:spcBef>
-            <a:spcAft>
-              <a:spcPct val="35000"/>
-            </a:spcAft>
-          </a:pPr>
-          <a:r>
-            <a:rPr lang="pt-BR" sz="1400" kern="1200" dirty="0" smtClean="0"/>
+            <a:rPr lang="pt-BR" sz="1400" kern="1200" dirty="0"/>
             <a:t>Publicação do relatório final com as conclusões do trabalho de pesquisa.</a:t>
           </a:r>
           <a:endParaRPr lang="en-US" sz="1400" kern="1200" dirty="0"/>
@@ -11108,34 +11463,13 @@
           <a:p>
             <a:pPr algn="ctr"/>
             <a:r>
-              <a:rPr lang="pt-BR" sz="4800" b="1" dirty="0" smtClean="0">
-                <a:solidFill>
-                  <a:schemeClr val="bg1"/>
-                </a:solidFill>
-              </a:rPr>
-              <a:t>Pré-Projeto </a:t>
-            </a:r>
-            <a:r>
               <a:rPr lang="pt-BR" sz="4800" b="1" dirty="0">
                 <a:solidFill>
                   <a:schemeClr val="bg1"/>
                 </a:solidFill>
               </a:rPr>
-              <a:t>Grupo </a:t>
-            </a:r>
-            <a:r>
-              <a:rPr lang="pt-BR" sz="4800" b="1" dirty="0" smtClean="0">
-                <a:solidFill>
-                  <a:schemeClr val="bg1"/>
-                </a:solidFill>
-              </a:rPr>
-              <a:t>2</a:t>
-            </a:r>
-            <a:endParaRPr lang="pt-BR" sz="4800" b="1" dirty="0">
-              <a:solidFill>
-                <a:schemeClr val="bg1"/>
-              </a:solidFill>
-            </a:endParaRPr>
+              <a:t>Pré-Projeto Grupo 2</a:t>
+            </a:r>
           </a:p>
           <a:p>
             <a:endParaRPr lang="pt-BR" sz="3600" b="1" dirty="0">
@@ -11147,7 +11481,7 @@
           <a:p>
             <a:pPr algn="ctr"/>
             <a:r>
-              <a:rPr lang="pt-BR" sz="3600" dirty="0" smtClean="0">
+              <a:rPr lang="pt-BR" sz="3600" dirty="0">
                 <a:solidFill>
                   <a:schemeClr val="bg1"/>
                 </a:solidFill>
@@ -11158,18 +11492,13 @@
           <a:p>
             <a:pPr algn="ctr"/>
             <a:r>
-              <a:rPr lang="pt-BR" sz="3600" dirty="0" smtClean="0">
+              <a:rPr lang="pt-BR" sz="3600" dirty="0">
                 <a:solidFill>
                   <a:schemeClr val="bg1"/>
                 </a:solidFill>
               </a:rPr>
               <a:t>Professor Eduardo Francisco</a:t>
             </a:r>
-            <a:endParaRPr lang="pt-BR" sz="3600" dirty="0">
-              <a:solidFill>
-                <a:schemeClr val="bg1"/>
-              </a:solidFill>
-            </a:endParaRPr>
           </a:p>
         </p:txBody>
       </p:sp>
@@ -11267,7 +11596,7 @@
                 <a:hlinkClick r:id="rId2">
                   <a:extLst>
                     <a:ext uri="{A12FA001-AC4F-418D-AE19-62706E023703}">
-                      <ahyp:hlinkClr xmlns:ahyp="http://schemas.microsoft.com/office/drawing/2018/hyperlinkcolor" xmlns="" val="tx"/>
+                      <ahyp:hlinkClr xmlns:ahyp="http://schemas.microsoft.com/office/drawing/2018/hyperlinkcolor" val="tx"/>
                     </a:ext>
                   </a:extLst>
                 </a:hlinkClick>
@@ -11337,7 +11666,7 @@
                 <a:hlinkClick r:id="rId3">
                   <a:extLst>
                     <a:ext uri="{A12FA001-AC4F-418D-AE19-62706E023703}">
-                      <ahyp:hlinkClr xmlns:ahyp="http://schemas.microsoft.com/office/drawing/2018/hyperlinkcolor" xmlns="" val="tx"/>
+                      <ahyp:hlinkClr xmlns:ahyp="http://schemas.microsoft.com/office/drawing/2018/hyperlinkcolor" val="tx"/>
                     </a:ext>
                   </a:extLst>
                 </a:hlinkClick>
@@ -11389,7 +11718,7 @@
                 <a:hlinkClick r:id="rId4">
                   <a:extLst>
                     <a:ext uri="{A12FA001-AC4F-418D-AE19-62706E023703}">
-                      <ahyp:hlinkClr xmlns:ahyp="http://schemas.microsoft.com/office/drawing/2018/hyperlinkcolor" xmlns="" val="tx"/>
+                      <ahyp:hlinkClr xmlns:ahyp="http://schemas.microsoft.com/office/drawing/2018/hyperlinkcolor" val="tx"/>
                     </a:ext>
                   </a:extLst>
                 </a:hlinkClick>
@@ -11450,7 +11779,7 @@
                 <a:hlinkClick r:id="rId5">
                   <a:extLst>
                     <a:ext uri="{A12FA001-AC4F-418D-AE19-62706E023703}">
-                      <ahyp:hlinkClr xmlns:ahyp="http://schemas.microsoft.com/office/drawing/2018/hyperlinkcolor" xmlns="" val="tx"/>
+                      <ahyp:hlinkClr xmlns:ahyp="http://schemas.microsoft.com/office/drawing/2018/hyperlinkcolor" val="tx"/>
                     </a:ext>
                   </a:extLst>
                 </a:hlinkClick>
@@ -11521,7 +11850,7 @@
                 <a:hlinkClick r:id="rId6">
                   <a:extLst>
                     <a:ext uri="{A12FA001-AC4F-418D-AE19-62706E023703}">
-                      <ahyp:hlinkClr xmlns:ahyp="http://schemas.microsoft.com/office/drawing/2018/hyperlinkcolor" xmlns="" val="tx"/>
+                      <ahyp:hlinkClr xmlns:ahyp="http://schemas.microsoft.com/office/drawing/2018/hyperlinkcolor" val="tx"/>
                     </a:ext>
                   </a:extLst>
                 </a:hlinkClick>
@@ -11536,19 +11865,6 @@
                 <a:latin typeface="Calibri (Body)"/>
               </a:rPr>
               <a:t>)</a:t>
-            </a:r>
-            <a:r>
-              <a:rPr lang="pt-BR" sz="2200">
-                <a:solidFill>
-                  <a:schemeClr val="bg1"/>
-                </a:solidFill>
-                <a:highlight>
-                  <a:srgbClr val="FFFF00"/>
-                </a:highlight>
-                <a:latin typeface="Calibri (Body)"/>
-                <a:ea typeface="Times New Roman" panose="02020603050405020304" pitchFamily="18" charset="0"/>
-              </a:rPr>
-              <a:t/>
             </a:r>
             <a:br>
               <a:rPr lang="pt-BR" sz="2200">
@@ -11610,47 +11926,6 @@
           <a:chExt cx="0" cy="0"/>
         </a:xfrm>
       </p:grpSpPr>
-      <p:pic>
-        <p:nvPicPr>
-          <p:cNvPr id="1032" name="Picture 8" descr="GIS – Eclipse Geomatics"/>
-          <p:cNvPicPr>
-            <a:picLocks noChangeAspect="1" noChangeArrowheads="1"/>
-          </p:cNvPicPr>
-          <p:nvPr/>
-        </p:nvPicPr>
-        <p:blipFill>
-          <a:blip r:embed="rId2">
-            <a:extLst>
-              <a:ext uri="{28A0092B-C50C-407E-A947-70E740481C1C}">
-                <a14:useLocalDpi xmlns:a14="http://schemas.microsoft.com/office/drawing/2010/main" val="0"/>
-              </a:ext>
-            </a:extLst>
-          </a:blip>
-          <a:srcRect/>
-          <a:stretch>
-            <a:fillRect/>
-          </a:stretch>
-        </p:blipFill>
-        <p:spPr bwMode="auto">
-          <a:xfrm>
-            <a:off x="3857669" y="3573293"/>
-            <a:ext cx="4505329" cy="2508372"/>
-          </a:xfrm>
-          <a:prstGeom prst="rect">
-            <a:avLst/>
-          </a:prstGeom>
-          <a:noFill/>
-          <a:extLst>
-            <a:ext uri="{909E8E84-426E-40DD-AFC4-6F175D3DCCD1}">
-              <a14:hiddenFill xmlns:a14="http://schemas.microsoft.com/office/drawing/2010/main">
-                <a:solidFill>
-                  <a:srgbClr val="FFFFFF"/>
-                </a:solidFill>
-              </a14:hiddenFill>
-            </a:ext>
-          </a:extLst>
-        </p:spPr>
-      </p:pic>
       <p:sp>
         <p:nvSpPr>
           <p:cNvPr id="2" name="CaixaDeTexto 1">
@@ -11680,18 +11955,13 @@
           <a:lstStyle/>
           <a:p>
             <a:r>
-              <a:rPr lang="pt-BR" sz="2800" b="1" dirty="0" smtClean="0">
+              <a:rPr lang="pt-BR" sz="2800" b="1" dirty="0">
                 <a:solidFill>
                   <a:schemeClr val="bg1"/>
                 </a:solidFill>
               </a:rPr>
               <a:t>Ferramentas</a:t>
             </a:r>
-            <a:endParaRPr lang="pt-BR" sz="2800" b="1" dirty="0">
-              <a:solidFill>
-                <a:schemeClr val="bg1"/>
-              </a:solidFill>
-            </a:endParaRPr>
           </a:p>
         </p:txBody>
       </p:sp>
@@ -11731,10 +12001,9 @@
               </a:lnSpc>
             </a:pPr>
             <a:r>
-              <a:rPr lang="pt-BR" sz="2400" dirty="0" smtClean="0"/>
+              <a:rPr lang="pt-BR" sz="2400" dirty="0"/>
               <a:t>Lista de ferramentas a serem utilizadas no projeto</a:t>
             </a:r>
-            <a:endParaRPr lang="pt-BR" sz="2400" dirty="0"/>
           </a:p>
         </p:txBody>
       </p:sp>
@@ -11771,15 +12040,47 @@
           <a:p>
             <a:r>
               <a:rPr lang="pt-BR" sz="2200" i="1" dirty="0"/>
-              <a:t>Para este projeto de pesquisa utilizaremos o R, </a:t>
-            </a:r>
-            <a:r>
-              <a:rPr lang="pt-BR" sz="2200" i="1" dirty="0" err="1"/>
-              <a:t>Geoda</a:t>
+              <a:t>Para este projeto de pesquisa utilizaremos o </a:t>
+            </a:r>
+            <a:r>
+              <a:rPr lang="pt-BR" sz="2200" b="1" i="1" dirty="0"/>
+              <a:t>R</a:t>
             </a:r>
             <a:r>
               <a:rPr lang="pt-BR" sz="2200" i="1" dirty="0"/>
-              <a:t> e QGIS para pré-processamento, análise exploratória de dados e modelagem, para a visualizações utilizaremos o R,  Power BI e QGIS e a publicação do relatório final será realizada em um repositório no GitHub contendo todo o código fonte produzido para o desenvolvimento do projeto e um pagina na web (GitHub </a:t>
+              <a:t>, </a:t>
+            </a:r>
+            <a:r>
+              <a:rPr lang="pt-BR" sz="2200" b="1" i="1" dirty="0" err="1"/>
+              <a:t>GeoDa</a:t>
+            </a:r>
+            <a:r>
+              <a:rPr lang="pt-BR" sz="2200" i="1" dirty="0"/>
+              <a:t> e </a:t>
+            </a:r>
+            <a:r>
+              <a:rPr lang="pt-BR" sz="2200" b="1" i="1" dirty="0"/>
+              <a:t>QGIS</a:t>
+            </a:r>
+            <a:r>
+              <a:rPr lang="pt-BR" sz="2200" i="1" dirty="0"/>
+              <a:t> para pré-processamento, análise exploratória de dados e modelagem, para a visualizações utilizaremos o R,  </a:t>
+            </a:r>
+            <a:r>
+              <a:rPr lang="pt-BR" sz="2200" b="1" i="1" dirty="0"/>
+              <a:t>Power BI</a:t>
+            </a:r>
+            <a:r>
+              <a:rPr lang="pt-BR" sz="2200" i="1" dirty="0"/>
+              <a:t> e </a:t>
+            </a:r>
+            <a:r>
+              <a:rPr lang="pt-BR" sz="2200" b="1" i="1" dirty="0"/>
+              <a:t>QGIS</a:t>
+            </a:r>
+            <a:r>
+              <a:rPr lang="pt-BR" sz="2200" i="1" dirty="0"/>
+              <a:t> e a publicação do relatório final será realizada em um repositório no GitHub contendo todo o código fonte produzido para o desenvolvimento do projeto e um pagina na web (GitHub </a:t>
             </a:r>
             <a:r>
               <a:rPr lang="pt-BR" sz="2200" i="1" dirty="0" err="1"/>
@@ -11789,7 +12090,6 @@
               <a:rPr lang="pt-BR" sz="2200" i="1" dirty="0"/>
               <a:t>) com o resultado final da pesquisa.</a:t>
             </a:r>
-            <a:endParaRPr lang="pt-BR" sz="2200" i="1" dirty="0"/>
           </a:p>
         </p:txBody>
       </p:sp>
@@ -11802,7 +12102,7 @@
           <p:nvPr/>
         </p:nvPicPr>
         <p:blipFill>
-          <a:blip r:embed="rId3" cstate="hqprint">
+          <a:blip r:embed="rId2" cstate="hqprint">
             <a:extLst>
               <a:ext uri="{28A0092B-C50C-407E-A947-70E740481C1C}">
                 <a14:useLocalDpi xmlns:a14="http://schemas.microsoft.com/office/drawing/2010/main" val="0"/>
@@ -11816,8 +12116,8 @@
         </p:blipFill>
         <p:spPr bwMode="auto">
           <a:xfrm>
-            <a:off x="344650" y="4127085"/>
-            <a:ext cx="1551045" cy="1400788"/>
+            <a:off x="535426" y="4496376"/>
+            <a:ext cx="1161808" cy="1049258"/>
           </a:xfrm>
           <a:prstGeom prst="rect">
             <a:avLst/>
@@ -11843,7 +12143,7 @@
           <p:nvPr/>
         </p:nvPicPr>
         <p:blipFill>
-          <a:blip r:embed="rId4" cstate="hqprint">
+          <a:blip r:embed="rId3" cstate="hqprint">
             <a:extLst>
               <a:ext uri="{28A0092B-C50C-407E-A947-70E740481C1C}">
                 <a14:useLocalDpi xmlns:a14="http://schemas.microsoft.com/office/drawing/2010/main" val="0"/>
@@ -11857,8 +12157,8 @@
         </p:blipFill>
         <p:spPr bwMode="auto">
           <a:xfrm>
-            <a:off x="2467665" y="4127085"/>
-            <a:ext cx="1905661" cy="1476624"/>
+            <a:off x="2274960" y="4526855"/>
+            <a:ext cx="1275454" cy="988301"/>
           </a:xfrm>
           <a:prstGeom prst="rect">
             <a:avLst/>
@@ -11884,7 +12184,7 @@
           <p:nvPr/>
         </p:nvPicPr>
         <p:blipFill>
-          <a:blip r:embed="rId5">
+          <a:blip r:embed="rId4">
             <a:extLst>
               <a:ext uri="{28A0092B-C50C-407E-A947-70E740481C1C}">
                 <a14:useLocalDpi xmlns:a14="http://schemas.microsoft.com/office/drawing/2010/main" val="0"/>
@@ -11898,8 +12198,100 @@
         </p:blipFill>
         <p:spPr bwMode="auto">
           <a:xfrm>
-            <a:off x="7892374" y="4204111"/>
-            <a:ext cx="3904034" cy="1323762"/>
+            <a:off x="9084638" y="4560767"/>
+            <a:ext cx="2714664" cy="920476"/>
+          </a:xfrm>
+          <a:prstGeom prst="rect">
+            <a:avLst/>
+          </a:prstGeom>
+          <a:noFill/>
+          <a:extLst>
+            <a:ext uri="{909E8E84-426E-40DD-AFC4-6F175D3DCCD1}">
+              <a14:hiddenFill xmlns:a14="http://schemas.microsoft.com/office/drawing/2010/main">
+                <a:solidFill>
+                  <a:srgbClr val="FFFFFF"/>
+                </a:solidFill>
+              </a14:hiddenFill>
+            </a:ext>
+          </a:extLst>
+        </p:spPr>
+      </p:pic>
+      <p:pic>
+        <p:nvPicPr>
+          <p:cNvPr id="3" name="Picture 2" descr="Visual Style Guide">
+            <a:extLst>
+              <a:ext uri="{FF2B5EF4-FFF2-40B4-BE49-F238E27FC236}">
+                <a16:creationId xmlns:a16="http://schemas.microsoft.com/office/drawing/2014/main" id="{97B3EA75-F3A8-4805-8834-5D3B319C7E31}"/>
+              </a:ext>
+            </a:extLst>
+          </p:cNvPr>
+          <p:cNvPicPr>
+            <a:picLocks noChangeAspect="1" noChangeArrowheads="1"/>
+          </p:cNvPicPr>
+          <p:nvPr/>
+        </p:nvPicPr>
+        <p:blipFill rotWithShape="1">
+          <a:blip r:embed="rId5">
+            <a:extLst>
+              <a:ext uri="{28A0092B-C50C-407E-A947-70E740481C1C}">
+                <a14:useLocalDpi xmlns:a14="http://schemas.microsoft.com/office/drawing/2010/main" val="0"/>
+              </a:ext>
+            </a:extLst>
+          </a:blip>
+          <a:srcRect l="6469" t="16090" r="6284" b="21429"/>
+          <a:stretch/>
+        </p:blipFill>
+        <p:spPr bwMode="auto">
+          <a:xfrm>
+            <a:off x="4128140" y="4526191"/>
+            <a:ext cx="2711770" cy="989628"/>
+          </a:xfrm>
+          <a:prstGeom prst="rect">
+            <a:avLst/>
+          </a:prstGeom>
+          <a:noFill/>
+          <a:extLst>
+            <a:ext uri="{909E8E84-426E-40DD-AFC4-6F175D3DCCD1}">
+              <a14:hiddenFill xmlns:a14="http://schemas.microsoft.com/office/drawing/2010/main">
+                <a:solidFill>
+                  <a:srgbClr val="FFFFFF"/>
+                </a:solidFill>
+              </a14:hiddenFill>
+            </a:ext>
+          </a:extLst>
+        </p:spPr>
+      </p:pic>
+      <p:pic>
+        <p:nvPicPr>
+          <p:cNvPr id="4" name="Picture 4" descr="GeoDa Center · GitHub">
+            <a:extLst>
+              <a:ext uri="{FF2B5EF4-FFF2-40B4-BE49-F238E27FC236}">
+                <a16:creationId xmlns:a16="http://schemas.microsoft.com/office/drawing/2014/main" id="{F59BDCC0-DD5D-438F-A3C3-65DFA845FB65}"/>
+              </a:ext>
+            </a:extLst>
+          </p:cNvPr>
+          <p:cNvPicPr>
+            <a:picLocks noChangeAspect="1" noChangeArrowheads="1"/>
+          </p:cNvPicPr>
+          <p:nvPr/>
+        </p:nvPicPr>
+        <p:blipFill>
+          <a:blip r:embed="rId6">
+            <a:extLst>
+              <a:ext uri="{28A0092B-C50C-407E-A947-70E740481C1C}">
+                <a14:useLocalDpi xmlns:a14="http://schemas.microsoft.com/office/drawing/2010/main" val="0"/>
+              </a:ext>
+            </a:extLst>
+          </a:blip>
+          <a:srcRect/>
+          <a:stretch>
+            <a:fillRect/>
+          </a:stretch>
+        </p:blipFill>
+        <p:spPr bwMode="auto">
+          <a:xfrm>
+            <a:off x="7417636" y="4476367"/>
+            <a:ext cx="1089276" cy="1089276"/>
           </a:xfrm>
           <a:prstGeom prst="rect">
             <a:avLst/>
@@ -11975,18 +12367,13 @@
           <a:lstStyle/>
           <a:p>
             <a:r>
-              <a:rPr lang="pt-BR" sz="2800" b="1" dirty="0" smtClean="0">
+              <a:rPr lang="pt-BR" sz="2800" b="1" dirty="0">
                 <a:solidFill>
                   <a:schemeClr val="bg1"/>
                 </a:solidFill>
               </a:rPr>
               <a:t>Etapas e técnicas</a:t>
             </a:r>
-            <a:endParaRPr lang="pt-BR" sz="2800" b="1" dirty="0">
-              <a:solidFill>
-                <a:schemeClr val="bg1"/>
-              </a:solidFill>
-            </a:endParaRPr>
           </a:p>
         </p:txBody>
       </p:sp>
@@ -12029,7 +12416,6 @@
               <a:rPr lang="pt-BR" sz="2400" dirty="0"/>
               <a:t>Etapas e técnicas a serem desenvolvidas</a:t>
             </a:r>
-            <a:endParaRPr lang="pt-BR" sz="2400" dirty="0"/>
           </a:p>
         </p:txBody>
       </p:sp>
@@ -12040,7 +12426,7 @@
           <p:nvPr>
             <p:extLst>
               <p:ext uri="{D42A27DB-BD31-4B8C-83A1-F6EECF244321}">
-                <p14:modId xmlns:p14="http://schemas.microsoft.com/office/powerpoint/2010/main" val="1912724636"/>
+                <p14:modId xmlns:p14="http://schemas.microsoft.com/office/powerpoint/2010/main" val="4014990040"/>
               </p:ext>
             </p:extLst>
           </p:nvPr>
@@ -12065,6 +12451,405 @@
   <p:clrMapOvr>
     <a:masterClrMapping/>
   </p:clrMapOvr>
+</p:sld>
+</file>
+
+<file path=ppt/slides/slide12.xml><?xml version="1.0" encoding="utf-8"?>
+<p:sld xmlns:a="http://schemas.openxmlformats.org/drawingml/2006/main" xmlns:r="http://schemas.openxmlformats.org/officeDocument/2006/relationships" xmlns:p="http://schemas.openxmlformats.org/presentationml/2006/main">
+  <p:cSld>
+    <p:spTree>
+      <p:nvGrpSpPr>
+        <p:cNvPr id="1" name=""/>
+        <p:cNvGrpSpPr/>
+        <p:nvPr/>
+      </p:nvGrpSpPr>
+      <p:grpSpPr>
+        <a:xfrm>
+          <a:off x="0" y="0"/>
+          <a:ext cx="0" cy="0"/>
+          <a:chOff x="0" y="0"/>
+          <a:chExt cx="0" cy="0"/>
+        </a:xfrm>
+      </p:grpSpPr>
+      <p:grpSp>
+        <p:nvGrpSpPr>
+          <p:cNvPr id="11" name="Group 10">
+            <a:extLst>
+              <a:ext uri="{FF2B5EF4-FFF2-40B4-BE49-F238E27FC236}">
+                <a16:creationId xmlns:a16="http://schemas.microsoft.com/office/drawing/2014/main" id="{F7A6FD2B-CABC-4FDA-A3A6-C4157157EF93}"/>
+              </a:ext>
+            </a:extLst>
+          </p:cNvPr>
+          <p:cNvGrpSpPr/>
+          <p:nvPr/>
+        </p:nvGrpSpPr>
+        <p:grpSpPr>
+          <a:xfrm>
+            <a:off x="7599966" y="2163725"/>
+            <a:ext cx="4452830" cy="4694275"/>
+            <a:chOff x="7599966" y="2163725"/>
+            <a:chExt cx="4452830" cy="4694275"/>
+          </a:xfrm>
+        </p:grpSpPr>
+        <p:pic>
+          <p:nvPicPr>
+            <p:cNvPr id="7" name="Picture 6" descr="A picture containing clothing, holding&#10;&#10;Description automatically generated">
+              <a:extLst>
+                <a:ext uri="{FF2B5EF4-FFF2-40B4-BE49-F238E27FC236}">
+                  <a16:creationId xmlns:a16="http://schemas.microsoft.com/office/drawing/2014/main" id="{6794E1C2-97C1-4BB4-B075-1F13439ABD34}"/>
+                </a:ext>
+              </a:extLst>
+            </p:cNvPr>
+            <p:cNvPicPr>
+              <a:picLocks noChangeAspect="1"/>
+            </p:cNvPicPr>
+            <p:nvPr/>
+          </p:nvPicPr>
+          <p:blipFill>
+            <a:blip r:embed="rId2">
+              <a:extLst>
+                <a:ext uri="{28A0092B-C50C-407E-A947-70E740481C1C}">
+                  <a14:useLocalDpi xmlns:a14="http://schemas.microsoft.com/office/drawing/2010/main" val="0"/>
+                </a:ext>
+              </a:extLst>
+            </a:blip>
+            <a:stretch>
+              <a:fillRect/>
+            </a:stretch>
+          </p:blipFill>
+          <p:spPr>
+            <a:xfrm>
+              <a:off x="7599966" y="3006302"/>
+              <a:ext cx="4452830" cy="3851698"/>
+            </a:xfrm>
+            <a:prstGeom prst="rect">
+              <a:avLst/>
+            </a:prstGeom>
+          </p:spPr>
+        </p:pic>
+        <p:sp>
+          <p:nvSpPr>
+            <p:cNvPr id="8" name="Hexagon 7">
+              <a:extLst>
+                <a:ext uri="{FF2B5EF4-FFF2-40B4-BE49-F238E27FC236}">
+                  <a16:creationId xmlns:a16="http://schemas.microsoft.com/office/drawing/2014/main" id="{24575FE9-2970-4439-B52B-5B4C77E954D4}"/>
+                </a:ext>
+              </a:extLst>
+            </p:cNvPr>
+            <p:cNvSpPr/>
+            <p:nvPr/>
+          </p:nvSpPr>
+          <p:spPr>
+            <a:xfrm rot="5400000">
+              <a:off x="9056440" y="4195683"/>
+              <a:ext cx="1521735" cy="1311841"/>
+            </a:xfrm>
+            <a:prstGeom prst="hexagon">
+              <a:avLst/>
+            </a:prstGeom>
+          </p:spPr>
+          <p:style>
+            <a:lnRef idx="2">
+              <a:schemeClr val="dk1">
+                <a:shade val="50000"/>
+              </a:schemeClr>
+            </a:lnRef>
+            <a:fillRef idx="1">
+              <a:schemeClr val="dk1"/>
+            </a:fillRef>
+            <a:effectRef idx="0">
+              <a:schemeClr val="dk1"/>
+            </a:effectRef>
+            <a:fontRef idx="minor">
+              <a:schemeClr val="lt1"/>
+            </a:fontRef>
+          </p:style>
+          <p:txBody>
+            <a:bodyPr rtlCol="0" anchor="ctr"/>
+            <a:lstStyle/>
+            <a:p>
+              <a:pPr algn="ctr"/>
+              <a:endParaRPr lang="pt-BR" dirty="0"/>
+            </a:p>
+          </p:txBody>
+        </p:sp>
+        <p:sp>
+          <p:nvSpPr>
+            <p:cNvPr id="9" name="TextBox 8">
+              <a:extLst>
+                <a:ext uri="{FF2B5EF4-FFF2-40B4-BE49-F238E27FC236}">
+                  <a16:creationId xmlns:a16="http://schemas.microsoft.com/office/drawing/2014/main" id="{115DDE84-D09E-44AC-A701-31074745158F}"/>
+                </a:ext>
+              </a:extLst>
+            </p:cNvPr>
+            <p:cNvSpPr txBox="1"/>
+            <p:nvPr/>
+          </p:nvSpPr>
+          <p:spPr>
+            <a:xfrm>
+              <a:off x="9556114" y="4343771"/>
+              <a:ext cx="540533" cy="1015663"/>
+            </a:xfrm>
+            <a:prstGeom prst="rect">
+              <a:avLst/>
+            </a:prstGeom>
+            <a:noFill/>
+          </p:spPr>
+          <p:txBody>
+            <a:bodyPr wrap="none" rtlCol="0">
+              <a:spAutoFit/>
+            </a:bodyPr>
+            <a:lstStyle/>
+            <a:p>
+              <a:r>
+                <a:rPr lang="pt-BR" sz="6000" dirty="0">
+                  <a:solidFill>
+                    <a:schemeClr val="bg1"/>
+                  </a:solidFill>
+                </a:rPr>
+                <a:t>?</a:t>
+              </a:r>
+            </a:p>
+          </p:txBody>
+        </p:sp>
+        <p:sp>
+          <p:nvSpPr>
+            <p:cNvPr id="10" name="TextBox 9">
+              <a:extLst>
+                <a:ext uri="{FF2B5EF4-FFF2-40B4-BE49-F238E27FC236}">
+                  <a16:creationId xmlns:a16="http://schemas.microsoft.com/office/drawing/2014/main" id="{74268495-B56E-4CE0-B049-ADCA8F64564E}"/>
+                </a:ext>
+              </a:extLst>
+            </p:cNvPr>
+            <p:cNvSpPr txBox="1"/>
+            <p:nvPr/>
+          </p:nvSpPr>
+          <p:spPr>
+            <a:xfrm>
+              <a:off x="8379969" y="2163725"/>
+              <a:ext cx="3006337" cy="1200329"/>
+            </a:xfrm>
+            <a:prstGeom prst="rect">
+              <a:avLst/>
+            </a:prstGeom>
+            <a:noFill/>
+          </p:spPr>
+          <p:txBody>
+            <a:bodyPr wrap="square" rtlCol="0">
+              <a:spAutoFit/>
+            </a:bodyPr>
+            <a:lstStyle/>
+            <a:p>
+              <a:pPr algn="ctr"/>
+              <a:r>
+                <a:rPr lang="pt-BR" dirty="0"/>
+                <a:t>E tem mais! Temos uma surpresa para a turma e uma homenagem para os professores! =)</a:t>
+              </a:r>
+            </a:p>
+          </p:txBody>
+        </p:sp>
+      </p:grpSp>
+      <p:sp>
+        <p:nvSpPr>
+          <p:cNvPr id="2" name="CaixaDeTexto 1">
+            <a:extLst>
+              <a:ext uri="{FF2B5EF4-FFF2-40B4-BE49-F238E27FC236}">
+                <a16:creationId xmlns:a16="http://schemas.microsoft.com/office/drawing/2014/main" id="{E2289C40-6B36-4906-BF6F-3D1B594D6D57}"/>
+              </a:ext>
+            </a:extLst>
+          </p:cNvPr>
+          <p:cNvSpPr txBox="1"/>
+          <p:nvPr/>
+        </p:nvSpPr>
+        <p:spPr>
+          <a:xfrm>
+            <a:off x="176644" y="207818"/>
+            <a:ext cx="10619886" cy="523220"/>
+          </a:xfrm>
+          <a:prstGeom prst="rect">
+            <a:avLst/>
+          </a:prstGeom>
+          <a:noFill/>
+        </p:spPr>
+        <p:txBody>
+          <a:bodyPr wrap="square" rtlCol="0">
+            <a:spAutoFit/>
+          </a:bodyPr>
+          <a:lstStyle/>
+          <a:p>
+            <a:r>
+              <a:rPr lang="pt-BR" sz="2800" b="1" dirty="0">
+                <a:solidFill>
+                  <a:schemeClr val="bg1"/>
+                </a:solidFill>
+              </a:rPr>
+              <a:t>Relatório final</a:t>
+            </a:r>
+          </a:p>
+        </p:txBody>
+      </p:sp>
+      <p:sp>
+        <p:nvSpPr>
+          <p:cNvPr id="5" name="Retângulo 4">
+            <a:extLst>
+              <a:ext uri="{FF2B5EF4-FFF2-40B4-BE49-F238E27FC236}">
+                <a16:creationId xmlns:a16="http://schemas.microsoft.com/office/drawing/2014/main" id="{C4351BF4-6949-465B-A55A-C8561462CF2E}"/>
+              </a:ext>
+            </a:extLst>
+          </p:cNvPr>
+          <p:cNvSpPr/>
+          <p:nvPr/>
+        </p:nvSpPr>
+        <p:spPr>
+          <a:xfrm>
+            <a:off x="176644" y="1355075"/>
+            <a:ext cx="11919876" cy="477054"/>
+          </a:xfrm>
+          <a:prstGeom prst="rect">
+            <a:avLst/>
+          </a:prstGeom>
+          <a:solidFill>
+            <a:srgbClr val="CDCDCD"/>
+          </a:solidFill>
+        </p:spPr>
+        <p:txBody>
+          <a:bodyPr wrap="square">
+            <a:spAutoFit/>
+          </a:bodyPr>
+          <a:lstStyle/>
+          <a:p>
+            <a:pPr marL="15875" indent="-15875">
+              <a:lnSpc>
+                <a:spcPts val="3000"/>
+              </a:lnSpc>
+            </a:pPr>
+            <a:r>
+              <a:rPr lang="pt-BR" sz="2400" dirty="0"/>
+              <a:t>Apresentação do relatório final em website do GitHub gerado a partir dos </a:t>
+            </a:r>
+            <a:r>
+              <a:rPr lang="pt-BR" sz="2400" dirty="0" err="1"/>
+              <a:t>Markdowns</a:t>
+            </a:r>
+            <a:endParaRPr lang="pt-BR" sz="2400" dirty="0"/>
+          </a:p>
+        </p:txBody>
+      </p:sp>
+      <p:pic>
+        <p:nvPicPr>
+          <p:cNvPr id="4" name="Picture 3">
+            <a:extLst>
+              <a:ext uri="{FF2B5EF4-FFF2-40B4-BE49-F238E27FC236}">
+                <a16:creationId xmlns:a16="http://schemas.microsoft.com/office/drawing/2014/main" id="{498183E9-36AA-4CBB-8ACC-550E5AC6AC0C}"/>
+              </a:ext>
+            </a:extLst>
+          </p:cNvPr>
+          <p:cNvPicPr>
+            <a:picLocks noChangeAspect="1"/>
+          </p:cNvPicPr>
+          <p:nvPr/>
+        </p:nvPicPr>
+        <p:blipFill>
+          <a:blip r:embed="rId3"/>
+          <a:stretch>
+            <a:fillRect/>
+          </a:stretch>
+        </p:blipFill>
+        <p:spPr>
+          <a:xfrm>
+            <a:off x="176644" y="1914995"/>
+            <a:ext cx="7536836" cy="4846751"/>
+          </a:xfrm>
+          <a:prstGeom prst="rect">
+            <a:avLst/>
+          </a:prstGeom>
+        </p:spPr>
+      </p:pic>
+    </p:spTree>
+    <p:extLst>
+      <p:ext uri="{BB962C8B-B14F-4D97-AF65-F5344CB8AC3E}">
+        <p14:creationId xmlns:p14="http://schemas.microsoft.com/office/powerpoint/2010/main" val="533370659"/>
+      </p:ext>
+    </p:extLst>
+  </p:cSld>
+  <p:clrMapOvr>
+    <a:masterClrMapping/>
+  </p:clrMapOvr>
+  <p:timing>
+    <p:tnLst>
+      <p:par>
+        <p:cTn id="1" dur="indefinite" restart="never" nodeType="tmRoot">
+          <p:childTnLst>
+            <p:seq concurrent="1" nextAc="seek">
+              <p:cTn id="2" dur="indefinite" nodeType="mainSeq">
+                <p:childTnLst>
+                  <p:par>
+                    <p:cTn id="3" fill="hold">
+                      <p:stCondLst>
+                        <p:cond delay="indefinite"/>
+                      </p:stCondLst>
+                      <p:childTnLst>
+                        <p:par>
+                          <p:cTn id="4" fill="hold">
+                            <p:stCondLst>
+                              <p:cond delay="0"/>
+                            </p:stCondLst>
+                            <p:childTnLst>
+                              <p:par>
+                                <p:cTn id="5" presetID="1" presetClass="entr" presetSubtype="0" fill="hold" nodeType="clickEffect">
+                                  <p:stCondLst>
+                                    <p:cond delay="0"/>
+                                  </p:stCondLst>
+                                  <p:childTnLst>
+                                    <p:set>
+                                      <p:cBhvr>
+                                        <p:cTn id="6" dur="1" fill="hold">
+                                          <p:stCondLst>
+                                            <p:cond delay="0"/>
+                                          </p:stCondLst>
+                                        </p:cTn>
+                                        <p:tgtEl>
+                                          <p:spTgt spid="11"/>
+                                        </p:tgtEl>
+                                        <p:attrNameLst>
+                                          <p:attrName>style.visibility</p:attrName>
+                                        </p:attrNameLst>
+                                      </p:cBhvr>
+                                      <p:to>
+                                        <p:strVal val="visible"/>
+                                      </p:to>
+                                    </p:set>
+                                  </p:childTnLst>
+                                </p:cTn>
+                              </p:par>
+                            </p:childTnLst>
+                          </p:cTn>
+                        </p:par>
+                      </p:childTnLst>
+                    </p:cTn>
+                  </p:par>
+                </p:childTnLst>
+              </p:cTn>
+              <p:prevCondLst>
+                <p:cond evt="onPrev" delay="0">
+                  <p:tgtEl>
+                    <p:sldTgt/>
+                  </p:tgtEl>
+                </p:cond>
+              </p:prevCondLst>
+              <p:nextCondLst>
+                <p:cond evt="onNext" delay="0">
+                  <p:tgtEl>
+                    <p:sldTgt/>
+                  </p:tgtEl>
+                </p:cond>
+              </p:nextCondLst>
+            </p:seq>
+          </p:childTnLst>
+        </p:cTn>
+      </p:par>
+    </p:tnLst>
+  </p:timing>
 </p:sld>
 </file>
 
@@ -12114,18 +12899,13 @@
           <a:lstStyle/>
           <a:p>
             <a:r>
-              <a:rPr lang="pt-BR" sz="2800" b="1" dirty="0" smtClean="0">
+              <a:rPr lang="pt-BR" sz="2800" b="1" dirty="0">
                 <a:solidFill>
                   <a:schemeClr val="bg1"/>
                 </a:solidFill>
               </a:rPr>
               <a:t>Intenções</a:t>
             </a:r>
-            <a:endParaRPr lang="pt-BR" sz="2800" b="1" dirty="0">
-              <a:solidFill>
-                <a:schemeClr val="bg1"/>
-              </a:solidFill>
-            </a:endParaRPr>
           </a:p>
         </p:txBody>
       </p:sp>
@@ -12165,10 +12945,9 @@
               </a:lnSpc>
             </a:pPr>
             <a:r>
-              <a:rPr lang="pt-BR" sz="2400" dirty="0" smtClean="0"/>
+              <a:rPr lang="pt-BR" sz="2400" dirty="0"/>
               <a:t>Descrição das intenções do projeto</a:t>
             </a:r>
-            <a:endParaRPr lang="pt-BR" sz="2400" dirty="0"/>
           </a:p>
         </p:txBody>
       </p:sp>
@@ -12223,7 +13002,6 @@
               <a:rPr lang="pt-BR" sz="2200" i="1" dirty="0"/>
               <a:t> espacial dos preços de combustíveis.</a:t>
             </a:r>
-            <a:endParaRPr lang="pt-BR" sz="2200" i="1" dirty="0"/>
           </a:p>
         </p:txBody>
       </p:sp>
@@ -12286,18 +13064,13 @@
           <a:lstStyle/>
           <a:p>
             <a:r>
-              <a:rPr lang="pt-BR" sz="2800" b="1" dirty="0" smtClean="0">
+              <a:rPr lang="pt-BR" sz="2800" b="1" dirty="0">
                 <a:solidFill>
                   <a:schemeClr val="bg1"/>
                 </a:solidFill>
               </a:rPr>
               <a:t>Objetivos</a:t>
             </a:r>
-            <a:endParaRPr lang="pt-BR" sz="2800" b="1" dirty="0">
-              <a:solidFill>
-                <a:schemeClr val="bg1"/>
-              </a:solidFill>
-            </a:endParaRPr>
           </a:p>
         </p:txBody>
       </p:sp>
@@ -12337,10 +13110,9 @@
               </a:lnSpc>
             </a:pPr>
             <a:r>
-              <a:rPr lang="pt-BR" sz="2400" dirty="0" smtClean="0"/>
+              <a:rPr lang="pt-BR" sz="2400" dirty="0"/>
               <a:t>Descrição dos objetivos do projeto</a:t>
             </a:r>
-            <a:endParaRPr lang="pt-BR" sz="2400" dirty="0"/>
           </a:p>
         </p:txBody>
       </p:sp>
@@ -12402,11 +13174,7 @@
           <a:p>
             <a:r>
               <a:rPr lang="pt-BR" sz="2200" i="1" dirty="0"/>
-              <a:t>Para execução deste trabalho, a gasolina foi escolhida como alvo das análises, e os dados foram extraídos de algumas fontes de dados públicos</a:t>
-            </a:r>
-            <a:r>
-              <a:rPr lang="pt-BR" sz="2200" i="1" dirty="0" smtClean="0"/>
-              <a:t>:</a:t>
+              <a:t>Para execução deste trabalho, a gasolina foi escolhida como alvo das análises, e os dados foram extraídos de algumas fontes de dados públicos:</a:t>
             </a:r>
           </a:p>
         </p:txBody>
@@ -12483,12 +13251,8 @@
               <a:buChar char="•"/>
             </a:pPr>
             <a:r>
-              <a:rPr lang="pt-BR" sz="2200" i="1" dirty="0" smtClean="0"/>
-              <a:t>Agência </a:t>
-            </a:r>
-            <a:r>
               <a:rPr lang="pt-BR" sz="2200" i="1" dirty="0"/>
-              <a:t>Nacional do Petróleo (</a:t>
+              <a:t>Agência Nacional do Petróleo (</a:t>
             </a:r>
             <a:r>
               <a:rPr lang="pt-BR" sz="2200" b="1" i="1" dirty="0"/>
@@ -12505,12 +13269,8 @@
               <a:buChar char="•"/>
             </a:pPr>
             <a:r>
-              <a:rPr lang="pt-BR" sz="2200" i="1" dirty="0" smtClean="0"/>
-              <a:t>Empresa </a:t>
-            </a:r>
-            <a:r>
               <a:rPr lang="pt-BR" sz="2200" i="1" dirty="0"/>
-              <a:t>de Pesquisa Energética (</a:t>
+              <a:t>Empresa de Pesquisa Energética (</a:t>
             </a:r>
             <a:r>
               <a:rPr lang="pt-BR" sz="2200" b="1" i="1" dirty="0"/>
@@ -12527,12 +13287,8 @@
               <a:buChar char="•"/>
             </a:pPr>
             <a:r>
-              <a:rPr lang="pt-BR" sz="2200" i="1" dirty="0" smtClean="0"/>
-              <a:t>Instituto </a:t>
-            </a:r>
-            <a:r>
               <a:rPr lang="pt-BR" sz="2200" i="1" dirty="0"/>
-              <a:t>Brasileiro de Geografia e Estatística (</a:t>
+              <a:t>Instituto Brasileiro de Geografia e Estatística (</a:t>
             </a:r>
             <a:r>
               <a:rPr lang="pt-BR" sz="2200" b="1" i="1" dirty="0"/>
@@ -12604,18 +13360,13 @@
           <a:lstStyle/>
           <a:p>
             <a:r>
-              <a:rPr lang="pt-BR" sz="2800" b="1" dirty="0" smtClean="0">
+              <a:rPr lang="pt-BR" sz="2800" b="1" dirty="0">
                 <a:solidFill>
                   <a:schemeClr val="bg1"/>
                 </a:solidFill>
               </a:rPr>
               <a:t>Objetivos</a:t>
             </a:r>
-            <a:endParaRPr lang="pt-BR" sz="2800" b="1" dirty="0">
-              <a:solidFill>
-                <a:schemeClr val="bg1"/>
-              </a:solidFill>
-            </a:endParaRPr>
           </a:p>
         </p:txBody>
       </p:sp>
@@ -12655,10 +13406,9 @@
               </a:lnSpc>
             </a:pPr>
             <a:r>
-              <a:rPr lang="pt-BR" sz="2400" dirty="0" smtClean="0"/>
+              <a:rPr lang="pt-BR" sz="2400" dirty="0"/>
               <a:t>Descrição dos objetivos do projeto</a:t>
             </a:r>
-            <a:endParaRPr lang="pt-BR" sz="2400" dirty="0"/>
           </a:p>
         </p:txBody>
       </p:sp>
@@ -12720,11 +13470,7 @@
           <a:p>
             <a:r>
               <a:rPr lang="pt-BR" sz="2200" i="1" dirty="0"/>
-              <a:t>Para execução deste trabalho, a gasolina foi escolhida como alvo das análises, e os dados foram extraídos de algumas fontes de dados públicos</a:t>
-            </a:r>
-            <a:r>
-              <a:rPr lang="pt-BR" sz="2200" i="1" dirty="0" smtClean="0"/>
-              <a:t>:</a:t>
+              <a:t>Para execução deste trabalho, a gasolina foi escolhida como alvo das análises, e os dados foram extraídos de algumas fontes de dados públicos:</a:t>
             </a:r>
           </a:p>
         </p:txBody>
@@ -12801,12 +13547,8 @@
               <a:buChar char="•"/>
             </a:pPr>
             <a:r>
-              <a:rPr lang="pt-BR" sz="2200" i="1" dirty="0" smtClean="0"/>
-              <a:t>Agência </a:t>
-            </a:r>
-            <a:r>
               <a:rPr lang="pt-BR" sz="2200" i="1" dirty="0"/>
-              <a:t>Nacional do Petróleo (</a:t>
+              <a:t>Agência Nacional do Petróleo (</a:t>
             </a:r>
             <a:r>
               <a:rPr lang="pt-BR" sz="2200" b="1" i="1" dirty="0"/>
@@ -12823,12 +13565,8 @@
               <a:buChar char="•"/>
             </a:pPr>
             <a:r>
-              <a:rPr lang="pt-BR" sz="2200" i="1" dirty="0" smtClean="0"/>
-              <a:t>Empresa </a:t>
-            </a:r>
-            <a:r>
               <a:rPr lang="pt-BR" sz="2200" i="1" dirty="0"/>
-              <a:t>de Pesquisa Energética (</a:t>
+              <a:t>Empresa de Pesquisa Energética (</a:t>
             </a:r>
             <a:r>
               <a:rPr lang="pt-BR" sz="2200" b="1" i="1" dirty="0"/>
@@ -12845,12 +13583,8 @@
               <a:buChar char="•"/>
             </a:pPr>
             <a:r>
-              <a:rPr lang="pt-BR" sz="2200" i="1" dirty="0" smtClean="0"/>
-              <a:t>Instituto </a:t>
-            </a:r>
-            <a:r>
               <a:rPr lang="pt-BR" sz="2200" i="1" dirty="0"/>
-              <a:t>Brasileiro de Geografia e Estatística (</a:t>
+              <a:t>Instituto Brasileiro de Geografia e Estatística (</a:t>
             </a:r>
             <a:r>
               <a:rPr lang="pt-BR" sz="2200" b="1" i="1" dirty="0"/>
@@ -12922,18 +13656,13 @@
           <a:lstStyle/>
           <a:p>
             <a:r>
-              <a:rPr lang="pt-BR" sz="2800" b="1" dirty="0" smtClean="0">
+              <a:rPr lang="pt-BR" sz="2800" b="1" dirty="0">
                 <a:solidFill>
                   <a:schemeClr val="bg1"/>
                 </a:solidFill>
               </a:rPr>
               <a:t>Sobre os Dados</a:t>
             </a:r>
-            <a:endParaRPr lang="pt-BR" sz="2800" b="1" dirty="0">
-              <a:solidFill>
-                <a:schemeClr val="bg1"/>
-              </a:solidFill>
-            </a:endParaRPr>
           </a:p>
         </p:txBody>
       </p:sp>
@@ -12973,10 +13702,9 @@
               </a:lnSpc>
             </a:pPr>
             <a:r>
-              <a:rPr lang="pt-BR" sz="2400" dirty="0" smtClean="0"/>
+              <a:rPr lang="pt-BR" sz="2400" dirty="0"/>
               <a:t>Descrição dos dados utilizados no projeto</a:t>
             </a:r>
-            <a:endParaRPr lang="pt-BR" sz="2400" dirty="0"/>
           </a:p>
         </p:txBody>
       </p:sp>
@@ -13101,7 +13829,7 @@
               </a:spcAft>
             </a:pPr>
             <a:r>
-              <a:rPr lang="pt-BR" sz="4000" kern="1200" dirty="0" smtClean="0"/>
+              <a:rPr lang="pt-BR" sz="4000" kern="1200" dirty="0"/>
               <a:t>ANP</a:t>
             </a:r>
             <a:endParaRPr lang="en-US" sz="4000" kern="1200" dirty="0"/>
@@ -13401,7 +14129,7 @@
               </a:spcAft>
             </a:pPr>
             <a:r>
-              <a:rPr lang="pt-BR" sz="4000" kern="1200" dirty="0" smtClean="0"/>
+              <a:rPr lang="pt-BR" sz="4000" kern="1200" dirty="0"/>
               <a:t>EPE</a:t>
             </a:r>
             <a:endParaRPr lang="en-US" sz="4000" kern="1200" dirty="0"/>
@@ -13701,7 +14429,7 @@
               </a:spcAft>
             </a:pPr>
             <a:r>
-              <a:rPr lang="pt-BR" sz="4000" kern="1200" dirty="0" smtClean="0"/>
+              <a:rPr lang="pt-BR" sz="4000" kern="1200" dirty="0"/>
               <a:t>IBGE</a:t>
             </a:r>
             <a:endParaRPr lang="en-US" sz="4000" kern="1200" dirty="0"/>
@@ -13928,18 +14656,13 @@
           <a:lstStyle/>
           <a:p>
             <a:r>
-              <a:rPr lang="pt-BR" sz="2800" b="1" dirty="0" smtClean="0">
+              <a:rPr lang="pt-BR" sz="2800" b="1" dirty="0">
                 <a:solidFill>
                   <a:schemeClr val="bg1"/>
                 </a:solidFill>
               </a:rPr>
               <a:t>Sobre os Dados</a:t>
             </a:r>
-            <a:endParaRPr lang="pt-BR" sz="2800" b="1" dirty="0">
-              <a:solidFill>
-                <a:schemeClr val="bg1"/>
-              </a:solidFill>
-            </a:endParaRPr>
           </a:p>
         </p:txBody>
       </p:sp>
@@ -13982,7 +14705,6 @@
               <a:rPr lang="pt-BR" sz="2400" dirty="0"/>
               <a:t>Levantamento de Preços e de Margens de Comercialização de Combustíveis</a:t>
             </a:r>
-            <a:endParaRPr lang="pt-BR" sz="2400" dirty="0"/>
           </a:p>
         </p:txBody>
       </p:sp>
@@ -14031,12 +14753,8 @@
               <a:buChar char="•"/>
             </a:pPr>
             <a:r>
-              <a:rPr lang="pt-BR" sz="2200" i="1" dirty="0" smtClean="0"/>
-              <a:t>Preços </a:t>
-            </a:r>
-            <a:r>
               <a:rPr lang="pt-BR" sz="2200" i="1" dirty="0"/>
-              <a:t>de distribuição e de venda ao consumidor de gasolina comum, etanol hidratado combustível, óleo diesel não aditivado, GNV e GLP P13 praticados pelos postos revendedores;</a:t>
+              <a:t>Preços de distribuição e de venda ao consumidor de gasolina comum, etanol hidratado combustível, óleo diesel não aditivado, GNV e GLP P13 praticados pelos postos revendedores;</a:t>
             </a:r>
           </a:p>
           <a:p>
@@ -14045,12 +14763,8 @@
               <a:buChar char="•"/>
             </a:pPr>
             <a:r>
-              <a:rPr lang="pt-BR" sz="2200" i="1" dirty="0" smtClean="0"/>
-              <a:t>Preços </a:t>
-            </a:r>
-            <a:r>
               <a:rPr lang="pt-BR" sz="2200" i="1" dirty="0"/>
-              <a:t>médios e desvio padrão de gasolina comum, etanol hidratado combustível, óleo diesel não aditivado, GNV e GLP, observados em cada município;</a:t>
+              <a:t>Preços médios e desvio padrão de gasolina comum, etanol hidratado combustível, óleo diesel não aditivado, GNV e GLP, observados em cada município;</a:t>
             </a:r>
           </a:p>
           <a:p>
@@ -14059,12 +14773,8 @@
               <a:buChar char="•"/>
             </a:pPr>
             <a:r>
-              <a:rPr lang="pt-BR" sz="2200" i="1" dirty="0" smtClean="0"/>
-              <a:t>Relação </a:t>
-            </a:r>
-            <a:r>
               <a:rPr lang="pt-BR" sz="2200" i="1" dirty="0"/>
-              <a:t>de postos revendedores que se recusaram a apresentar notas fiscais de compra de combustíveis;</a:t>
+              <a:t>Relação de postos revendedores que se recusaram a apresentar notas fiscais de compra de combustíveis;</a:t>
             </a:r>
           </a:p>
           <a:p>
@@ -14073,12 +14783,8 @@
               <a:buChar char="•"/>
             </a:pPr>
             <a:r>
-              <a:rPr lang="pt-BR" sz="2200" i="1" dirty="0" smtClean="0"/>
-              <a:t>Síntese </a:t>
-            </a:r>
-            <a:r>
               <a:rPr lang="pt-BR" sz="2200" i="1" dirty="0"/>
-              <a:t>de preços médios, mínimos, máximos, margens brutas de revenda e desvio-padrão, em cada município pesquisado;</a:t>
+              <a:t>Síntese de preços médios, mínimos, máximos, margens brutas de revenda e desvio-padrão, em cada município pesquisado;</a:t>
             </a:r>
           </a:p>
           <a:p>
@@ -14087,12 +14793,8 @@
               <a:buChar char="•"/>
             </a:pPr>
             <a:r>
-              <a:rPr lang="pt-BR" sz="2200" i="1" dirty="0" smtClean="0"/>
-              <a:t>Universo </a:t>
-            </a:r>
-            <a:r>
               <a:rPr lang="pt-BR" sz="2200" i="1" dirty="0"/>
-              <a:t>pesquisado;</a:t>
+              <a:t>Universo pesquisado;</a:t>
             </a:r>
           </a:p>
           <a:p>
@@ -14101,12 +14803,8 @@
               <a:buChar char="•"/>
             </a:pPr>
             <a:r>
-              <a:rPr lang="pt-BR" sz="2200" i="1" dirty="0" smtClean="0"/>
-              <a:t>Período </a:t>
-            </a:r>
-            <a:r>
               <a:rPr lang="pt-BR" sz="2200" i="1" dirty="0"/>
-              <a:t>e data da coleta.</a:t>
+              <a:t>Período e data da coleta.</a:t>
             </a:r>
           </a:p>
         </p:txBody>
@@ -14170,18 +14868,13 @@
           <a:lstStyle/>
           <a:p>
             <a:r>
-              <a:rPr lang="pt-BR" sz="2800" b="1" dirty="0" smtClean="0">
+              <a:rPr lang="pt-BR" sz="2800" b="1" dirty="0">
                 <a:solidFill>
                   <a:schemeClr val="bg1"/>
                 </a:solidFill>
               </a:rPr>
               <a:t>Sobre os Dados</a:t>
             </a:r>
-            <a:endParaRPr lang="pt-BR" sz="2800" b="1" dirty="0">
-              <a:solidFill>
-                <a:schemeClr val="bg1"/>
-              </a:solidFill>
-            </a:endParaRPr>
           </a:p>
         </p:txBody>
       </p:sp>
@@ -14224,7 +14917,6 @@
               <a:rPr lang="pt-BR" sz="2400" dirty="0"/>
               <a:t>Localização dos Municípios Pesquisados</a:t>
             </a:r>
-            <a:endParaRPr lang="pt-BR" sz="2400" dirty="0"/>
           </a:p>
         </p:txBody>
       </p:sp>
@@ -14309,18 +15001,13 @@
           <a:lstStyle/>
           <a:p>
             <a:r>
-              <a:rPr lang="pt-BR" sz="2800" b="1" dirty="0" smtClean="0">
+              <a:rPr lang="pt-BR" sz="2800" b="1" dirty="0">
                 <a:solidFill>
                   <a:schemeClr val="bg1"/>
                 </a:solidFill>
               </a:rPr>
               <a:t>Sobre os Dados</a:t>
             </a:r>
-            <a:endParaRPr lang="pt-BR" sz="2800" b="1" dirty="0">
-              <a:solidFill>
-                <a:schemeClr val="bg1"/>
-              </a:solidFill>
-            </a:endParaRPr>
           </a:p>
         </p:txBody>
       </p:sp>
@@ -14363,7 +15050,6 @@
               <a:rPr lang="pt-BR" sz="2400" dirty="0"/>
               <a:t>Exemplo de Localização dos Postos Pesquisados no Município do Rio de Janeiro</a:t>
             </a:r>
-            <a:endParaRPr lang="pt-BR" sz="2400" dirty="0"/>
           </a:p>
         </p:txBody>
       </p:sp>
@@ -14448,18 +15134,13 @@
           <a:lstStyle/>
           <a:p>
             <a:r>
-              <a:rPr lang="pt-BR" sz="2800" b="1" dirty="0" smtClean="0">
+              <a:rPr lang="pt-BR" sz="2800" b="1" dirty="0">
                 <a:solidFill>
                   <a:schemeClr val="bg1"/>
                 </a:solidFill>
               </a:rPr>
               <a:t>Sobre os Dados</a:t>
             </a:r>
-            <a:endParaRPr lang="pt-BR" sz="2800" b="1" dirty="0">
-              <a:solidFill>
-                <a:schemeClr val="bg1"/>
-              </a:solidFill>
-            </a:endParaRPr>
           </a:p>
         </p:txBody>
       </p:sp>
@@ -14502,7 +15183,6 @@
               <a:rPr lang="pt-BR" sz="2400" dirty="0"/>
               <a:t>Localização das Distribuidoras e Refinarias de Petróleo em Território Nacional</a:t>
             </a:r>
-            <a:endParaRPr lang="pt-BR" sz="2400" dirty="0"/>
           </a:p>
         </p:txBody>
       </p:sp>

--- a/documentation/FGV-MBA - Aplicações Estatística Espacial - Pré-Projeto - Grupo 2.pptx
+++ b/documentation/FGV-MBA - Aplicações Estatística Espacial - Pré-Projeto - Grupo 2.pptx
@@ -7,24 +7,23 @@
     <p:sldMasterId id="2147483654" r:id="rId3"/>
   </p:sldMasterIdLst>
   <p:notesMasterIdLst>
-    <p:notesMasterId r:id="rId16"/>
+    <p:notesMasterId r:id="rId15"/>
   </p:notesMasterIdLst>
   <p:handoutMasterIdLst>
-    <p:handoutMasterId r:id="rId17"/>
+    <p:handoutMasterId r:id="rId16"/>
   </p:handoutMasterIdLst>
   <p:sldIdLst>
     <p:sldId id="351" r:id="rId4"/>
     <p:sldId id="346" r:id="rId5"/>
     <p:sldId id="352" r:id="rId6"/>
-    <p:sldId id="353" r:id="rId7"/>
-    <p:sldId id="354" r:id="rId8"/>
-    <p:sldId id="355" r:id="rId9"/>
-    <p:sldId id="356" r:id="rId10"/>
-    <p:sldId id="357" r:id="rId11"/>
-    <p:sldId id="358" r:id="rId12"/>
-    <p:sldId id="359" r:id="rId13"/>
-    <p:sldId id="360" r:id="rId14"/>
-    <p:sldId id="361" r:id="rId15"/>
+    <p:sldId id="354" r:id="rId7"/>
+    <p:sldId id="355" r:id="rId8"/>
+    <p:sldId id="356" r:id="rId9"/>
+    <p:sldId id="357" r:id="rId10"/>
+    <p:sldId id="358" r:id="rId11"/>
+    <p:sldId id="359" r:id="rId12"/>
+    <p:sldId id="360" r:id="rId13"/>
+    <p:sldId id="361" r:id="rId14"/>
   </p:sldIdLst>
   <p:sldSz cx="12192000" cy="6858000"/>
   <p:notesSz cx="6858000" cy="9144000"/>
@@ -131,7 +130,6 @@
             <p14:sldId id="351"/>
             <p14:sldId id="346"/>
             <p14:sldId id="352"/>
-            <p14:sldId id="353"/>
             <p14:sldId id="354"/>
             <p14:sldId id="355"/>
             <p14:sldId id="356"/>
@@ -176,728 +174,850 @@
 <file path=ppt/changesInfos/changesInfo1.xml><?xml version="1.0" encoding="utf-8"?>
 <pc:chgInfo xmlns:a="http://schemas.openxmlformats.org/drawingml/2006/main" xmlns:r="http://schemas.openxmlformats.org/officeDocument/2006/relationships" xmlns:ac="http://schemas.microsoft.com/office/drawing/2013/main/command" xmlns:pc="http://schemas.microsoft.com/office/powerpoint/2013/main/command">
   <pc:docChgLst>
-    <pc:chgData name="A57566093@fgv.edu.br" userId="1bb9ad80-ff55-479f-acd6-204a7fcb2663" providerId="ADAL" clId="{6EAA8C06-7F8D-43F2-902E-F978E52A88FA}"/>
-    <pc:docChg chg="undo custSel modSld addSection modSection">
-      <pc:chgData name="A57566093@fgv.edu.br" userId="1bb9ad80-ff55-479f-acd6-204a7fcb2663" providerId="ADAL" clId="{6EAA8C06-7F8D-43F2-902E-F978E52A88FA}" dt="2020-05-30T18:09:42.664" v="2152" actId="1035"/>
+    <pc:chgData name="Daniel Ferraz de Campos Filho" userId="S::a57635769@fgv.edu.br::8866a242-fb0b-48c9-aa11-19162637424d" providerId="AD" clId="Web-{3F63DED3-F8B6-4F38-9A8E-AC084F28D19E}"/>
+    <pc:docChg chg="modSld">
+      <pc:chgData name="Daniel Ferraz de Campos Filho" userId="S::a57635769@fgv.edu.br::8866a242-fb0b-48c9-aa11-19162637424d" providerId="AD" clId="Web-{3F63DED3-F8B6-4F38-9A8E-AC084F28D19E}" dt="2020-05-30T21:20:11.969" v="453" actId="20577"/>
       <pc:docMkLst>
         <pc:docMk/>
       </pc:docMkLst>
-      <pc:sldChg chg="addSp delSp modSp mod">
-        <pc:chgData name="A57566093@fgv.edu.br" userId="1bb9ad80-ff55-479f-acd6-204a7fcb2663" providerId="ADAL" clId="{6EAA8C06-7F8D-43F2-902E-F978E52A88FA}" dt="2020-05-30T18:09:42.664" v="2152" actId="1035"/>
+      <pc:sldChg chg="modSp">
+        <pc:chgData name="Daniel Ferraz de Campos Filho" userId="S::a57635769@fgv.edu.br::8866a242-fb0b-48c9-aa11-19162637424d" providerId="AD" clId="Web-{3F63DED3-F8B6-4F38-9A8E-AC084F28D19E}" dt="2020-05-30T20:56:03.315" v="121" actId="20577"/>
+        <pc:sldMkLst>
+          <pc:docMk/>
+          <pc:sldMk cId="3953857876" sldId="361"/>
+        </pc:sldMkLst>
+        <pc:spChg chg="mod">
+          <ac:chgData name="Daniel Ferraz de Campos Filho" userId="S::a57635769@fgv.edu.br::8866a242-fb0b-48c9-aa11-19162637424d" providerId="AD" clId="Web-{3F63DED3-F8B6-4F38-9A8E-AC084F28D19E}" dt="2020-05-30T20:56:03.315" v="121" actId="20577"/>
+          <ac:spMkLst>
+            <pc:docMk/>
+            <pc:sldMk cId="3953857876" sldId="361"/>
+            <ac:spMk id="4" creationId="{84CA2768-938F-4EEA-B0DD-BAF05149B6F5}"/>
+          </ac:spMkLst>
+        </pc:spChg>
+      </pc:sldChg>
+      <pc:sldChg chg="modSp">
+        <pc:chgData name="Daniel Ferraz de Campos Filho" userId="S::a57635769@fgv.edu.br::8866a242-fb0b-48c9-aa11-19162637424d" providerId="AD" clId="Web-{3F63DED3-F8B6-4F38-9A8E-AC084F28D19E}" dt="2020-05-30T21:03:16.620" v="154" actId="20577"/>
+        <pc:sldMkLst>
+          <pc:docMk/>
+          <pc:sldMk cId="1752641579" sldId="363"/>
+        </pc:sldMkLst>
+        <pc:spChg chg="mod">
+          <ac:chgData name="Daniel Ferraz de Campos Filho" userId="S::a57635769@fgv.edu.br::8866a242-fb0b-48c9-aa11-19162637424d" providerId="AD" clId="Web-{3F63DED3-F8B6-4F38-9A8E-AC084F28D19E}" dt="2020-05-30T21:03:16.620" v="154" actId="20577"/>
+          <ac:spMkLst>
+            <pc:docMk/>
+            <pc:sldMk cId="1752641579" sldId="363"/>
+            <ac:spMk id="4" creationId="{E4CC8CAB-3F4C-409C-8745-BB5BD7AF0FCB}"/>
+          </ac:spMkLst>
+        </pc:spChg>
+      </pc:sldChg>
+      <pc:sldChg chg="addSp delSp modSp">
+        <pc:chgData name="Daniel Ferraz de Campos Filho" userId="S::a57635769@fgv.edu.br::8866a242-fb0b-48c9-aa11-19162637424d" providerId="AD" clId="Web-{3F63DED3-F8B6-4F38-9A8E-AC084F28D19E}" dt="2020-05-30T21:20:11.969" v="452" actId="20577"/>
+        <pc:sldMkLst>
+          <pc:docMk/>
+          <pc:sldMk cId="1219197679" sldId="374"/>
+        </pc:sldMkLst>
+        <pc:spChg chg="mod">
+          <ac:chgData name="Daniel Ferraz de Campos Filho" userId="S::a57635769@fgv.edu.br::8866a242-fb0b-48c9-aa11-19162637424d" providerId="AD" clId="Web-{3F63DED3-F8B6-4F38-9A8E-AC084F28D19E}" dt="2020-05-30T21:20:11.969" v="452" actId="20577"/>
+          <ac:spMkLst>
+            <pc:docMk/>
+            <pc:sldMk cId="1219197679" sldId="374"/>
+            <ac:spMk id="4" creationId="{E4CC8CAB-3F4C-409C-8745-BB5BD7AF0FCB}"/>
+          </ac:spMkLst>
+        </pc:spChg>
+        <pc:graphicFrameChg chg="add del mod">
+          <ac:chgData name="Daniel Ferraz de Campos Filho" userId="S::a57635769@fgv.edu.br::8866a242-fb0b-48c9-aa11-19162637424d" providerId="AD" clId="Web-{3F63DED3-F8B6-4F38-9A8E-AC084F28D19E}" dt="2020-05-30T21:11:08.864" v="230"/>
+          <ac:graphicFrameMkLst>
+            <pc:docMk/>
+            <pc:sldMk cId="1219197679" sldId="374"/>
+            <ac:graphicFrameMk id="7" creationId="{697D41A9-A512-40CC-BBCE-290DA15CB751}"/>
+          </ac:graphicFrameMkLst>
+        </pc:graphicFrameChg>
+      </pc:sldChg>
+      <pc:sldChg chg="modSp">
+        <pc:chgData name="Daniel Ferraz de Campos Filho" userId="S::a57635769@fgv.edu.br::8866a242-fb0b-48c9-aa11-19162637424d" providerId="AD" clId="Web-{3F63DED3-F8B6-4F38-9A8E-AC084F28D19E}" dt="2020-05-30T21:18:50.916" v="415" actId="20577"/>
+        <pc:sldMkLst>
+          <pc:docMk/>
+          <pc:sldMk cId="2356196915" sldId="377"/>
+        </pc:sldMkLst>
+        <pc:spChg chg="mod">
+          <ac:chgData name="Daniel Ferraz de Campos Filho" userId="S::a57635769@fgv.edu.br::8866a242-fb0b-48c9-aa11-19162637424d" providerId="AD" clId="Web-{3F63DED3-F8B6-4F38-9A8E-AC084F28D19E}" dt="2020-05-30T21:18:50.916" v="415" actId="20577"/>
+          <ac:spMkLst>
+            <pc:docMk/>
+            <pc:sldMk cId="2356196915" sldId="377"/>
+            <ac:spMk id="7" creationId="{CE3762FA-4222-4801-A067-946EE71C9A52}"/>
+          </ac:spMkLst>
+        </pc:spChg>
+      </pc:sldChg>
+    </pc:docChg>
+  </pc:docChgLst>
+  <pc:docChgLst>
+    <pc:chgData name="Ricardo Lucio Braga Reis" userId="S::a57590919@fgv.edu.br::789c906b-d924-4b68-a4ad-fed37e68814f" providerId="AD" clId="Web-{16EAE22F-EB20-8B31-C2E7-E2D9869D9D38}"/>
+    <pc:docChg chg="addSld modSld modSection">
+      <pc:chgData name="Ricardo Lucio Braga Reis" userId="S::a57590919@fgv.edu.br::789c906b-d924-4b68-a4ad-fed37e68814f" providerId="AD" clId="Web-{16EAE22F-EB20-8B31-C2E7-E2D9869D9D38}" dt="2020-05-27T15:37:46.309" v="451" actId="20577"/>
+      <pc:docMkLst>
+        <pc:docMk/>
+      </pc:docMkLst>
+      <pc:sldChg chg="modSp">
+        <pc:chgData name="Ricardo Lucio Braga Reis" userId="S::a57590919@fgv.edu.br::789c906b-d924-4b68-a4ad-fed37e68814f" providerId="AD" clId="Web-{16EAE22F-EB20-8B31-C2E7-E2D9869D9D38}" dt="2020-05-27T15:37:12.121" v="446" actId="20577"/>
+        <pc:sldMkLst>
+          <pc:docMk/>
+          <pc:sldMk cId="351260889" sldId="346"/>
+        </pc:sldMkLst>
+        <pc:spChg chg="mod">
+          <ac:chgData name="Ricardo Lucio Braga Reis" userId="S::a57590919@fgv.edu.br::789c906b-d924-4b68-a4ad-fed37e68814f" providerId="AD" clId="Web-{16EAE22F-EB20-8B31-C2E7-E2D9869D9D38}" dt="2020-05-27T15:37:12.121" v="446" actId="20577"/>
+          <ac:spMkLst>
+            <pc:docMk/>
+            <pc:sldMk cId="351260889" sldId="346"/>
+            <ac:spMk id="7" creationId="{F98E677B-3EA7-49FD-AAB2-91F960419DAB}"/>
+          </ac:spMkLst>
+        </pc:spChg>
+      </pc:sldChg>
+      <pc:sldChg chg="modSp">
+        <pc:chgData name="Ricardo Lucio Braga Reis" userId="S::a57590919@fgv.edu.br::789c906b-d924-4b68-a4ad-fed37e68814f" providerId="AD" clId="Web-{16EAE22F-EB20-8B31-C2E7-E2D9869D9D38}" dt="2020-05-27T15:37:28.621" v="447" actId="20577"/>
+        <pc:sldMkLst>
+          <pc:docMk/>
+          <pc:sldMk cId="3921174963" sldId="371"/>
+        </pc:sldMkLst>
+        <pc:spChg chg="mod">
+          <ac:chgData name="Ricardo Lucio Braga Reis" userId="S::a57590919@fgv.edu.br::789c906b-d924-4b68-a4ad-fed37e68814f" providerId="AD" clId="Web-{16EAE22F-EB20-8B31-C2E7-E2D9869D9D38}" dt="2020-05-27T15:37:28.621" v="447" actId="20577"/>
+          <ac:spMkLst>
+            <pc:docMk/>
+            <pc:sldMk cId="3921174963" sldId="371"/>
+            <ac:spMk id="7" creationId="{6F061871-FDA0-491B-B84B-B5AB0970885B}"/>
+          </ac:spMkLst>
+        </pc:spChg>
+      </pc:sldChg>
+      <pc:sldChg chg="addSp delSp modSp">
+        <pc:chgData name="Ricardo Lucio Braga Reis" userId="S::a57590919@fgv.edu.br::789c906b-d924-4b68-a4ad-fed37e68814f" providerId="AD" clId="Web-{16EAE22F-EB20-8B31-C2E7-E2D9869D9D38}" dt="2020-05-27T15:37:34.309" v="449" actId="20577"/>
+        <pc:sldMkLst>
+          <pc:docMk/>
+          <pc:sldMk cId="1275928961" sldId="372"/>
+        </pc:sldMkLst>
+        <pc:spChg chg="add mod">
+          <ac:chgData name="Ricardo Lucio Braga Reis" userId="S::a57590919@fgv.edu.br::789c906b-d924-4b68-a4ad-fed37e68814f" providerId="AD" clId="Web-{16EAE22F-EB20-8B31-C2E7-E2D9869D9D38}" dt="2020-05-27T15:33:13.911" v="444" actId="20577"/>
+          <ac:spMkLst>
+            <pc:docMk/>
+            <pc:sldMk cId="1275928961" sldId="372"/>
+            <ac:spMk id="3" creationId="{14023F59-116C-43F1-AC35-B7027668E690}"/>
+          </ac:spMkLst>
+        </pc:spChg>
+        <pc:spChg chg="mod">
+          <ac:chgData name="Ricardo Lucio Braga Reis" userId="S::a57590919@fgv.edu.br::789c906b-d924-4b68-a4ad-fed37e68814f" providerId="AD" clId="Web-{16EAE22F-EB20-8B31-C2E7-E2D9869D9D38}" dt="2020-05-27T15:37:34.309" v="449" actId="20577"/>
+          <ac:spMkLst>
+            <pc:docMk/>
+            <pc:sldMk cId="1275928961" sldId="372"/>
+            <ac:spMk id="7" creationId="{6F061871-FDA0-491B-B84B-B5AB0970885B}"/>
+          </ac:spMkLst>
+        </pc:spChg>
+        <pc:spChg chg="add mod">
+          <ac:chgData name="Ricardo Lucio Braga Reis" userId="S::a57590919@fgv.edu.br::789c906b-d924-4b68-a4ad-fed37e68814f" providerId="AD" clId="Web-{16EAE22F-EB20-8B31-C2E7-E2D9869D9D38}" dt="2020-05-27T15:33:00.864" v="430" actId="20577"/>
+          <ac:spMkLst>
+            <pc:docMk/>
+            <pc:sldMk cId="1275928961" sldId="372"/>
+            <ac:spMk id="9" creationId="{F9E7B998-4796-4D55-9B18-DDC86A145C52}"/>
+          </ac:spMkLst>
+        </pc:spChg>
+        <pc:spChg chg="add del mod">
+          <ac:chgData name="Ricardo Lucio Braga Reis" userId="S::a57590919@fgv.edu.br::789c906b-d924-4b68-a4ad-fed37e68814f" providerId="AD" clId="Web-{16EAE22F-EB20-8B31-C2E7-E2D9869D9D38}" dt="2020-05-27T15:28:05.325" v="400"/>
+          <ac:spMkLst>
+            <pc:docMk/>
+            <pc:sldMk cId="1275928961" sldId="372"/>
+            <ac:spMk id="10" creationId="{BAC44B42-0E27-4D42-A033-763CB3BB9EC4}"/>
+          </ac:spMkLst>
+        </pc:spChg>
+        <pc:spChg chg="add mod">
+          <ac:chgData name="Ricardo Lucio Braga Reis" userId="S::a57590919@fgv.edu.br::789c906b-d924-4b68-a4ad-fed37e68814f" providerId="AD" clId="Web-{16EAE22F-EB20-8B31-C2E7-E2D9869D9D38}" dt="2020-05-27T15:32:06.503" v="421" actId="1076"/>
+          <ac:spMkLst>
+            <pc:docMk/>
+            <pc:sldMk cId="1275928961" sldId="372"/>
+            <ac:spMk id="11" creationId="{CD626A95-8091-4F1D-A30E-C06E87498B5B}"/>
+          </ac:spMkLst>
+        </pc:spChg>
+        <pc:spChg chg="add mod">
+          <ac:chgData name="Ricardo Lucio Braga Reis" userId="S::a57590919@fgv.edu.br::789c906b-d924-4b68-a4ad-fed37e68814f" providerId="AD" clId="Web-{16EAE22F-EB20-8B31-C2E7-E2D9869D9D38}" dt="2020-05-27T15:30:05.032" v="412" actId="20577"/>
+          <ac:spMkLst>
+            <pc:docMk/>
+            <pc:sldMk cId="1275928961" sldId="372"/>
+            <ac:spMk id="15" creationId="{EE9AE69C-DA3A-4B1F-A561-C474F96FA82E}"/>
+          </ac:spMkLst>
+        </pc:spChg>
+        <pc:spChg chg="mod">
+          <ac:chgData name="Ricardo Lucio Braga Reis" userId="S::a57590919@fgv.edu.br::789c906b-d924-4b68-a4ad-fed37e68814f" providerId="AD" clId="Web-{16EAE22F-EB20-8B31-C2E7-E2D9869D9D38}" dt="2020-05-27T15:31:53.159" v="420" actId="1076"/>
+          <ac:spMkLst>
+            <pc:docMk/>
+            <pc:sldMk cId="1275928961" sldId="372"/>
+            <ac:spMk id="17" creationId="{0EACA767-5D74-4C51-98B7-763F041F495E}"/>
+          </ac:spMkLst>
+        </pc:spChg>
+        <pc:grpChg chg="del">
+          <ac:chgData name="Ricardo Lucio Braga Reis" userId="S::a57590919@fgv.edu.br::789c906b-d924-4b68-a4ad-fed37e68814f" providerId="AD" clId="Web-{16EAE22F-EB20-8B31-C2E7-E2D9869D9D38}" dt="2020-05-27T15:16:36.400" v="110"/>
+          <ac:grpSpMkLst>
+            <pc:docMk/>
+            <pc:sldMk cId="1275928961" sldId="372"/>
+            <ac:grpSpMk id="8" creationId="{1E163097-A71F-4360-857F-CDF7256C8A07}"/>
+          </ac:grpSpMkLst>
+        </pc:grpChg>
+        <pc:cxnChg chg="add">
+          <ac:chgData name="Ricardo Lucio Braga Reis" userId="S::a57590919@fgv.edu.br::789c906b-d924-4b68-a4ad-fed37e68814f" providerId="AD" clId="Web-{16EAE22F-EB20-8B31-C2E7-E2D9869D9D38}" dt="2020-05-27T15:28:19.606" v="401"/>
+          <ac:cxnSpMkLst>
+            <pc:docMk/>
+            <pc:sldMk cId="1275928961" sldId="372"/>
+            <ac:cxnSpMk id="13" creationId="{48D98D49-C026-4684-B519-FFB569F22EC7}"/>
+          </ac:cxnSpMkLst>
+        </pc:cxnChg>
+      </pc:sldChg>
+      <pc:sldChg chg="modSp add replId">
+        <pc:chgData name="Ricardo Lucio Braga Reis" userId="S::a57590919@fgv.edu.br::789c906b-d924-4b68-a4ad-fed37e68814f" providerId="AD" clId="Web-{16EAE22F-EB20-8B31-C2E7-E2D9869D9D38}" dt="2020-05-27T15:37:46.309" v="451" actId="20577"/>
+        <pc:sldMkLst>
+          <pc:docMk/>
+          <pc:sldMk cId="2557986528" sldId="373"/>
+        </pc:sldMkLst>
+        <pc:spChg chg="mod">
+          <ac:chgData name="Ricardo Lucio Braga Reis" userId="S::a57590919@fgv.edu.br::789c906b-d924-4b68-a4ad-fed37e68814f" providerId="AD" clId="Web-{16EAE22F-EB20-8B31-C2E7-E2D9869D9D38}" dt="2020-05-27T15:37:46.309" v="451" actId="20577"/>
+          <ac:spMkLst>
+            <pc:docMk/>
+            <pc:sldMk cId="2557986528" sldId="373"/>
+            <ac:spMk id="7" creationId="{6F061871-FDA0-491B-B84B-B5AB0970885B}"/>
+          </ac:spMkLst>
+        </pc:spChg>
+      </pc:sldChg>
+    </pc:docChg>
+  </pc:docChgLst>
+  <pc:docChgLst>
+    <pc:chgData name="Leandro Daniel" userId="682bb4abc622d264" providerId="LiveId" clId="{7AC88094-A1D5-4FA0-8F56-B6E6CBB30C7C}"/>
+    <pc:docChg chg="undo custSel modSld">
+      <pc:chgData name="Leandro Daniel" userId="682bb4abc622d264" providerId="LiveId" clId="{7AC88094-A1D5-4FA0-8F56-B6E6CBB30C7C}" dt="2020-05-30T22:15:00.993" v="15" actId="20577"/>
+      <pc:docMkLst>
+        <pc:docMk/>
+      </pc:docMkLst>
+      <pc:sldChg chg="modSp mod">
+        <pc:chgData name="Leandro Daniel" userId="682bb4abc622d264" providerId="LiveId" clId="{7AC88094-A1D5-4FA0-8F56-B6E6CBB30C7C}" dt="2020-05-30T22:13:40.576" v="0" actId="20577"/>
+        <pc:sldMkLst>
+          <pc:docMk/>
+          <pc:sldMk cId="679871842" sldId="351"/>
+        </pc:sldMkLst>
+        <pc:spChg chg="mod">
+          <ac:chgData name="Leandro Daniel" userId="682bb4abc622d264" providerId="LiveId" clId="{7AC88094-A1D5-4FA0-8F56-B6E6CBB30C7C}" dt="2020-05-30T22:13:40.576" v="0" actId="20577"/>
+          <ac:spMkLst>
+            <pc:docMk/>
+            <pc:sldMk cId="679871842" sldId="351"/>
+            <ac:spMk id="2" creationId="{70F687BA-32A2-41BC-B72A-F28209A7F473}"/>
+          </ac:spMkLst>
+        </pc:spChg>
+      </pc:sldChg>
+      <pc:sldChg chg="modSp mod">
+        <pc:chgData name="Leandro Daniel" userId="682bb4abc622d264" providerId="LiveId" clId="{7AC88094-A1D5-4FA0-8F56-B6E6CBB30C7C}" dt="2020-05-30T22:15:00.993" v="15" actId="20577"/>
+        <pc:sldMkLst>
+          <pc:docMk/>
+          <pc:sldMk cId="2356196915" sldId="377"/>
+        </pc:sldMkLst>
+        <pc:spChg chg="mod">
+          <ac:chgData name="Leandro Daniel" userId="682bb4abc622d264" providerId="LiveId" clId="{7AC88094-A1D5-4FA0-8F56-B6E6CBB30C7C}" dt="2020-05-30T22:15:00.993" v="15" actId="20577"/>
+          <ac:spMkLst>
+            <pc:docMk/>
+            <pc:sldMk cId="2356196915" sldId="377"/>
+            <ac:spMk id="7" creationId="{CE3762FA-4222-4801-A067-946EE71C9A52}"/>
+          </ac:spMkLst>
+        </pc:spChg>
+      </pc:sldChg>
+    </pc:docChg>
+  </pc:docChgLst>
+  <pc:docChgLst>
+    <pc:chgData name="Leandro Daniel" userId="682bb4abc622d264" providerId="LiveId" clId="{95C6711F-C4DC-4686-A46D-0F032EFB60A9}"/>
+    <pc:docChg chg="modSld">
+      <pc:chgData name="Leandro Daniel" userId="682bb4abc622d264" providerId="LiveId" clId="{95C6711F-C4DC-4686-A46D-0F032EFB60A9}" dt="2020-06-01T22:00:24.671" v="0" actId="20577"/>
+      <pc:docMkLst>
+        <pc:docMk/>
+      </pc:docMkLst>
+      <pc:sldChg chg="modSp mod">
+        <pc:chgData name="Leandro Daniel" userId="682bb4abc622d264" providerId="LiveId" clId="{95C6711F-C4DC-4686-A46D-0F032EFB60A9}" dt="2020-06-01T22:00:24.671" v="0" actId="20577"/>
+        <pc:sldMkLst>
+          <pc:docMk/>
+          <pc:sldMk cId="679871842" sldId="351"/>
+        </pc:sldMkLst>
+        <pc:spChg chg="mod">
+          <ac:chgData name="Leandro Daniel" userId="682bb4abc622d264" providerId="LiveId" clId="{95C6711F-C4DC-4686-A46D-0F032EFB60A9}" dt="2020-06-01T22:00:24.671" v="0" actId="20577"/>
+          <ac:spMkLst>
+            <pc:docMk/>
+            <pc:sldMk cId="679871842" sldId="351"/>
+            <ac:spMk id="2" creationId="{70F687BA-32A2-41BC-B72A-F28209A7F473}"/>
+          </ac:spMkLst>
+        </pc:spChg>
+      </pc:sldChg>
+    </pc:docChg>
+  </pc:docChgLst>
+  <pc:docChgLst>
+    <pc:chgData name="Leandro de Oliveira Daniel" userId="S::a57622988@fgv.edu.br::ff7f7cd4-1074-435c-a956-4a1fef029c30" providerId="AD" clId="Web-{576D1934-300F-FC23-9CD7-6CCE5F40640F}"/>
+    <pc:docChg chg="modSld">
+      <pc:chgData name="Leandro de Oliveira Daniel" userId="S::a57622988@fgv.edu.br::ff7f7cd4-1074-435c-a956-4a1fef029c30" providerId="AD" clId="Web-{576D1934-300F-FC23-9CD7-6CCE5F40640F}" dt="2020-05-30T21:49:02.200" v="210" actId="20577"/>
+      <pc:docMkLst>
+        <pc:docMk/>
+      </pc:docMkLst>
+      <pc:sldChg chg="modSp">
+        <pc:chgData name="Leandro de Oliveira Daniel" userId="S::a57622988@fgv.edu.br::ff7f7cd4-1074-435c-a956-4a1fef029c30" providerId="AD" clId="Web-{576D1934-300F-FC23-9CD7-6CCE5F40640F}" dt="2020-05-30T21:37:14.052" v="8" actId="20577"/>
         <pc:sldMkLst>
           <pc:docMk/>
           <pc:sldMk cId="1275928961" sldId="372"/>
         </pc:sldMkLst>
         <pc:spChg chg="mod">
-          <ac:chgData name="A57566093@fgv.edu.br" userId="1bb9ad80-ff55-479f-acd6-204a7fcb2663" providerId="ADAL" clId="{6EAA8C06-7F8D-43F2-902E-F978E52A88FA}" dt="2020-05-30T18:09:42.664" v="2152" actId="1035"/>
-          <ac:spMkLst>
-            <pc:docMk/>
-            <pc:sldMk cId="1275928961" sldId="372"/>
-            <ac:spMk id="15" creationId="{EE9AE69C-DA3A-4B1F-A561-C474F96FA82E}"/>
+          <ac:chgData name="Leandro de Oliveira Daniel" userId="S::a57622988@fgv.edu.br::ff7f7cd4-1074-435c-a956-4a1fef029c30" providerId="AD" clId="Web-{576D1934-300F-FC23-9CD7-6CCE5F40640F}" dt="2020-05-30T21:36:58.052" v="4" actId="20577"/>
+          <ac:spMkLst>
+            <pc:docMk/>
+            <pc:sldMk cId="1275928961" sldId="372"/>
+            <ac:spMk id="52" creationId="{0475A7DF-361A-4873-B74C-76D203352350}"/>
           </ac:spMkLst>
         </pc:spChg>
         <pc:spChg chg="mod">
-          <ac:chgData name="A57566093@fgv.edu.br" userId="1bb9ad80-ff55-479f-acd6-204a7fcb2663" providerId="ADAL" clId="{6EAA8C06-7F8D-43F2-902E-F978E52A88FA}" dt="2020-05-30T18:08:53.704" v="2140" actId="1038"/>
-          <ac:spMkLst>
-            <pc:docMk/>
-            <pc:sldMk cId="1275928961" sldId="372"/>
-            <ac:spMk id="47" creationId="{2188BDEC-AE57-40A1-AC7E-154444DB58F0}"/>
+          <ac:chgData name="Leandro de Oliveira Daniel" userId="S::a57622988@fgv.edu.br::ff7f7cd4-1074-435c-a956-4a1fef029c30" providerId="AD" clId="Web-{576D1934-300F-FC23-9CD7-6CCE5F40640F}" dt="2020-05-30T21:37:05.942" v="6" actId="20577"/>
+          <ac:spMkLst>
+            <pc:docMk/>
+            <pc:sldMk cId="1275928961" sldId="372"/>
+            <ac:spMk id="141" creationId="{66785AF6-978F-4F12-BD3B-A23E9D9412F1}"/>
           </ac:spMkLst>
         </pc:spChg>
         <pc:spChg chg="mod">
-          <ac:chgData name="A57566093@fgv.edu.br" userId="1bb9ad80-ff55-479f-acd6-204a7fcb2663" providerId="ADAL" clId="{6EAA8C06-7F8D-43F2-902E-F978E52A88FA}" dt="2020-05-30T18:05:01.159" v="2092" actId="20577"/>
-          <ac:spMkLst>
-            <pc:docMk/>
-            <pc:sldMk cId="1275928961" sldId="372"/>
-            <ac:spMk id="52" creationId="{0475A7DF-361A-4873-B74C-76D203352350}"/>
-          </ac:spMkLst>
-        </pc:spChg>
+          <ac:chgData name="Leandro de Oliveira Daniel" userId="S::a57622988@fgv.edu.br::ff7f7cd4-1074-435c-a956-4a1fef029c30" providerId="AD" clId="Web-{576D1934-300F-FC23-9CD7-6CCE5F40640F}" dt="2020-05-30T21:37:08.833" v="7" actId="20577"/>
+          <ac:spMkLst>
+            <pc:docMk/>
+            <pc:sldMk cId="1275928961" sldId="372"/>
+            <ac:spMk id="145" creationId="{8A0DEF7D-8FCD-4543-AB0B-C6450C02E31F}"/>
+          </ac:spMkLst>
+        </pc:spChg>
+        <pc:spChg chg="mod">
+          <ac:chgData name="Leandro de Oliveira Daniel" userId="S::a57622988@fgv.edu.br::ff7f7cd4-1074-435c-a956-4a1fef029c30" providerId="AD" clId="Web-{576D1934-300F-FC23-9CD7-6CCE5F40640F}" dt="2020-05-30T21:37:03.349" v="5" actId="20577"/>
+          <ac:spMkLst>
+            <pc:docMk/>
+            <pc:sldMk cId="1275928961" sldId="372"/>
+            <ac:spMk id="148" creationId="{B0B65378-071C-4A53-AD0B-EC390F3C2EA0}"/>
+          </ac:spMkLst>
+        </pc:spChg>
+        <pc:spChg chg="mod">
+          <ac:chgData name="Leandro de Oliveira Daniel" userId="S::a57622988@fgv.edu.br::ff7f7cd4-1074-435c-a956-4a1fef029c30" providerId="AD" clId="Web-{576D1934-300F-FC23-9CD7-6CCE5F40640F}" dt="2020-05-30T21:36:41.068" v="0" actId="20577"/>
+          <ac:spMkLst>
+            <pc:docMk/>
+            <pc:sldMk cId="1275928961" sldId="372"/>
+            <ac:spMk id="166" creationId="{7F54744D-34EB-4337-91F4-EFBBC8079451}"/>
+          </ac:spMkLst>
+        </pc:spChg>
+        <pc:spChg chg="mod">
+          <ac:chgData name="Leandro de Oliveira Daniel" userId="S::a57622988@fgv.edu.br::ff7f7cd4-1074-435c-a956-4a1fef029c30" providerId="AD" clId="Web-{576D1934-300F-FC23-9CD7-6CCE5F40640F}" dt="2020-05-30T21:36:49.896" v="3" actId="20577"/>
+          <ac:spMkLst>
+            <pc:docMk/>
+            <pc:sldMk cId="1275928961" sldId="372"/>
+            <ac:spMk id="167" creationId="{DE1013B5-4DDB-41CE-B97E-1E9C6372D398}"/>
+          </ac:spMkLst>
+        </pc:spChg>
+        <pc:spChg chg="mod">
+          <ac:chgData name="Leandro de Oliveira Daniel" userId="S::a57622988@fgv.edu.br::ff7f7cd4-1074-435c-a956-4a1fef029c30" providerId="AD" clId="Web-{576D1934-300F-FC23-9CD7-6CCE5F40640F}" dt="2020-05-30T21:37:14.052" v="8" actId="20577"/>
+          <ac:spMkLst>
+            <pc:docMk/>
+            <pc:sldMk cId="1275928961" sldId="372"/>
+            <ac:spMk id="168" creationId="{5FB18791-F3A5-460E-A6AF-F86AFE353D57}"/>
+          </ac:spMkLst>
+        </pc:spChg>
+        <pc:spChg chg="mod">
+          <ac:chgData name="Leandro de Oliveira Daniel" userId="S::a57622988@fgv.edu.br::ff7f7cd4-1074-435c-a956-4a1fef029c30" providerId="AD" clId="Web-{576D1934-300F-FC23-9CD7-6CCE5F40640F}" dt="2020-05-30T21:36:46.521" v="2" actId="20577"/>
+          <ac:spMkLst>
+            <pc:docMk/>
+            <pc:sldMk cId="1275928961" sldId="372"/>
+            <ac:spMk id="170" creationId="{CD412FEA-4730-486F-879F-6D614467BF94}"/>
+          </ac:spMkLst>
+        </pc:spChg>
+        <pc:spChg chg="mod">
+          <ac:chgData name="Leandro de Oliveira Daniel" userId="S::a57622988@fgv.edu.br::ff7f7cd4-1074-435c-a956-4a1fef029c30" providerId="AD" clId="Web-{576D1934-300F-FC23-9CD7-6CCE5F40640F}" dt="2020-05-30T21:36:43.755" v="1" actId="20577"/>
+          <ac:spMkLst>
+            <pc:docMk/>
+            <pc:sldMk cId="1275928961" sldId="372"/>
+            <ac:spMk id="172" creationId="{552D19B7-2205-4393-8BC3-D10B6D0AF5B0}"/>
+          </ac:spMkLst>
+        </pc:spChg>
+      </pc:sldChg>
+      <pc:sldChg chg="modSp">
+        <pc:chgData name="Leandro de Oliveira Daniel" userId="S::a57622988@fgv.edu.br::ff7f7cd4-1074-435c-a956-4a1fef029c30" providerId="AD" clId="Web-{576D1934-300F-FC23-9CD7-6CCE5F40640F}" dt="2020-05-30T21:48:58.840" v="208" actId="20577"/>
+        <pc:sldMkLst>
+          <pc:docMk/>
+          <pc:sldMk cId="2356196915" sldId="377"/>
+        </pc:sldMkLst>
+        <pc:spChg chg="mod">
+          <ac:chgData name="Leandro de Oliveira Daniel" userId="S::a57622988@fgv.edu.br::ff7f7cd4-1074-435c-a956-4a1fef029c30" providerId="AD" clId="Web-{576D1934-300F-FC23-9CD7-6CCE5F40640F}" dt="2020-05-30T21:48:58.840" v="208" actId="20577"/>
+          <ac:spMkLst>
+            <pc:docMk/>
+            <pc:sldMk cId="2356196915" sldId="377"/>
+            <ac:spMk id="7" creationId="{CE3762FA-4222-4801-A067-946EE71C9A52}"/>
+          </ac:spMkLst>
+        </pc:spChg>
+      </pc:sldChg>
+    </pc:docChg>
+  </pc:docChgLst>
+  <pc:docChgLst>
+    <pc:chgData name="Leandro Daniel" userId="682bb4abc622d264" providerId="LiveId" clId="{7BA9A1FE-DBFD-4F2E-9BE2-09098A8CCE86}"/>
+    <pc:docChg chg="undo custSel modSld modMainMaster">
+      <pc:chgData name="Leandro Daniel" userId="682bb4abc622d264" providerId="LiveId" clId="{7BA9A1FE-DBFD-4F2E-9BE2-09098A8CCE86}" dt="2020-05-24T17:53:40.486" v="284" actId="6549"/>
+      <pc:docMkLst>
+        <pc:docMk/>
+      </pc:docMkLst>
+      <pc:sldChg chg="addSp delSp modSp mod">
+        <pc:chgData name="Leandro Daniel" userId="682bb4abc622d264" providerId="LiveId" clId="{7BA9A1FE-DBFD-4F2E-9BE2-09098A8CCE86}" dt="2020-05-24T17:53:40.486" v="284" actId="6549"/>
+        <pc:sldMkLst>
+          <pc:docMk/>
+          <pc:sldMk cId="679871842" sldId="351"/>
+        </pc:sldMkLst>
+        <pc:spChg chg="mod">
+          <ac:chgData name="Leandro Daniel" userId="682bb4abc622d264" providerId="LiveId" clId="{7BA9A1FE-DBFD-4F2E-9BE2-09098A8CCE86}" dt="2020-05-24T17:53:40.486" v="284" actId="6549"/>
+          <ac:spMkLst>
+            <pc:docMk/>
+            <pc:sldMk cId="679871842" sldId="351"/>
+            <ac:spMk id="3" creationId="{94B768D7-96B0-41DF-9630-0D308384D261}"/>
+          </ac:spMkLst>
+        </pc:spChg>
+        <pc:picChg chg="add del">
+          <ac:chgData name="Leandro Daniel" userId="682bb4abc622d264" providerId="LiveId" clId="{7BA9A1FE-DBFD-4F2E-9BE2-09098A8CCE86}" dt="2020-05-24T17:38:26.040" v="184" actId="21"/>
+          <ac:picMkLst>
+            <pc:docMk/>
+            <pc:sldMk cId="679871842" sldId="351"/>
+            <ac:picMk id="4" creationId="{730B3897-DD2C-4938-8EC3-14421520CC90}"/>
+          </ac:picMkLst>
+        </pc:picChg>
+      </pc:sldChg>
+      <pc:sldMasterChg chg="addSp delSp modSp mod">
+        <pc:chgData name="Leandro Daniel" userId="682bb4abc622d264" providerId="LiveId" clId="{7BA9A1FE-DBFD-4F2E-9BE2-09098A8CCE86}" dt="2020-05-24T17:51:32.742" v="236" actId="1076"/>
+        <pc:sldMasterMkLst>
+          <pc:docMk/>
+          <pc:sldMasterMk cId="2748047865" sldId="2147483650"/>
+        </pc:sldMasterMkLst>
+        <pc:spChg chg="add mod ord">
+          <ac:chgData name="Leandro Daniel" userId="682bb4abc622d264" providerId="LiveId" clId="{7BA9A1FE-DBFD-4F2E-9BE2-09098A8CCE86}" dt="2020-05-24T17:48:27.816" v="213" actId="207"/>
+          <ac:spMkLst>
+            <pc:docMk/>
+            <pc:sldMasterMk cId="2748047865" sldId="2147483650"/>
+            <ac:spMk id="2" creationId="{64EB0046-E308-4E16-A675-E3D297191010}"/>
+          </ac:spMkLst>
+        </pc:spChg>
+        <pc:picChg chg="add mod">
+          <ac:chgData name="Leandro Daniel" userId="682bb4abc622d264" providerId="LiveId" clId="{7BA9A1FE-DBFD-4F2E-9BE2-09098A8CCE86}" dt="2020-05-24T17:51:32.742" v="236" actId="1076"/>
+          <ac:picMkLst>
+            <pc:docMk/>
+            <pc:sldMasterMk cId="2748047865" sldId="2147483650"/>
+            <ac:picMk id="4" creationId="{D73F671B-4A3D-42B4-9CAA-AB16E1C8C881}"/>
+          </ac:picMkLst>
+        </pc:picChg>
+        <pc:picChg chg="add del">
+          <ac:chgData name="Leandro Daniel" userId="682bb4abc622d264" providerId="LiveId" clId="{7BA9A1FE-DBFD-4F2E-9BE2-09098A8CCE86}" dt="2020-05-24T17:39:02.938" v="199" actId="478"/>
+          <ac:picMkLst>
+            <pc:docMk/>
+            <pc:sldMasterMk cId="2748047865" sldId="2147483650"/>
+            <ac:picMk id="7" creationId="{8BDF2FFB-F417-424D-8A6F-8E1438CBFB25}"/>
+          </ac:picMkLst>
+        </pc:picChg>
+        <pc:picChg chg="add del mod">
+          <ac:chgData name="Leandro Daniel" userId="682bb4abc622d264" providerId="LiveId" clId="{7BA9A1FE-DBFD-4F2E-9BE2-09098A8CCE86}" dt="2020-05-24T17:50:21.628" v="223" actId="478"/>
+          <ac:picMkLst>
+            <pc:docMk/>
+            <pc:sldMasterMk cId="2748047865" sldId="2147483650"/>
+            <ac:picMk id="14" creationId="{7C432660-36B0-40A6-B63C-291DD076CDBF}"/>
+          </ac:picMkLst>
+        </pc:picChg>
+      </pc:sldMasterChg>
+      <pc:sldMasterChg chg="addSp delSp modSp mod">
+        <pc:chgData name="Leandro Daniel" userId="682bb4abc622d264" providerId="LiveId" clId="{7BA9A1FE-DBFD-4F2E-9BE2-09098A8CCE86}" dt="2020-05-24T17:51:36.515" v="238"/>
+        <pc:sldMasterMkLst>
+          <pc:docMk/>
+          <pc:sldMasterMk cId="1038931235" sldId="2147483652"/>
+        </pc:sldMasterMkLst>
+        <pc:spChg chg="mod">
+          <ac:chgData name="Leandro Daniel" userId="682bb4abc622d264" providerId="LiveId" clId="{7BA9A1FE-DBFD-4F2E-9BE2-09098A8CCE86}" dt="2020-05-24T17:48:48.544" v="216" actId="207"/>
+          <ac:spMkLst>
+            <pc:docMk/>
+            <pc:sldMasterMk cId="1038931235" sldId="2147483652"/>
+            <ac:spMk id="2" creationId="{5334EC60-A39B-4E05-8C93-2BCD38586D66}"/>
+          </ac:spMkLst>
+        </pc:spChg>
+        <pc:spChg chg="add del mod">
+          <ac:chgData name="Leandro Daniel" userId="682bb4abc622d264" providerId="LiveId" clId="{7BA9A1FE-DBFD-4F2E-9BE2-09098A8CCE86}" dt="2020-05-24T17:48:40.020" v="214" actId="478"/>
+          <ac:spMkLst>
+            <pc:docMk/>
+            <pc:sldMasterMk cId="1038931235" sldId="2147483652"/>
+            <ac:spMk id="14" creationId="{B3C50B75-1997-49B7-89D2-9960253B0F80}"/>
+          </ac:spMkLst>
+        </pc:spChg>
+        <pc:picChg chg="del">
+          <ac:chgData name="Leandro Daniel" userId="682bb4abc622d264" providerId="LiveId" clId="{7BA9A1FE-DBFD-4F2E-9BE2-09098A8CCE86}" dt="2020-05-24T17:40:10.830" v="205" actId="478"/>
+          <ac:picMkLst>
+            <pc:docMk/>
+            <pc:sldMasterMk cId="1038931235" sldId="2147483652"/>
+            <ac:picMk id="7" creationId="{8BDF2FFB-F417-424D-8A6F-8E1438CBFB25}"/>
+          </ac:picMkLst>
+        </pc:picChg>
+        <pc:picChg chg="add del mod">
+          <ac:chgData name="Leandro Daniel" userId="682bb4abc622d264" providerId="LiveId" clId="{7BA9A1FE-DBFD-4F2E-9BE2-09098A8CCE86}" dt="2020-05-24T17:50:49.573" v="231" actId="478"/>
+          <ac:picMkLst>
+            <pc:docMk/>
+            <pc:sldMasterMk cId="1038931235" sldId="2147483652"/>
+            <ac:picMk id="15" creationId="{B6166A5D-18F4-4ACF-BDE4-6B12EC03EB40}"/>
+          </ac:picMkLst>
+        </pc:picChg>
+        <pc:picChg chg="add del mod">
+          <ac:chgData name="Leandro Daniel" userId="682bb4abc622d264" providerId="LiveId" clId="{7BA9A1FE-DBFD-4F2E-9BE2-09098A8CCE86}" dt="2020-05-24T17:51:36.220" v="237" actId="478"/>
+          <ac:picMkLst>
+            <pc:docMk/>
+            <pc:sldMasterMk cId="1038931235" sldId="2147483652"/>
+            <ac:picMk id="16" creationId="{8D2A91A4-EB37-4A51-9E95-64EA1AC214FA}"/>
+          </ac:picMkLst>
+        </pc:picChg>
+        <pc:picChg chg="add mod">
+          <ac:chgData name="Leandro Daniel" userId="682bb4abc622d264" providerId="LiveId" clId="{7BA9A1FE-DBFD-4F2E-9BE2-09098A8CCE86}" dt="2020-05-24T17:51:36.515" v="238"/>
+          <ac:picMkLst>
+            <pc:docMk/>
+            <pc:sldMasterMk cId="1038931235" sldId="2147483652"/>
+            <ac:picMk id="17" creationId="{26D5B9F7-D9B8-4552-A8E2-279C065ACFE9}"/>
+          </ac:picMkLst>
+        </pc:picChg>
+      </pc:sldMasterChg>
+      <pc:sldMasterChg chg="addSp delSp modSp mod">
+        <pc:chgData name="Leandro Daniel" userId="682bb4abc622d264" providerId="LiveId" clId="{7BA9A1FE-DBFD-4F2E-9BE2-09098A8CCE86}" dt="2020-05-24T17:48:57.332" v="217" actId="207"/>
+        <pc:sldMasterMkLst>
+          <pc:docMk/>
+          <pc:sldMasterMk cId="1143214059" sldId="2147483654"/>
+        </pc:sldMasterMkLst>
+        <pc:spChg chg="del">
+          <ac:chgData name="Leandro Daniel" userId="682bb4abc622d264" providerId="LiveId" clId="{7BA9A1FE-DBFD-4F2E-9BE2-09098A8CCE86}" dt="2020-05-24T17:40:49.943" v="209" actId="478"/>
+          <ac:spMkLst>
+            <pc:docMk/>
+            <pc:sldMasterMk cId="1143214059" sldId="2147483654"/>
+            <ac:spMk id="2" creationId="{5334EC60-A39B-4E05-8C93-2BCD38586D66}"/>
+          </ac:spMkLst>
+        </pc:spChg>
+        <pc:spChg chg="add mod">
+          <ac:chgData name="Leandro Daniel" userId="682bb4abc622d264" providerId="LiveId" clId="{7BA9A1FE-DBFD-4F2E-9BE2-09098A8CCE86}" dt="2020-05-24T17:48:57.332" v="217" actId="207"/>
+          <ac:spMkLst>
+            <pc:docMk/>
+            <pc:sldMasterMk cId="1143214059" sldId="2147483654"/>
+            <ac:spMk id="14" creationId="{57F11C7B-FB85-4F49-A153-80D627D395DD}"/>
+          </ac:spMkLst>
+        </pc:spChg>
+        <pc:picChg chg="del">
+          <ac:chgData name="Leandro Daniel" userId="682bb4abc622d264" providerId="LiveId" clId="{7BA9A1FE-DBFD-4F2E-9BE2-09098A8CCE86}" dt="2020-05-24T17:40:52.132" v="210" actId="478"/>
+          <ac:picMkLst>
+            <pc:docMk/>
+            <pc:sldMasterMk cId="1143214059" sldId="2147483654"/>
+            <ac:picMk id="7" creationId="{8BDF2FFB-F417-424D-8A6F-8E1438CBFB25}"/>
+          </ac:picMkLst>
+        </pc:picChg>
+      </pc:sldMasterChg>
+    </pc:docChg>
+  </pc:docChgLst>
+  <pc:docChgLst>
+    <pc:chgData name="Leandro Daniel" userId="682bb4abc622d264" providerId="LiveId" clId="{0C927506-5143-4A7D-B285-178AAC9CF657}"/>
+    <pc:docChg chg="undo custSel addSld modSld">
+      <pc:chgData name="Leandro Daniel" userId="682bb4abc622d264" providerId="LiveId" clId="{0C927506-5143-4A7D-B285-178AAC9CF657}" dt="2020-05-24T21:23:35.887" v="2500" actId="478"/>
+      <pc:docMkLst>
+        <pc:docMk/>
+      </pc:docMkLst>
+      <pc:sldChg chg="addSp modSp mod">
+        <pc:chgData name="Leandro Daniel" userId="682bb4abc622d264" providerId="LiveId" clId="{0C927506-5143-4A7D-B285-178AAC9CF657}" dt="2020-05-24T20:06:37.345" v="1071" actId="20577"/>
+        <pc:sldMkLst>
+          <pc:docMk/>
+          <pc:sldMk cId="351260889" sldId="346"/>
+        </pc:sldMkLst>
+        <pc:spChg chg="mod">
+          <ac:chgData name="Leandro Daniel" userId="682bb4abc622d264" providerId="LiveId" clId="{0C927506-5143-4A7D-B285-178AAC9CF657}" dt="2020-05-24T20:06:37.345" v="1071" actId="20577"/>
+          <ac:spMkLst>
+            <pc:docMk/>
+            <pc:sldMk cId="351260889" sldId="346"/>
+            <ac:spMk id="6" creationId="{D5F67441-A755-4247-851C-41974715F282}"/>
+          </ac:spMkLst>
+        </pc:spChg>
+        <pc:spChg chg="add mod">
+          <ac:chgData name="Leandro Daniel" userId="682bb4abc622d264" providerId="LiveId" clId="{0C927506-5143-4A7D-B285-178AAC9CF657}" dt="2020-05-24T19:13:55.199" v="610" actId="20577"/>
+          <ac:spMkLst>
+            <pc:docMk/>
+            <pc:sldMk cId="351260889" sldId="346"/>
+            <ac:spMk id="7" creationId="{F98E677B-3EA7-49FD-AAB2-91F960419DAB}"/>
+          </ac:spMkLst>
+        </pc:spChg>
+      </pc:sldChg>
+      <pc:sldChg chg="modSp mod">
+        <pc:chgData name="Leandro Daniel" userId="682bb4abc622d264" providerId="LiveId" clId="{0C927506-5143-4A7D-B285-178AAC9CF657}" dt="2020-05-24T21:22:37.469" v="2498" actId="122"/>
+        <pc:sldMkLst>
+          <pc:docMk/>
+          <pc:sldMk cId="679871842" sldId="351"/>
+        </pc:sldMkLst>
+        <pc:spChg chg="mod">
+          <ac:chgData name="Leandro Daniel" userId="682bb4abc622d264" providerId="LiveId" clId="{0C927506-5143-4A7D-B285-178AAC9CF657}" dt="2020-05-24T21:22:37.469" v="2498" actId="122"/>
+          <ac:spMkLst>
+            <pc:docMk/>
+            <pc:sldMk cId="679871842" sldId="351"/>
+            <ac:spMk id="2" creationId="{70F687BA-32A2-41BC-B72A-F28209A7F473}"/>
+          </ac:spMkLst>
+        </pc:spChg>
+        <pc:spChg chg="mod">
+          <ac:chgData name="Leandro Daniel" userId="682bb4abc622d264" providerId="LiveId" clId="{0C927506-5143-4A7D-B285-178AAC9CF657}" dt="2020-05-24T20:52:34.557" v="2351" actId="207"/>
+          <ac:spMkLst>
+            <pc:docMk/>
+            <pc:sldMk cId="679871842" sldId="351"/>
+            <ac:spMk id="3" creationId="{94B768D7-96B0-41DF-9630-0D308384D261}"/>
+          </ac:spMkLst>
+        </pc:spChg>
+      </pc:sldChg>
+      <pc:sldChg chg="addSp delSp modSp add mod">
+        <pc:chgData name="Leandro Daniel" userId="682bb4abc622d264" providerId="LiveId" clId="{0C927506-5143-4A7D-B285-178AAC9CF657}" dt="2020-05-24T20:59:51.439" v="2353" actId="1076"/>
+        <pc:sldMkLst>
+          <pc:docMk/>
+          <pc:sldMk cId="3921174963" sldId="371"/>
+        </pc:sldMkLst>
         <pc:spChg chg="del mod">
-          <ac:chgData name="A57566093@fgv.edu.br" userId="1bb9ad80-ff55-479f-acd6-204a7fcb2663" providerId="ADAL" clId="{6EAA8C06-7F8D-43F2-902E-F978E52A88FA}" dt="2020-05-30T16:06:13.539" v="768" actId="478"/>
-          <ac:spMkLst>
-            <pc:docMk/>
-            <pc:sldMk cId="1275928961" sldId="372"/>
-            <ac:spMk id="56" creationId="{01C930DE-9C06-4A8C-BD93-B5D51CC5261A}"/>
-          </ac:spMkLst>
-        </pc:spChg>
-        <pc:spChg chg="del mod">
-          <ac:chgData name="A57566093@fgv.edu.br" userId="1bb9ad80-ff55-479f-acd6-204a7fcb2663" providerId="ADAL" clId="{6EAA8C06-7F8D-43F2-902E-F978E52A88FA}" dt="2020-05-30T17:10:18.334" v="1086" actId="478"/>
-          <ac:spMkLst>
-            <pc:docMk/>
-            <pc:sldMk cId="1275928961" sldId="372"/>
-            <ac:spMk id="60" creationId="{FD3C8DAB-117F-4C2A-8FC2-D09FD1E0AFCD}"/>
-          </ac:spMkLst>
-        </pc:spChg>
-        <pc:spChg chg="del mod">
-          <ac:chgData name="A57566093@fgv.edu.br" userId="1bb9ad80-ff55-479f-acd6-204a7fcb2663" providerId="ADAL" clId="{6EAA8C06-7F8D-43F2-902E-F978E52A88FA}" dt="2020-05-30T17:12:30.238" v="1091" actId="478"/>
-          <ac:spMkLst>
-            <pc:docMk/>
-            <pc:sldMk cId="1275928961" sldId="372"/>
-            <ac:spMk id="64" creationId="{AB05B829-23D6-4862-9111-F2448FEC0E6F}"/>
-          </ac:spMkLst>
-        </pc:spChg>
-        <pc:spChg chg="mod">
-          <ac:chgData name="A57566093@fgv.edu.br" userId="1bb9ad80-ff55-479f-acd6-204a7fcb2663" providerId="ADAL" clId="{6EAA8C06-7F8D-43F2-902E-F978E52A88FA}" dt="2020-05-30T17:56:42.628" v="1996" actId="1035"/>
-          <ac:spMkLst>
-            <pc:docMk/>
-            <pc:sldMk cId="1275928961" sldId="372"/>
-            <ac:spMk id="65" creationId="{6117BEC9-29C4-4049-B244-911DB9C24AC0}"/>
-          </ac:spMkLst>
-        </pc:spChg>
-        <pc:spChg chg="mod">
-          <ac:chgData name="A57566093@fgv.edu.br" userId="1bb9ad80-ff55-479f-acd6-204a7fcb2663" providerId="ADAL" clId="{6EAA8C06-7F8D-43F2-902E-F978E52A88FA}" dt="2020-05-30T17:56:42.628" v="1996" actId="1035"/>
-          <ac:spMkLst>
-            <pc:docMk/>
-            <pc:sldMk cId="1275928961" sldId="372"/>
-            <ac:spMk id="66" creationId="{8F316673-FBED-43E5-8AEF-DD23341CC9C0}"/>
-          </ac:spMkLst>
-        </pc:spChg>
-        <pc:spChg chg="mod">
-          <ac:chgData name="A57566093@fgv.edu.br" userId="1bb9ad80-ff55-479f-acd6-204a7fcb2663" providerId="ADAL" clId="{6EAA8C06-7F8D-43F2-902E-F978E52A88FA}" dt="2020-05-30T17:56:42.628" v="1996" actId="1035"/>
-          <ac:spMkLst>
-            <pc:docMk/>
-            <pc:sldMk cId="1275928961" sldId="372"/>
-            <ac:spMk id="67" creationId="{D6EB025E-AC31-4A25-B8D1-3A3C813EF7B2}"/>
-          </ac:spMkLst>
-        </pc:spChg>
-        <pc:spChg chg="mod">
-          <ac:chgData name="A57566093@fgv.edu.br" userId="1bb9ad80-ff55-479f-acd6-204a7fcb2663" providerId="ADAL" clId="{6EAA8C06-7F8D-43F2-902E-F978E52A88FA}" dt="2020-05-30T17:56:42.628" v="1996" actId="1035"/>
-          <ac:spMkLst>
-            <pc:docMk/>
-            <pc:sldMk cId="1275928961" sldId="372"/>
-            <ac:spMk id="68" creationId="{735EC6FA-99C0-4A93-AE17-F8DFC76F6DFE}"/>
-          </ac:spMkLst>
-        </pc:spChg>
-        <pc:spChg chg="del mod">
-          <ac:chgData name="A57566093@fgv.edu.br" userId="1bb9ad80-ff55-479f-acd6-204a7fcb2663" providerId="ADAL" clId="{6EAA8C06-7F8D-43F2-902E-F978E52A88FA}" dt="2020-05-30T17:15:46.044" v="1129" actId="478"/>
-          <ac:spMkLst>
-            <pc:docMk/>
-            <pc:sldMk cId="1275928961" sldId="372"/>
-            <ac:spMk id="69" creationId="{8A939DE8-6B04-446F-982B-0EDCD866CE79}"/>
-          </ac:spMkLst>
-        </pc:spChg>
-        <pc:spChg chg="mod">
-          <ac:chgData name="A57566093@fgv.edu.br" userId="1bb9ad80-ff55-479f-acd6-204a7fcb2663" providerId="ADAL" clId="{6EAA8C06-7F8D-43F2-902E-F978E52A88FA}" dt="2020-05-30T17:56:42.628" v="1996" actId="1035"/>
-          <ac:spMkLst>
-            <pc:docMk/>
-            <pc:sldMk cId="1275928961" sldId="372"/>
-            <ac:spMk id="70" creationId="{6B320405-02EC-4767-8ED6-4A2AE162A3FB}"/>
-          </ac:spMkLst>
-        </pc:spChg>
-        <pc:spChg chg="mod">
-          <ac:chgData name="A57566093@fgv.edu.br" userId="1bb9ad80-ff55-479f-acd6-204a7fcb2663" providerId="ADAL" clId="{6EAA8C06-7F8D-43F2-902E-F978E52A88FA}" dt="2020-05-30T17:56:42.628" v="1996" actId="1035"/>
-          <ac:spMkLst>
-            <pc:docMk/>
-            <pc:sldMk cId="1275928961" sldId="372"/>
-            <ac:spMk id="71" creationId="{0E33FDFF-2867-4A95-8839-5EF2FA67F378}"/>
-          </ac:spMkLst>
-        </pc:spChg>
-        <pc:spChg chg="mod">
-          <ac:chgData name="A57566093@fgv.edu.br" userId="1bb9ad80-ff55-479f-acd6-204a7fcb2663" providerId="ADAL" clId="{6EAA8C06-7F8D-43F2-902E-F978E52A88FA}" dt="2020-05-30T17:56:42.628" v="1996" actId="1035"/>
-          <ac:spMkLst>
-            <pc:docMk/>
-            <pc:sldMk cId="1275928961" sldId="372"/>
-            <ac:spMk id="72" creationId="{152F9426-A438-445A-BF25-38AC382E4962}"/>
-          </ac:spMkLst>
-        </pc:spChg>
-        <pc:spChg chg="del mod">
-          <ac:chgData name="A57566093@fgv.edu.br" userId="1bb9ad80-ff55-479f-acd6-204a7fcb2663" providerId="ADAL" clId="{6EAA8C06-7F8D-43F2-902E-F978E52A88FA}" dt="2020-05-30T17:15:46.884" v="1130" actId="478"/>
-          <ac:spMkLst>
-            <pc:docMk/>
-            <pc:sldMk cId="1275928961" sldId="372"/>
-            <ac:spMk id="73" creationId="{E577E1D4-D9C2-4277-950B-35D18058F087}"/>
-          </ac:spMkLst>
-        </pc:spChg>
-        <pc:spChg chg="mod">
-          <ac:chgData name="A57566093@fgv.edu.br" userId="1bb9ad80-ff55-479f-acd6-204a7fcb2663" providerId="ADAL" clId="{6EAA8C06-7F8D-43F2-902E-F978E52A88FA}" dt="2020-05-30T17:56:42.628" v="1996" actId="1035"/>
-          <ac:spMkLst>
-            <pc:docMk/>
-            <pc:sldMk cId="1275928961" sldId="372"/>
-            <ac:spMk id="74" creationId="{9FC2E4E1-9B95-4A3A-BF09-6C20E6E44089}"/>
-          </ac:spMkLst>
-        </pc:spChg>
-        <pc:spChg chg="mod">
-          <ac:chgData name="A57566093@fgv.edu.br" userId="1bb9ad80-ff55-479f-acd6-204a7fcb2663" providerId="ADAL" clId="{6EAA8C06-7F8D-43F2-902E-F978E52A88FA}" dt="2020-05-30T17:56:42.628" v="1996" actId="1035"/>
-          <ac:spMkLst>
-            <pc:docMk/>
-            <pc:sldMk cId="1275928961" sldId="372"/>
-            <ac:spMk id="75" creationId="{66C61559-E7F2-4E0E-83CC-EB1BEB8FAA7D}"/>
-          </ac:spMkLst>
-        </pc:spChg>
-        <pc:spChg chg="mod">
-          <ac:chgData name="A57566093@fgv.edu.br" userId="1bb9ad80-ff55-479f-acd6-204a7fcb2663" providerId="ADAL" clId="{6EAA8C06-7F8D-43F2-902E-F978E52A88FA}" dt="2020-05-30T17:56:42.628" v="1996" actId="1035"/>
-          <ac:spMkLst>
-            <pc:docMk/>
-            <pc:sldMk cId="1275928961" sldId="372"/>
-            <ac:spMk id="76" creationId="{17962853-B4C8-4B89-95F1-7BF905A4DD5A}"/>
-          </ac:spMkLst>
-        </pc:spChg>
-        <pc:spChg chg="del mod">
-          <ac:chgData name="A57566093@fgv.edu.br" userId="1bb9ad80-ff55-479f-acd6-204a7fcb2663" providerId="ADAL" clId="{6EAA8C06-7F8D-43F2-902E-F978E52A88FA}" dt="2020-05-30T17:15:48.048" v="1131" actId="478"/>
-          <ac:spMkLst>
-            <pc:docMk/>
-            <pc:sldMk cId="1275928961" sldId="372"/>
-            <ac:spMk id="77" creationId="{9E5C8CFE-1FB4-48D5-A910-F31A4C0B4882}"/>
-          </ac:spMkLst>
-        </pc:spChg>
-        <pc:spChg chg="mod">
-          <ac:chgData name="A57566093@fgv.edu.br" userId="1bb9ad80-ff55-479f-acd6-204a7fcb2663" providerId="ADAL" clId="{6EAA8C06-7F8D-43F2-902E-F978E52A88FA}" dt="2020-05-30T17:56:42.628" v="1996" actId="1035"/>
-          <ac:spMkLst>
-            <pc:docMk/>
-            <pc:sldMk cId="1275928961" sldId="372"/>
-            <ac:spMk id="78" creationId="{516E0C74-4ABC-487B-A9A6-84B8BD2CFE45}"/>
-          </ac:spMkLst>
-        </pc:spChg>
-        <pc:spChg chg="mod">
-          <ac:chgData name="A57566093@fgv.edu.br" userId="1bb9ad80-ff55-479f-acd6-204a7fcb2663" providerId="ADAL" clId="{6EAA8C06-7F8D-43F2-902E-F978E52A88FA}" dt="2020-05-30T17:56:42.628" v="1996" actId="1035"/>
-          <ac:spMkLst>
-            <pc:docMk/>
-            <pc:sldMk cId="1275928961" sldId="372"/>
-            <ac:spMk id="79" creationId="{AF4C6CDE-FC41-4C7D-9A34-6ACB60C05083}"/>
-          </ac:spMkLst>
-        </pc:spChg>
-        <pc:spChg chg="mod">
-          <ac:chgData name="A57566093@fgv.edu.br" userId="1bb9ad80-ff55-479f-acd6-204a7fcb2663" providerId="ADAL" clId="{6EAA8C06-7F8D-43F2-902E-F978E52A88FA}" dt="2020-05-30T17:56:42.628" v="1996" actId="1035"/>
-          <ac:spMkLst>
-            <pc:docMk/>
-            <pc:sldMk cId="1275928961" sldId="372"/>
-            <ac:spMk id="80" creationId="{3ABF7C65-9D4E-430D-B632-6034C3D040A5}"/>
-          </ac:spMkLst>
-        </pc:spChg>
-        <pc:spChg chg="del mod">
-          <ac:chgData name="A57566093@fgv.edu.br" userId="1bb9ad80-ff55-479f-acd6-204a7fcb2663" providerId="ADAL" clId="{6EAA8C06-7F8D-43F2-902E-F978E52A88FA}" dt="2020-05-30T17:15:48.997" v="1132" actId="478"/>
-          <ac:spMkLst>
-            <pc:docMk/>
-            <pc:sldMk cId="1275928961" sldId="372"/>
-            <ac:spMk id="81" creationId="{646DA2B6-B23A-4B4A-B2D5-BF5B630F4AA1}"/>
-          </ac:spMkLst>
-        </pc:spChg>
-        <pc:spChg chg="mod">
-          <ac:chgData name="A57566093@fgv.edu.br" userId="1bb9ad80-ff55-479f-acd6-204a7fcb2663" providerId="ADAL" clId="{6EAA8C06-7F8D-43F2-902E-F978E52A88FA}" dt="2020-05-30T17:56:42.628" v="1996" actId="1035"/>
-          <ac:spMkLst>
-            <pc:docMk/>
-            <pc:sldMk cId="1275928961" sldId="372"/>
-            <ac:spMk id="82" creationId="{812F77D9-757B-41CC-A681-C64ED82BD50D}"/>
-          </ac:spMkLst>
-        </pc:spChg>
-        <pc:spChg chg="mod topLvl">
-          <ac:chgData name="A57566093@fgv.edu.br" userId="1bb9ad80-ff55-479f-acd6-204a7fcb2663" providerId="ADAL" clId="{6EAA8C06-7F8D-43F2-902E-F978E52A88FA}" dt="2020-05-30T17:56:42.628" v="1996" actId="1035"/>
-          <ac:spMkLst>
-            <pc:docMk/>
-            <pc:sldMk cId="1275928961" sldId="372"/>
-            <ac:spMk id="86" creationId="{1AEC6ECF-0C27-451B-AC63-12BACD6273BD}"/>
-          </ac:spMkLst>
-        </pc:spChg>
-        <pc:spChg chg="mod ord topLvl">
-          <ac:chgData name="A57566093@fgv.edu.br" userId="1bb9ad80-ff55-479f-acd6-204a7fcb2663" providerId="ADAL" clId="{6EAA8C06-7F8D-43F2-902E-F978E52A88FA}" dt="2020-05-30T17:56:42.628" v="1996" actId="1035"/>
-          <ac:spMkLst>
-            <pc:docMk/>
-            <pc:sldMk cId="1275928961" sldId="372"/>
-            <ac:spMk id="98" creationId="{0AB91B6E-EBE3-4DA5-8761-287504DDCA75}"/>
-          </ac:spMkLst>
-        </pc:spChg>
-        <pc:spChg chg="mod topLvl">
-          <ac:chgData name="A57566093@fgv.edu.br" userId="1bb9ad80-ff55-479f-acd6-204a7fcb2663" providerId="ADAL" clId="{6EAA8C06-7F8D-43F2-902E-F978E52A88FA}" dt="2020-05-30T17:56:42.628" v="1996" actId="1035"/>
-          <ac:spMkLst>
-            <pc:docMk/>
-            <pc:sldMk cId="1275928961" sldId="372"/>
-            <ac:spMk id="101" creationId="{058871C4-6BF6-4AA4-A64E-B588205948A7}"/>
-          </ac:spMkLst>
-        </pc:spChg>
-        <pc:spChg chg="mod topLvl">
-          <ac:chgData name="A57566093@fgv.edu.br" userId="1bb9ad80-ff55-479f-acd6-204a7fcb2663" providerId="ADAL" clId="{6EAA8C06-7F8D-43F2-902E-F978E52A88FA}" dt="2020-05-30T17:56:42.628" v="1996" actId="1035"/>
-          <ac:spMkLst>
-            <pc:docMk/>
-            <pc:sldMk cId="1275928961" sldId="372"/>
-            <ac:spMk id="104" creationId="{EBEB97F3-6B7B-4B88-A096-DAE1916BDAAC}"/>
-          </ac:spMkLst>
-        </pc:spChg>
-        <pc:spChg chg="mod topLvl">
-          <ac:chgData name="A57566093@fgv.edu.br" userId="1bb9ad80-ff55-479f-acd6-204a7fcb2663" providerId="ADAL" clId="{6EAA8C06-7F8D-43F2-902E-F978E52A88FA}" dt="2020-05-30T17:56:42.628" v="1996" actId="1035"/>
-          <ac:spMkLst>
-            <pc:docMk/>
-            <pc:sldMk cId="1275928961" sldId="372"/>
-            <ac:spMk id="107" creationId="{7E6F721C-66BD-4EBD-80CA-98AA8720ECB2}"/>
-          </ac:spMkLst>
-        </pc:spChg>
-        <pc:spChg chg="mod topLvl">
-          <ac:chgData name="A57566093@fgv.edu.br" userId="1bb9ad80-ff55-479f-acd6-204a7fcb2663" providerId="ADAL" clId="{6EAA8C06-7F8D-43F2-902E-F978E52A88FA}" dt="2020-05-30T17:56:42.628" v="1996" actId="1035"/>
-          <ac:spMkLst>
-            <pc:docMk/>
-            <pc:sldMk cId="1275928961" sldId="372"/>
-            <ac:spMk id="113" creationId="{D3580611-CEF8-4754-BF62-848293D3247D}"/>
-          </ac:spMkLst>
-        </pc:spChg>
-        <pc:spChg chg="mod topLvl">
-          <ac:chgData name="A57566093@fgv.edu.br" userId="1bb9ad80-ff55-479f-acd6-204a7fcb2663" providerId="ADAL" clId="{6EAA8C06-7F8D-43F2-902E-F978E52A88FA}" dt="2020-05-30T17:56:42.628" v="1996" actId="1035"/>
-          <ac:spMkLst>
-            <pc:docMk/>
-            <pc:sldMk cId="1275928961" sldId="372"/>
-            <ac:spMk id="116" creationId="{9DDEC0B5-D125-464A-9615-269DDD5588FC}"/>
-          </ac:spMkLst>
-        </pc:spChg>
-        <pc:spChg chg="mod ord topLvl">
-          <ac:chgData name="A57566093@fgv.edu.br" userId="1bb9ad80-ff55-479f-acd6-204a7fcb2663" providerId="ADAL" clId="{6EAA8C06-7F8D-43F2-902E-F978E52A88FA}" dt="2020-05-30T17:56:42.628" v="1996" actId="1035"/>
-          <ac:spMkLst>
-            <pc:docMk/>
-            <pc:sldMk cId="1275928961" sldId="372"/>
-            <ac:spMk id="119" creationId="{A97CD634-7EF8-44B7-A700-2AA0B596D495}"/>
-          </ac:spMkLst>
-        </pc:spChg>
-        <pc:spChg chg="mod topLvl">
-          <ac:chgData name="A57566093@fgv.edu.br" userId="1bb9ad80-ff55-479f-acd6-204a7fcb2663" providerId="ADAL" clId="{6EAA8C06-7F8D-43F2-902E-F978E52A88FA}" dt="2020-05-30T17:56:42.628" v="1996" actId="1035"/>
-          <ac:spMkLst>
-            <pc:docMk/>
-            <pc:sldMk cId="1275928961" sldId="372"/>
-            <ac:spMk id="122" creationId="{8A3D1205-79D5-4CFC-B6AC-4415A304CFFD}"/>
-          </ac:spMkLst>
-        </pc:spChg>
-        <pc:spChg chg="mod">
-          <ac:chgData name="A57566093@fgv.edu.br" userId="1bb9ad80-ff55-479f-acd6-204a7fcb2663" providerId="ADAL" clId="{6EAA8C06-7F8D-43F2-902E-F978E52A88FA}" dt="2020-05-30T17:56:42.628" v="1996" actId="1035"/>
-          <ac:spMkLst>
-            <pc:docMk/>
-            <pc:sldMk cId="1275928961" sldId="372"/>
-            <ac:spMk id="123" creationId="{7D9BCB58-5C55-4D8D-93C5-F0FBADBEC4D2}"/>
-          </ac:spMkLst>
-        </pc:spChg>
-        <pc:spChg chg="mod">
-          <ac:chgData name="A57566093@fgv.edu.br" userId="1bb9ad80-ff55-479f-acd6-204a7fcb2663" providerId="ADAL" clId="{6EAA8C06-7F8D-43F2-902E-F978E52A88FA}" dt="2020-05-30T17:56:42.628" v="1996" actId="1035"/>
-          <ac:spMkLst>
-            <pc:docMk/>
-            <pc:sldMk cId="1275928961" sldId="372"/>
-            <ac:spMk id="124" creationId="{CE42AB43-6BF3-41F5-9C4E-D0A9AF81D796}"/>
-          </ac:spMkLst>
-        </pc:spChg>
-        <pc:spChg chg="mod">
-          <ac:chgData name="A57566093@fgv.edu.br" userId="1bb9ad80-ff55-479f-acd6-204a7fcb2663" providerId="ADAL" clId="{6EAA8C06-7F8D-43F2-902E-F978E52A88FA}" dt="2020-05-30T17:56:42.628" v="1996" actId="1035"/>
-          <ac:spMkLst>
-            <pc:docMk/>
-            <pc:sldMk cId="1275928961" sldId="372"/>
-            <ac:spMk id="125" creationId="{F97F9173-C9ED-416F-8569-2E32A0AE76FC}"/>
-          </ac:spMkLst>
-        </pc:spChg>
-        <pc:spChg chg="mod">
-          <ac:chgData name="A57566093@fgv.edu.br" userId="1bb9ad80-ff55-479f-acd6-204a7fcb2663" providerId="ADAL" clId="{6EAA8C06-7F8D-43F2-902E-F978E52A88FA}" dt="2020-05-30T17:56:42.628" v="1996" actId="1035"/>
-          <ac:spMkLst>
-            <pc:docMk/>
-            <pc:sldMk cId="1275928961" sldId="372"/>
-            <ac:spMk id="126" creationId="{6C30A25B-8A3C-4C3E-B7A9-CF223180C05A}"/>
-          </ac:spMkLst>
-        </pc:spChg>
-        <pc:spChg chg="mod">
-          <ac:chgData name="A57566093@fgv.edu.br" userId="1bb9ad80-ff55-479f-acd6-204a7fcb2663" providerId="ADAL" clId="{6EAA8C06-7F8D-43F2-902E-F978E52A88FA}" dt="2020-05-30T17:56:42.628" v="1996" actId="1035"/>
-          <ac:spMkLst>
-            <pc:docMk/>
-            <pc:sldMk cId="1275928961" sldId="372"/>
-            <ac:spMk id="127" creationId="{FABB6E0A-CCC2-4AD7-A0AF-7CD3984124A1}"/>
-          </ac:spMkLst>
-        </pc:spChg>
-        <pc:spChg chg="mod">
-          <ac:chgData name="A57566093@fgv.edu.br" userId="1bb9ad80-ff55-479f-acd6-204a7fcb2663" providerId="ADAL" clId="{6EAA8C06-7F8D-43F2-902E-F978E52A88FA}" dt="2020-05-30T17:59:37.734" v="2018" actId="20577"/>
-          <ac:spMkLst>
-            <pc:docMk/>
-            <pc:sldMk cId="1275928961" sldId="372"/>
-            <ac:spMk id="128" creationId="{92688E06-F987-40CF-8540-4268639286BA}"/>
-          </ac:spMkLst>
-        </pc:spChg>
-        <pc:spChg chg="mod">
-          <ac:chgData name="A57566093@fgv.edu.br" userId="1bb9ad80-ff55-479f-acd6-204a7fcb2663" providerId="ADAL" clId="{6EAA8C06-7F8D-43F2-902E-F978E52A88FA}" dt="2020-05-30T17:56:42.628" v="1996" actId="1035"/>
-          <ac:spMkLst>
-            <pc:docMk/>
-            <pc:sldMk cId="1275928961" sldId="372"/>
-            <ac:spMk id="129" creationId="{1A0E9EB0-A93E-4A0F-9159-A3178E3C8952}"/>
-          </ac:spMkLst>
-        </pc:spChg>
-        <pc:spChg chg="mod">
-          <ac:chgData name="A57566093@fgv.edu.br" userId="1bb9ad80-ff55-479f-acd6-204a7fcb2663" providerId="ADAL" clId="{6EAA8C06-7F8D-43F2-902E-F978E52A88FA}" dt="2020-05-30T17:56:42.628" v="1996" actId="1035"/>
-          <ac:spMkLst>
-            <pc:docMk/>
-            <pc:sldMk cId="1275928961" sldId="372"/>
-            <ac:spMk id="130" creationId="{969455D6-4BF0-4A0F-B7D6-23541D50CFF1}"/>
-          </ac:spMkLst>
-        </pc:spChg>
-        <pc:spChg chg="mod">
-          <ac:chgData name="A57566093@fgv.edu.br" userId="1bb9ad80-ff55-479f-acd6-204a7fcb2663" providerId="ADAL" clId="{6EAA8C06-7F8D-43F2-902E-F978E52A88FA}" dt="2020-05-30T17:56:42.628" v="1996" actId="1035"/>
-          <ac:spMkLst>
-            <pc:docMk/>
-            <pc:sldMk cId="1275928961" sldId="372"/>
-            <ac:spMk id="131" creationId="{7CB07761-F4B3-4D53-AEC9-B31C26E03C9E}"/>
-          </ac:spMkLst>
-        </pc:spChg>
-        <pc:spChg chg="mod">
-          <ac:chgData name="A57566093@fgv.edu.br" userId="1bb9ad80-ff55-479f-acd6-204a7fcb2663" providerId="ADAL" clId="{6EAA8C06-7F8D-43F2-902E-F978E52A88FA}" dt="2020-05-30T17:56:42.628" v="1996" actId="1035"/>
-          <ac:spMkLst>
-            <pc:docMk/>
-            <pc:sldMk cId="1275928961" sldId="372"/>
-            <ac:spMk id="132" creationId="{EEAC9399-E202-4C04-99D3-A6B56D3DE0C5}"/>
-          </ac:spMkLst>
-        </pc:spChg>
-        <pc:spChg chg="mod">
-          <ac:chgData name="A57566093@fgv.edu.br" userId="1bb9ad80-ff55-479f-acd6-204a7fcb2663" providerId="ADAL" clId="{6EAA8C06-7F8D-43F2-902E-F978E52A88FA}" dt="2020-05-30T17:56:42.628" v="1996" actId="1035"/>
-          <ac:spMkLst>
-            <pc:docMk/>
-            <pc:sldMk cId="1275928961" sldId="372"/>
-            <ac:spMk id="133" creationId="{3A33CC4D-D74B-4740-A182-2BF2D1190599}"/>
-          </ac:spMkLst>
-        </pc:spChg>
-        <pc:spChg chg="mod">
-          <ac:chgData name="A57566093@fgv.edu.br" userId="1bb9ad80-ff55-479f-acd6-204a7fcb2663" providerId="ADAL" clId="{6EAA8C06-7F8D-43F2-902E-F978E52A88FA}" dt="2020-05-30T17:56:42.628" v="1996" actId="1035"/>
-          <ac:spMkLst>
-            <pc:docMk/>
-            <pc:sldMk cId="1275928961" sldId="372"/>
-            <ac:spMk id="134" creationId="{15F0DA74-3C64-4143-BD54-DF90199C1D2E}"/>
-          </ac:spMkLst>
-        </pc:spChg>
-        <pc:spChg chg="mod">
-          <ac:chgData name="A57566093@fgv.edu.br" userId="1bb9ad80-ff55-479f-acd6-204a7fcb2663" providerId="ADAL" clId="{6EAA8C06-7F8D-43F2-902E-F978E52A88FA}" dt="2020-05-30T17:59:15.093" v="2011" actId="20577"/>
-          <ac:spMkLst>
-            <pc:docMk/>
-            <pc:sldMk cId="1275928961" sldId="372"/>
-            <ac:spMk id="135" creationId="{19F6B6C0-A6F1-4495-B8E2-7CA957C41286}"/>
+          <ac:chgData name="Leandro Daniel" userId="682bb4abc622d264" providerId="LiveId" clId="{0C927506-5143-4A7D-B285-178AAC9CF657}" dt="2020-05-24T19:20:16.220" v="922" actId="21"/>
+          <ac:spMkLst>
+            <pc:docMk/>
+            <pc:sldMk cId="3921174963" sldId="371"/>
+            <ac:spMk id="6" creationId="{D5F67441-A755-4247-851C-41974715F282}"/>
+          </ac:spMkLst>
+        </pc:spChg>
+        <pc:spChg chg="add mod">
+          <ac:chgData name="Leandro Daniel" userId="682bb4abc622d264" providerId="LiveId" clId="{0C927506-5143-4A7D-B285-178AAC9CF657}" dt="2020-05-24T19:13:50.901" v="609" actId="20577"/>
+          <ac:spMkLst>
+            <pc:docMk/>
+            <pc:sldMk cId="3921174963" sldId="371"/>
+            <ac:spMk id="7" creationId="{6F061871-FDA0-491B-B84B-B5AB0970885B}"/>
           </ac:spMkLst>
         </pc:spChg>
         <pc:spChg chg="add del mod">
-          <ac:chgData name="A57566093@fgv.edu.br" userId="1bb9ad80-ff55-479f-acd6-204a7fcb2663" providerId="ADAL" clId="{6EAA8C06-7F8D-43F2-902E-F978E52A88FA}" dt="2020-05-30T17:15:27.794" v="1112" actId="478"/>
-          <ac:spMkLst>
-            <pc:docMk/>
-            <pc:sldMk cId="1275928961" sldId="372"/>
-            <ac:spMk id="136" creationId="{B4178B04-BDF7-401F-AB34-1862A572C7C8}"/>
+          <ac:chgData name="Leandro Daniel" userId="682bb4abc622d264" providerId="LiveId" clId="{0C927506-5143-4A7D-B285-178AAC9CF657}" dt="2020-05-24T19:20:16.220" v="922" actId="21"/>
+          <ac:spMkLst>
+            <pc:docMk/>
+            <pc:sldMk cId="3921174963" sldId="371"/>
+            <ac:spMk id="11" creationId="{1A672CB9-5A04-4176-9D9E-55D7A9EF3CE4}"/>
           </ac:spMkLst>
         </pc:spChg>
         <pc:spChg chg="add mod">
-          <ac:chgData name="A57566093@fgv.edu.br" userId="1bb9ad80-ff55-479f-acd6-204a7fcb2663" providerId="ADAL" clId="{6EAA8C06-7F8D-43F2-902E-F978E52A88FA}" dt="2020-05-30T17:56:42.628" v="1996" actId="1035"/>
-          <ac:spMkLst>
-            <pc:docMk/>
-            <pc:sldMk cId="1275928961" sldId="372"/>
-            <ac:spMk id="138" creationId="{883BA034-3CFF-4548-9ABB-E1C0C74E7C93}"/>
+          <ac:chgData name="Leandro Daniel" userId="682bb4abc622d264" providerId="LiveId" clId="{0C927506-5143-4A7D-B285-178AAC9CF657}" dt="2020-05-24T20:13:46.032" v="1207" actId="20577"/>
+          <ac:spMkLst>
+            <pc:docMk/>
+            <pc:sldMk cId="3921174963" sldId="371"/>
+            <ac:spMk id="14" creationId="{07CA8BF6-9A49-441F-836D-9072850A59D4}"/>
           </ac:spMkLst>
         </pc:spChg>
         <pc:spChg chg="add mod">
-          <ac:chgData name="A57566093@fgv.edu.br" userId="1bb9ad80-ff55-479f-acd6-204a7fcb2663" providerId="ADAL" clId="{6EAA8C06-7F8D-43F2-902E-F978E52A88FA}" dt="2020-05-30T18:05:21.598" v="2099"/>
-          <ac:spMkLst>
-            <pc:docMk/>
-            <pc:sldMk cId="1275928961" sldId="372"/>
-            <ac:spMk id="139" creationId="{11CA5B1E-2A64-4CC1-8D14-56CF4B944878}"/>
-          </ac:spMkLst>
-        </pc:spChg>
-        <pc:spChg chg="mod topLvl">
-          <ac:chgData name="A57566093@fgv.edu.br" userId="1bb9ad80-ff55-479f-acd6-204a7fcb2663" providerId="ADAL" clId="{6EAA8C06-7F8D-43F2-902E-F978E52A88FA}" dt="2020-05-30T17:56:42.628" v="1996" actId="1035"/>
-          <ac:spMkLst>
-            <pc:docMk/>
-            <pc:sldMk cId="1275928961" sldId="372"/>
-            <ac:spMk id="140" creationId="{607C9564-A9A0-4C19-8EAC-999D0EFFD7C9}"/>
-          </ac:spMkLst>
-        </pc:spChg>
-        <pc:spChg chg="add mod">
-          <ac:chgData name="A57566093@fgv.edu.br" userId="1bb9ad80-ff55-479f-acd6-204a7fcb2663" providerId="ADAL" clId="{6EAA8C06-7F8D-43F2-902E-F978E52A88FA}" dt="2020-05-30T18:05:31.403" v="2102" actId="20577"/>
-          <ac:spMkLst>
-            <pc:docMk/>
-            <pc:sldMk cId="1275928961" sldId="372"/>
-            <ac:spMk id="141" creationId="{66785AF6-978F-4F12-BD3B-A23E9D9412F1}"/>
-          </ac:spMkLst>
-        </pc:spChg>
-        <pc:spChg chg="add mod">
-          <ac:chgData name="A57566093@fgv.edu.br" userId="1bb9ad80-ff55-479f-acd6-204a7fcb2663" providerId="ADAL" clId="{6EAA8C06-7F8D-43F2-902E-F978E52A88FA}" dt="2020-05-30T18:05:12.034" v="2095"/>
-          <ac:spMkLst>
-            <pc:docMk/>
-            <pc:sldMk cId="1275928961" sldId="372"/>
-            <ac:spMk id="142" creationId="{1C7B873A-BDF7-49C0-B480-E2B18EEC0B7F}"/>
-          </ac:spMkLst>
-        </pc:spChg>
-        <pc:spChg chg="add mod">
-          <ac:chgData name="A57566093@fgv.edu.br" userId="1bb9ad80-ff55-479f-acd6-204a7fcb2663" providerId="ADAL" clId="{6EAA8C06-7F8D-43F2-902E-F978E52A88FA}" dt="2020-05-30T18:04:58.369" v="2091" actId="20577"/>
-          <ac:spMkLst>
-            <pc:docMk/>
-            <pc:sldMk cId="1275928961" sldId="372"/>
-            <ac:spMk id="143" creationId="{33666E9B-EB64-4015-980E-A41A7F25DE24}"/>
-          </ac:spMkLst>
-        </pc:spChg>
-        <pc:spChg chg="add mod">
-          <ac:chgData name="A57566093@fgv.edu.br" userId="1bb9ad80-ff55-479f-acd6-204a7fcb2663" providerId="ADAL" clId="{6EAA8C06-7F8D-43F2-902E-F978E52A88FA}" dt="2020-05-30T18:05:07.409" v="2094" actId="20577"/>
-          <ac:spMkLst>
-            <pc:docMk/>
-            <pc:sldMk cId="1275928961" sldId="372"/>
-            <ac:spMk id="144" creationId="{8CB7FC1A-8E60-4EED-8B1D-9A05E9117621}"/>
-          </ac:spMkLst>
-        </pc:spChg>
-        <pc:spChg chg="add mod">
-          <ac:chgData name="A57566093@fgv.edu.br" userId="1bb9ad80-ff55-479f-acd6-204a7fcb2663" providerId="ADAL" clId="{6EAA8C06-7F8D-43F2-902E-F978E52A88FA}" dt="2020-05-30T18:05:18.559" v="2098" actId="20577"/>
-          <ac:spMkLst>
-            <pc:docMk/>
-            <pc:sldMk cId="1275928961" sldId="372"/>
-            <ac:spMk id="145" creationId="{8A0DEF7D-8FCD-4543-AB0B-C6450C02E31F}"/>
-          </ac:spMkLst>
-        </pc:spChg>
-        <pc:spChg chg="add mod">
-          <ac:chgData name="A57566093@fgv.edu.br" userId="1bb9ad80-ff55-479f-acd6-204a7fcb2663" providerId="ADAL" clId="{6EAA8C06-7F8D-43F2-902E-F978E52A88FA}" dt="2020-05-30T18:05:38.272" v="2105" actId="20577"/>
-          <ac:spMkLst>
-            <pc:docMk/>
-            <pc:sldMk cId="1275928961" sldId="372"/>
-            <ac:spMk id="147" creationId="{AD667E69-0B55-42F4-9903-69330D706F80}"/>
-          </ac:spMkLst>
-        </pc:spChg>
-        <pc:spChg chg="add mod">
-          <ac:chgData name="A57566093@fgv.edu.br" userId="1bb9ad80-ff55-479f-acd6-204a7fcb2663" providerId="ADAL" clId="{6EAA8C06-7F8D-43F2-902E-F978E52A88FA}" dt="2020-05-30T18:05:42.829" v="2108" actId="20577"/>
-          <ac:spMkLst>
-            <pc:docMk/>
-            <pc:sldMk cId="1275928961" sldId="372"/>
-            <ac:spMk id="148" creationId="{B0B65378-071C-4A53-AD0B-EC390F3C2EA0}"/>
-          </ac:spMkLst>
-        </pc:spChg>
-        <pc:spChg chg="add mod">
-          <ac:chgData name="A57566093@fgv.edu.br" userId="1bb9ad80-ff55-479f-acd6-204a7fcb2663" providerId="ADAL" clId="{6EAA8C06-7F8D-43F2-902E-F978E52A88FA}" dt="2020-05-30T17:56:42.628" v="1996" actId="1035"/>
-          <ac:spMkLst>
-            <pc:docMk/>
-            <pc:sldMk cId="1275928961" sldId="372"/>
-            <ac:spMk id="149" creationId="{2855B1C8-F95F-4581-A7A9-2C83A127B926}"/>
-          </ac:spMkLst>
-        </pc:spChg>
-        <pc:spChg chg="add mod">
-          <ac:chgData name="A57566093@fgv.edu.br" userId="1bb9ad80-ff55-479f-acd6-204a7fcb2663" providerId="ADAL" clId="{6EAA8C06-7F8D-43F2-902E-F978E52A88FA}" dt="2020-05-30T18:05:49.074" v="2111" actId="20577"/>
-          <ac:spMkLst>
-            <pc:docMk/>
-            <pc:sldMk cId="1275928961" sldId="372"/>
-            <ac:spMk id="150" creationId="{5F5D66D8-AF9A-4908-8C30-FCBF866C9619}"/>
-          </ac:spMkLst>
-        </pc:spChg>
-        <pc:grpChg chg="add del mod">
-          <ac:chgData name="A57566093@fgv.edu.br" userId="1bb9ad80-ff55-479f-acd6-204a7fcb2663" providerId="ADAL" clId="{6EAA8C06-7F8D-43F2-902E-F978E52A88FA}" dt="2020-05-30T17:03:24.274" v="784" actId="165"/>
-          <ac:grpSpMkLst>
-            <pc:docMk/>
-            <pc:sldMk cId="1275928961" sldId="372"/>
-            <ac:grpSpMk id="84" creationId="{CE86F772-74FF-4732-91AB-F7660CAA0080}"/>
-          </ac:grpSpMkLst>
-        </pc:grpChg>
-        <pc:grpChg chg="del mod">
-          <ac:chgData name="A57566093@fgv.edu.br" userId="1bb9ad80-ff55-479f-acd6-204a7fcb2663" providerId="ADAL" clId="{6EAA8C06-7F8D-43F2-902E-F978E52A88FA}" dt="2020-05-30T15:52:41.374" v="337" actId="165"/>
-          <ac:grpSpMkLst>
-            <pc:docMk/>
-            <pc:sldMk cId="1275928961" sldId="372"/>
-            <ac:grpSpMk id="84" creationId="{D91536B1-6F35-4360-A678-306591A6CE20}"/>
-          </ac:grpSpMkLst>
-        </pc:grpChg>
-        <pc:grpChg chg="mod">
-          <ac:chgData name="A57566093@fgv.edu.br" userId="1bb9ad80-ff55-479f-acd6-204a7fcb2663" providerId="ADAL" clId="{6EAA8C06-7F8D-43F2-902E-F978E52A88FA}" dt="2020-05-30T17:56:42.628" v="1996" actId="1035"/>
-          <ac:grpSpMkLst>
-            <pc:docMk/>
-            <pc:sldMk cId="1275928961" sldId="372"/>
-            <ac:grpSpMk id="87" creationId="{A449242F-42DA-49A5-9682-FBDECB48F21C}"/>
-          </ac:grpSpMkLst>
-        </pc:grpChg>
-        <pc:grpChg chg="mod">
-          <ac:chgData name="A57566093@fgv.edu.br" userId="1bb9ad80-ff55-479f-acd6-204a7fcb2663" providerId="ADAL" clId="{6EAA8C06-7F8D-43F2-902E-F978E52A88FA}" dt="2020-05-30T17:56:42.628" v="1996" actId="1035"/>
-          <ac:grpSpMkLst>
-            <pc:docMk/>
-            <pc:sldMk cId="1275928961" sldId="372"/>
-            <ac:grpSpMk id="90" creationId="{0A78FD27-1770-48EC-8934-CB96880C0622}"/>
-          </ac:grpSpMkLst>
-        </pc:grpChg>
-        <pc:grpChg chg="mod">
-          <ac:chgData name="A57566093@fgv.edu.br" userId="1bb9ad80-ff55-479f-acd6-204a7fcb2663" providerId="ADAL" clId="{6EAA8C06-7F8D-43F2-902E-F978E52A88FA}" dt="2020-05-30T17:56:42.628" v="1996" actId="1035"/>
-          <ac:grpSpMkLst>
-            <pc:docMk/>
-            <pc:sldMk cId="1275928961" sldId="372"/>
-            <ac:grpSpMk id="93" creationId="{009339D9-89B9-47EC-9739-387D913BEC3B}"/>
-          </ac:grpSpMkLst>
-        </pc:grpChg>
-        <pc:grpChg chg="del mod ord">
-          <ac:chgData name="A57566093@fgv.edu.br" userId="1bb9ad80-ff55-479f-acd6-204a7fcb2663" providerId="ADAL" clId="{6EAA8C06-7F8D-43F2-902E-F978E52A88FA}" dt="2020-05-30T17:06:36.688" v="969" actId="165"/>
-          <ac:grpSpMkLst>
-            <pc:docMk/>
-            <pc:sldMk cId="1275928961" sldId="372"/>
-            <ac:grpSpMk id="96" creationId="{AE3EBA0A-6AE8-4C22-8B5E-4545342A3379}"/>
-          </ac:grpSpMkLst>
-        </pc:grpChg>
-        <pc:grpChg chg="del mod">
-          <ac:chgData name="A57566093@fgv.edu.br" userId="1bb9ad80-ff55-479f-acd6-204a7fcb2663" providerId="ADAL" clId="{6EAA8C06-7F8D-43F2-902E-F978E52A88FA}" dt="2020-05-30T17:23:02.811" v="1293" actId="165"/>
-          <ac:grpSpMkLst>
-            <pc:docMk/>
-            <pc:sldMk cId="1275928961" sldId="372"/>
-            <ac:grpSpMk id="99" creationId="{A5601210-0137-4FFA-A0A4-5E09B487C474}"/>
-          </ac:grpSpMkLst>
-        </pc:grpChg>
-        <pc:grpChg chg="del mod">
-          <ac:chgData name="A57566093@fgv.edu.br" userId="1bb9ad80-ff55-479f-acd6-204a7fcb2663" providerId="ADAL" clId="{6EAA8C06-7F8D-43F2-902E-F978E52A88FA}" dt="2020-05-30T17:24:19.693" v="1310" actId="165"/>
-          <ac:grpSpMkLst>
-            <pc:docMk/>
-            <pc:sldMk cId="1275928961" sldId="372"/>
-            <ac:grpSpMk id="102" creationId="{455C307F-CAB5-4509-B739-A94675E2E65A}"/>
-          </ac:grpSpMkLst>
-        </pc:grpChg>
-        <pc:grpChg chg="del mod">
-          <ac:chgData name="A57566093@fgv.edu.br" userId="1bb9ad80-ff55-479f-acd6-204a7fcb2663" providerId="ADAL" clId="{6EAA8C06-7F8D-43F2-902E-F978E52A88FA}" dt="2020-05-30T17:36:36.548" v="1563" actId="165"/>
-          <ac:grpSpMkLst>
-            <pc:docMk/>
-            <pc:sldMk cId="1275928961" sldId="372"/>
-            <ac:grpSpMk id="105" creationId="{3E056A8A-BB57-4F1D-BC98-12E5C6BC16EF}"/>
-          </ac:grpSpMkLst>
-        </pc:grpChg>
-        <pc:grpChg chg="mod">
-          <ac:chgData name="A57566093@fgv.edu.br" userId="1bb9ad80-ff55-479f-acd6-204a7fcb2663" providerId="ADAL" clId="{6EAA8C06-7F8D-43F2-902E-F978E52A88FA}" dt="2020-05-30T17:56:42.628" v="1996" actId="1035"/>
-          <ac:grpSpMkLst>
-            <pc:docMk/>
-            <pc:sldMk cId="1275928961" sldId="372"/>
-            <ac:grpSpMk id="108" creationId="{0E86805B-6CCF-47D5-BC48-4CEDDE54DFDA}"/>
-          </ac:grpSpMkLst>
-        </pc:grpChg>
-        <pc:grpChg chg="del mod">
-          <ac:chgData name="A57566093@fgv.edu.br" userId="1bb9ad80-ff55-479f-acd6-204a7fcb2663" providerId="ADAL" clId="{6EAA8C06-7F8D-43F2-902E-F978E52A88FA}" dt="2020-05-30T15:53:48.311" v="363" actId="165"/>
-          <ac:grpSpMkLst>
-            <pc:docMk/>
-            <pc:sldMk cId="1275928961" sldId="372"/>
-            <ac:grpSpMk id="111" creationId="{A650A8F1-3421-4ABB-88A5-7ED88D5D874C}"/>
-          </ac:grpSpMkLst>
-        </pc:grpChg>
-        <pc:grpChg chg="del mod">
-          <ac:chgData name="A57566093@fgv.edu.br" userId="1bb9ad80-ff55-479f-acd6-204a7fcb2663" providerId="ADAL" clId="{6EAA8C06-7F8D-43F2-902E-F978E52A88FA}" dt="2020-05-30T17:03:52.472" v="792" actId="165"/>
-          <ac:grpSpMkLst>
-            <pc:docMk/>
-            <pc:sldMk cId="1275928961" sldId="372"/>
-            <ac:grpSpMk id="114" creationId="{7450F4FC-D01B-4AD7-B487-0ACA7397AC4E}"/>
-          </ac:grpSpMkLst>
-        </pc:grpChg>
-        <pc:grpChg chg="del mod ord">
-          <ac:chgData name="A57566093@fgv.edu.br" userId="1bb9ad80-ff55-479f-acd6-204a7fcb2663" providerId="ADAL" clId="{6EAA8C06-7F8D-43F2-902E-F978E52A88FA}" dt="2020-05-30T17:31:01.073" v="1390" actId="165"/>
-          <ac:grpSpMkLst>
-            <pc:docMk/>
-            <pc:sldMk cId="1275928961" sldId="372"/>
-            <ac:grpSpMk id="117" creationId="{3B7BF9C9-D32C-4853-B4E0-66B308C1F1F9}"/>
-          </ac:grpSpMkLst>
-        </pc:grpChg>
-        <pc:grpChg chg="add del mod">
-          <ac:chgData name="A57566093@fgv.edu.br" userId="1bb9ad80-ff55-479f-acd6-204a7fcb2663" providerId="ADAL" clId="{6EAA8C06-7F8D-43F2-902E-F978E52A88FA}" dt="2020-05-30T17:32:39.229" v="1412" actId="165"/>
-          <ac:grpSpMkLst>
-            <pc:docMk/>
-            <pc:sldMk cId="1275928961" sldId="372"/>
-            <ac:grpSpMk id="120" creationId="{150A68D1-1CC1-4879-A373-E2A78A041BA0}"/>
-          </ac:grpSpMkLst>
-        </pc:grpChg>
-        <pc:cxnChg chg="mod">
-          <ac:chgData name="A57566093@fgv.edu.br" userId="1bb9ad80-ff55-479f-acd6-204a7fcb2663" providerId="ADAL" clId="{6EAA8C06-7F8D-43F2-902E-F978E52A88FA}" dt="2020-05-30T18:09:42.664" v="2152" actId="1035"/>
+          <ac:chgData name="Leandro Daniel" userId="682bb4abc622d264" providerId="LiveId" clId="{0C927506-5143-4A7D-B285-178AAC9CF657}" dt="2020-05-24T20:11:30.806" v="1073" actId="20577"/>
+          <ac:spMkLst>
+            <pc:docMk/>
+            <pc:sldMk cId="3921174963" sldId="371"/>
+            <ac:spMk id="18" creationId="{E05EE9CB-CEAD-49FB-B917-F3911C866716}"/>
+          </ac:spMkLst>
+        </pc:spChg>
+        <pc:graphicFrameChg chg="add del mod">
+          <ac:chgData name="Leandro Daniel" userId="682bb4abc622d264" providerId="LiveId" clId="{0C927506-5143-4A7D-B285-178AAC9CF657}" dt="2020-05-24T19:08:11.585" v="588" actId="478"/>
+          <ac:graphicFrameMkLst>
+            <pc:docMk/>
+            <pc:sldMk cId="3921174963" sldId="371"/>
+            <ac:graphicFrameMk id="3" creationId="{439B052B-7ADE-4F71-97D8-530EF1CF479F}"/>
+          </ac:graphicFrameMkLst>
+        </pc:graphicFrameChg>
+        <pc:picChg chg="add mod">
+          <ac:chgData name="Leandro Daniel" userId="682bb4abc622d264" providerId="LiveId" clId="{0C927506-5143-4A7D-B285-178AAC9CF657}" dt="2020-05-24T20:59:51.439" v="2353" actId="1076"/>
+          <ac:picMkLst>
+            <pc:docMk/>
+            <pc:sldMk cId="3921174963" sldId="371"/>
+            <ac:picMk id="3" creationId="{36078AE8-5334-447D-AD43-BB3AF83E359B}"/>
+          </ac:picMkLst>
+        </pc:picChg>
+        <pc:picChg chg="add del mod">
+          <ac:chgData name="Leandro Daniel" userId="682bb4abc622d264" providerId="LiveId" clId="{0C927506-5143-4A7D-B285-178AAC9CF657}" dt="2020-05-24T19:20:16.220" v="922" actId="21"/>
+          <ac:picMkLst>
+            <pc:docMk/>
+            <pc:sldMk cId="3921174963" sldId="371"/>
+            <ac:picMk id="8" creationId="{AC909D0D-3174-4A96-ACF9-9162A8A5ACEC}"/>
+          </ac:picMkLst>
+        </pc:picChg>
+        <pc:picChg chg="add del mod">
+          <ac:chgData name="Leandro Daniel" userId="682bb4abc622d264" providerId="LiveId" clId="{0C927506-5143-4A7D-B285-178AAC9CF657}" dt="2020-05-24T19:20:16.220" v="922" actId="21"/>
+          <ac:picMkLst>
+            <pc:docMk/>
+            <pc:sldMk cId="3921174963" sldId="371"/>
+            <ac:picMk id="9" creationId="{4E6ABAF2-18C9-4203-BEA1-09AE83E51337}"/>
+          </ac:picMkLst>
+        </pc:picChg>
+        <pc:picChg chg="add del mod">
+          <ac:chgData name="Leandro Daniel" userId="682bb4abc622d264" providerId="LiveId" clId="{0C927506-5143-4A7D-B285-178AAC9CF657}" dt="2020-05-24T19:20:16.220" v="922" actId="21"/>
+          <ac:picMkLst>
+            <pc:docMk/>
+            <pc:sldMk cId="3921174963" sldId="371"/>
+            <ac:picMk id="10" creationId="{98AB35B6-C01B-4BC7-9234-A61B0A25D67B}"/>
+          </ac:picMkLst>
+        </pc:picChg>
+        <pc:picChg chg="add mod">
+          <ac:chgData name="Leandro Daniel" userId="682bb4abc622d264" providerId="LiveId" clId="{0C927506-5143-4A7D-B285-178AAC9CF657}" dt="2020-05-24T19:20:21.954" v="924"/>
+          <ac:picMkLst>
+            <pc:docMk/>
+            <pc:sldMk cId="3921174963" sldId="371"/>
+            <ac:picMk id="15" creationId="{2F22A74C-3364-4DD1-BBA7-38E977DAC637}"/>
+          </ac:picMkLst>
+        </pc:picChg>
+        <pc:picChg chg="add mod">
+          <ac:chgData name="Leandro Daniel" userId="682bb4abc622d264" providerId="LiveId" clId="{0C927506-5143-4A7D-B285-178AAC9CF657}" dt="2020-05-24T20:05:01.027" v="943" actId="408"/>
+          <ac:picMkLst>
+            <pc:docMk/>
+            <pc:sldMk cId="3921174963" sldId="371"/>
+            <ac:picMk id="16" creationId="{B1A27C00-ABA4-4EE5-95D2-97D339292616}"/>
+          </ac:picMkLst>
+        </pc:picChg>
+        <pc:picChg chg="add mod">
+          <ac:chgData name="Leandro Daniel" userId="682bb4abc622d264" providerId="LiveId" clId="{0C927506-5143-4A7D-B285-178AAC9CF657}" dt="2020-05-24T20:04:51.283" v="941" actId="1076"/>
+          <ac:picMkLst>
+            <pc:docMk/>
+            <pc:sldMk cId="3921174963" sldId="371"/>
+            <ac:picMk id="17" creationId="{D6CEEE49-8720-460A-9FA7-E01A051D6D3D}"/>
+          </ac:picMkLst>
+        </pc:picChg>
+        <pc:cxnChg chg="add del mod">
+          <ac:chgData name="Leandro Daniel" userId="682bb4abc622d264" providerId="LiveId" clId="{0C927506-5143-4A7D-B285-178AAC9CF657}" dt="2020-05-24T19:20:16.220" v="922" actId="21"/>
           <ac:cxnSpMkLst>
             <pc:docMk/>
-            <pc:sldMk cId="1275928961" sldId="372"/>
-            <ac:cxnSpMk id="13" creationId="{48D98D49-C026-4684-B519-FFB569F22EC7}"/>
+            <pc:sldMk cId="3921174963" sldId="371"/>
+            <ac:cxnSpMk id="13" creationId="{461DF850-D789-480D-A92B-6F9C8AB2ED91}"/>
           </ac:cxnSpMkLst>
         </pc:cxnChg>
         <pc:cxnChg chg="add mod">
-          <ac:chgData name="A57566093@fgv.edu.br" userId="1bb9ad80-ff55-479f-acd6-204a7fcb2663" providerId="ADAL" clId="{6EAA8C06-7F8D-43F2-902E-F978E52A88FA}" dt="2020-05-30T17:56:42.628" v="1996" actId="1035"/>
+          <ac:chgData name="Leandro Daniel" userId="682bb4abc622d264" providerId="LiveId" clId="{0C927506-5143-4A7D-B285-178AAC9CF657}" dt="2020-05-24T19:20:21.954" v="924"/>
           <ac:cxnSpMkLst>
             <pc:docMk/>
-            <pc:sldMk cId="1275928961" sldId="372"/>
-            <ac:cxnSpMk id="46" creationId="{E61903AA-0568-4B18-96E4-544B532DC342}"/>
+            <pc:sldMk cId="3921174963" sldId="371"/>
+            <ac:cxnSpMk id="19" creationId="{5E198959-BDE7-4419-BDC5-99C20E0B5EC8}"/>
           </ac:cxnSpMkLst>
         </pc:cxnChg>
-        <pc:cxnChg chg="mod">
-          <ac:chgData name="A57566093@fgv.edu.br" userId="1bb9ad80-ff55-479f-acd6-204a7fcb2663" providerId="ADAL" clId="{6EAA8C06-7F8D-43F2-902E-F978E52A88FA}" dt="2020-05-30T17:56:42.628" v="1996" actId="1035"/>
+      </pc:sldChg>
+      <pc:sldChg chg="addSp delSp modSp add mod">
+        <pc:chgData name="Leandro Daniel" userId="682bb4abc622d264" providerId="LiveId" clId="{0C927506-5143-4A7D-B285-178AAC9CF657}" dt="2020-05-24T21:23:35.887" v="2500" actId="478"/>
+        <pc:sldMkLst>
+          <pc:docMk/>
+          <pc:sldMk cId="1275928961" sldId="372"/>
+        </pc:sldMkLst>
+        <pc:spChg chg="add mod">
+          <ac:chgData name="Leandro Daniel" userId="682bb4abc622d264" providerId="LiveId" clId="{0C927506-5143-4A7D-B285-178AAC9CF657}" dt="2020-05-24T21:08:40.557" v="2372" actId="114"/>
+          <ac:spMkLst>
+            <pc:docMk/>
+            <pc:sldMk cId="1275928961" sldId="372"/>
+            <ac:spMk id="6" creationId="{AD1205DC-63D6-44A4-B20E-BC9057891E98}"/>
+          </ac:spMkLst>
+        </pc:spChg>
+        <pc:spChg chg="del">
+          <ac:chgData name="Leandro Daniel" userId="682bb4abc622d264" providerId="LiveId" clId="{0C927506-5143-4A7D-B285-178AAC9CF657}" dt="2020-05-24T19:20:11.151" v="921" actId="478"/>
+          <ac:spMkLst>
+            <pc:docMk/>
+            <pc:sldMk cId="1275928961" sldId="372"/>
+            <ac:spMk id="6" creationId="{D5F67441-A755-4247-851C-41974715F282}"/>
+          </ac:spMkLst>
+        </pc:spChg>
+        <pc:spChg chg="mod">
+          <ac:chgData name="Leandro Daniel" userId="682bb4abc622d264" providerId="LiveId" clId="{0C927506-5143-4A7D-B285-178AAC9CF657}" dt="2020-05-24T19:13:45.033" v="608" actId="20577"/>
+          <ac:spMkLst>
+            <pc:docMk/>
+            <pc:sldMk cId="1275928961" sldId="372"/>
+            <ac:spMk id="7" creationId="{6F061871-FDA0-491B-B84B-B5AB0970885B}"/>
+          </ac:spMkLst>
+        </pc:spChg>
+        <pc:spChg chg="add del mod">
+          <ac:chgData name="Leandro Daniel" userId="682bb4abc622d264" providerId="LiveId" clId="{0C927506-5143-4A7D-B285-178AAC9CF657}" dt="2020-05-24T19:20:30.316" v="925" actId="478"/>
+          <ac:spMkLst>
+            <pc:docMk/>
+            <pc:sldMk cId="1275928961" sldId="372"/>
+            <ac:spMk id="11" creationId="{96D2EE0A-E21F-4805-9CCD-AE4D58E613E5}"/>
+          </ac:spMkLst>
+        </pc:spChg>
+        <pc:spChg chg="add del mod">
+          <ac:chgData name="Leandro Daniel" userId="682bb4abc622d264" providerId="LiveId" clId="{0C927506-5143-4A7D-B285-178AAC9CF657}" dt="2020-05-24T19:20:30.316" v="925" actId="478"/>
+          <ac:spMkLst>
+            <pc:docMk/>
+            <pc:sldMk cId="1275928961" sldId="372"/>
+            <ac:spMk id="15" creationId="{101961AE-8D08-4106-ACBA-2F8DAAC4EC0F}"/>
+          </ac:spMkLst>
+        </pc:spChg>
+        <pc:spChg chg="add mod">
+          <ac:chgData name="Leandro Daniel" userId="682bb4abc622d264" providerId="LiveId" clId="{0C927506-5143-4A7D-B285-178AAC9CF657}" dt="2020-05-24T21:10:27.850" v="2392" actId="20577"/>
+          <ac:spMkLst>
+            <pc:docMk/>
+            <pc:sldMk cId="1275928961" sldId="372"/>
+            <ac:spMk id="17" creationId="{0EACA767-5D74-4C51-98B7-763F041F495E}"/>
+          </ac:spMkLst>
+        </pc:spChg>
+        <pc:grpChg chg="add mod">
+          <ac:chgData name="Leandro Daniel" userId="682bb4abc622d264" providerId="LiveId" clId="{0C927506-5143-4A7D-B285-178AAC9CF657}" dt="2020-05-24T21:08:29.985" v="2371" actId="164"/>
+          <ac:grpSpMkLst>
+            <pc:docMk/>
+            <pc:sldMk cId="1275928961" sldId="372"/>
+            <ac:grpSpMk id="8" creationId="{1E163097-A71F-4360-857F-CDF7256C8A07}"/>
+          </ac:grpSpMkLst>
+        </pc:grpChg>
+        <pc:picChg chg="add mod">
+          <ac:chgData name="Leandro Daniel" userId="682bb4abc622d264" providerId="LiveId" clId="{0C927506-5143-4A7D-B285-178AAC9CF657}" dt="2020-05-24T21:08:29.985" v="2371" actId="164"/>
+          <ac:picMkLst>
+            <pc:docMk/>
+            <pc:sldMk cId="1275928961" sldId="372"/>
+            <ac:picMk id="4" creationId="{2AFB5B40-0E71-438C-A693-F6960B64154E}"/>
+          </ac:picMkLst>
+        </pc:picChg>
+        <pc:picChg chg="del">
+          <ac:chgData name="Leandro Daniel" userId="682bb4abc622d264" providerId="LiveId" clId="{0C927506-5143-4A7D-B285-178AAC9CF657}" dt="2020-05-24T19:20:11.151" v="921" actId="478"/>
+          <ac:picMkLst>
+            <pc:docMk/>
+            <pc:sldMk cId="1275928961" sldId="372"/>
+            <ac:picMk id="8" creationId="{AC909D0D-3174-4A96-ACF9-9162A8A5ACEC}"/>
+          </ac:picMkLst>
+        </pc:picChg>
+        <pc:picChg chg="del">
+          <ac:chgData name="Leandro Daniel" userId="682bb4abc622d264" providerId="LiveId" clId="{0C927506-5143-4A7D-B285-178AAC9CF657}" dt="2020-05-24T19:20:11.151" v="921" actId="478"/>
+          <ac:picMkLst>
+            <pc:docMk/>
+            <pc:sldMk cId="1275928961" sldId="372"/>
+            <ac:picMk id="9" creationId="{4E6ABAF2-18C9-4203-BEA1-09AE83E51337}"/>
+          </ac:picMkLst>
+        </pc:picChg>
+        <pc:picChg chg="add del mod">
+          <ac:chgData name="Leandro Daniel" userId="682bb4abc622d264" providerId="LiveId" clId="{0C927506-5143-4A7D-B285-178AAC9CF657}" dt="2020-05-24T21:23:35.887" v="2500" actId="478"/>
+          <ac:picMkLst>
+            <pc:docMk/>
+            <pc:sldMk cId="1275928961" sldId="372"/>
+            <ac:picMk id="9" creationId="{AB2D39B2-8115-48EF-8277-7854546058D4}"/>
+          </ac:picMkLst>
+        </pc:picChg>
+        <pc:picChg chg="del">
+          <ac:chgData name="Leandro Daniel" userId="682bb4abc622d264" providerId="LiveId" clId="{0C927506-5143-4A7D-B285-178AAC9CF657}" dt="2020-05-24T19:20:11.151" v="921" actId="478"/>
+          <ac:picMkLst>
+            <pc:docMk/>
+            <pc:sldMk cId="1275928961" sldId="372"/>
+            <ac:picMk id="10" creationId="{98AB35B6-C01B-4BC7-9234-A61B0A25D67B}"/>
+          </ac:picMkLst>
+        </pc:picChg>
+        <pc:picChg chg="add del mod">
+          <ac:chgData name="Leandro Daniel" userId="682bb4abc622d264" providerId="LiveId" clId="{0C927506-5143-4A7D-B285-178AAC9CF657}" dt="2020-05-24T19:20:30.316" v="925" actId="478"/>
+          <ac:picMkLst>
+            <pc:docMk/>
+            <pc:sldMk cId="1275928961" sldId="372"/>
+            <ac:picMk id="12" creationId="{6FBC6350-2952-468E-A4A5-5EAFFA9C1274}"/>
+          </ac:picMkLst>
+        </pc:picChg>
+        <pc:picChg chg="add del mod">
+          <ac:chgData name="Leandro Daniel" userId="682bb4abc622d264" providerId="LiveId" clId="{0C927506-5143-4A7D-B285-178AAC9CF657}" dt="2020-05-24T19:20:30.316" v="925" actId="478"/>
+          <ac:picMkLst>
+            <pc:docMk/>
+            <pc:sldMk cId="1275928961" sldId="372"/>
+            <ac:picMk id="13" creationId="{BAB79A15-E753-407A-B7F2-23D620DE7067}"/>
+          </ac:picMkLst>
+        </pc:picChg>
+        <pc:picChg chg="add del mod">
+          <ac:chgData name="Leandro Daniel" userId="682bb4abc622d264" providerId="LiveId" clId="{0C927506-5143-4A7D-B285-178AAC9CF657}" dt="2020-05-24T19:20:30.316" v="925" actId="478"/>
+          <ac:picMkLst>
+            <pc:docMk/>
+            <pc:sldMk cId="1275928961" sldId="372"/>
+            <ac:picMk id="14" creationId="{A4711A5A-BE4E-4692-9C78-47ACAF315FE3}"/>
+          </ac:picMkLst>
+        </pc:picChg>
+        <pc:cxnChg chg="add del mod">
+          <ac:chgData name="Leandro Daniel" userId="682bb4abc622d264" providerId="LiveId" clId="{0C927506-5143-4A7D-B285-178AAC9CF657}" dt="2020-05-24T19:20:30.316" v="925" actId="478"/>
           <ac:cxnSpMkLst>
             <pc:docMk/>
             <pc:sldMk cId="1275928961" sldId="372"/>
-            <ac:cxnSpMk id="83" creationId="{D2BB6D3C-AC2E-447F-96E3-7559E90478C4}"/>
-          </ac:cxnSpMkLst>
-        </pc:cxnChg>
-        <pc:cxnChg chg="mod topLvl">
-          <ac:chgData name="A57566093@fgv.edu.br" userId="1bb9ad80-ff55-479f-acd6-204a7fcb2663" providerId="ADAL" clId="{6EAA8C06-7F8D-43F2-902E-F978E52A88FA}" dt="2020-05-30T18:08:53.704" v="2140" actId="1038"/>
-          <ac:cxnSpMkLst>
-            <pc:docMk/>
-            <pc:sldMk cId="1275928961" sldId="372"/>
-            <ac:cxnSpMk id="85" creationId="{BA61902F-AEBD-4512-BCA0-F505437641C0}"/>
-          </ac:cxnSpMkLst>
-        </pc:cxnChg>
-        <pc:cxnChg chg="mod topLvl">
-          <ac:chgData name="A57566093@fgv.edu.br" userId="1bb9ad80-ff55-479f-acd6-204a7fcb2663" providerId="ADAL" clId="{6EAA8C06-7F8D-43F2-902E-F978E52A88FA}" dt="2020-05-30T17:56:42.628" v="1996" actId="1035"/>
-          <ac:cxnSpMkLst>
-            <pc:docMk/>
-            <pc:sldMk cId="1275928961" sldId="372"/>
-            <ac:cxnSpMk id="97" creationId="{0BEC07D7-3227-445D-B866-AAE84F38C61D}"/>
-          </ac:cxnSpMkLst>
-        </pc:cxnChg>
-        <pc:cxnChg chg="mod topLvl">
-          <ac:chgData name="A57566093@fgv.edu.br" userId="1bb9ad80-ff55-479f-acd6-204a7fcb2663" providerId="ADAL" clId="{6EAA8C06-7F8D-43F2-902E-F978E52A88FA}" dt="2020-05-30T17:56:42.628" v="1996" actId="1035"/>
-          <ac:cxnSpMkLst>
-            <pc:docMk/>
-            <pc:sldMk cId="1275928961" sldId="372"/>
-            <ac:cxnSpMk id="100" creationId="{FFB82AA6-02AA-40DA-B606-4A7EB51450C4}"/>
-          </ac:cxnSpMkLst>
-        </pc:cxnChg>
-        <pc:cxnChg chg="mod topLvl">
-          <ac:chgData name="A57566093@fgv.edu.br" userId="1bb9ad80-ff55-479f-acd6-204a7fcb2663" providerId="ADAL" clId="{6EAA8C06-7F8D-43F2-902E-F978E52A88FA}" dt="2020-05-30T17:56:42.628" v="1996" actId="1035"/>
-          <ac:cxnSpMkLst>
-            <pc:docMk/>
-            <pc:sldMk cId="1275928961" sldId="372"/>
-            <ac:cxnSpMk id="103" creationId="{5685F5D6-F17F-4053-BF7E-6612AEE91A09}"/>
-          </ac:cxnSpMkLst>
-        </pc:cxnChg>
-        <pc:cxnChg chg="mod topLvl">
-          <ac:chgData name="A57566093@fgv.edu.br" userId="1bb9ad80-ff55-479f-acd6-204a7fcb2663" providerId="ADAL" clId="{6EAA8C06-7F8D-43F2-902E-F978E52A88FA}" dt="2020-05-30T17:56:42.628" v="1996" actId="1035"/>
-          <ac:cxnSpMkLst>
-            <pc:docMk/>
-            <pc:sldMk cId="1275928961" sldId="372"/>
-            <ac:cxnSpMk id="106" creationId="{46A52265-7ED0-4ABA-9A15-12DC6DAF3090}"/>
-          </ac:cxnSpMkLst>
-        </pc:cxnChg>
-        <pc:cxnChg chg="mod ord topLvl">
-          <ac:chgData name="A57566093@fgv.edu.br" userId="1bb9ad80-ff55-479f-acd6-204a7fcb2663" providerId="ADAL" clId="{6EAA8C06-7F8D-43F2-902E-F978E52A88FA}" dt="2020-05-30T17:56:42.628" v="1996" actId="1035"/>
-          <ac:cxnSpMkLst>
-            <pc:docMk/>
-            <pc:sldMk cId="1275928961" sldId="372"/>
-            <ac:cxnSpMk id="111" creationId="{7DD6BB29-D712-4301-B328-B1ECA188EDCB}"/>
-          </ac:cxnSpMkLst>
-        </pc:cxnChg>
-        <pc:cxnChg chg="mod topLvl">
-          <ac:chgData name="A57566093@fgv.edu.br" userId="1bb9ad80-ff55-479f-acd6-204a7fcb2663" providerId="ADAL" clId="{6EAA8C06-7F8D-43F2-902E-F978E52A88FA}" dt="2020-05-30T17:56:42.628" v="1996" actId="1035"/>
-          <ac:cxnSpMkLst>
-            <pc:docMk/>
-            <pc:sldMk cId="1275928961" sldId="372"/>
-            <ac:cxnSpMk id="112" creationId="{BBADFCC0-EB87-4B33-B1E3-127EC200FAE2}"/>
-          </ac:cxnSpMkLst>
-        </pc:cxnChg>
-        <pc:cxnChg chg="mod topLvl">
-          <ac:chgData name="A57566093@fgv.edu.br" userId="1bb9ad80-ff55-479f-acd6-204a7fcb2663" providerId="ADAL" clId="{6EAA8C06-7F8D-43F2-902E-F978E52A88FA}" dt="2020-05-30T17:56:42.628" v="1996" actId="1035"/>
-          <ac:cxnSpMkLst>
-            <pc:docMk/>
-            <pc:sldMk cId="1275928961" sldId="372"/>
-            <ac:cxnSpMk id="115" creationId="{9A78E0C1-2E98-49EF-B7DB-418A32E77800}"/>
-          </ac:cxnSpMkLst>
-        </pc:cxnChg>
-        <pc:cxnChg chg="mod topLvl">
-          <ac:chgData name="A57566093@fgv.edu.br" userId="1bb9ad80-ff55-479f-acd6-204a7fcb2663" providerId="ADAL" clId="{6EAA8C06-7F8D-43F2-902E-F978E52A88FA}" dt="2020-05-30T17:56:42.628" v="1996" actId="1035"/>
-          <ac:cxnSpMkLst>
-            <pc:docMk/>
-            <pc:sldMk cId="1275928961" sldId="372"/>
-            <ac:cxnSpMk id="118" creationId="{CE2797D0-1D32-4DAA-9B9E-317E500836D9}"/>
-          </ac:cxnSpMkLst>
-        </pc:cxnChg>
-        <pc:cxnChg chg="mod topLvl">
-          <ac:chgData name="A57566093@fgv.edu.br" userId="1bb9ad80-ff55-479f-acd6-204a7fcb2663" providerId="ADAL" clId="{6EAA8C06-7F8D-43F2-902E-F978E52A88FA}" dt="2020-05-30T17:56:42.628" v="1996" actId="1035"/>
-          <ac:cxnSpMkLst>
-            <pc:docMk/>
-            <pc:sldMk cId="1275928961" sldId="372"/>
-            <ac:cxnSpMk id="121" creationId="{534EAC04-A78D-47F4-947F-CCA4C7224BE2}"/>
-          </ac:cxnSpMkLst>
-        </pc:cxnChg>
-        <pc:cxnChg chg="add mod ord">
-          <ac:chgData name="A57566093@fgv.edu.br" userId="1bb9ad80-ff55-479f-acd6-204a7fcb2663" providerId="ADAL" clId="{6EAA8C06-7F8D-43F2-902E-F978E52A88FA}" dt="2020-05-30T17:56:42.628" v="1996" actId="1035"/>
-          <ac:cxnSpMkLst>
-            <pc:docMk/>
-            <pc:sldMk cId="1275928961" sldId="372"/>
-            <ac:cxnSpMk id="137" creationId="{9583CB98-414A-4973-A053-0DA9A7EBF6E5}"/>
-          </ac:cxnSpMkLst>
-        </pc:cxnChg>
-        <pc:cxnChg chg="add del mod">
-          <ac:chgData name="A57566093@fgv.edu.br" userId="1bb9ad80-ff55-479f-acd6-204a7fcb2663" providerId="ADAL" clId="{6EAA8C06-7F8D-43F2-902E-F978E52A88FA}" dt="2020-05-30T17:22:57.451" v="1292" actId="478"/>
-          <ac:cxnSpMkLst>
-            <pc:docMk/>
-            <pc:sldMk cId="1275928961" sldId="372"/>
-            <ac:cxnSpMk id="146" creationId="{C5871181-465C-4DE9-A9AB-DFD35381EAEB}"/>
-          </ac:cxnSpMkLst>
-        </pc:cxnChg>
-        <pc:cxnChg chg="add mod">
-          <ac:chgData name="A57566093@fgv.edu.br" userId="1bb9ad80-ff55-479f-acd6-204a7fcb2663" providerId="ADAL" clId="{6EAA8C06-7F8D-43F2-902E-F978E52A88FA}" dt="2020-05-30T17:56:42.628" v="1996" actId="1035"/>
-          <ac:cxnSpMkLst>
-            <pc:docMk/>
-            <pc:sldMk cId="1275928961" sldId="372"/>
-            <ac:cxnSpMk id="151" creationId="{A102E9E0-C39A-4B76-AC25-248C244CD0CC}"/>
+            <ac:cxnSpMk id="16" creationId="{EA648973-512C-4670-9344-A687D2E41ED4}"/>
           </ac:cxnSpMkLst>
         </pc:cxnChg>
       </pc:sldChg>
@@ -943,162 +1063,44 @@
     </pc:docChg>
   </pc:docChgLst>
   <pc:docChgLst>
-    <pc:chgData name="Leandro Daniel" userId="682bb4abc622d264" providerId="LiveId" clId="{95C6711F-C4DC-4686-A46D-0F032EFB60A9}"/>
+    <pc:chgData name="Leandro de Oliveira Daniel" userId="S::a57622988@fgv.edu.br::ff7f7cd4-1074-435c-a956-4a1fef029c30" providerId="AD" clId="Web-{1E36F6F0-6EE1-4B32-A79A-91B9EDD8AA61}"/>
     <pc:docChg chg="modSld">
-      <pc:chgData name="Leandro Daniel" userId="682bb4abc622d264" providerId="LiveId" clId="{95C6711F-C4DC-4686-A46D-0F032EFB60A9}" dt="2020-06-01T22:00:24.671" v="0" actId="20577"/>
+      <pc:chgData name="Leandro de Oliveira Daniel" userId="S::a57622988@fgv.edu.br::ff7f7cd4-1074-435c-a956-4a1fef029c30" providerId="AD" clId="Web-{1E36F6F0-6EE1-4B32-A79A-91B9EDD8AA61}" dt="2020-05-25T21:43:26.234" v="5" actId="20577"/>
       <pc:docMkLst>
         <pc:docMk/>
       </pc:docMkLst>
-      <pc:sldChg chg="modSp mod">
-        <pc:chgData name="Leandro Daniel" userId="682bb4abc622d264" providerId="LiveId" clId="{95C6711F-C4DC-4686-A46D-0F032EFB60A9}" dt="2020-06-01T22:00:24.671" v="0" actId="20577"/>
+      <pc:sldChg chg="modSp">
+        <pc:chgData name="Leandro de Oliveira Daniel" userId="S::a57622988@fgv.edu.br::ff7f7cd4-1074-435c-a956-4a1fef029c30" providerId="AD" clId="Web-{1E36F6F0-6EE1-4B32-A79A-91B9EDD8AA61}" dt="2020-05-25T21:43:26.234" v="4" actId="20577"/>
         <pc:sldMkLst>
           <pc:docMk/>
-          <pc:sldMk cId="679871842" sldId="351"/>
+          <pc:sldMk cId="3953857876" sldId="361"/>
         </pc:sldMkLst>
         <pc:spChg chg="mod">
-          <ac:chgData name="Leandro Daniel" userId="682bb4abc622d264" providerId="LiveId" clId="{95C6711F-C4DC-4686-A46D-0F032EFB60A9}" dt="2020-06-01T22:00:24.671" v="0" actId="20577"/>
-          <ac:spMkLst>
-            <pc:docMk/>
-            <pc:sldMk cId="679871842" sldId="351"/>
-            <ac:spMk id="2" creationId="{70F687BA-32A2-41BC-B72A-F28209A7F473}"/>
+          <ac:chgData name="Leandro de Oliveira Daniel" userId="S::a57622988@fgv.edu.br::ff7f7cd4-1074-435c-a956-4a1fef029c30" providerId="AD" clId="Web-{1E36F6F0-6EE1-4B32-A79A-91B9EDD8AA61}" dt="2020-05-25T21:43:26.234" v="4" actId="20577"/>
+          <ac:spMkLst>
+            <pc:docMk/>
+            <pc:sldMk cId="3953857876" sldId="361"/>
+            <ac:spMk id="4" creationId="{84CA2768-938F-4EEA-B0DD-BAF05149B6F5}"/>
           </ac:spMkLst>
         </pc:spChg>
       </pc:sldChg>
     </pc:docChg>
   </pc:docChgLst>
   <pc:docChgLst>
-    <pc:chgData name="Leandro Daniel" userId="682bb4abc622d264" providerId="LiveId" clId="{7AC88094-A1D5-4FA0-8F56-B6E6CBB30C7C}"/>
-    <pc:docChg chg="undo custSel modSld">
-      <pc:chgData name="Leandro Daniel" userId="682bb4abc622d264" providerId="LiveId" clId="{7AC88094-A1D5-4FA0-8F56-B6E6CBB30C7C}" dt="2020-05-30T22:15:00.993" v="15" actId="20577"/>
+    <pc:chgData name="Ricardo Lucio Braga Reis" userId="S::a57590919@fgv.edu.br::789c906b-d924-4b68-a4ad-fed37e68814f" providerId="AD" clId="Web-{AA03B29D-5316-9A96-B91F-F6CBA42BD17D}"/>
+    <pc:docChg chg="modSld">
+      <pc:chgData name="Ricardo Lucio Braga Reis" userId="S::a57590919@fgv.edu.br::789c906b-d924-4b68-a4ad-fed37e68814f" providerId="AD" clId="Web-{AA03B29D-5316-9A96-B91F-F6CBA42BD17D}" dt="2020-05-30T22:08:55.251" v="204" actId="20577"/>
       <pc:docMkLst>
         <pc:docMk/>
       </pc:docMkLst>
-      <pc:sldChg chg="modSp mod">
-        <pc:chgData name="Leandro Daniel" userId="682bb4abc622d264" providerId="LiveId" clId="{7AC88094-A1D5-4FA0-8F56-B6E6CBB30C7C}" dt="2020-05-30T22:13:40.576" v="0" actId="20577"/>
-        <pc:sldMkLst>
-          <pc:docMk/>
-          <pc:sldMk cId="679871842" sldId="351"/>
-        </pc:sldMkLst>
-        <pc:spChg chg="mod">
-          <ac:chgData name="Leandro Daniel" userId="682bb4abc622d264" providerId="LiveId" clId="{7AC88094-A1D5-4FA0-8F56-B6E6CBB30C7C}" dt="2020-05-30T22:13:40.576" v="0" actId="20577"/>
-          <ac:spMkLst>
-            <pc:docMk/>
-            <pc:sldMk cId="679871842" sldId="351"/>
-            <ac:spMk id="2" creationId="{70F687BA-32A2-41BC-B72A-F28209A7F473}"/>
-          </ac:spMkLst>
-        </pc:spChg>
-      </pc:sldChg>
-      <pc:sldChg chg="modSp mod">
-        <pc:chgData name="Leandro Daniel" userId="682bb4abc622d264" providerId="LiveId" clId="{7AC88094-A1D5-4FA0-8F56-B6E6CBB30C7C}" dt="2020-05-30T22:15:00.993" v="15" actId="20577"/>
+      <pc:sldChg chg="modSp">
+        <pc:chgData name="Ricardo Lucio Braga Reis" userId="S::a57590919@fgv.edu.br::789c906b-d924-4b68-a4ad-fed37e68814f" providerId="AD" clId="Web-{AA03B29D-5316-9A96-B91F-F6CBA42BD17D}" dt="2020-05-30T22:08:12.515" v="202" actId="20577"/>
         <pc:sldMkLst>
           <pc:docMk/>
           <pc:sldMk cId="2356196915" sldId="377"/>
         </pc:sldMkLst>
         <pc:spChg chg="mod">
-          <ac:chgData name="Leandro Daniel" userId="682bb4abc622d264" providerId="LiveId" clId="{7AC88094-A1D5-4FA0-8F56-B6E6CBB30C7C}" dt="2020-05-30T22:15:00.993" v="15" actId="20577"/>
-          <ac:spMkLst>
-            <pc:docMk/>
-            <pc:sldMk cId="2356196915" sldId="377"/>
-            <ac:spMk id="7" creationId="{CE3762FA-4222-4801-A067-946EE71C9A52}"/>
-          </ac:spMkLst>
-        </pc:spChg>
-      </pc:sldChg>
-    </pc:docChg>
-  </pc:docChgLst>
-  <pc:docChgLst>
-    <pc:chgData name="Leandro de Oliveira Daniel" userId="S::a57622988@fgv.edu.br::ff7f7cd4-1074-435c-a956-4a1fef029c30" providerId="AD" clId="Web-{576D1934-300F-FC23-9CD7-6CCE5F40640F}"/>
-    <pc:docChg chg="modSld">
-      <pc:chgData name="Leandro de Oliveira Daniel" userId="S::a57622988@fgv.edu.br::ff7f7cd4-1074-435c-a956-4a1fef029c30" providerId="AD" clId="Web-{576D1934-300F-FC23-9CD7-6CCE5F40640F}" dt="2020-05-30T21:49:02.200" v="210" actId="20577"/>
-      <pc:docMkLst>
-        <pc:docMk/>
-      </pc:docMkLst>
-      <pc:sldChg chg="modSp">
-        <pc:chgData name="Leandro de Oliveira Daniel" userId="S::a57622988@fgv.edu.br::ff7f7cd4-1074-435c-a956-4a1fef029c30" providerId="AD" clId="Web-{576D1934-300F-FC23-9CD7-6CCE5F40640F}" dt="2020-05-30T21:37:14.052" v="8" actId="20577"/>
-        <pc:sldMkLst>
-          <pc:docMk/>
-          <pc:sldMk cId="1275928961" sldId="372"/>
-        </pc:sldMkLst>
-        <pc:spChg chg="mod">
-          <ac:chgData name="Leandro de Oliveira Daniel" userId="S::a57622988@fgv.edu.br::ff7f7cd4-1074-435c-a956-4a1fef029c30" providerId="AD" clId="Web-{576D1934-300F-FC23-9CD7-6CCE5F40640F}" dt="2020-05-30T21:36:58.052" v="4" actId="20577"/>
-          <ac:spMkLst>
-            <pc:docMk/>
-            <pc:sldMk cId="1275928961" sldId="372"/>
-            <ac:spMk id="52" creationId="{0475A7DF-361A-4873-B74C-76D203352350}"/>
-          </ac:spMkLst>
-        </pc:spChg>
-        <pc:spChg chg="mod">
-          <ac:chgData name="Leandro de Oliveira Daniel" userId="S::a57622988@fgv.edu.br::ff7f7cd4-1074-435c-a956-4a1fef029c30" providerId="AD" clId="Web-{576D1934-300F-FC23-9CD7-6CCE5F40640F}" dt="2020-05-30T21:37:05.942" v="6" actId="20577"/>
-          <ac:spMkLst>
-            <pc:docMk/>
-            <pc:sldMk cId="1275928961" sldId="372"/>
-            <ac:spMk id="141" creationId="{66785AF6-978F-4F12-BD3B-A23E9D9412F1}"/>
-          </ac:spMkLst>
-        </pc:spChg>
-        <pc:spChg chg="mod">
-          <ac:chgData name="Leandro de Oliveira Daniel" userId="S::a57622988@fgv.edu.br::ff7f7cd4-1074-435c-a956-4a1fef029c30" providerId="AD" clId="Web-{576D1934-300F-FC23-9CD7-6CCE5F40640F}" dt="2020-05-30T21:37:08.833" v="7" actId="20577"/>
-          <ac:spMkLst>
-            <pc:docMk/>
-            <pc:sldMk cId="1275928961" sldId="372"/>
-            <ac:spMk id="145" creationId="{8A0DEF7D-8FCD-4543-AB0B-C6450C02E31F}"/>
-          </ac:spMkLst>
-        </pc:spChg>
-        <pc:spChg chg="mod">
-          <ac:chgData name="Leandro de Oliveira Daniel" userId="S::a57622988@fgv.edu.br::ff7f7cd4-1074-435c-a956-4a1fef029c30" providerId="AD" clId="Web-{576D1934-300F-FC23-9CD7-6CCE5F40640F}" dt="2020-05-30T21:37:03.349" v="5" actId="20577"/>
-          <ac:spMkLst>
-            <pc:docMk/>
-            <pc:sldMk cId="1275928961" sldId="372"/>
-            <ac:spMk id="148" creationId="{B0B65378-071C-4A53-AD0B-EC390F3C2EA0}"/>
-          </ac:spMkLst>
-        </pc:spChg>
-        <pc:spChg chg="mod">
-          <ac:chgData name="Leandro de Oliveira Daniel" userId="S::a57622988@fgv.edu.br::ff7f7cd4-1074-435c-a956-4a1fef029c30" providerId="AD" clId="Web-{576D1934-300F-FC23-9CD7-6CCE5F40640F}" dt="2020-05-30T21:36:41.068" v="0" actId="20577"/>
-          <ac:spMkLst>
-            <pc:docMk/>
-            <pc:sldMk cId="1275928961" sldId="372"/>
-            <ac:spMk id="166" creationId="{7F54744D-34EB-4337-91F4-EFBBC8079451}"/>
-          </ac:spMkLst>
-        </pc:spChg>
-        <pc:spChg chg="mod">
-          <ac:chgData name="Leandro de Oliveira Daniel" userId="S::a57622988@fgv.edu.br::ff7f7cd4-1074-435c-a956-4a1fef029c30" providerId="AD" clId="Web-{576D1934-300F-FC23-9CD7-6CCE5F40640F}" dt="2020-05-30T21:36:49.896" v="3" actId="20577"/>
-          <ac:spMkLst>
-            <pc:docMk/>
-            <pc:sldMk cId="1275928961" sldId="372"/>
-            <ac:spMk id="167" creationId="{DE1013B5-4DDB-41CE-B97E-1E9C6372D398}"/>
-          </ac:spMkLst>
-        </pc:spChg>
-        <pc:spChg chg="mod">
-          <ac:chgData name="Leandro de Oliveira Daniel" userId="S::a57622988@fgv.edu.br::ff7f7cd4-1074-435c-a956-4a1fef029c30" providerId="AD" clId="Web-{576D1934-300F-FC23-9CD7-6CCE5F40640F}" dt="2020-05-30T21:37:14.052" v="8" actId="20577"/>
-          <ac:spMkLst>
-            <pc:docMk/>
-            <pc:sldMk cId="1275928961" sldId="372"/>
-            <ac:spMk id="168" creationId="{5FB18791-F3A5-460E-A6AF-F86AFE353D57}"/>
-          </ac:spMkLst>
-        </pc:spChg>
-        <pc:spChg chg="mod">
-          <ac:chgData name="Leandro de Oliveira Daniel" userId="S::a57622988@fgv.edu.br::ff7f7cd4-1074-435c-a956-4a1fef029c30" providerId="AD" clId="Web-{576D1934-300F-FC23-9CD7-6CCE5F40640F}" dt="2020-05-30T21:36:46.521" v="2" actId="20577"/>
-          <ac:spMkLst>
-            <pc:docMk/>
-            <pc:sldMk cId="1275928961" sldId="372"/>
-            <ac:spMk id="170" creationId="{CD412FEA-4730-486F-879F-6D614467BF94}"/>
-          </ac:spMkLst>
-        </pc:spChg>
-        <pc:spChg chg="mod">
-          <ac:chgData name="Leandro de Oliveira Daniel" userId="S::a57622988@fgv.edu.br::ff7f7cd4-1074-435c-a956-4a1fef029c30" providerId="AD" clId="Web-{576D1934-300F-FC23-9CD7-6CCE5F40640F}" dt="2020-05-30T21:36:43.755" v="1" actId="20577"/>
-          <ac:spMkLst>
-            <pc:docMk/>
-            <pc:sldMk cId="1275928961" sldId="372"/>
-            <ac:spMk id="172" creationId="{552D19B7-2205-4393-8BC3-D10B6D0AF5B0}"/>
-          </ac:spMkLst>
-        </pc:spChg>
-      </pc:sldChg>
-      <pc:sldChg chg="modSp">
-        <pc:chgData name="Leandro de Oliveira Daniel" userId="S::a57622988@fgv.edu.br::ff7f7cd4-1074-435c-a956-4a1fef029c30" providerId="AD" clId="Web-{576D1934-300F-FC23-9CD7-6CCE5F40640F}" dt="2020-05-30T21:48:58.840" v="208" actId="20577"/>
-        <pc:sldMkLst>
-          <pc:docMk/>
-          <pc:sldMk cId="2356196915" sldId="377"/>
-        </pc:sldMkLst>
-        <pc:spChg chg="mod">
-          <ac:chgData name="Leandro de Oliveira Daniel" userId="S::a57622988@fgv.edu.br::ff7f7cd4-1074-435c-a956-4a1fef029c30" providerId="AD" clId="Web-{576D1934-300F-FC23-9CD7-6CCE5F40640F}" dt="2020-05-30T21:48:58.840" v="208" actId="20577"/>
+          <ac:chgData name="Ricardo Lucio Braga Reis" userId="S::a57590919@fgv.edu.br::789c906b-d924-4b68-a4ad-fed37e68814f" providerId="AD" clId="Web-{AA03B29D-5316-9A96-B91F-F6CBA42BD17D}" dt="2020-05-30T22:08:12.515" v="202" actId="20577"/>
           <ac:spMkLst>
             <pc:docMk/>
             <pc:sldMk cId="2356196915" sldId="377"/>
@@ -1275,26 +1277,730 @@
     </pc:docChg>
   </pc:docChgLst>
   <pc:docChgLst>
-    <pc:chgData name="Leandro de Oliveira Daniel" userId="S::a57622988@fgv.edu.br::ff7f7cd4-1074-435c-a956-4a1fef029c30" providerId="AD" clId="Web-{1E36F6F0-6EE1-4B32-A79A-91B9EDD8AA61}"/>
-    <pc:docChg chg="modSld">
-      <pc:chgData name="Leandro de Oliveira Daniel" userId="S::a57622988@fgv.edu.br::ff7f7cd4-1074-435c-a956-4a1fef029c30" providerId="AD" clId="Web-{1E36F6F0-6EE1-4B32-A79A-91B9EDD8AA61}" dt="2020-05-25T21:43:26.234" v="5" actId="20577"/>
+    <pc:chgData name="A57566093@fgv.edu.br" userId="1bb9ad80-ff55-479f-acd6-204a7fcb2663" providerId="ADAL" clId="{6EAA8C06-7F8D-43F2-902E-F978E52A88FA}"/>
+    <pc:docChg chg="undo custSel modSld addSection modSection">
+      <pc:chgData name="A57566093@fgv.edu.br" userId="1bb9ad80-ff55-479f-acd6-204a7fcb2663" providerId="ADAL" clId="{6EAA8C06-7F8D-43F2-902E-F978E52A88FA}" dt="2020-05-30T18:09:42.664" v="2152" actId="1035"/>
       <pc:docMkLst>
         <pc:docMk/>
       </pc:docMkLst>
-      <pc:sldChg chg="modSp">
-        <pc:chgData name="Leandro de Oliveira Daniel" userId="S::a57622988@fgv.edu.br::ff7f7cd4-1074-435c-a956-4a1fef029c30" providerId="AD" clId="Web-{1E36F6F0-6EE1-4B32-A79A-91B9EDD8AA61}" dt="2020-05-25T21:43:26.234" v="4" actId="20577"/>
+      <pc:sldChg chg="addSp delSp modSp mod">
+        <pc:chgData name="A57566093@fgv.edu.br" userId="1bb9ad80-ff55-479f-acd6-204a7fcb2663" providerId="ADAL" clId="{6EAA8C06-7F8D-43F2-902E-F978E52A88FA}" dt="2020-05-30T18:09:42.664" v="2152" actId="1035"/>
         <pc:sldMkLst>
           <pc:docMk/>
-          <pc:sldMk cId="3953857876" sldId="361"/>
+          <pc:sldMk cId="1275928961" sldId="372"/>
         </pc:sldMkLst>
         <pc:spChg chg="mod">
-          <ac:chgData name="Leandro de Oliveira Daniel" userId="S::a57622988@fgv.edu.br::ff7f7cd4-1074-435c-a956-4a1fef029c30" providerId="AD" clId="Web-{1E36F6F0-6EE1-4B32-A79A-91B9EDD8AA61}" dt="2020-05-25T21:43:26.234" v="4" actId="20577"/>
-          <ac:spMkLst>
-            <pc:docMk/>
-            <pc:sldMk cId="3953857876" sldId="361"/>
-            <ac:spMk id="4" creationId="{84CA2768-938F-4EEA-B0DD-BAF05149B6F5}"/>
-          </ac:spMkLst>
-        </pc:spChg>
+          <ac:chgData name="A57566093@fgv.edu.br" userId="1bb9ad80-ff55-479f-acd6-204a7fcb2663" providerId="ADAL" clId="{6EAA8C06-7F8D-43F2-902E-F978E52A88FA}" dt="2020-05-30T18:09:42.664" v="2152" actId="1035"/>
+          <ac:spMkLst>
+            <pc:docMk/>
+            <pc:sldMk cId="1275928961" sldId="372"/>
+            <ac:spMk id="15" creationId="{EE9AE69C-DA3A-4B1F-A561-C474F96FA82E}"/>
+          </ac:spMkLst>
+        </pc:spChg>
+        <pc:spChg chg="mod">
+          <ac:chgData name="A57566093@fgv.edu.br" userId="1bb9ad80-ff55-479f-acd6-204a7fcb2663" providerId="ADAL" clId="{6EAA8C06-7F8D-43F2-902E-F978E52A88FA}" dt="2020-05-30T18:08:53.704" v="2140" actId="1038"/>
+          <ac:spMkLst>
+            <pc:docMk/>
+            <pc:sldMk cId="1275928961" sldId="372"/>
+            <ac:spMk id="47" creationId="{2188BDEC-AE57-40A1-AC7E-154444DB58F0}"/>
+          </ac:spMkLst>
+        </pc:spChg>
+        <pc:spChg chg="mod">
+          <ac:chgData name="A57566093@fgv.edu.br" userId="1bb9ad80-ff55-479f-acd6-204a7fcb2663" providerId="ADAL" clId="{6EAA8C06-7F8D-43F2-902E-F978E52A88FA}" dt="2020-05-30T18:05:01.159" v="2092" actId="20577"/>
+          <ac:spMkLst>
+            <pc:docMk/>
+            <pc:sldMk cId="1275928961" sldId="372"/>
+            <ac:spMk id="52" creationId="{0475A7DF-361A-4873-B74C-76D203352350}"/>
+          </ac:spMkLst>
+        </pc:spChg>
+        <pc:spChg chg="del mod">
+          <ac:chgData name="A57566093@fgv.edu.br" userId="1bb9ad80-ff55-479f-acd6-204a7fcb2663" providerId="ADAL" clId="{6EAA8C06-7F8D-43F2-902E-F978E52A88FA}" dt="2020-05-30T16:06:13.539" v="768" actId="478"/>
+          <ac:spMkLst>
+            <pc:docMk/>
+            <pc:sldMk cId="1275928961" sldId="372"/>
+            <ac:spMk id="56" creationId="{01C930DE-9C06-4A8C-BD93-B5D51CC5261A}"/>
+          </ac:spMkLst>
+        </pc:spChg>
+        <pc:spChg chg="del mod">
+          <ac:chgData name="A57566093@fgv.edu.br" userId="1bb9ad80-ff55-479f-acd6-204a7fcb2663" providerId="ADAL" clId="{6EAA8C06-7F8D-43F2-902E-F978E52A88FA}" dt="2020-05-30T17:10:18.334" v="1086" actId="478"/>
+          <ac:spMkLst>
+            <pc:docMk/>
+            <pc:sldMk cId="1275928961" sldId="372"/>
+            <ac:spMk id="60" creationId="{FD3C8DAB-117F-4C2A-8FC2-D09FD1E0AFCD}"/>
+          </ac:spMkLst>
+        </pc:spChg>
+        <pc:spChg chg="del mod">
+          <ac:chgData name="A57566093@fgv.edu.br" userId="1bb9ad80-ff55-479f-acd6-204a7fcb2663" providerId="ADAL" clId="{6EAA8C06-7F8D-43F2-902E-F978E52A88FA}" dt="2020-05-30T17:12:30.238" v="1091" actId="478"/>
+          <ac:spMkLst>
+            <pc:docMk/>
+            <pc:sldMk cId="1275928961" sldId="372"/>
+            <ac:spMk id="64" creationId="{AB05B829-23D6-4862-9111-F2448FEC0E6F}"/>
+          </ac:spMkLst>
+        </pc:spChg>
+        <pc:spChg chg="mod">
+          <ac:chgData name="A57566093@fgv.edu.br" userId="1bb9ad80-ff55-479f-acd6-204a7fcb2663" providerId="ADAL" clId="{6EAA8C06-7F8D-43F2-902E-F978E52A88FA}" dt="2020-05-30T17:56:42.628" v="1996" actId="1035"/>
+          <ac:spMkLst>
+            <pc:docMk/>
+            <pc:sldMk cId="1275928961" sldId="372"/>
+            <ac:spMk id="65" creationId="{6117BEC9-29C4-4049-B244-911DB9C24AC0}"/>
+          </ac:spMkLst>
+        </pc:spChg>
+        <pc:spChg chg="mod">
+          <ac:chgData name="A57566093@fgv.edu.br" userId="1bb9ad80-ff55-479f-acd6-204a7fcb2663" providerId="ADAL" clId="{6EAA8C06-7F8D-43F2-902E-F978E52A88FA}" dt="2020-05-30T17:56:42.628" v="1996" actId="1035"/>
+          <ac:spMkLst>
+            <pc:docMk/>
+            <pc:sldMk cId="1275928961" sldId="372"/>
+            <ac:spMk id="66" creationId="{8F316673-FBED-43E5-8AEF-DD23341CC9C0}"/>
+          </ac:spMkLst>
+        </pc:spChg>
+        <pc:spChg chg="mod">
+          <ac:chgData name="A57566093@fgv.edu.br" userId="1bb9ad80-ff55-479f-acd6-204a7fcb2663" providerId="ADAL" clId="{6EAA8C06-7F8D-43F2-902E-F978E52A88FA}" dt="2020-05-30T17:56:42.628" v="1996" actId="1035"/>
+          <ac:spMkLst>
+            <pc:docMk/>
+            <pc:sldMk cId="1275928961" sldId="372"/>
+            <ac:spMk id="67" creationId="{D6EB025E-AC31-4A25-B8D1-3A3C813EF7B2}"/>
+          </ac:spMkLst>
+        </pc:spChg>
+        <pc:spChg chg="mod">
+          <ac:chgData name="A57566093@fgv.edu.br" userId="1bb9ad80-ff55-479f-acd6-204a7fcb2663" providerId="ADAL" clId="{6EAA8C06-7F8D-43F2-902E-F978E52A88FA}" dt="2020-05-30T17:56:42.628" v="1996" actId="1035"/>
+          <ac:spMkLst>
+            <pc:docMk/>
+            <pc:sldMk cId="1275928961" sldId="372"/>
+            <ac:spMk id="68" creationId="{735EC6FA-99C0-4A93-AE17-F8DFC76F6DFE}"/>
+          </ac:spMkLst>
+        </pc:spChg>
+        <pc:spChg chg="del mod">
+          <ac:chgData name="A57566093@fgv.edu.br" userId="1bb9ad80-ff55-479f-acd6-204a7fcb2663" providerId="ADAL" clId="{6EAA8C06-7F8D-43F2-902E-F978E52A88FA}" dt="2020-05-30T17:15:46.044" v="1129" actId="478"/>
+          <ac:spMkLst>
+            <pc:docMk/>
+            <pc:sldMk cId="1275928961" sldId="372"/>
+            <ac:spMk id="69" creationId="{8A939DE8-6B04-446F-982B-0EDCD866CE79}"/>
+          </ac:spMkLst>
+        </pc:spChg>
+        <pc:spChg chg="mod">
+          <ac:chgData name="A57566093@fgv.edu.br" userId="1bb9ad80-ff55-479f-acd6-204a7fcb2663" providerId="ADAL" clId="{6EAA8C06-7F8D-43F2-902E-F978E52A88FA}" dt="2020-05-30T17:56:42.628" v="1996" actId="1035"/>
+          <ac:spMkLst>
+            <pc:docMk/>
+            <pc:sldMk cId="1275928961" sldId="372"/>
+            <ac:spMk id="70" creationId="{6B320405-02EC-4767-8ED6-4A2AE162A3FB}"/>
+          </ac:spMkLst>
+        </pc:spChg>
+        <pc:spChg chg="mod">
+          <ac:chgData name="A57566093@fgv.edu.br" userId="1bb9ad80-ff55-479f-acd6-204a7fcb2663" providerId="ADAL" clId="{6EAA8C06-7F8D-43F2-902E-F978E52A88FA}" dt="2020-05-30T17:56:42.628" v="1996" actId="1035"/>
+          <ac:spMkLst>
+            <pc:docMk/>
+            <pc:sldMk cId="1275928961" sldId="372"/>
+            <ac:spMk id="71" creationId="{0E33FDFF-2867-4A95-8839-5EF2FA67F378}"/>
+          </ac:spMkLst>
+        </pc:spChg>
+        <pc:spChg chg="mod">
+          <ac:chgData name="A57566093@fgv.edu.br" userId="1bb9ad80-ff55-479f-acd6-204a7fcb2663" providerId="ADAL" clId="{6EAA8C06-7F8D-43F2-902E-F978E52A88FA}" dt="2020-05-30T17:56:42.628" v="1996" actId="1035"/>
+          <ac:spMkLst>
+            <pc:docMk/>
+            <pc:sldMk cId="1275928961" sldId="372"/>
+            <ac:spMk id="72" creationId="{152F9426-A438-445A-BF25-38AC382E4962}"/>
+          </ac:spMkLst>
+        </pc:spChg>
+        <pc:spChg chg="del mod">
+          <ac:chgData name="A57566093@fgv.edu.br" userId="1bb9ad80-ff55-479f-acd6-204a7fcb2663" providerId="ADAL" clId="{6EAA8C06-7F8D-43F2-902E-F978E52A88FA}" dt="2020-05-30T17:15:46.884" v="1130" actId="478"/>
+          <ac:spMkLst>
+            <pc:docMk/>
+            <pc:sldMk cId="1275928961" sldId="372"/>
+            <ac:spMk id="73" creationId="{E577E1D4-D9C2-4277-950B-35D18058F087}"/>
+          </ac:spMkLst>
+        </pc:spChg>
+        <pc:spChg chg="mod">
+          <ac:chgData name="A57566093@fgv.edu.br" userId="1bb9ad80-ff55-479f-acd6-204a7fcb2663" providerId="ADAL" clId="{6EAA8C06-7F8D-43F2-902E-F978E52A88FA}" dt="2020-05-30T17:56:42.628" v="1996" actId="1035"/>
+          <ac:spMkLst>
+            <pc:docMk/>
+            <pc:sldMk cId="1275928961" sldId="372"/>
+            <ac:spMk id="74" creationId="{9FC2E4E1-9B95-4A3A-BF09-6C20E6E44089}"/>
+          </ac:spMkLst>
+        </pc:spChg>
+        <pc:spChg chg="mod">
+          <ac:chgData name="A57566093@fgv.edu.br" userId="1bb9ad80-ff55-479f-acd6-204a7fcb2663" providerId="ADAL" clId="{6EAA8C06-7F8D-43F2-902E-F978E52A88FA}" dt="2020-05-30T17:56:42.628" v="1996" actId="1035"/>
+          <ac:spMkLst>
+            <pc:docMk/>
+            <pc:sldMk cId="1275928961" sldId="372"/>
+            <ac:spMk id="75" creationId="{66C61559-E7F2-4E0E-83CC-EB1BEB8FAA7D}"/>
+          </ac:spMkLst>
+        </pc:spChg>
+        <pc:spChg chg="mod">
+          <ac:chgData name="A57566093@fgv.edu.br" userId="1bb9ad80-ff55-479f-acd6-204a7fcb2663" providerId="ADAL" clId="{6EAA8C06-7F8D-43F2-902E-F978E52A88FA}" dt="2020-05-30T17:56:42.628" v="1996" actId="1035"/>
+          <ac:spMkLst>
+            <pc:docMk/>
+            <pc:sldMk cId="1275928961" sldId="372"/>
+            <ac:spMk id="76" creationId="{17962853-B4C8-4B89-95F1-7BF905A4DD5A}"/>
+          </ac:spMkLst>
+        </pc:spChg>
+        <pc:spChg chg="del mod">
+          <ac:chgData name="A57566093@fgv.edu.br" userId="1bb9ad80-ff55-479f-acd6-204a7fcb2663" providerId="ADAL" clId="{6EAA8C06-7F8D-43F2-902E-F978E52A88FA}" dt="2020-05-30T17:15:48.048" v="1131" actId="478"/>
+          <ac:spMkLst>
+            <pc:docMk/>
+            <pc:sldMk cId="1275928961" sldId="372"/>
+            <ac:spMk id="77" creationId="{9E5C8CFE-1FB4-48D5-A910-F31A4C0B4882}"/>
+          </ac:spMkLst>
+        </pc:spChg>
+        <pc:spChg chg="mod">
+          <ac:chgData name="A57566093@fgv.edu.br" userId="1bb9ad80-ff55-479f-acd6-204a7fcb2663" providerId="ADAL" clId="{6EAA8C06-7F8D-43F2-902E-F978E52A88FA}" dt="2020-05-30T17:56:42.628" v="1996" actId="1035"/>
+          <ac:spMkLst>
+            <pc:docMk/>
+            <pc:sldMk cId="1275928961" sldId="372"/>
+            <ac:spMk id="78" creationId="{516E0C74-4ABC-487B-A9A6-84B8BD2CFE45}"/>
+          </ac:spMkLst>
+        </pc:spChg>
+        <pc:spChg chg="mod">
+          <ac:chgData name="A57566093@fgv.edu.br" userId="1bb9ad80-ff55-479f-acd6-204a7fcb2663" providerId="ADAL" clId="{6EAA8C06-7F8D-43F2-902E-F978E52A88FA}" dt="2020-05-30T17:56:42.628" v="1996" actId="1035"/>
+          <ac:spMkLst>
+            <pc:docMk/>
+            <pc:sldMk cId="1275928961" sldId="372"/>
+            <ac:spMk id="79" creationId="{AF4C6CDE-FC41-4C7D-9A34-6ACB60C05083}"/>
+          </ac:spMkLst>
+        </pc:spChg>
+        <pc:spChg chg="mod">
+          <ac:chgData name="A57566093@fgv.edu.br" userId="1bb9ad80-ff55-479f-acd6-204a7fcb2663" providerId="ADAL" clId="{6EAA8C06-7F8D-43F2-902E-F978E52A88FA}" dt="2020-05-30T17:56:42.628" v="1996" actId="1035"/>
+          <ac:spMkLst>
+            <pc:docMk/>
+            <pc:sldMk cId="1275928961" sldId="372"/>
+            <ac:spMk id="80" creationId="{3ABF7C65-9D4E-430D-B632-6034C3D040A5}"/>
+          </ac:spMkLst>
+        </pc:spChg>
+        <pc:spChg chg="del mod">
+          <ac:chgData name="A57566093@fgv.edu.br" userId="1bb9ad80-ff55-479f-acd6-204a7fcb2663" providerId="ADAL" clId="{6EAA8C06-7F8D-43F2-902E-F978E52A88FA}" dt="2020-05-30T17:15:48.997" v="1132" actId="478"/>
+          <ac:spMkLst>
+            <pc:docMk/>
+            <pc:sldMk cId="1275928961" sldId="372"/>
+            <ac:spMk id="81" creationId="{646DA2B6-B23A-4B4A-B2D5-BF5B630F4AA1}"/>
+          </ac:spMkLst>
+        </pc:spChg>
+        <pc:spChg chg="mod">
+          <ac:chgData name="A57566093@fgv.edu.br" userId="1bb9ad80-ff55-479f-acd6-204a7fcb2663" providerId="ADAL" clId="{6EAA8C06-7F8D-43F2-902E-F978E52A88FA}" dt="2020-05-30T17:56:42.628" v="1996" actId="1035"/>
+          <ac:spMkLst>
+            <pc:docMk/>
+            <pc:sldMk cId="1275928961" sldId="372"/>
+            <ac:spMk id="82" creationId="{812F77D9-757B-41CC-A681-C64ED82BD50D}"/>
+          </ac:spMkLst>
+        </pc:spChg>
+        <pc:spChg chg="mod topLvl">
+          <ac:chgData name="A57566093@fgv.edu.br" userId="1bb9ad80-ff55-479f-acd6-204a7fcb2663" providerId="ADAL" clId="{6EAA8C06-7F8D-43F2-902E-F978E52A88FA}" dt="2020-05-30T17:56:42.628" v="1996" actId="1035"/>
+          <ac:spMkLst>
+            <pc:docMk/>
+            <pc:sldMk cId="1275928961" sldId="372"/>
+            <ac:spMk id="86" creationId="{1AEC6ECF-0C27-451B-AC63-12BACD6273BD}"/>
+          </ac:spMkLst>
+        </pc:spChg>
+        <pc:spChg chg="mod ord topLvl">
+          <ac:chgData name="A57566093@fgv.edu.br" userId="1bb9ad80-ff55-479f-acd6-204a7fcb2663" providerId="ADAL" clId="{6EAA8C06-7F8D-43F2-902E-F978E52A88FA}" dt="2020-05-30T17:56:42.628" v="1996" actId="1035"/>
+          <ac:spMkLst>
+            <pc:docMk/>
+            <pc:sldMk cId="1275928961" sldId="372"/>
+            <ac:spMk id="98" creationId="{0AB91B6E-EBE3-4DA5-8761-287504DDCA75}"/>
+          </ac:spMkLst>
+        </pc:spChg>
+        <pc:spChg chg="mod topLvl">
+          <ac:chgData name="A57566093@fgv.edu.br" userId="1bb9ad80-ff55-479f-acd6-204a7fcb2663" providerId="ADAL" clId="{6EAA8C06-7F8D-43F2-902E-F978E52A88FA}" dt="2020-05-30T17:56:42.628" v="1996" actId="1035"/>
+          <ac:spMkLst>
+            <pc:docMk/>
+            <pc:sldMk cId="1275928961" sldId="372"/>
+            <ac:spMk id="101" creationId="{058871C4-6BF6-4AA4-A64E-B588205948A7}"/>
+          </ac:spMkLst>
+        </pc:spChg>
+        <pc:spChg chg="mod topLvl">
+          <ac:chgData name="A57566093@fgv.edu.br" userId="1bb9ad80-ff55-479f-acd6-204a7fcb2663" providerId="ADAL" clId="{6EAA8C06-7F8D-43F2-902E-F978E52A88FA}" dt="2020-05-30T17:56:42.628" v="1996" actId="1035"/>
+          <ac:spMkLst>
+            <pc:docMk/>
+            <pc:sldMk cId="1275928961" sldId="372"/>
+            <ac:spMk id="104" creationId="{EBEB97F3-6B7B-4B88-A096-DAE1916BDAAC}"/>
+          </ac:spMkLst>
+        </pc:spChg>
+        <pc:spChg chg="mod topLvl">
+          <ac:chgData name="A57566093@fgv.edu.br" userId="1bb9ad80-ff55-479f-acd6-204a7fcb2663" providerId="ADAL" clId="{6EAA8C06-7F8D-43F2-902E-F978E52A88FA}" dt="2020-05-30T17:56:42.628" v="1996" actId="1035"/>
+          <ac:spMkLst>
+            <pc:docMk/>
+            <pc:sldMk cId="1275928961" sldId="372"/>
+            <ac:spMk id="107" creationId="{7E6F721C-66BD-4EBD-80CA-98AA8720ECB2}"/>
+          </ac:spMkLst>
+        </pc:spChg>
+        <pc:spChg chg="mod topLvl">
+          <ac:chgData name="A57566093@fgv.edu.br" userId="1bb9ad80-ff55-479f-acd6-204a7fcb2663" providerId="ADAL" clId="{6EAA8C06-7F8D-43F2-902E-F978E52A88FA}" dt="2020-05-30T17:56:42.628" v="1996" actId="1035"/>
+          <ac:spMkLst>
+            <pc:docMk/>
+            <pc:sldMk cId="1275928961" sldId="372"/>
+            <ac:spMk id="113" creationId="{D3580611-CEF8-4754-BF62-848293D3247D}"/>
+          </ac:spMkLst>
+        </pc:spChg>
+        <pc:spChg chg="mod topLvl">
+          <ac:chgData name="A57566093@fgv.edu.br" userId="1bb9ad80-ff55-479f-acd6-204a7fcb2663" providerId="ADAL" clId="{6EAA8C06-7F8D-43F2-902E-F978E52A88FA}" dt="2020-05-30T17:56:42.628" v="1996" actId="1035"/>
+          <ac:spMkLst>
+            <pc:docMk/>
+            <pc:sldMk cId="1275928961" sldId="372"/>
+            <ac:spMk id="116" creationId="{9DDEC0B5-D125-464A-9615-269DDD5588FC}"/>
+          </ac:spMkLst>
+        </pc:spChg>
+        <pc:spChg chg="mod ord topLvl">
+          <ac:chgData name="A57566093@fgv.edu.br" userId="1bb9ad80-ff55-479f-acd6-204a7fcb2663" providerId="ADAL" clId="{6EAA8C06-7F8D-43F2-902E-F978E52A88FA}" dt="2020-05-30T17:56:42.628" v="1996" actId="1035"/>
+          <ac:spMkLst>
+            <pc:docMk/>
+            <pc:sldMk cId="1275928961" sldId="372"/>
+            <ac:spMk id="119" creationId="{A97CD634-7EF8-44B7-A700-2AA0B596D495}"/>
+          </ac:spMkLst>
+        </pc:spChg>
+        <pc:spChg chg="mod topLvl">
+          <ac:chgData name="A57566093@fgv.edu.br" userId="1bb9ad80-ff55-479f-acd6-204a7fcb2663" providerId="ADAL" clId="{6EAA8C06-7F8D-43F2-902E-F978E52A88FA}" dt="2020-05-30T17:56:42.628" v="1996" actId="1035"/>
+          <ac:spMkLst>
+            <pc:docMk/>
+            <pc:sldMk cId="1275928961" sldId="372"/>
+            <ac:spMk id="122" creationId="{8A3D1205-79D5-4CFC-B6AC-4415A304CFFD}"/>
+          </ac:spMkLst>
+        </pc:spChg>
+        <pc:spChg chg="mod">
+          <ac:chgData name="A57566093@fgv.edu.br" userId="1bb9ad80-ff55-479f-acd6-204a7fcb2663" providerId="ADAL" clId="{6EAA8C06-7F8D-43F2-902E-F978E52A88FA}" dt="2020-05-30T17:56:42.628" v="1996" actId="1035"/>
+          <ac:spMkLst>
+            <pc:docMk/>
+            <pc:sldMk cId="1275928961" sldId="372"/>
+            <ac:spMk id="123" creationId="{7D9BCB58-5C55-4D8D-93C5-F0FBADBEC4D2}"/>
+          </ac:spMkLst>
+        </pc:spChg>
+        <pc:spChg chg="mod">
+          <ac:chgData name="A57566093@fgv.edu.br" userId="1bb9ad80-ff55-479f-acd6-204a7fcb2663" providerId="ADAL" clId="{6EAA8C06-7F8D-43F2-902E-F978E52A88FA}" dt="2020-05-30T17:56:42.628" v="1996" actId="1035"/>
+          <ac:spMkLst>
+            <pc:docMk/>
+            <pc:sldMk cId="1275928961" sldId="372"/>
+            <ac:spMk id="124" creationId="{CE42AB43-6BF3-41F5-9C4E-D0A9AF81D796}"/>
+          </ac:spMkLst>
+        </pc:spChg>
+        <pc:spChg chg="mod">
+          <ac:chgData name="A57566093@fgv.edu.br" userId="1bb9ad80-ff55-479f-acd6-204a7fcb2663" providerId="ADAL" clId="{6EAA8C06-7F8D-43F2-902E-F978E52A88FA}" dt="2020-05-30T17:56:42.628" v="1996" actId="1035"/>
+          <ac:spMkLst>
+            <pc:docMk/>
+            <pc:sldMk cId="1275928961" sldId="372"/>
+            <ac:spMk id="125" creationId="{F97F9173-C9ED-416F-8569-2E32A0AE76FC}"/>
+          </ac:spMkLst>
+        </pc:spChg>
+        <pc:spChg chg="mod">
+          <ac:chgData name="A57566093@fgv.edu.br" userId="1bb9ad80-ff55-479f-acd6-204a7fcb2663" providerId="ADAL" clId="{6EAA8C06-7F8D-43F2-902E-F978E52A88FA}" dt="2020-05-30T17:56:42.628" v="1996" actId="1035"/>
+          <ac:spMkLst>
+            <pc:docMk/>
+            <pc:sldMk cId="1275928961" sldId="372"/>
+            <ac:spMk id="126" creationId="{6C30A25B-8A3C-4C3E-B7A9-CF223180C05A}"/>
+          </ac:spMkLst>
+        </pc:spChg>
+        <pc:spChg chg="mod">
+          <ac:chgData name="A57566093@fgv.edu.br" userId="1bb9ad80-ff55-479f-acd6-204a7fcb2663" providerId="ADAL" clId="{6EAA8C06-7F8D-43F2-902E-F978E52A88FA}" dt="2020-05-30T17:56:42.628" v="1996" actId="1035"/>
+          <ac:spMkLst>
+            <pc:docMk/>
+            <pc:sldMk cId="1275928961" sldId="372"/>
+            <ac:spMk id="127" creationId="{FABB6E0A-CCC2-4AD7-A0AF-7CD3984124A1}"/>
+          </ac:spMkLst>
+        </pc:spChg>
+        <pc:spChg chg="mod">
+          <ac:chgData name="A57566093@fgv.edu.br" userId="1bb9ad80-ff55-479f-acd6-204a7fcb2663" providerId="ADAL" clId="{6EAA8C06-7F8D-43F2-902E-F978E52A88FA}" dt="2020-05-30T17:59:37.734" v="2018" actId="20577"/>
+          <ac:spMkLst>
+            <pc:docMk/>
+            <pc:sldMk cId="1275928961" sldId="372"/>
+            <ac:spMk id="128" creationId="{92688E06-F987-40CF-8540-4268639286BA}"/>
+          </ac:spMkLst>
+        </pc:spChg>
+        <pc:spChg chg="mod">
+          <ac:chgData name="A57566093@fgv.edu.br" userId="1bb9ad80-ff55-479f-acd6-204a7fcb2663" providerId="ADAL" clId="{6EAA8C06-7F8D-43F2-902E-F978E52A88FA}" dt="2020-05-30T17:56:42.628" v="1996" actId="1035"/>
+          <ac:spMkLst>
+            <pc:docMk/>
+            <pc:sldMk cId="1275928961" sldId="372"/>
+            <ac:spMk id="129" creationId="{1A0E9EB0-A93E-4A0F-9159-A3178E3C8952}"/>
+          </ac:spMkLst>
+        </pc:spChg>
+        <pc:spChg chg="mod">
+          <ac:chgData name="A57566093@fgv.edu.br" userId="1bb9ad80-ff55-479f-acd6-204a7fcb2663" providerId="ADAL" clId="{6EAA8C06-7F8D-43F2-902E-F978E52A88FA}" dt="2020-05-30T17:56:42.628" v="1996" actId="1035"/>
+          <ac:spMkLst>
+            <pc:docMk/>
+            <pc:sldMk cId="1275928961" sldId="372"/>
+            <ac:spMk id="130" creationId="{969455D6-4BF0-4A0F-B7D6-23541D50CFF1}"/>
+          </ac:spMkLst>
+        </pc:spChg>
+        <pc:spChg chg="mod">
+          <ac:chgData name="A57566093@fgv.edu.br" userId="1bb9ad80-ff55-479f-acd6-204a7fcb2663" providerId="ADAL" clId="{6EAA8C06-7F8D-43F2-902E-F978E52A88FA}" dt="2020-05-30T17:56:42.628" v="1996" actId="1035"/>
+          <ac:spMkLst>
+            <pc:docMk/>
+            <pc:sldMk cId="1275928961" sldId="372"/>
+            <ac:spMk id="131" creationId="{7CB07761-F4B3-4D53-AEC9-B31C26E03C9E}"/>
+          </ac:spMkLst>
+        </pc:spChg>
+        <pc:spChg chg="mod">
+          <ac:chgData name="A57566093@fgv.edu.br" userId="1bb9ad80-ff55-479f-acd6-204a7fcb2663" providerId="ADAL" clId="{6EAA8C06-7F8D-43F2-902E-F978E52A88FA}" dt="2020-05-30T17:56:42.628" v="1996" actId="1035"/>
+          <ac:spMkLst>
+            <pc:docMk/>
+            <pc:sldMk cId="1275928961" sldId="372"/>
+            <ac:spMk id="132" creationId="{EEAC9399-E202-4C04-99D3-A6B56D3DE0C5}"/>
+          </ac:spMkLst>
+        </pc:spChg>
+        <pc:spChg chg="mod">
+          <ac:chgData name="A57566093@fgv.edu.br" userId="1bb9ad80-ff55-479f-acd6-204a7fcb2663" providerId="ADAL" clId="{6EAA8C06-7F8D-43F2-902E-F978E52A88FA}" dt="2020-05-30T17:56:42.628" v="1996" actId="1035"/>
+          <ac:spMkLst>
+            <pc:docMk/>
+            <pc:sldMk cId="1275928961" sldId="372"/>
+            <ac:spMk id="133" creationId="{3A33CC4D-D74B-4740-A182-2BF2D1190599}"/>
+          </ac:spMkLst>
+        </pc:spChg>
+        <pc:spChg chg="mod">
+          <ac:chgData name="A57566093@fgv.edu.br" userId="1bb9ad80-ff55-479f-acd6-204a7fcb2663" providerId="ADAL" clId="{6EAA8C06-7F8D-43F2-902E-F978E52A88FA}" dt="2020-05-30T17:56:42.628" v="1996" actId="1035"/>
+          <ac:spMkLst>
+            <pc:docMk/>
+            <pc:sldMk cId="1275928961" sldId="372"/>
+            <ac:spMk id="134" creationId="{15F0DA74-3C64-4143-BD54-DF90199C1D2E}"/>
+          </ac:spMkLst>
+        </pc:spChg>
+        <pc:spChg chg="mod">
+          <ac:chgData name="A57566093@fgv.edu.br" userId="1bb9ad80-ff55-479f-acd6-204a7fcb2663" providerId="ADAL" clId="{6EAA8C06-7F8D-43F2-902E-F978E52A88FA}" dt="2020-05-30T17:59:15.093" v="2011" actId="20577"/>
+          <ac:spMkLst>
+            <pc:docMk/>
+            <pc:sldMk cId="1275928961" sldId="372"/>
+            <ac:spMk id="135" creationId="{19F6B6C0-A6F1-4495-B8E2-7CA957C41286}"/>
+          </ac:spMkLst>
+        </pc:spChg>
+        <pc:spChg chg="add del mod">
+          <ac:chgData name="A57566093@fgv.edu.br" userId="1bb9ad80-ff55-479f-acd6-204a7fcb2663" providerId="ADAL" clId="{6EAA8C06-7F8D-43F2-902E-F978E52A88FA}" dt="2020-05-30T17:15:27.794" v="1112" actId="478"/>
+          <ac:spMkLst>
+            <pc:docMk/>
+            <pc:sldMk cId="1275928961" sldId="372"/>
+            <ac:spMk id="136" creationId="{B4178B04-BDF7-401F-AB34-1862A572C7C8}"/>
+          </ac:spMkLst>
+        </pc:spChg>
+        <pc:spChg chg="add mod">
+          <ac:chgData name="A57566093@fgv.edu.br" userId="1bb9ad80-ff55-479f-acd6-204a7fcb2663" providerId="ADAL" clId="{6EAA8C06-7F8D-43F2-902E-F978E52A88FA}" dt="2020-05-30T17:56:42.628" v="1996" actId="1035"/>
+          <ac:spMkLst>
+            <pc:docMk/>
+            <pc:sldMk cId="1275928961" sldId="372"/>
+            <ac:spMk id="138" creationId="{883BA034-3CFF-4548-9ABB-E1C0C74E7C93}"/>
+          </ac:spMkLst>
+        </pc:spChg>
+        <pc:spChg chg="add mod">
+          <ac:chgData name="A57566093@fgv.edu.br" userId="1bb9ad80-ff55-479f-acd6-204a7fcb2663" providerId="ADAL" clId="{6EAA8C06-7F8D-43F2-902E-F978E52A88FA}" dt="2020-05-30T18:05:21.598" v="2099"/>
+          <ac:spMkLst>
+            <pc:docMk/>
+            <pc:sldMk cId="1275928961" sldId="372"/>
+            <ac:spMk id="139" creationId="{11CA5B1E-2A64-4CC1-8D14-56CF4B944878}"/>
+          </ac:spMkLst>
+        </pc:spChg>
+        <pc:spChg chg="mod topLvl">
+          <ac:chgData name="A57566093@fgv.edu.br" userId="1bb9ad80-ff55-479f-acd6-204a7fcb2663" providerId="ADAL" clId="{6EAA8C06-7F8D-43F2-902E-F978E52A88FA}" dt="2020-05-30T17:56:42.628" v="1996" actId="1035"/>
+          <ac:spMkLst>
+            <pc:docMk/>
+            <pc:sldMk cId="1275928961" sldId="372"/>
+            <ac:spMk id="140" creationId="{607C9564-A9A0-4C19-8EAC-999D0EFFD7C9}"/>
+          </ac:spMkLst>
+        </pc:spChg>
+        <pc:spChg chg="add mod">
+          <ac:chgData name="A57566093@fgv.edu.br" userId="1bb9ad80-ff55-479f-acd6-204a7fcb2663" providerId="ADAL" clId="{6EAA8C06-7F8D-43F2-902E-F978E52A88FA}" dt="2020-05-30T18:05:31.403" v="2102" actId="20577"/>
+          <ac:spMkLst>
+            <pc:docMk/>
+            <pc:sldMk cId="1275928961" sldId="372"/>
+            <ac:spMk id="141" creationId="{66785AF6-978F-4F12-BD3B-A23E9D9412F1}"/>
+          </ac:spMkLst>
+        </pc:spChg>
+        <pc:spChg chg="add mod">
+          <ac:chgData name="A57566093@fgv.edu.br" userId="1bb9ad80-ff55-479f-acd6-204a7fcb2663" providerId="ADAL" clId="{6EAA8C06-7F8D-43F2-902E-F978E52A88FA}" dt="2020-05-30T18:05:12.034" v="2095"/>
+          <ac:spMkLst>
+            <pc:docMk/>
+            <pc:sldMk cId="1275928961" sldId="372"/>
+            <ac:spMk id="142" creationId="{1C7B873A-BDF7-49C0-B480-E2B18EEC0B7F}"/>
+          </ac:spMkLst>
+        </pc:spChg>
+        <pc:spChg chg="add mod">
+          <ac:chgData name="A57566093@fgv.edu.br" userId="1bb9ad80-ff55-479f-acd6-204a7fcb2663" providerId="ADAL" clId="{6EAA8C06-7F8D-43F2-902E-F978E52A88FA}" dt="2020-05-30T18:04:58.369" v="2091" actId="20577"/>
+          <ac:spMkLst>
+            <pc:docMk/>
+            <pc:sldMk cId="1275928961" sldId="372"/>
+            <ac:spMk id="143" creationId="{33666E9B-EB64-4015-980E-A41A7F25DE24}"/>
+          </ac:spMkLst>
+        </pc:spChg>
+        <pc:spChg chg="add mod">
+          <ac:chgData name="A57566093@fgv.edu.br" userId="1bb9ad80-ff55-479f-acd6-204a7fcb2663" providerId="ADAL" clId="{6EAA8C06-7F8D-43F2-902E-F978E52A88FA}" dt="2020-05-30T18:05:07.409" v="2094" actId="20577"/>
+          <ac:spMkLst>
+            <pc:docMk/>
+            <pc:sldMk cId="1275928961" sldId="372"/>
+            <ac:spMk id="144" creationId="{8CB7FC1A-8E60-4EED-8B1D-9A05E9117621}"/>
+          </ac:spMkLst>
+        </pc:spChg>
+        <pc:spChg chg="add mod">
+          <ac:chgData name="A57566093@fgv.edu.br" userId="1bb9ad80-ff55-479f-acd6-204a7fcb2663" providerId="ADAL" clId="{6EAA8C06-7F8D-43F2-902E-F978E52A88FA}" dt="2020-05-30T18:05:18.559" v="2098" actId="20577"/>
+          <ac:spMkLst>
+            <pc:docMk/>
+            <pc:sldMk cId="1275928961" sldId="372"/>
+            <ac:spMk id="145" creationId="{8A0DEF7D-8FCD-4543-AB0B-C6450C02E31F}"/>
+          </ac:spMkLst>
+        </pc:spChg>
+        <pc:spChg chg="add mod">
+          <ac:chgData name="A57566093@fgv.edu.br" userId="1bb9ad80-ff55-479f-acd6-204a7fcb2663" providerId="ADAL" clId="{6EAA8C06-7F8D-43F2-902E-F978E52A88FA}" dt="2020-05-30T18:05:38.272" v="2105" actId="20577"/>
+          <ac:spMkLst>
+            <pc:docMk/>
+            <pc:sldMk cId="1275928961" sldId="372"/>
+            <ac:spMk id="147" creationId="{AD667E69-0B55-42F4-9903-69330D706F80}"/>
+          </ac:spMkLst>
+        </pc:spChg>
+        <pc:spChg chg="add mod">
+          <ac:chgData name="A57566093@fgv.edu.br" userId="1bb9ad80-ff55-479f-acd6-204a7fcb2663" providerId="ADAL" clId="{6EAA8C06-7F8D-43F2-902E-F978E52A88FA}" dt="2020-05-30T18:05:42.829" v="2108" actId="20577"/>
+          <ac:spMkLst>
+            <pc:docMk/>
+            <pc:sldMk cId="1275928961" sldId="372"/>
+            <ac:spMk id="148" creationId="{B0B65378-071C-4A53-AD0B-EC390F3C2EA0}"/>
+          </ac:spMkLst>
+        </pc:spChg>
+        <pc:spChg chg="add mod">
+          <ac:chgData name="A57566093@fgv.edu.br" userId="1bb9ad80-ff55-479f-acd6-204a7fcb2663" providerId="ADAL" clId="{6EAA8C06-7F8D-43F2-902E-F978E52A88FA}" dt="2020-05-30T17:56:42.628" v="1996" actId="1035"/>
+          <ac:spMkLst>
+            <pc:docMk/>
+            <pc:sldMk cId="1275928961" sldId="372"/>
+            <ac:spMk id="149" creationId="{2855B1C8-F95F-4581-A7A9-2C83A127B926}"/>
+          </ac:spMkLst>
+        </pc:spChg>
+        <pc:spChg chg="add mod">
+          <ac:chgData name="A57566093@fgv.edu.br" userId="1bb9ad80-ff55-479f-acd6-204a7fcb2663" providerId="ADAL" clId="{6EAA8C06-7F8D-43F2-902E-F978E52A88FA}" dt="2020-05-30T18:05:49.074" v="2111" actId="20577"/>
+          <ac:spMkLst>
+            <pc:docMk/>
+            <pc:sldMk cId="1275928961" sldId="372"/>
+            <ac:spMk id="150" creationId="{5F5D66D8-AF9A-4908-8C30-FCBF866C9619}"/>
+          </ac:spMkLst>
+        </pc:spChg>
+        <pc:grpChg chg="add del mod">
+          <ac:chgData name="A57566093@fgv.edu.br" userId="1bb9ad80-ff55-479f-acd6-204a7fcb2663" providerId="ADAL" clId="{6EAA8C06-7F8D-43F2-902E-F978E52A88FA}" dt="2020-05-30T17:03:24.274" v="784" actId="165"/>
+          <ac:grpSpMkLst>
+            <pc:docMk/>
+            <pc:sldMk cId="1275928961" sldId="372"/>
+            <ac:grpSpMk id="84" creationId="{CE86F772-74FF-4732-91AB-F7660CAA0080}"/>
+          </ac:grpSpMkLst>
+        </pc:grpChg>
+        <pc:grpChg chg="del mod">
+          <ac:chgData name="A57566093@fgv.edu.br" userId="1bb9ad80-ff55-479f-acd6-204a7fcb2663" providerId="ADAL" clId="{6EAA8C06-7F8D-43F2-902E-F978E52A88FA}" dt="2020-05-30T15:52:41.374" v="337" actId="165"/>
+          <ac:grpSpMkLst>
+            <pc:docMk/>
+            <pc:sldMk cId="1275928961" sldId="372"/>
+            <ac:grpSpMk id="84" creationId="{D91536B1-6F35-4360-A678-306591A6CE20}"/>
+          </ac:grpSpMkLst>
+        </pc:grpChg>
+        <pc:grpChg chg="mod">
+          <ac:chgData name="A57566093@fgv.edu.br" userId="1bb9ad80-ff55-479f-acd6-204a7fcb2663" providerId="ADAL" clId="{6EAA8C06-7F8D-43F2-902E-F978E52A88FA}" dt="2020-05-30T17:56:42.628" v="1996" actId="1035"/>
+          <ac:grpSpMkLst>
+            <pc:docMk/>
+            <pc:sldMk cId="1275928961" sldId="372"/>
+            <ac:grpSpMk id="87" creationId="{A449242F-42DA-49A5-9682-FBDECB48F21C}"/>
+          </ac:grpSpMkLst>
+        </pc:grpChg>
+        <pc:grpChg chg="mod">
+          <ac:chgData name="A57566093@fgv.edu.br" userId="1bb9ad80-ff55-479f-acd6-204a7fcb2663" providerId="ADAL" clId="{6EAA8C06-7F8D-43F2-902E-F978E52A88FA}" dt="2020-05-30T17:56:42.628" v="1996" actId="1035"/>
+          <ac:grpSpMkLst>
+            <pc:docMk/>
+            <pc:sldMk cId="1275928961" sldId="372"/>
+            <ac:grpSpMk id="90" creationId="{0A78FD27-1770-48EC-8934-CB96880C0622}"/>
+          </ac:grpSpMkLst>
+        </pc:grpChg>
+        <pc:grpChg chg="mod">
+          <ac:chgData name="A57566093@fgv.edu.br" userId="1bb9ad80-ff55-479f-acd6-204a7fcb2663" providerId="ADAL" clId="{6EAA8C06-7F8D-43F2-902E-F978E52A88FA}" dt="2020-05-30T17:56:42.628" v="1996" actId="1035"/>
+          <ac:grpSpMkLst>
+            <pc:docMk/>
+            <pc:sldMk cId="1275928961" sldId="372"/>
+            <ac:grpSpMk id="93" creationId="{009339D9-89B9-47EC-9739-387D913BEC3B}"/>
+          </ac:grpSpMkLst>
+        </pc:grpChg>
+        <pc:grpChg chg="del mod ord">
+          <ac:chgData name="A57566093@fgv.edu.br" userId="1bb9ad80-ff55-479f-acd6-204a7fcb2663" providerId="ADAL" clId="{6EAA8C06-7F8D-43F2-902E-F978E52A88FA}" dt="2020-05-30T17:06:36.688" v="969" actId="165"/>
+          <ac:grpSpMkLst>
+            <pc:docMk/>
+            <pc:sldMk cId="1275928961" sldId="372"/>
+            <ac:grpSpMk id="96" creationId="{AE3EBA0A-6AE8-4C22-8B5E-4545342A3379}"/>
+          </ac:grpSpMkLst>
+        </pc:grpChg>
+        <pc:grpChg chg="del mod">
+          <ac:chgData name="A57566093@fgv.edu.br" userId="1bb9ad80-ff55-479f-acd6-204a7fcb2663" providerId="ADAL" clId="{6EAA8C06-7F8D-43F2-902E-F978E52A88FA}" dt="2020-05-30T17:23:02.811" v="1293" actId="165"/>
+          <ac:grpSpMkLst>
+            <pc:docMk/>
+            <pc:sldMk cId="1275928961" sldId="372"/>
+            <ac:grpSpMk id="99" creationId="{A5601210-0137-4FFA-A0A4-5E09B487C474}"/>
+          </ac:grpSpMkLst>
+        </pc:grpChg>
+        <pc:grpChg chg="del mod">
+          <ac:chgData name="A57566093@fgv.edu.br" userId="1bb9ad80-ff55-479f-acd6-204a7fcb2663" providerId="ADAL" clId="{6EAA8C06-7F8D-43F2-902E-F978E52A88FA}" dt="2020-05-30T17:24:19.693" v="1310" actId="165"/>
+          <ac:grpSpMkLst>
+            <pc:docMk/>
+            <pc:sldMk cId="1275928961" sldId="372"/>
+            <ac:grpSpMk id="102" creationId="{455C307F-CAB5-4509-B739-A94675E2E65A}"/>
+          </ac:grpSpMkLst>
+        </pc:grpChg>
+        <pc:grpChg chg="del mod">
+          <ac:chgData name="A57566093@fgv.edu.br" userId="1bb9ad80-ff55-479f-acd6-204a7fcb2663" providerId="ADAL" clId="{6EAA8C06-7F8D-43F2-902E-F978E52A88FA}" dt="2020-05-30T17:36:36.548" v="1563" actId="165"/>
+          <ac:grpSpMkLst>
+            <pc:docMk/>
+            <pc:sldMk cId="1275928961" sldId="372"/>
+            <ac:grpSpMk id="105" creationId="{3E056A8A-BB57-4F1D-BC98-12E5C6BC16EF}"/>
+          </ac:grpSpMkLst>
+        </pc:grpChg>
+        <pc:grpChg chg="mod">
+          <ac:chgData name="A57566093@fgv.edu.br" userId="1bb9ad80-ff55-479f-acd6-204a7fcb2663" providerId="ADAL" clId="{6EAA8C06-7F8D-43F2-902E-F978E52A88FA}" dt="2020-05-30T17:56:42.628" v="1996" actId="1035"/>
+          <ac:grpSpMkLst>
+            <pc:docMk/>
+            <pc:sldMk cId="1275928961" sldId="372"/>
+            <ac:grpSpMk id="108" creationId="{0E86805B-6CCF-47D5-BC48-4CEDDE54DFDA}"/>
+          </ac:grpSpMkLst>
+        </pc:grpChg>
+        <pc:grpChg chg="del mod">
+          <ac:chgData name="A57566093@fgv.edu.br" userId="1bb9ad80-ff55-479f-acd6-204a7fcb2663" providerId="ADAL" clId="{6EAA8C06-7F8D-43F2-902E-F978E52A88FA}" dt="2020-05-30T15:53:48.311" v="363" actId="165"/>
+          <ac:grpSpMkLst>
+            <pc:docMk/>
+            <pc:sldMk cId="1275928961" sldId="372"/>
+            <ac:grpSpMk id="111" creationId="{A650A8F1-3421-4ABB-88A5-7ED88D5D874C}"/>
+          </ac:grpSpMkLst>
+        </pc:grpChg>
+        <pc:grpChg chg="del mod">
+          <ac:chgData name="A57566093@fgv.edu.br" userId="1bb9ad80-ff55-479f-acd6-204a7fcb2663" providerId="ADAL" clId="{6EAA8C06-7F8D-43F2-902E-F978E52A88FA}" dt="2020-05-30T17:03:52.472" v="792" actId="165"/>
+          <ac:grpSpMkLst>
+            <pc:docMk/>
+            <pc:sldMk cId="1275928961" sldId="372"/>
+            <ac:grpSpMk id="114" creationId="{7450F4FC-D01B-4AD7-B487-0ACA7397AC4E}"/>
+          </ac:grpSpMkLst>
+        </pc:grpChg>
+        <pc:grpChg chg="del mod ord">
+          <ac:chgData name="A57566093@fgv.edu.br" userId="1bb9ad80-ff55-479f-acd6-204a7fcb2663" providerId="ADAL" clId="{6EAA8C06-7F8D-43F2-902E-F978E52A88FA}" dt="2020-05-30T17:31:01.073" v="1390" actId="165"/>
+          <ac:grpSpMkLst>
+            <pc:docMk/>
+            <pc:sldMk cId="1275928961" sldId="372"/>
+            <ac:grpSpMk id="117" creationId="{3B7BF9C9-D32C-4853-B4E0-66B308C1F1F9}"/>
+          </ac:grpSpMkLst>
+        </pc:grpChg>
+        <pc:grpChg chg="add del mod">
+          <ac:chgData name="A57566093@fgv.edu.br" userId="1bb9ad80-ff55-479f-acd6-204a7fcb2663" providerId="ADAL" clId="{6EAA8C06-7F8D-43F2-902E-F978E52A88FA}" dt="2020-05-30T17:32:39.229" v="1412" actId="165"/>
+          <ac:grpSpMkLst>
+            <pc:docMk/>
+            <pc:sldMk cId="1275928961" sldId="372"/>
+            <ac:grpSpMk id="120" creationId="{150A68D1-1CC1-4879-A373-E2A78A041BA0}"/>
+          </ac:grpSpMkLst>
+        </pc:grpChg>
+        <pc:cxnChg chg="mod">
+          <ac:chgData name="A57566093@fgv.edu.br" userId="1bb9ad80-ff55-479f-acd6-204a7fcb2663" providerId="ADAL" clId="{6EAA8C06-7F8D-43F2-902E-F978E52A88FA}" dt="2020-05-30T18:09:42.664" v="2152" actId="1035"/>
+          <ac:cxnSpMkLst>
+            <pc:docMk/>
+            <pc:sldMk cId="1275928961" sldId="372"/>
+            <ac:cxnSpMk id="13" creationId="{48D98D49-C026-4684-B519-FFB569F22EC7}"/>
+          </ac:cxnSpMkLst>
+        </pc:cxnChg>
+        <pc:cxnChg chg="add mod">
+          <ac:chgData name="A57566093@fgv.edu.br" userId="1bb9ad80-ff55-479f-acd6-204a7fcb2663" providerId="ADAL" clId="{6EAA8C06-7F8D-43F2-902E-F978E52A88FA}" dt="2020-05-30T17:56:42.628" v="1996" actId="1035"/>
+          <ac:cxnSpMkLst>
+            <pc:docMk/>
+            <pc:sldMk cId="1275928961" sldId="372"/>
+            <ac:cxnSpMk id="46" creationId="{E61903AA-0568-4B18-96E4-544B532DC342}"/>
+          </ac:cxnSpMkLst>
+        </pc:cxnChg>
+        <pc:cxnChg chg="mod">
+          <ac:chgData name="A57566093@fgv.edu.br" userId="1bb9ad80-ff55-479f-acd6-204a7fcb2663" providerId="ADAL" clId="{6EAA8C06-7F8D-43F2-902E-F978E52A88FA}" dt="2020-05-30T17:56:42.628" v="1996" actId="1035"/>
+          <ac:cxnSpMkLst>
+            <pc:docMk/>
+            <pc:sldMk cId="1275928961" sldId="372"/>
+            <ac:cxnSpMk id="83" creationId="{D2BB6D3C-AC2E-447F-96E3-7559E90478C4}"/>
+          </ac:cxnSpMkLst>
+        </pc:cxnChg>
+        <pc:cxnChg chg="mod topLvl">
+          <ac:chgData name="A57566093@fgv.edu.br" userId="1bb9ad80-ff55-479f-acd6-204a7fcb2663" providerId="ADAL" clId="{6EAA8C06-7F8D-43F2-902E-F978E52A88FA}" dt="2020-05-30T18:08:53.704" v="2140" actId="1038"/>
+          <ac:cxnSpMkLst>
+            <pc:docMk/>
+            <pc:sldMk cId="1275928961" sldId="372"/>
+            <ac:cxnSpMk id="85" creationId="{BA61902F-AEBD-4512-BCA0-F505437641C0}"/>
+          </ac:cxnSpMkLst>
+        </pc:cxnChg>
+        <pc:cxnChg chg="mod topLvl">
+          <ac:chgData name="A57566093@fgv.edu.br" userId="1bb9ad80-ff55-479f-acd6-204a7fcb2663" providerId="ADAL" clId="{6EAA8C06-7F8D-43F2-902E-F978E52A88FA}" dt="2020-05-30T17:56:42.628" v="1996" actId="1035"/>
+          <ac:cxnSpMkLst>
+            <pc:docMk/>
+            <pc:sldMk cId="1275928961" sldId="372"/>
+            <ac:cxnSpMk id="97" creationId="{0BEC07D7-3227-445D-B866-AAE84F38C61D}"/>
+          </ac:cxnSpMkLst>
+        </pc:cxnChg>
+        <pc:cxnChg chg="mod topLvl">
+          <ac:chgData name="A57566093@fgv.edu.br" userId="1bb9ad80-ff55-479f-acd6-204a7fcb2663" providerId="ADAL" clId="{6EAA8C06-7F8D-43F2-902E-F978E52A88FA}" dt="2020-05-30T17:56:42.628" v="1996" actId="1035"/>
+          <ac:cxnSpMkLst>
+            <pc:docMk/>
+            <pc:sldMk cId="1275928961" sldId="372"/>
+            <ac:cxnSpMk id="100" creationId="{FFB82AA6-02AA-40DA-B606-4A7EB51450C4}"/>
+          </ac:cxnSpMkLst>
+        </pc:cxnChg>
+        <pc:cxnChg chg="mod topLvl">
+          <ac:chgData name="A57566093@fgv.edu.br" userId="1bb9ad80-ff55-479f-acd6-204a7fcb2663" providerId="ADAL" clId="{6EAA8C06-7F8D-43F2-902E-F978E52A88FA}" dt="2020-05-30T17:56:42.628" v="1996" actId="1035"/>
+          <ac:cxnSpMkLst>
+            <pc:docMk/>
+            <pc:sldMk cId="1275928961" sldId="372"/>
+            <ac:cxnSpMk id="103" creationId="{5685F5D6-F17F-4053-BF7E-6612AEE91A09}"/>
+          </ac:cxnSpMkLst>
+        </pc:cxnChg>
+        <pc:cxnChg chg="mod topLvl">
+          <ac:chgData name="A57566093@fgv.edu.br" userId="1bb9ad80-ff55-479f-acd6-204a7fcb2663" providerId="ADAL" clId="{6EAA8C06-7F8D-43F2-902E-F978E52A88FA}" dt="2020-05-30T17:56:42.628" v="1996" actId="1035"/>
+          <ac:cxnSpMkLst>
+            <pc:docMk/>
+            <pc:sldMk cId="1275928961" sldId="372"/>
+            <ac:cxnSpMk id="106" creationId="{46A52265-7ED0-4ABA-9A15-12DC6DAF3090}"/>
+          </ac:cxnSpMkLst>
+        </pc:cxnChg>
+        <pc:cxnChg chg="mod ord topLvl">
+          <ac:chgData name="A57566093@fgv.edu.br" userId="1bb9ad80-ff55-479f-acd6-204a7fcb2663" providerId="ADAL" clId="{6EAA8C06-7F8D-43F2-902E-F978E52A88FA}" dt="2020-05-30T17:56:42.628" v="1996" actId="1035"/>
+          <ac:cxnSpMkLst>
+            <pc:docMk/>
+            <pc:sldMk cId="1275928961" sldId="372"/>
+            <ac:cxnSpMk id="111" creationId="{7DD6BB29-D712-4301-B328-B1ECA188EDCB}"/>
+          </ac:cxnSpMkLst>
+        </pc:cxnChg>
+        <pc:cxnChg chg="mod topLvl">
+          <ac:chgData name="A57566093@fgv.edu.br" userId="1bb9ad80-ff55-479f-acd6-204a7fcb2663" providerId="ADAL" clId="{6EAA8C06-7F8D-43F2-902E-F978E52A88FA}" dt="2020-05-30T17:56:42.628" v="1996" actId="1035"/>
+          <ac:cxnSpMkLst>
+            <pc:docMk/>
+            <pc:sldMk cId="1275928961" sldId="372"/>
+            <ac:cxnSpMk id="112" creationId="{BBADFCC0-EB87-4B33-B1E3-127EC200FAE2}"/>
+          </ac:cxnSpMkLst>
+        </pc:cxnChg>
+        <pc:cxnChg chg="mod topLvl">
+          <ac:chgData name="A57566093@fgv.edu.br" userId="1bb9ad80-ff55-479f-acd6-204a7fcb2663" providerId="ADAL" clId="{6EAA8C06-7F8D-43F2-902E-F978E52A88FA}" dt="2020-05-30T17:56:42.628" v="1996" actId="1035"/>
+          <ac:cxnSpMkLst>
+            <pc:docMk/>
+            <pc:sldMk cId="1275928961" sldId="372"/>
+            <ac:cxnSpMk id="115" creationId="{9A78E0C1-2E98-49EF-B7DB-418A32E77800}"/>
+          </ac:cxnSpMkLst>
+        </pc:cxnChg>
+        <pc:cxnChg chg="mod topLvl">
+          <ac:chgData name="A57566093@fgv.edu.br" userId="1bb9ad80-ff55-479f-acd6-204a7fcb2663" providerId="ADAL" clId="{6EAA8C06-7F8D-43F2-902E-F978E52A88FA}" dt="2020-05-30T17:56:42.628" v="1996" actId="1035"/>
+          <ac:cxnSpMkLst>
+            <pc:docMk/>
+            <pc:sldMk cId="1275928961" sldId="372"/>
+            <ac:cxnSpMk id="118" creationId="{CE2797D0-1D32-4DAA-9B9E-317E500836D9}"/>
+          </ac:cxnSpMkLst>
+        </pc:cxnChg>
+        <pc:cxnChg chg="mod topLvl">
+          <ac:chgData name="A57566093@fgv.edu.br" userId="1bb9ad80-ff55-479f-acd6-204a7fcb2663" providerId="ADAL" clId="{6EAA8C06-7F8D-43F2-902E-F978E52A88FA}" dt="2020-05-30T17:56:42.628" v="1996" actId="1035"/>
+          <ac:cxnSpMkLst>
+            <pc:docMk/>
+            <pc:sldMk cId="1275928961" sldId="372"/>
+            <ac:cxnSpMk id="121" creationId="{534EAC04-A78D-47F4-947F-CCA4C7224BE2}"/>
+          </ac:cxnSpMkLst>
+        </pc:cxnChg>
+        <pc:cxnChg chg="add mod ord">
+          <ac:chgData name="A57566093@fgv.edu.br" userId="1bb9ad80-ff55-479f-acd6-204a7fcb2663" providerId="ADAL" clId="{6EAA8C06-7F8D-43F2-902E-F978E52A88FA}" dt="2020-05-30T17:56:42.628" v="1996" actId="1035"/>
+          <ac:cxnSpMkLst>
+            <pc:docMk/>
+            <pc:sldMk cId="1275928961" sldId="372"/>
+            <ac:cxnSpMk id="137" creationId="{9583CB98-414A-4973-A053-0DA9A7EBF6E5}"/>
+          </ac:cxnSpMkLst>
+        </pc:cxnChg>
+        <pc:cxnChg chg="add del mod">
+          <ac:chgData name="A57566093@fgv.edu.br" userId="1bb9ad80-ff55-479f-acd6-204a7fcb2663" providerId="ADAL" clId="{6EAA8C06-7F8D-43F2-902E-F978E52A88FA}" dt="2020-05-30T17:22:57.451" v="1292" actId="478"/>
+          <ac:cxnSpMkLst>
+            <pc:docMk/>
+            <pc:sldMk cId="1275928961" sldId="372"/>
+            <ac:cxnSpMk id="146" creationId="{C5871181-465C-4DE9-A9AB-DFD35381EAEB}"/>
+          </ac:cxnSpMkLst>
+        </pc:cxnChg>
+        <pc:cxnChg chg="add mod">
+          <ac:chgData name="A57566093@fgv.edu.br" userId="1bb9ad80-ff55-479f-acd6-204a7fcb2663" providerId="ADAL" clId="{6EAA8C06-7F8D-43F2-902E-F978E52A88FA}" dt="2020-05-30T17:56:42.628" v="1996" actId="1035"/>
+          <ac:cxnSpMkLst>
+            <pc:docMk/>
+            <pc:sldMk cId="1275928961" sldId="372"/>
+            <ac:cxnSpMk id="151" creationId="{A102E9E0-C39A-4B76-AC25-248C244CD0CC}"/>
+          </ac:cxnSpMkLst>
+        </pc:cxnChg>
       </pc:sldChg>
     </pc:docChg>
   </pc:docChgLst>
@@ -3650,714 +4356,6 @@
           </ac:spMkLst>
         </pc:spChg>
       </pc:sldChg>
-    </pc:docChg>
-  </pc:docChgLst>
-  <pc:docChgLst>
-    <pc:chgData name="Leandro Daniel" userId="682bb4abc622d264" providerId="LiveId" clId="{0C927506-5143-4A7D-B285-178AAC9CF657}"/>
-    <pc:docChg chg="undo custSel addSld modSld">
-      <pc:chgData name="Leandro Daniel" userId="682bb4abc622d264" providerId="LiveId" clId="{0C927506-5143-4A7D-B285-178AAC9CF657}" dt="2020-05-24T21:23:35.887" v="2500" actId="478"/>
-      <pc:docMkLst>
-        <pc:docMk/>
-      </pc:docMkLst>
-      <pc:sldChg chg="addSp modSp mod">
-        <pc:chgData name="Leandro Daniel" userId="682bb4abc622d264" providerId="LiveId" clId="{0C927506-5143-4A7D-B285-178AAC9CF657}" dt="2020-05-24T20:06:37.345" v="1071" actId="20577"/>
-        <pc:sldMkLst>
-          <pc:docMk/>
-          <pc:sldMk cId="351260889" sldId="346"/>
-        </pc:sldMkLst>
-        <pc:spChg chg="mod">
-          <ac:chgData name="Leandro Daniel" userId="682bb4abc622d264" providerId="LiveId" clId="{0C927506-5143-4A7D-B285-178AAC9CF657}" dt="2020-05-24T20:06:37.345" v="1071" actId="20577"/>
-          <ac:spMkLst>
-            <pc:docMk/>
-            <pc:sldMk cId="351260889" sldId="346"/>
-            <ac:spMk id="6" creationId="{D5F67441-A755-4247-851C-41974715F282}"/>
-          </ac:spMkLst>
-        </pc:spChg>
-        <pc:spChg chg="add mod">
-          <ac:chgData name="Leandro Daniel" userId="682bb4abc622d264" providerId="LiveId" clId="{0C927506-5143-4A7D-B285-178AAC9CF657}" dt="2020-05-24T19:13:55.199" v="610" actId="20577"/>
-          <ac:spMkLst>
-            <pc:docMk/>
-            <pc:sldMk cId="351260889" sldId="346"/>
-            <ac:spMk id="7" creationId="{F98E677B-3EA7-49FD-AAB2-91F960419DAB}"/>
-          </ac:spMkLst>
-        </pc:spChg>
-      </pc:sldChg>
-      <pc:sldChg chg="modSp mod">
-        <pc:chgData name="Leandro Daniel" userId="682bb4abc622d264" providerId="LiveId" clId="{0C927506-5143-4A7D-B285-178AAC9CF657}" dt="2020-05-24T21:22:37.469" v="2498" actId="122"/>
-        <pc:sldMkLst>
-          <pc:docMk/>
-          <pc:sldMk cId="679871842" sldId="351"/>
-        </pc:sldMkLst>
-        <pc:spChg chg="mod">
-          <ac:chgData name="Leandro Daniel" userId="682bb4abc622d264" providerId="LiveId" clId="{0C927506-5143-4A7D-B285-178AAC9CF657}" dt="2020-05-24T21:22:37.469" v="2498" actId="122"/>
-          <ac:spMkLst>
-            <pc:docMk/>
-            <pc:sldMk cId="679871842" sldId="351"/>
-            <ac:spMk id="2" creationId="{70F687BA-32A2-41BC-B72A-F28209A7F473}"/>
-          </ac:spMkLst>
-        </pc:spChg>
-        <pc:spChg chg="mod">
-          <ac:chgData name="Leandro Daniel" userId="682bb4abc622d264" providerId="LiveId" clId="{0C927506-5143-4A7D-B285-178AAC9CF657}" dt="2020-05-24T20:52:34.557" v="2351" actId="207"/>
-          <ac:spMkLst>
-            <pc:docMk/>
-            <pc:sldMk cId="679871842" sldId="351"/>
-            <ac:spMk id="3" creationId="{94B768D7-96B0-41DF-9630-0D308384D261}"/>
-          </ac:spMkLst>
-        </pc:spChg>
-      </pc:sldChg>
-      <pc:sldChg chg="addSp delSp modSp add mod">
-        <pc:chgData name="Leandro Daniel" userId="682bb4abc622d264" providerId="LiveId" clId="{0C927506-5143-4A7D-B285-178AAC9CF657}" dt="2020-05-24T20:59:51.439" v="2353" actId="1076"/>
-        <pc:sldMkLst>
-          <pc:docMk/>
-          <pc:sldMk cId="3921174963" sldId="371"/>
-        </pc:sldMkLst>
-        <pc:spChg chg="del mod">
-          <ac:chgData name="Leandro Daniel" userId="682bb4abc622d264" providerId="LiveId" clId="{0C927506-5143-4A7D-B285-178AAC9CF657}" dt="2020-05-24T19:20:16.220" v="922" actId="21"/>
-          <ac:spMkLst>
-            <pc:docMk/>
-            <pc:sldMk cId="3921174963" sldId="371"/>
-            <ac:spMk id="6" creationId="{D5F67441-A755-4247-851C-41974715F282}"/>
-          </ac:spMkLst>
-        </pc:spChg>
-        <pc:spChg chg="add mod">
-          <ac:chgData name="Leandro Daniel" userId="682bb4abc622d264" providerId="LiveId" clId="{0C927506-5143-4A7D-B285-178AAC9CF657}" dt="2020-05-24T19:13:50.901" v="609" actId="20577"/>
-          <ac:spMkLst>
-            <pc:docMk/>
-            <pc:sldMk cId="3921174963" sldId="371"/>
-            <ac:spMk id="7" creationId="{6F061871-FDA0-491B-B84B-B5AB0970885B}"/>
-          </ac:spMkLst>
-        </pc:spChg>
-        <pc:spChg chg="add del mod">
-          <ac:chgData name="Leandro Daniel" userId="682bb4abc622d264" providerId="LiveId" clId="{0C927506-5143-4A7D-B285-178AAC9CF657}" dt="2020-05-24T19:20:16.220" v="922" actId="21"/>
-          <ac:spMkLst>
-            <pc:docMk/>
-            <pc:sldMk cId="3921174963" sldId="371"/>
-            <ac:spMk id="11" creationId="{1A672CB9-5A04-4176-9D9E-55D7A9EF3CE4}"/>
-          </ac:spMkLst>
-        </pc:spChg>
-        <pc:spChg chg="add mod">
-          <ac:chgData name="Leandro Daniel" userId="682bb4abc622d264" providerId="LiveId" clId="{0C927506-5143-4A7D-B285-178AAC9CF657}" dt="2020-05-24T20:13:46.032" v="1207" actId="20577"/>
-          <ac:spMkLst>
-            <pc:docMk/>
-            <pc:sldMk cId="3921174963" sldId="371"/>
-            <ac:spMk id="14" creationId="{07CA8BF6-9A49-441F-836D-9072850A59D4}"/>
-          </ac:spMkLst>
-        </pc:spChg>
-        <pc:spChg chg="add mod">
-          <ac:chgData name="Leandro Daniel" userId="682bb4abc622d264" providerId="LiveId" clId="{0C927506-5143-4A7D-B285-178AAC9CF657}" dt="2020-05-24T20:11:30.806" v="1073" actId="20577"/>
-          <ac:spMkLst>
-            <pc:docMk/>
-            <pc:sldMk cId="3921174963" sldId="371"/>
-            <ac:spMk id="18" creationId="{E05EE9CB-CEAD-49FB-B917-F3911C866716}"/>
-          </ac:spMkLst>
-        </pc:spChg>
-        <pc:graphicFrameChg chg="add del mod">
-          <ac:chgData name="Leandro Daniel" userId="682bb4abc622d264" providerId="LiveId" clId="{0C927506-5143-4A7D-B285-178AAC9CF657}" dt="2020-05-24T19:08:11.585" v="588" actId="478"/>
-          <ac:graphicFrameMkLst>
-            <pc:docMk/>
-            <pc:sldMk cId="3921174963" sldId="371"/>
-            <ac:graphicFrameMk id="3" creationId="{439B052B-7ADE-4F71-97D8-530EF1CF479F}"/>
-          </ac:graphicFrameMkLst>
-        </pc:graphicFrameChg>
-        <pc:picChg chg="add mod">
-          <ac:chgData name="Leandro Daniel" userId="682bb4abc622d264" providerId="LiveId" clId="{0C927506-5143-4A7D-B285-178AAC9CF657}" dt="2020-05-24T20:59:51.439" v="2353" actId="1076"/>
-          <ac:picMkLst>
-            <pc:docMk/>
-            <pc:sldMk cId="3921174963" sldId="371"/>
-            <ac:picMk id="3" creationId="{36078AE8-5334-447D-AD43-BB3AF83E359B}"/>
-          </ac:picMkLst>
-        </pc:picChg>
-        <pc:picChg chg="add del mod">
-          <ac:chgData name="Leandro Daniel" userId="682bb4abc622d264" providerId="LiveId" clId="{0C927506-5143-4A7D-B285-178AAC9CF657}" dt="2020-05-24T19:20:16.220" v="922" actId="21"/>
-          <ac:picMkLst>
-            <pc:docMk/>
-            <pc:sldMk cId="3921174963" sldId="371"/>
-            <ac:picMk id="8" creationId="{AC909D0D-3174-4A96-ACF9-9162A8A5ACEC}"/>
-          </ac:picMkLst>
-        </pc:picChg>
-        <pc:picChg chg="add del mod">
-          <ac:chgData name="Leandro Daniel" userId="682bb4abc622d264" providerId="LiveId" clId="{0C927506-5143-4A7D-B285-178AAC9CF657}" dt="2020-05-24T19:20:16.220" v="922" actId="21"/>
-          <ac:picMkLst>
-            <pc:docMk/>
-            <pc:sldMk cId="3921174963" sldId="371"/>
-            <ac:picMk id="9" creationId="{4E6ABAF2-18C9-4203-BEA1-09AE83E51337}"/>
-          </ac:picMkLst>
-        </pc:picChg>
-        <pc:picChg chg="add del mod">
-          <ac:chgData name="Leandro Daniel" userId="682bb4abc622d264" providerId="LiveId" clId="{0C927506-5143-4A7D-B285-178AAC9CF657}" dt="2020-05-24T19:20:16.220" v="922" actId="21"/>
-          <ac:picMkLst>
-            <pc:docMk/>
-            <pc:sldMk cId="3921174963" sldId="371"/>
-            <ac:picMk id="10" creationId="{98AB35B6-C01B-4BC7-9234-A61B0A25D67B}"/>
-          </ac:picMkLst>
-        </pc:picChg>
-        <pc:picChg chg="add mod">
-          <ac:chgData name="Leandro Daniel" userId="682bb4abc622d264" providerId="LiveId" clId="{0C927506-5143-4A7D-B285-178AAC9CF657}" dt="2020-05-24T19:20:21.954" v="924"/>
-          <ac:picMkLst>
-            <pc:docMk/>
-            <pc:sldMk cId="3921174963" sldId="371"/>
-            <ac:picMk id="15" creationId="{2F22A74C-3364-4DD1-BBA7-38E977DAC637}"/>
-          </ac:picMkLst>
-        </pc:picChg>
-        <pc:picChg chg="add mod">
-          <ac:chgData name="Leandro Daniel" userId="682bb4abc622d264" providerId="LiveId" clId="{0C927506-5143-4A7D-B285-178AAC9CF657}" dt="2020-05-24T20:05:01.027" v="943" actId="408"/>
-          <ac:picMkLst>
-            <pc:docMk/>
-            <pc:sldMk cId="3921174963" sldId="371"/>
-            <ac:picMk id="16" creationId="{B1A27C00-ABA4-4EE5-95D2-97D339292616}"/>
-          </ac:picMkLst>
-        </pc:picChg>
-        <pc:picChg chg="add mod">
-          <ac:chgData name="Leandro Daniel" userId="682bb4abc622d264" providerId="LiveId" clId="{0C927506-5143-4A7D-B285-178AAC9CF657}" dt="2020-05-24T20:04:51.283" v="941" actId="1076"/>
-          <ac:picMkLst>
-            <pc:docMk/>
-            <pc:sldMk cId="3921174963" sldId="371"/>
-            <ac:picMk id="17" creationId="{D6CEEE49-8720-460A-9FA7-E01A051D6D3D}"/>
-          </ac:picMkLst>
-        </pc:picChg>
-        <pc:cxnChg chg="add del mod">
-          <ac:chgData name="Leandro Daniel" userId="682bb4abc622d264" providerId="LiveId" clId="{0C927506-5143-4A7D-B285-178AAC9CF657}" dt="2020-05-24T19:20:16.220" v="922" actId="21"/>
-          <ac:cxnSpMkLst>
-            <pc:docMk/>
-            <pc:sldMk cId="3921174963" sldId="371"/>
-            <ac:cxnSpMk id="13" creationId="{461DF850-D789-480D-A92B-6F9C8AB2ED91}"/>
-          </ac:cxnSpMkLst>
-        </pc:cxnChg>
-        <pc:cxnChg chg="add mod">
-          <ac:chgData name="Leandro Daniel" userId="682bb4abc622d264" providerId="LiveId" clId="{0C927506-5143-4A7D-B285-178AAC9CF657}" dt="2020-05-24T19:20:21.954" v="924"/>
-          <ac:cxnSpMkLst>
-            <pc:docMk/>
-            <pc:sldMk cId="3921174963" sldId="371"/>
-            <ac:cxnSpMk id="19" creationId="{5E198959-BDE7-4419-BDC5-99C20E0B5EC8}"/>
-          </ac:cxnSpMkLst>
-        </pc:cxnChg>
-      </pc:sldChg>
-      <pc:sldChg chg="addSp delSp modSp add mod">
-        <pc:chgData name="Leandro Daniel" userId="682bb4abc622d264" providerId="LiveId" clId="{0C927506-5143-4A7D-B285-178AAC9CF657}" dt="2020-05-24T21:23:35.887" v="2500" actId="478"/>
-        <pc:sldMkLst>
-          <pc:docMk/>
-          <pc:sldMk cId="1275928961" sldId="372"/>
-        </pc:sldMkLst>
-        <pc:spChg chg="add mod">
-          <ac:chgData name="Leandro Daniel" userId="682bb4abc622d264" providerId="LiveId" clId="{0C927506-5143-4A7D-B285-178AAC9CF657}" dt="2020-05-24T21:08:40.557" v="2372" actId="114"/>
-          <ac:spMkLst>
-            <pc:docMk/>
-            <pc:sldMk cId="1275928961" sldId="372"/>
-            <ac:spMk id="6" creationId="{AD1205DC-63D6-44A4-B20E-BC9057891E98}"/>
-          </ac:spMkLst>
-        </pc:spChg>
-        <pc:spChg chg="del">
-          <ac:chgData name="Leandro Daniel" userId="682bb4abc622d264" providerId="LiveId" clId="{0C927506-5143-4A7D-B285-178AAC9CF657}" dt="2020-05-24T19:20:11.151" v="921" actId="478"/>
-          <ac:spMkLst>
-            <pc:docMk/>
-            <pc:sldMk cId="1275928961" sldId="372"/>
-            <ac:spMk id="6" creationId="{D5F67441-A755-4247-851C-41974715F282}"/>
-          </ac:spMkLst>
-        </pc:spChg>
-        <pc:spChg chg="mod">
-          <ac:chgData name="Leandro Daniel" userId="682bb4abc622d264" providerId="LiveId" clId="{0C927506-5143-4A7D-B285-178AAC9CF657}" dt="2020-05-24T19:13:45.033" v="608" actId="20577"/>
-          <ac:spMkLst>
-            <pc:docMk/>
-            <pc:sldMk cId="1275928961" sldId="372"/>
-            <ac:spMk id="7" creationId="{6F061871-FDA0-491B-B84B-B5AB0970885B}"/>
-          </ac:spMkLst>
-        </pc:spChg>
-        <pc:spChg chg="add del mod">
-          <ac:chgData name="Leandro Daniel" userId="682bb4abc622d264" providerId="LiveId" clId="{0C927506-5143-4A7D-B285-178AAC9CF657}" dt="2020-05-24T19:20:30.316" v="925" actId="478"/>
-          <ac:spMkLst>
-            <pc:docMk/>
-            <pc:sldMk cId="1275928961" sldId="372"/>
-            <ac:spMk id="11" creationId="{96D2EE0A-E21F-4805-9CCD-AE4D58E613E5}"/>
-          </ac:spMkLst>
-        </pc:spChg>
-        <pc:spChg chg="add del mod">
-          <ac:chgData name="Leandro Daniel" userId="682bb4abc622d264" providerId="LiveId" clId="{0C927506-5143-4A7D-B285-178AAC9CF657}" dt="2020-05-24T19:20:30.316" v="925" actId="478"/>
-          <ac:spMkLst>
-            <pc:docMk/>
-            <pc:sldMk cId="1275928961" sldId="372"/>
-            <ac:spMk id="15" creationId="{101961AE-8D08-4106-ACBA-2F8DAAC4EC0F}"/>
-          </ac:spMkLst>
-        </pc:spChg>
-        <pc:spChg chg="add mod">
-          <ac:chgData name="Leandro Daniel" userId="682bb4abc622d264" providerId="LiveId" clId="{0C927506-5143-4A7D-B285-178AAC9CF657}" dt="2020-05-24T21:10:27.850" v="2392" actId="20577"/>
-          <ac:spMkLst>
-            <pc:docMk/>
-            <pc:sldMk cId="1275928961" sldId="372"/>
-            <ac:spMk id="17" creationId="{0EACA767-5D74-4C51-98B7-763F041F495E}"/>
-          </ac:spMkLst>
-        </pc:spChg>
-        <pc:grpChg chg="add mod">
-          <ac:chgData name="Leandro Daniel" userId="682bb4abc622d264" providerId="LiveId" clId="{0C927506-5143-4A7D-B285-178AAC9CF657}" dt="2020-05-24T21:08:29.985" v="2371" actId="164"/>
-          <ac:grpSpMkLst>
-            <pc:docMk/>
-            <pc:sldMk cId="1275928961" sldId="372"/>
-            <ac:grpSpMk id="8" creationId="{1E163097-A71F-4360-857F-CDF7256C8A07}"/>
-          </ac:grpSpMkLst>
-        </pc:grpChg>
-        <pc:picChg chg="add mod">
-          <ac:chgData name="Leandro Daniel" userId="682bb4abc622d264" providerId="LiveId" clId="{0C927506-5143-4A7D-B285-178AAC9CF657}" dt="2020-05-24T21:08:29.985" v="2371" actId="164"/>
-          <ac:picMkLst>
-            <pc:docMk/>
-            <pc:sldMk cId="1275928961" sldId="372"/>
-            <ac:picMk id="4" creationId="{2AFB5B40-0E71-438C-A693-F6960B64154E}"/>
-          </ac:picMkLst>
-        </pc:picChg>
-        <pc:picChg chg="del">
-          <ac:chgData name="Leandro Daniel" userId="682bb4abc622d264" providerId="LiveId" clId="{0C927506-5143-4A7D-B285-178AAC9CF657}" dt="2020-05-24T19:20:11.151" v="921" actId="478"/>
-          <ac:picMkLst>
-            <pc:docMk/>
-            <pc:sldMk cId="1275928961" sldId="372"/>
-            <ac:picMk id="8" creationId="{AC909D0D-3174-4A96-ACF9-9162A8A5ACEC}"/>
-          </ac:picMkLst>
-        </pc:picChg>
-        <pc:picChg chg="del">
-          <ac:chgData name="Leandro Daniel" userId="682bb4abc622d264" providerId="LiveId" clId="{0C927506-5143-4A7D-B285-178AAC9CF657}" dt="2020-05-24T19:20:11.151" v="921" actId="478"/>
-          <ac:picMkLst>
-            <pc:docMk/>
-            <pc:sldMk cId="1275928961" sldId="372"/>
-            <ac:picMk id="9" creationId="{4E6ABAF2-18C9-4203-BEA1-09AE83E51337}"/>
-          </ac:picMkLst>
-        </pc:picChg>
-        <pc:picChg chg="add del mod">
-          <ac:chgData name="Leandro Daniel" userId="682bb4abc622d264" providerId="LiveId" clId="{0C927506-5143-4A7D-B285-178AAC9CF657}" dt="2020-05-24T21:23:35.887" v="2500" actId="478"/>
-          <ac:picMkLst>
-            <pc:docMk/>
-            <pc:sldMk cId="1275928961" sldId="372"/>
-            <ac:picMk id="9" creationId="{AB2D39B2-8115-48EF-8277-7854546058D4}"/>
-          </ac:picMkLst>
-        </pc:picChg>
-        <pc:picChg chg="del">
-          <ac:chgData name="Leandro Daniel" userId="682bb4abc622d264" providerId="LiveId" clId="{0C927506-5143-4A7D-B285-178AAC9CF657}" dt="2020-05-24T19:20:11.151" v="921" actId="478"/>
-          <ac:picMkLst>
-            <pc:docMk/>
-            <pc:sldMk cId="1275928961" sldId="372"/>
-            <ac:picMk id="10" creationId="{98AB35B6-C01B-4BC7-9234-A61B0A25D67B}"/>
-          </ac:picMkLst>
-        </pc:picChg>
-        <pc:picChg chg="add del mod">
-          <ac:chgData name="Leandro Daniel" userId="682bb4abc622d264" providerId="LiveId" clId="{0C927506-5143-4A7D-B285-178AAC9CF657}" dt="2020-05-24T19:20:30.316" v="925" actId="478"/>
-          <ac:picMkLst>
-            <pc:docMk/>
-            <pc:sldMk cId="1275928961" sldId="372"/>
-            <ac:picMk id="12" creationId="{6FBC6350-2952-468E-A4A5-5EAFFA9C1274}"/>
-          </ac:picMkLst>
-        </pc:picChg>
-        <pc:picChg chg="add del mod">
-          <ac:chgData name="Leandro Daniel" userId="682bb4abc622d264" providerId="LiveId" clId="{0C927506-5143-4A7D-B285-178AAC9CF657}" dt="2020-05-24T19:20:30.316" v="925" actId="478"/>
-          <ac:picMkLst>
-            <pc:docMk/>
-            <pc:sldMk cId="1275928961" sldId="372"/>
-            <ac:picMk id="13" creationId="{BAB79A15-E753-407A-B7F2-23D620DE7067}"/>
-          </ac:picMkLst>
-        </pc:picChg>
-        <pc:picChg chg="add del mod">
-          <ac:chgData name="Leandro Daniel" userId="682bb4abc622d264" providerId="LiveId" clId="{0C927506-5143-4A7D-B285-178AAC9CF657}" dt="2020-05-24T19:20:30.316" v="925" actId="478"/>
-          <ac:picMkLst>
-            <pc:docMk/>
-            <pc:sldMk cId="1275928961" sldId="372"/>
-            <ac:picMk id="14" creationId="{A4711A5A-BE4E-4692-9C78-47ACAF315FE3}"/>
-          </ac:picMkLst>
-        </pc:picChg>
-        <pc:cxnChg chg="add del mod">
-          <ac:chgData name="Leandro Daniel" userId="682bb4abc622d264" providerId="LiveId" clId="{0C927506-5143-4A7D-B285-178AAC9CF657}" dt="2020-05-24T19:20:30.316" v="925" actId="478"/>
-          <ac:cxnSpMkLst>
-            <pc:docMk/>
-            <pc:sldMk cId="1275928961" sldId="372"/>
-            <ac:cxnSpMk id="16" creationId="{EA648973-512C-4670-9344-A687D2E41ED4}"/>
-          </ac:cxnSpMkLst>
-        </pc:cxnChg>
-      </pc:sldChg>
-    </pc:docChg>
-  </pc:docChgLst>
-  <pc:docChgLst>
-    <pc:chgData name="Ricardo Lucio Braga Reis" userId="S::a57590919@fgv.edu.br::789c906b-d924-4b68-a4ad-fed37e68814f" providerId="AD" clId="Web-{16EAE22F-EB20-8B31-C2E7-E2D9869D9D38}"/>
-    <pc:docChg chg="addSld modSld modSection">
-      <pc:chgData name="Ricardo Lucio Braga Reis" userId="S::a57590919@fgv.edu.br::789c906b-d924-4b68-a4ad-fed37e68814f" providerId="AD" clId="Web-{16EAE22F-EB20-8B31-C2E7-E2D9869D9D38}" dt="2020-05-27T15:37:46.309" v="451" actId="20577"/>
-      <pc:docMkLst>
-        <pc:docMk/>
-      </pc:docMkLst>
-      <pc:sldChg chg="modSp">
-        <pc:chgData name="Ricardo Lucio Braga Reis" userId="S::a57590919@fgv.edu.br::789c906b-d924-4b68-a4ad-fed37e68814f" providerId="AD" clId="Web-{16EAE22F-EB20-8B31-C2E7-E2D9869D9D38}" dt="2020-05-27T15:37:12.121" v="446" actId="20577"/>
-        <pc:sldMkLst>
-          <pc:docMk/>
-          <pc:sldMk cId="351260889" sldId="346"/>
-        </pc:sldMkLst>
-        <pc:spChg chg="mod">
-          <ac:chgData name="Ricardo Lucio Braga Reis" userId="S::a57590919@fgv.edu.br::789c906b-d924-4b68-a4ad-fed37e68814f" providerId="AD" clId="Web-{16EAE22F-EB20-8B31-C2E7-E2D9869D9D38}" dt="2020-05-27T15:37:12.121" v="446" actId="20577"/>
-          <ac:spMkLst>
-            <pc:docMk/>
-            <pc:sldMk cId="351260889" sldId="346"/>
-            <ac:spMk id="7" creationId="{F98E677B-3EA7-49FD-AAB2-91F960419DAB}"/>
-          </ac:spMkLst>
-        </pc:spChg>
-      </pc:sldChg>
-      <pc:sldChg chg="modSp">
-        <pc:chgData name="Ricardo Lucio Braga Reis" userId="S::a57590919@fgv.edu.br::789c906b-d924-4b68-a4ad-fed37e68814f" providerId="AD" clId="Web-{16EAE22F-EB20-8B31-C2E7-E2D9869D9D38}" dt="2020-05-27T15:37:28.621" v="447" actId="20577"/>
-        <pc:sldMkLst>
-          <pc:docMk/>
-          <pc:sldMk cId="3921174963" sldId="371"/>
-        </pc:sldMkLst>
-        <pc:spChg chg="mod">
-          <ac:chgData name="Ricardo Lucio Braga Reis" userId="S::a57590919@fgv.edu.br::789c906b-d924-4b68-a4ad-fed37e68814f" providerId="AD" clId="Web-{16EAE22F-EB20-8B31-C2E7-E2D9869D9D38}" dt="2020-05-27T15:37:28.621" v="447" actId="20577"/>
-          <ac:spMkLst>
-            <pc:docMk/>
-            <pc:sldMk cId="3921174963" sldId="371"/>
-            <ac:spMk id="7" creationId="{6F061871-FDA0-491B-B84B-B5AB0970885B}"/>
-          </ac:spMkLst>
-        </pc:spChg>
-      </pc:sldChg>
-      <pc:sldChg chg="addSp delSp modSp">
-        <pc:chgData name="Ricardo Lucio Braga Reis" userId="S::a57590919@fgv.edu.br::789c906b-d924-4b68-a4ad-fed37e68814f" providerId="AD" clId="Web-{16EAE22F-EB20-8B31-C2E7-E2D9869D9D38}" dt="2020-05-27T15:37:34.309" v="449" actId="20577"/>
-        <pc:sldMkLst>
-          <pc:docMk/>
-          <pc:sldMk cId="1275928961" sldId="372"/>
-        </pc:sldMkLst>
-        <pc:spChg chg="add mod">
-          <ac:chgData name="Ricardo Lucio Braga Reis" userId="S::a57590919@fgv.edu.br::789c906b-d924-4b68-a4ad-fed37e68814f" providerId="AD" clId="Web-{16EAE22F-EB20-8B31-C2E7-E2D9869D9D38}" dt="2020-05-27T15:33:13.911" v="444" actId="20577"/>
-          <ac:spMkLst>
-            <pc:docMk/>
-            <pc:sldMk cId="1275928961" sldId="372"/>
-            <ac:spMk id="3" creationId="{14023F59-116C-43F1-AC35-B7027668E690}"/>
-          </ac:spMkLst>
-        </pc:spChg>
-        <pc:spChg chg="mod">
-          <ac:chgData name="Ricardo Lucio Braga Reis" userId="S::a57590919@fgv.edu.br::789c906b-d924-4b68-a4ad-fed37e68814f" providerId="AD" clId="Web-{16EAE22F-EB20-8B31-C2E7-E2D9869D9D38}" dt="2020-05-27T15:37:34.309" v="449" actId="20577"/>
-          <ac:spMkLst>
-            <pc:docMk/>
-            <pc:sldMk cId="1275928961" sldId="372"/>
-            <ac:spMk id="7" creationId="{6F061871-FDA0-491B-B84B-B5AB0970885B}"/>
-          </ac:spMkLst>
-        </pc:spChg>
-        <pc:spChg chg="add mod">
-          <ac:chgData name="Ricardo Lucio Braga Reis" userId="S::a57590919@fgv.edu.br::789c906b-d924-4b68-a4ad-fed37e68814f" providerId="AD" clId="Web-{16EAE22F-EB20-8B31-C2E7-E2D9869D9D38}" dt="2020-05-27T15:33:00.864" v="430" actId="20577"/>
-          <ac:spMkLst>
-            <pc:docMk/>
-            <pc:sldMk cId="1275928961" sldId="372"/>
-            <ac:spMk id="9" creationId="{F9E7B998-4796-4D55-9B18-DDC86A145C52}"/>
-          </ac:spMkLst>
-        </pc:spChg>
-        <pc:spChg chg="add del mod">
-          <ac:chgData name="Ricardo Lucio Braga Reis" userId="S::a57590919@fgv.edu.br::789c906b-d924-4b68-a4ad-fed37e68814f" providerId="AD" clId="Web-{16EAE22F-EB20-8B31-C2E7-E2D9869D9D38}" dt="2020-05-27T15:28:05.325" v="400"/>
-          <ac:spMkLst>
-            <pc:docMk/>
-            <pc:sldMk cId="1275928961" sldId="372"/>
-            <ac:spMk id="10" creationId="{BAC44B42-0E27-4D42-A033-763CB3BB9EC4}"/>
-          </ac:spMkLst>
-        </pc:spChg>
-        <pc:spChg chg="add mod">
-          <ac:chgData name="Ricardo Lucio Braga Reis" userId="S::a57590919@fgv.edu.br::789c906b-d924-4b68-a4ad-fed37e68814f" providerId="AD" clId="Web-{16EAE22F-EB20-8B31-C2E7-E2D9869D9D38}" dt="2020-05-27T15:32:06.503" v="421" actId="1076"/>
-          <ac:spMkLst>
-            <pc:docMk/>
-            <pc:sldMk cId="1275928961" sldId="372"/>
-            <ac:spMk id="11" creationId="{CD626A95-8091-4F1D-A30E-C06E87498B5B}"/>
-          </ac:spMkLst>
-        </pc:spChg>
-        <pc:spChg chg="add mod">
-          <ac:chgData name="Ricardo Lucio Braga Reis" userId="S::a57590919@fgv.edu.br::789c906b-d924-4b68-a4ad-fed37e68814f" providerId="AD" clId="Web-{16EAE22F-EB20-8B31-C2E7-E2D9869D9D38}" dt="2020-05-27T15:30:05.032" v="412" actId="20577"/>
-          <ac:spMkLst>
-            <pc:docMk/>
-            <pc:sldMk cId="1275928961" sldId="372"/>
-            <ac:spMk id="15" creationId="{EE9AE69C-DA3A-4B1F-A561-C474F96FA82E}"/>
-          </ac:spMkLst>
-        </pc:spChg>
-        <pc:spChg chg="mod">
-          <ac:chgData name="Ricardo Lucio Braga Reis" userId="S::a57590919@fgv.edu.br::789c906b-d924-4b68-a4ad-fed37e68814f" providerId="AD" clId="Web-{16EAE22F-EB20-8B31-C2E7-E2D9869D9D38}" dt="2020-05-27T15:31:53.159" v="420" actId="1076"/>
-          <ac:spMkLst>
-            <pc:docMk/>
-            <pc:sldMk cId="1275928961" sldId="372"/>
-            <ac:spMk id="17" creationId="{0EACA767-5D74-4C51-98B7-763F041F495E}"/>
-          </ac:spMkLst>
-        </pc:spChg>
-        <pc:grpChg chg="del">
-          <ac:chgData name="Ricardo Lucio Braga Reis" userId="S::a57590919@fgv.edu.br::789c906b-d924-4b68-a4ad-fed37e68814f" providerId="AD" clId="Web-{16EAE22F-EB20-8B31-C2E7-E2D9869D9D38}" dt="2020-05-27T15:16:36.400" v="110"/>
-          <ac:grpSpMkLst>
-            <pc:docMk/>
-            <pc:sldMk cId="1275928961" sldId="372"/>
-            <ac:grpSpMk id="8" creationId="{1E163097-A71F-4360-857F-CDF7256C8A07}"/>
-          </ac:grpSpMkLst>
-        </pc:grpChg>
-        <pc:cxnChg chg="add">
-          <ac:chgData name="Ricardo Lucio Braga Reis" userId="S::a57590919@fgv.edu.br::789c906b-d924-4b68-a4ad-fed37e68814f" providerId="AD" clId="Web-{16EAE22F-EB20-8B31-C2E7-E2D9869D9D38}" dt="2020-05-27T15:28:19.606" v="401"/>
-          <ac:cxnSpMkLst>
-            <pc:docMk/>
-            <pc:sldMk cId="1275928961" sldId="372"/>
-            <ac:cxnSpMk id="13" creationId="{48D98D49-C026-4684-B519-FFB569F22EC7}"/>
-          </ac:cxnSpMkLst>
-        </pc:cxnChg>
-      </pc:sldChg>
-      <pc:sldChg chg="modSp add replId">
-        <pc:chgData name="Ricardo Lucio Braga Reis" userId="S::a57590919@fgv.edu.br::789c906b-d924-4b68-a4ad-fed37e68814f" providerId="AD" clId="Web-{16EAE22F-EB20-8B31-C2E7-E2D9869D9D38}" dt="2020-05-27T15:37:46.309" v="451" actId="20577"/>
-        <pc:sldMkLst>
-          <pc:docMk/>
-          <pc:sldMk cId="2557986528" sldId="373"/>
-        </pc:sldMkLst>
-        <pc:spChg chg="mod">
-          <ac:chgData name="Ricardo Lucio Braga Reis" userId="S::a57590919@fgv.edu.br::789c906b-d924-4b68-a4ad-fed37e68814f" providerId="AD" clId="Web-{16EAE22F-EB20-8B31-C2E7-E2D9869D9D38}" dt="2020-05-27T15:37:46.309" v="451" actId="20577"/>
-          <ac:spMkLst>
-            <pc:docMk/>
-            <pc:sldMk cId="2557986528" sldId="373"/>
-            <ac:spMk id="7" creationId="{6F061871-FDA0-491B-B84B-B5AB0970885B}"/>
-          </ac:spMkLst>
-        </pc:spChg>
-      </pc:sldChg>
-    </pc:docChg>
-  </pc:docChgLst>
-  <pc:docChgLst>
-    <pc:chgData name="Daniel Ferraz de Campos Filho" userId="S::a57635769@fgv.edu.br::8866a242-fb0b-48c9-aa11-19162637424d" providerId="AD" clId="Web-{3F63DED3-F8B6-4F38-9A8E-AC084F28D19E}"/>
-    <pc:docChg chg="modSld">
-      <pc:chgData name="Daniel Ferraz de Campos Filho" userId="S::a57635769@fgv.edu.br::8866a242-fb0b-48c9-aa11-19162637424d" providerId="AD" clId="Web-{3F63DED3-F8B6-4F38-9A8E-AC084F28D19E}" dt="2020-05-30T21:20:11.969" v="453" actId="20577"/>
-      <pc:docMkLst>
-        <pc:docMk/>
-      </pc:docMkLst>
-      <pc:sldChg chg="modSp">
-        <pc:chgData name="Daniel Ferraz de Campos Filho" userId="S::a57635769@fgv.edu.br::8866a242-fb0b-48c9-aa11-19162637424d" providerId="AD" clId="Web-{3F63DED3-F8B6-4F38-9A8E-AC084F28D19E}" dt="2020-05-30T20:56:03.315" v="121" actId="20577"/>
-        <pc:sldMkLst>
-          <pc:docMk/>
-          <pc:sldMk cId="3953857876" sldId="361"/>
-        </pc:sldMkLst>
-        <pc:spChg chg="mod">
-          <ac:chgData name="Daniel Ferraz de Campos Filho" userId="S::a57635769@fgv.edu.br::8866a242-fb0b-48c9-aa11-19162637424d" providerId="AD" clId="Web-{3F63DED3-F8B6-4F38-9A8E-AC084F28D19E}" dt="2020-05-30T20:56:03.315" v="121" actId="20577"/>
-          <ac:spMkLst>
-            <pc:docMk/>
-            <pc:sldMk cId="3953857876" sldId="361"/>
-            <ac:spMk id="4" creationId="{84CA2768-938F-4EEA-B0DD-BAF05149B6F5}"/>
-          </ac:spMkLst>
-        </pc:spChg>
-      </pc:sldChg>
-      <pc:sldChg chg="modSp">
-        <pc:chgData name="Daniel Ferraz de Campos Filho" userId="S::a57635769@fgv.edu.br::8866a242-fb0b-48c9-aa11-19162637424d" providerId="AD" clId="Web-{3F63DED3-F8B6-4F38-9A8E-AC084F28D19E}" dt="2020-05-30T21:03:16.620" v="154" actId="20577"/>
-        <pc:sldMkLst>
-          <pc:docMk/>
-          <pc:sldMk cId="1752641579" sldId="363"/>
-        </pc:sldMkLst>
-        <pc:spChg chg="mod">
-          <ac:chgData name="Daniel Ferraz de Campos Filho" userId="S::a57635769@fgv.edu.br::8866a242-fb0b-48c9-aa11-19162637424d" providerId="AD" clId="Web-{3F63DED3-F8B6-4F38-9A8E-AC084F28D19E}" dt="2020-05-30T21:03:16.620" v="154" actId="20577"/>
-          <ac:spMkLst>
-            <pc:docMk/>
-            <pc:sldMk cId="1752641579" sldId="363"/>
-            <ac:spMk id="4" creationId="{E4CC8CAB-3F4C-409C-8745-BB5BD7AF0FCB}"/>
-          </ac:spMkLst>
-        </pc:spChg>
-      </pc:sldChg>
-      <pc:sldChg chg="addSp delSp modSp">
-        <pc:chgData name="Daniel Ferraz de Campos Filho" userId="S::a57635769@fgv.edu.br::8866a242-fb0b-48c9-aa11-19162637424d" providerId="AD" clId="Web-{3F63DED3-F8B6-4F38-9A8E-AC084F28D19E}" dt="2020-05-30T21:20:11.969" v="452" actId="20577"/>
-        <pc:sldMkLst>
-          <pc:docMk/>
-          <pc:sldMk cId="1219197679" sldId="374"/>
-        </pc:sldMkLst>
-        <pc:spChg chg="mod">
-          <ac:chgData name="Daniel Ferraz de Campos Filho" userId="S::a57635769@fgv.edu.br::8866a242-fb0b-48c9-aa11-19162637424d" providerId="AD" clId="Web-{3F63DED3-F8B6-4F38-9A8E-AC084F28D19E}" dt="2020-05-30T21:20:11.969" v="452" actId="20577"/>
-          <ac:spMkLst>
-            <pc:docMk/>
-            <pc:sldMk cId="1219197679" sldId="374"/>
-            <ac:spMk id="4" creationId="{E4CC8CAB-3F4C-409C-8745-BB5BD7AF0FCB}"/>
-          </ac:spMkLst>
-        </pc:spChg>
-        <pc:graphicFrameChg chg="add del mod">
-          <ac:chgData name="Daniel Ferraz de Campos Filho" userId="S::a57635769@fgv.edu.br::8866a242-fb0b-48c9-aa11-19162637424d" providerId="AD" clId="Web-{3F63DED3-F8B6-4F38-9A8E-AC084F28D19E}" dt="2020-05-30T21:11:08.864" v="230"/>
-          <ac:graphicFrameMkLst>
-            <pc:docMk/>
-            <pc:sldMk cId="1219197679" sldId="374"/>
-            <ac:graphicFrameMk id="7" creationId="{697D41A9-A512-40CC-BBCE-290DA15CB751}"/>
-          </ac:graphicFrameMkLst>
-        </pc:graphicFrameChg>
-      </pc:sldChg>
-      <pc:sldChg chg="modSp">
-        <pc:chgData name="Daniel Ferraz de Campos Filho" userId="S::a57635769@fgv.edu.br::8866a242-fb0b-48c9-aa11-19162637424d" providerId="AD" clId="Web-{3F63DED3-F8B6-4F38-9A8E-AC084F28D19E}" dt="2020-05-30T21:18:50.916" v="415" actId="20577"/>
-        <pc:sldMkLst>
-          <pc:docMk/>
-          <pc:sldMk cId="2356196915" sldId="377"/>
-        </pc:sldMkLst>
-        <pc:spChg chg="mod">
-          <ac:chgData name="Daniel Ferraz de Campos Filho" userId="S::a57635769@fgv.edu.br::8866a242-fb0b-48c9-aa11-19162637424d" providerId="AD" clId="Web-{3F63DED3-F8B6-4F38-9A8E-AC084F28D19E}" dt="2020-05-30T21:18:50.916" v="415" actId="20577"/>
-          <ac:spMkLst>
-            <pc:docMk/>
-            <pc:sldMk cId="2356196915" sldId="377"/>
-            <ac:spMk id="7" creationId="{CE3762FA-4222-4801-A067-946EE71C9A52}"/>
-          </ac:spMkLst>
-        </pc:spChg>
-      </pc:sldChg>
-    </pc:docChg>
-  </pc:docChgLst>
-  <pc:docChgLst>
-    <pc:chgData name="Ricardo Lucio Braga Reis" userId="S::a57590919@fgv.edu.br::789c906b-d924-4b68-a4ad-fed37e68814f" providerId="AD" clId="Web-{AA03B29D-5316-9A96-B91F-F6CBA42BD17D}"/>
-    <pc:docChg chg="modSld">
-      <pc:chgData name="Ricardo Lucio Braga Reis" userId="S::a57590919@fgv.edu.br::789c906b-d924-4b68-a4ad-fed37e68814f" providerId="AD" clId="Web-{AA03B29D-5316-9A96-B91F-F6CBA42BD17D}" dt="2020-05-30T22:08:55.251" v="204" actId="20577"/>
-      <pc:docMkLst>
-        <pc:docMk/>
-      </pc:docMkLst>
-      <pc:sldChg chg="modSp">
-        <pc:chgData name="Ricardo Lucio Braga Reis" userId="S::a57590919@fgv.edu.br::789c906b-d924-4b68-a4ad-fed37e68814f" providerId="AD" clId="Web-{AA03B29D-5316-9A96-B91F-F6CBA42BD17D}" dt="2020-05-30T22:08:12.515" v="202" actId="20577"/>
-        <pc:sldMkLst>
-          <pc:docMk/>
-          <pc:sldMk cId="2356196915" sldId="377"/>
-        </pc:sldMkLst>
-        <pc:spChg chg="mod">
-          <ac:chgData name="Ricardo Lucio Braga Reis" userId="S::a57590919@fgv.edu.br::789c906b-d924-4b68-a4ad-fed37e68814f" providerId="AD" clId="Web-{AA03B29D-5316-9A96-B91F-F6CBA42BD17D}" dt="2020-05-30T22:08:12.515" v="202" actId="20577"/>
-          <ac:spMkLst>
-            <pc:docMk/>
-            <pc:sldMk cId="2356196915" sldId="377"/>
-            <ac:spMk id="7" creationId="{CE3762FA-4222-4801-A067-946EE71C9A52}"/>
-          </ac:spMkLst>
-        </pc:spChg>
-      </pc:sldChg>
-    </pc:docChg>
-  </pc:docChgLst>
-  <pc:docChgLst>
-    <pc:chgData name="Leandro Daniel" userId="682bb4abc622d264" providerId="LiveId" clId="{7BA9A1FE-DBFD-4F2E-9BE2-09098A8CCE86}"/>
-    <pc:docChg chg="undo custSel modSld modMainMaster">
-      <pc:chgData name="Leandro Daniel" userId="682bb4abc622d264" providerId="LiveId" clId="{7BA9A1FE-DBFD-4F2E-9BE2-09098A8CCE86}" dt="2020-05-24T17:53:40.486" v="284" actId="6549"/>
-      <pc:docMkLst>
-        <pc:docMk/>
-      </pc:docMkLst>
-      <pc:sldChg chg="addSp delSp modSp mod">
-        <pc:chgData name="Leandro Daniel" userId="682bb4abc622d264" providerId="LiveId" clId="{7BA9A1FE-DBFD-4F2E-9BE2-09098A8CCE86}" dt="2020-05-24T17:53:40.486" v="284" actId="6549"/>
-        <pc:sldMkLst>
-          <pc:docMk/>
-          <pc:sldMk cId="679871842" sldId="351"/>
-        </pc:sldMkLst>
-        <pc:spChg chg="mod">
-          <ac:chgData name="Leandro Daniel" userId="682bb4abc622d264" providerId="LiveId" clId="{7BA9A1FE-DBFD-4F2E-9BE2-09098A8CCE86}" dt="2020-05-24T17:53:40.486" v="284" actId="6549"/>
-          <ac:spMkLst>
-            <pc:docMk/>
-            <pc:sldMk cId="679871842" sldId="351"/>
-            <ac:spMk id="3" creationId="{94B768D7-96B0-41DF-9630-0D308384D261}"/>
-          </ac:spMkLst>
-        </pc:spChg>
-        <pc:picChg chg="add del">
-          <ac:chgData name="Leandro Daniel" userId="682bb4abc622d264" providerId="LiveId" clId="{7BA9A1FE-DBFD-4F2E-9BE2-09098A8CCE86}" dt="2020-05-24T17:38:26.040" v="184" actId="21"/>
-          <ac:picMkLst>
-            <pc:docMk/>
-            <pc:sldMk cId="679871842" sldId="351"/>
-            <ac:picMk id="4" creationId="{730B3897-DD2C-4938-8EC3-14421520CC90}"/>
-          </ac:picMkLst>
-        </pc:picChg>
-      </pc:sldChg>
-      <pc:sldMasterChg chg="addSp delSp modSp mod">
-        <pc:chgData name="Leandro Daniel" userId="682bb4abc622d264" providerId="LiveId" clId="{7BA9A1FE-DBFD-4F2E-9BE2-09098A8CCE86}" dt="2020-05-24T17:51:32.742" v="236" actId="1076"/>
-        <pc:sldMasterMkLst>
-          <pc:docMk/>
-          <pc:sldMasterMk cId="2748047865" sldId="2147483650"/>
-        </pc:sldMasterMkLst>
-        <pc:spChg chg="add mod ord">
-          <ac:chgData name="Leandro Daniel" userId="682bb4abc622d264" providerId="LiveId" clId="{7BA9A1FE-DBFD-4F2E-9BE2-09098A8CCE86}" dt="2020-05-24T17:48:27.816" v="213" actId="207"/>
-          <ac:spMkLst>
-            <pc:docMk/>
-            <pc:sldMasterMk cId="2748047865" sldId="2147483650"/>
-            <ac:spMk id="2" creationId="{64EB0046-E308-4E16-A675-E3D297191010}"/>
-          </ac:spMkLst>
-        </pc:spChg>
-        <pc:picChg chg="add mod">
-          <ac:chgData name="Leandro Daniel" userId="682bb4abc622d264" providerId="LiveId" clId="{7BA9A1FE-DBFD-4F2E-9BE2-09098A8CCE86}" dt="2020-05-24T17:51:32.742" v="236" actId="1076"/>
-          <ac:picMkLst>
-            <pc:docMk/>
-            <pc:sldMasterMk cId="2748047865" sldId="2147483650"/>
-            <ac:picMk id="4" creationId="{D73F671B-4A3D-42B4-9CAA-AB16E1C8C881}"/>
-          </ac:picMkLst>
-        </pc:picChg>
-        <pc:picChg chg="add del">
-          <ac:chgData name="Leandro Daniel" userId="682bb4abc622d264" providerId="LiveId" clId="{7BA9A1FE-DBFD-4F2E-9BE2-09098A8CCE86}" dt="2020-05-24T17:39:02.938" v="199" actId="478"/>
-          <ac:picMkLst>
-            <pc:docMk/>
-            <pc:sldMasterMk cId="2748047865" sldId="2147483650"/>
-            <ac:picMk id="7" creationId="{8BDF2FFB-F417-424D-8A6F-8E1438CBFB25}"/>
-          </ac:picMkLst>
-        </pc:picChg>
-        <pc:picChg chg="add del mod">
-          <ac:chgData name="Leandro Daniel" userId="682bb4abc622d264" providerId="LiveId" clId="{7BA9A1FE-DBFD-4F2E-9BE2-09098A8CCE86}" dt="2020-05-24T17:50:21.628" v="223" actId="478"/>
-          <ac:picMkLst>
-            <pc:docMk/>
-            <pc:sldMasterMk cId="2748047865" sldId="2147483650"/>
-            <ac:picMk id="14" creationId="{7C432660-36B0-40A6-B63C-291DD076CDBF}"/>
-          </ac:picMkLst>
-        </pc:picChg>
-      </pc:sldMasterChg>
-      <pc:sldMasterChg chg="addSp delSp modSp mod">
-        <pc:chgData name="Leandro Daniel" userId="682bb4abc622d264" providerId="LiveId" clId="{7BA9A1FE-DBFD-4F2E-9BE2-09098A8CCE86}" dt="2020-05-24T17:51:36.515" v="238"/>
-        <pc:sldMasterMkLst>
-          <pc:docMk/>
-          <pc:sldMasterMk cId="1038931235" sldId="2147483652"/>
-        </pc:sldMasterMkLst>
-        <pc:spChg chg="mod">
-          <ac:chgData name="Leandro Daniel" userId="682bb4abc622d264" providerId="LiveId" clId="{7BA9A1FE-DBFD-4F2E-9BE2-09098A8CCE86}" dt="2020-05-24T17:48:48.544" v="216" actId="207"/>
-          <ac:spMkLst>
-            <pc:docMk/>
-            <pc:sldMasterMk cId="1038931235" sldId="2147483652"/>
-            <ac:spMk id="2" creationId="{5334EC60-A39B-4E05-8C93-2BCD38586D66}"/>
-          </ac:spMkLst>
-        </pc:spChg>
-        <pc:spChg chg="add del mod">
-          <ac:chgData name="Leandro Daniel" userId="682bb4abc622d264" providerId="LiveId" clId="{7BA9A1FE-DBFD-4F2E-9BE2-09098A8CCE86}" dt="2020-05-24T17:48:40.020" v="214" actId="478"/>
-          <ac:spMkLst>
-            <pc:docMk/>
-            <pc:sldMasterMk cId="1038931235" sldId="2147483652"/>
-            <ac:spMk id="14" creationId="{B3C50B75-1997-49B7-89D2-9960253B0F80}"/>
-          </ac:spMkLst>
-        </pc:spChg>
-        <pc:picChg chg="del">
-          <ac:chgData name="Leandro Daniel" userId="682bb4abc622d264" providerId="LiveId" clId="{7BA9A1FE-DBFD-4F2E-9BE2-09098A8CCE86}" dt="2020-05-24T17:40:10.830" v="205" actId="478"/>
-          <ac:picMkLst>
-            <pc:docMk/>
-            <pc:sldMasterMk cId="1038931235" sldId="2147483652"/>
-            <ac:picMk id="7" creationId="{8BDF2FFB-F417-424D-8A6F-8E1438CBFB25}"/>
-          </ac:picMkLst>
-        </pc:picChg>
-        <pc:picChg chg="add del mod">
-          <ac:chgData name="Leandro Daniel" userId="682bb4abc622d264" providerId="LiveId" clId="{7BA9A1FE-DBFD-4F2E-9BE2-09098A8CCE86}" dt="2020-05-24T17:50:49.573" v="231" actId="478"/>
-          <ac:picMkLst>
-            <pc:docMk/>
-            <pc:sldMasterMk cId="1038931235" sldId="2147483652"/>
-            <ac:picMk id="15" creationId="{B6166A5D-18F4-4ACF-BDE4-6B12EC03EB40}"/>
-          </ac:picMkLst>
-        </pc:picChg>
-        <pc:picChg chg="add del mod">
-          <ac:chgData name="Leandro Daniel" userId="682bb4abc622d264" providerId="LiveId" clId="{7BA9A1FE-DBFD-4F2E-9BE2-09098A8CCE86}" dt="2020-05-24T17:51:36.220" v="237" actId="478"/>
-          <ac:picMkLst>
-            <pc:docMk/>
-            <pc:sldMasterMk cId="1038931235" sldId="2147483652"/>
-            <ac:picMk id="16" creationId="{8D2A91A4-EB37-4A51-9E95-64EA1AC214FA}"/>
-          </ac:picMkLst>
-        </pc:picChg>
-        <pc:picChg chg="add mod">
-          <ac:chgData name="Leandro Daniel" userId="682bb4abc622d264" providerId="LiveId" clId="{7BA9A1FE-DBFD-4F2E-9BE2-09098A8CCE86}" dt="2020-05-24T17:51:36.515" v="238"/>
-          <ac:picMkLst>
-            <pc:docMk/>
-            <pc:sldMasterMk cId="1038931235" sldId="2147483652"/>
-            <ac:picMk id="17" creationId="{26D5B9F7-D9B8-4552-A8E2-279C065ACFE9}"/>
-          </ac:picMkLst>
-        </pc:picChg>
-      </pc:sldMasterChg>
-      <pc:sldMasterChg chg="addSp delSp modSp mod">
-        <pc:chgData name="Leandro Daniel" userId="682bb4abc622d264" providerId="LiveId" clId="{7BA9A1FE-DBFD-4F2E-9BE2-09098A8CCE86}" dt="2020-05-24T17:48:57.332" v="217" actId="207"/>
-        <pc:sldMasterMkLst>
-          <pc:docMk/>
-          <pc:sldMasterMk cId="1143214059" sldId="2147483654"/>
-        </pc:sldMasterMkLst>
-        <pc:spChg chg="del">
-          <ac:chgData name="Leandro Daniel" userId="682bb4abc622d264" providerId="LiveId" clId="{7BA9A1FE-DBFD-4F2E-9BE2-09098A8CCE86}" dt="2020-05-24T17:40:49.943" v="209" actId="478"/>
-          <ac:spMkLst>
-            <pc:docMk/>
-            <pc:sldMasterMk cId="1143214059" sldId="2147483654"/>
-            <ac:spMk id="2" creationId="{5334EC60-A39B-4E05-8C93-2BCD38586D66}"/>
-          </ac:spMkLst>
-        </pc:spChg>
-        <pc:spChg chg="add mod">
-          <ac:chgData name="Leandro Daniel" userId="682bb4abc622d264" providerId="LiveId" clId="{7BA9A1FE-DBFD-4F2E-9BE2-09098A8CCE86}" dt="2020-05-24T17:48:57.332" v="217" actId="207"/>
-          <ac:spMkLst>
-            <pc:docMk/>
-            <pc:sldMasterMk cId="1143214059" sldId="2147483654"/>
-            <ac:spMk id="14" creationId="{57F11C7B-FB85-4F49-A153-80D627D395DD}"/>
-          </ac:spMkLst>
-        </pc:spChg>
-        <pc:picChg chg="del">
-          <ac:chgData name="Leandro Daniel" userId="682bb4abc622d264" providerId="LiveId" clId="{7BA9A1FE-DBFD-4F2E-9BE2-09098A8CCE86}" dt="2020-05-24T17:40:52.132" v="210" actId="478"/>
-          <ac:picMkLst>
-            <pc:docMk/>
-            <pc:sldMasterMk cId="1143214059" sldId="2147483654"/>
-            <ac:picMk id="7" creationId="{8BDF2FFB-F417-424D-8A6F-8E1438CBFB25}"/>
-          </ac:picMkLst>
-        </pc:picChg>
-      </pc:sldMasterChg>
     </pc:docChg>
   </pc:docChgLst>
 </pc:chgInfo>
@@ -11960,418 +11958,6 @@
                   <a:schemeClr val="bg1"/>
                 </a:solidFill>
               </a:rPr>
-              <a:t>Ferramentas</a:t>
-            </a:r>
-          </a:p>
-        </p:txBody>
-      </p:sp>
-      <p:sp>
-        <p:nvSpPr>
-          <p:cNvPr id="5" name="Retângulo 4">
-            <a:extLst>
-              <a:ext uri="{FF2B5EF4-FFF2-40B4-BE49-F238E27FC236}">
-                <a16:creationId xmlns:a16="http://schemas.microsoft.com/office/drawing/2014/main" id="{C4351BF4-6949-465B-A55A-C8561462CF2E}"/>
-              </a:ext>
-            </a:extLst>
-          </p:cNvPr>
-          <p:cNvSpPr/>
-          <p:nvPr/>
-        </p:nvSpPr>
-        <p:spPr>
-          <a:xfrm>
-            <a:off x="176644" y="1355075"/>
-            <a:ext cx="11919876" cy="477054"/>
-          </a:xfrm>
-          <a:prstGeom prst="rect">
-            <a:avLst/>
-          </a:prstGeom>
-          <a:solidFill>
-            <a:srgbClr val="CDCDCD"/>
-          </a:solidFill>
-        </p:spPr>
-        <p:txBody>
-          <a:bodyPr wrap="square">
-            <a:spAutoFit/>
-          </a:bodyPr>
-          <a:lstStyle/>
-          <a:p>
-            <a:pPr marL="15875" indent="-15875">
-              <a:lnSpc>
-                <a:spcPts val="3000"/>
-              </a:lnSpc>
-            </a:pPr>
-            <a:r>
-              <a:rPr lang="pt-BR" sz="2400" dirty="0"/>
-              <a:t>Lista de ferramentas a serem utilizadas no projeto</a:t>
-            </a:r>
-          </a:p>
-        </p:txBody>
-      </p:sp>
-      <p:sp>
-        <p:nvSpPr>
-          <p:cNvPr id="7" name="CaixaDeTexto 5">
-            <a:extLst>
-              <a:ext uri="{FF2B5EF4-FFF2-40B4-BE49-F238E27FC236}">
-                <a16:creationId xmlns:a16="http://schemas.microsoft.com/office/drawing/2014/main" id="{D5F67441-A755-4247-851C-41974715F282}"/>
-              </a:ext>
-            </a:extLst>
-          </p:cNvPr>
-          <p:cNvSpPr txBox="1"/>
-          <p:nvPr/>
-        </p:nvSpPr>
-        <p:spPr>
-          <a:xfrm>
-            <a:off x="176644" y="2016087"/>
-            <a:ext cx="11919876" cy="1785104"/>
-          </a:xfrm>
-          <a:prstGeom prst="rect">
-            <a:avLst/>
-          </a:prstGeom>
-          <a:noFill/>
-          <a:ln>
-            <a:noFill/>
-          </a:ln>
-        </p:spPr>
-        <p:txBody>
-          <a:bodyPr wrap="square" rtlCol="0">
-            <a:spAutoFit/>
-          </a:bodyPr>
-          <a:lstStyle/>
-          <a:p>
-            <a:r>
-              <a:rPr lang="pt-BR" sz="2200" i="1" dirty="0"/>
-              <a:t>Para este projeto de pesquisa utilizaremos o </a:t>
-            </a:r>
-            <a:r>
-              <a:rPr lang="pt-BR" sz="2200" b="1" i="1" dirty="0"/>
-              <a:t>R</a:t>
-            </a:r>
-            <a:r>
-              <a:rPr lang="pt-BR" sz="2200" i="1" dirty="0"/>
-              <a:t>, </a:t>
-            </a:r>
-            <a:r>
-              <a:rPr lang="pt-BR" sz="2200" b="1" i="1" dirty="0" err="1"/>
-              <a:t>GeoDa</a:t>
-            </a:r>
-            <a:r>
-              <a:rPr lang="pt-BR" sz="2200" i="1" dirty="0"/>
-              <a:t> e </a:t>
-            </a:r>
-            <a:r>
-              <a:rPr lang="pt-BR" sz="2200" b="1" i="1" dirty="0"/>
-              <a:t>QGIS</a:t>
-            </a:r>
-            <a:r>
-              <a:rPr lang="pt-BR" sz="2200" i="1" dirty="0"/>
-              <a:t> para pré-processamento, análise exploratória de dados e modelagem, para a visualizações utilizaremos o R,  </a:t>
-            </a:r>
-            <a:r>
-              <a:rPr lang="pt-BR" sz="2200" b="1" i="1" dirty="0"/>
-              <a:t>Power BI</a:t>
-            </a:r>
-            <a:r>
-              <a:rPr lang="pt-BR" sz="2200" i="1" dirty="0"/>
-              <a:t> e </a:t>
-            </a:r>
-            <a:r>
-              <a:rPr lang="pt-BR" sz="2200" b="1" i="1" dirty="0"/>
-              <a:t>QGIS</a:t>
-            </a:r>
-            <a:r>
-              <a:rPr lang="pt-BR" sz="2200" i="1" dirty="0"/>
-              <a:t> e a publicação do relatório final será realizada em um repositório no GitHub contendo todo o código fonte produzido para o desenvolvimento do projeto e um pagina na web (GitHub </a:t>
-            </a:r>
-            <a:r>
-              <a:rPr lang="pt-BR" sz="2200" i="1" dirty="0" err="1"/>
-              <a:t>Pages</a:t>
-            </a:r>
-            <a:r>
-              <a:rPr lang="pt-BR" sz="2200" i="1" dirty="0"/>
-              <a:t>) com o resultado final da pesquisa.</a:t>
-            </a:r>
-          </a:p>
-        </p:txBody>
-      </p:sp>
-      <p:pic>
-        <p:nvPicPr>
-          <p:cNvPr id="1026" name="Picture 2" descr="GitHub logo PNG"/>
-          <p:cNvPicPr>
-            <a:picLocks noChangeAspect="1" noChangeArrowheads="1"/>
-          </p:cNvPicPr>
-          <p:nvPr/>
-        </p:nvPicPr>
-        <p:blipFill>
-          <a:blip r:embed="rId2" cstate="hqprint">
-            <a:extLst>
-              <a:ext uri="{28A0092B-C50C-407E-A947-70E740481C1C}">
-                <a14:useLocalDpi xmlns:a14="http://schemas.microsoft.com/office/drawing/2010/main" val="0"/>
-              </a:ext>
-            </a:extLst>
-          </a:blip>
-          <a:srcRect/>
-          <a:stretch>
-            <a:fillRect/>
-          </a:stretch>
-        </p:blipFill>
-        <p:spPr bwMode="auto">
-          <a:xfrm>
-            <a:off x="535426" y="4496376"/>
-            <a:ext cx="1161808" cy="1049258"/>
-          </a:xfrm>
-          <a:prstGeom prst="rect">
-            <a:avLst/>
-          </a:prstGeom>
-          <a:noFill/>
-          <a:extLst>
-            <a:ext uri="{909E8E84-426E-40DD-AFC4-6F175D3DCCD1}">
-              <a14:hiddenFill xmlns:a14="http://schemas.microsoft.com/office/drawing/2010/main">
-                <a:solidFill>
-                  <a:srgbClr val="FFFFFF"/>
-                </a:solidFill>
-              </a14:hiddenFill>
-            </a:ext>
-          </a:extLst>
-        </p:spPr>
-      </p:pic>
-      <p:pic>
-        <p:nvPicPr>
-          <p:cNvPr id="1028" name="Picture 4" descr="R: R Logo"/>
-          <p:cNvPicPr>
-            <a:picLocks noChangeAspect="1" noChangeArrowheads="1"/>
-          </p:cNvPicPr>
-          <p:nvPr/>
-        </p:nvPicPr>
-        <p:blipFill>
-          <a:blip r:embed="rId3" cstate="hqprint">
-            <a:extLst>
-              <a:ext uri="{28A0092B-C50C-407E-A947-70E740481C1C}">
-                <a14:useLocalDpi xmlns:a14="http://schemas.microsoft.com/office/drawing/2010/main" val="0"/>
-              </a:ext>
-            </a:extLst>
-          </a:blip>
-          <a:srcRect/>
-          <a:stretch>
-            <a:fillRect/>
-          </a:stretch>
-        </p:blipFill>
-        <p:spPr bwMode="auto">
-          <a:xfrm>
-            <a:off x="2274960" y="4526855"/>
-            <a:ext cx="1275454" cy="988301"/>
-          </a:xfrm>
-          <a:prstGeom prst="rect">
-            <a:avLst/>
-          </a:prstGeom>
-          <a:noFill/>
-          <a:extLst>
-            <a:ext uri="{909E8E84-426E-40DD-AFC4-6F175D3DCCD1}">
-              <a14:hiddenFill xmlns:a14="http://schemas.microsoft.com/office/drawing/2010/main">
-                <a:solidFill>
-                  <a:srgbClr val="FFFFFF"/>
-                </a:solidFill>
-              </a14:hiddenFill>
-            </a:ext>
-          </a:extLst>
-        </p:spPr>
-      </p:pic>
-      <p:pic>
-        <p:nvPicPr>
-          <p:cNvPr id="1034" name="Picture 10" descr="Power BI - 8 Motivos Para Mudar do Excel para o Power BI"/>
-          <p:cNvPicPr>
-            <a:picLocks noChangeAspect="1" noChangeArrowheads="1"/>
-          </p:cNvPicPr>
-          <p:nvPr/>
-        </p:nvPicPr>
-        <p:blipFill>
-          <a:blip r:embed="rId4">
-            <a:extLst>
-              <a:ext uri="{28A0092B-C50C-407E-A947-70E740481C1C}">
-                <a14:useLocalDpi xmlns:a14="http://schemas.microsoft.com/office/drawing/2010/main" val="0"/>
-              </a:ext>
-            </a:extLst>
-          </a:blip>
-          <a:srcRect/>
-          <a:stretch>
-            <a:fillRect/>
-          </a:stretch>
-        </p:blipFill>
-        <p:spPr bwMode="auto">
-          <a:xfrm>
-            <a:off x="9084638" y="4560767"/>
-            <a:ext cx="2714664" cy="920476"/>
-          </a:xfrm>
-          <a:prstGeom prst="rect">
-            <a:avLst/>
-          </a:prstGeom>
-          <a:noFill/>
-          <a:extLst>
-            <a:ext uri="{909E8E84-426E-40DD-AFC4-6F175D3DCCD1}">
-              <a14:hiddenFill xmlns:a14="http://schemas.microsoft.com/office/drawing/2010/main">
-                <a:solidFill>
-                  <a:srgbClr val="FFFFFF"/>
-                </a:solidFill>
-              </a14:hiddenFill>
-            </a:ext>
-          </a:extLst>
-        </p:spPr>
-      </p:pic>
-      <p:pic>
-        <p:nvPicPr>
-          <p:cNvPr id="3" name="Picture 2" descr="Visual Style Guide">
-            <a:extLst>
-              <a:ext uri="{FF2B5EF4-FFF2-40B4-BE49-F238E27FC236}">
-                <a16:creationId xmlns:a16="http://schemas.microsoft.com/office/drawing/2014/main" id="{97B3EA75-F3A8-4805-8834-5D3B319C7E31}"/>
-              </a:ext>
-            </a:extLst>
-          </p:cNvPr>
-          <p:cNvPicPr>
-            <a:picLocks noChangeAspect="1" noChangeArrowheads="1"/>
-          </p:cNvPicPr>
-          <p:nvPr/>
-        </p:nvPicPr>
-        <p:blipFill rotWithShape="1">
-          <a:blip r:embed="rId5">
-            <a:extLst>
-              <a:ext uri="{28A0092B-C50C-407E-A947-70E740481C1C}">
-                <a14:useLocalDpi xmlns:a14="http://schemas.microsoft.com/office/drawing/2010/main" val="0"/>
-              </a:ext>
-            </a:extLst>
-          </a:blip>
-          <a:srcRect l="6469" t="16090" r="6284" b="21429"/>
-          <a:stretch/>
-        </p:blipFill>
-        <p:spPr bwMode="auto">
-          <a:xfrm>
-            <a:off x="4128140" y="4526191"/>
-            <a:ext cx="2711770" cy="989628"/>
-          </a:xfrm>
-          <a:prstGeom prst="rect">
-            <a:avLst/>
-          </a:prstGeom>
-          <a:noFill/>
-          <a:extLst>
-            <a:ext uri="{909E8E84-426E-40DD-AFC4-6F175D3DCCD1}">
-              <a14:hiddenFill xmlns:a14="http://schemas.microsoft.com/office/drawing/2010/main">
-                <a:solidFill>
-                  <a:srgbClr val="FFFFFF"/>
-                </a:solidFill>
-              </a14:hiddenFill>
-            </a:ext>
-          </a:extLst>
-        </p:spPr>
-      </p:pic>
-      <p:pic>
-        <p:nvPicPr>
-          <p:cNvPr id="4" name="Picture 4" descr="GeoDa Center · GitHub">
-            <a:extLst>
-              <a:ext uri="{FF2B5EF4-FFF2-40B4-BE49-F238E27FC236}">
-                <a16:creationId xmlns:a16="http://schemas.microsoft.com/office/drawing/2014/main" id="{F59BDCC0-DD5D-438F-A3C3-65DFA845FB65}"/>
-              </a:ext>
-            </a:extLst>
-          </p:cNvPr>
-          <p:cNvPicPr>
-            <a:picLocks noChangeAspect="1" noChangeArrowheads="1"/>
-          </p:cNvPicPr>
-          <p:nvPr/>
-        </p:nvPicPr>
-        <p:blipFill>
-          <a:blip r:embed="rId6">
-            <a:extLst>
-              <a:ext uri="{28A0092B-C50C-407E-A947-70E740481C1C}">
-                <a14:useLocalDpi xmlns:a14="http://schemas.microsoft.com/office/drawing/2010/main" val="0"/>
-              </a:ext>
-            </a:extLst>
-          </a:blip>
-          <a:srcRect/>
-          <a:stretch>
-            <a:fillRect/>
-          </a:stretch>
-        </p:blipFill>
-        <p:spPr bwMode="auto">
-          <a:xfrm>
-            <a:off x="7417636" y="4476367"/>
-            <a:ext cx="1089276" cy="1089276"/>
-          </a:xfrm>
-          <a:prstGeom prst="rect">
-            <a:avLst/>
-          </a:prstGeom>
-          <a:noFill/>
-          <a:extLst>
-            <a:ext uri="{909E8E84-426E-40DD-AFC4-6F175D3DCCD1}">
-              <a14:hiddenFill xmlns:a14="http://schemas.microsoft.com/office/drawing/2010/main">
-                <a:solidFill>
-                  <a:srgbClr val="FFFFFF"/>
-                </a:solidFill>
-              </a14:hiddenFill>
-            </a:ext>
-          </a:extLst>
-        </p:spPr>
-      </p:pic>
-    </p:spTree>
-    <p:extLst>
-      <p:ext uri="{BB962C8B-B14F-4D97-AF65-F5344CB8AC3E}">
-        <p14:creationId xmlns:p14="http://schemas.microsoft.com/office/powerpoint/2010/main" val="2652368446"/>
-      </p:ext>
-    </p:extLst>
-  </p:cSld>
-  <p:clrMapOvr>
-    <a:masterClrMapping/>
-  </p:clrMapOvr>
-</p:sld>
-</file>
-
-<file path=ppt/slides/slide11.xml><?xml version="1.0" encoding="utf-8"?>
-<p:sld xmlns:a="http://schemas.openxmlformats.org/drawingml/2006/main" xmlns:r="http://schemas.openxmlformats.org/officeDocument/2006/relationships" xmlns:p="http://schemas.openxmlformats.org/presentationml/2006/main">
-  <p:cSld>
-    <p:spTree>
-      <p:nvGrpSpPr>
-        <p:cNvPr id="1" name=""/>
-        <p:cNvGrpSpPr/>
-        <p:nvPr/>
-      </p:nvGrpSpPr>
-      <p:grpSpPr>
-        <a:xfrm>
-          <a:off x="0" y="0"/>
-          <a:ext cx="0" cy="0"/>
-          <a:chOff x="0" y="0"/>
-          <a:chExt cx="0" cy="0"/>
-        </a:xfrm>
-      </p:grpSpPr>
-      <p:sp>
-        <p:nvSpPr>
-          <p:cNvPr id="2" name="CaixaDeTexto 1">
-            <a:extLst>
-              <a:ext uri="{FF2B5EF4-FFF2-40B4-BE49-F238E27FC236}">
-                <a16:creationId xmlns:a16="http://schemas.microsoft.com/office/drawing/2014/main" id="{E2289C40-6B36-4906-BF6F-3D1B594D6D57}"/>
-              </a:ext>
-            </a:extLst>
-          </p:cNvPr>
-          <p:cNvSpPr txBox="1"/>
-          <p:nvPr/>
-        </p:nvSpPr>
-        <p:spPr>
-          <a:xfrm>
-            <a:off x="176644" y="207818"/>
-            <a:ext cx="10619886" cy="523220"/>
-          </a:xfrm>
-          <a:prstGeom prst="rect">
-            <a:avLst/>
-          </a:prstGeom>
-          <a:noFill/>
-        </p:spPr>
-        <p:txBody>
-          <a:bodyPr wrap="square" rtlCol="0">
-            <a:spAutoFit/>
-          </a:bodyPr>
-          <a:lstStyle/>
-          <a:p>
-            <a:r>
-              <a:rPr lang="pt-BR" sz="2800" b="1" dirty="0">
-                <a:solidFill>
-                  <a:schemeClr val="bg1"/>
-                </a:solidFill>
-              </a:rPr>
               <a:t>Etapas e técnicas</a:t>
             </a:r>
           </a:p>
@@ -12454,7 +12040,7 @@
 </p:sld>
 </file>
 
-<file path=ppt/slides/slide12.xml><?xml version="1.0" encoding="utf-8"?>
+<file path=ppt/slides/slide11.xml><?xml version="1.0" encoding="utf-8"?>
 <p:sld xmlns:a="http://schemas.openxmlformats.org/drawingml/2006/main" xmlns:r="http://schemas.openxmlformats.org/officeDocument/2006/relationships" xmlns:p="http://schemas.openxmlformats.org/presentationml/2006/main">
   <p:cSld>
     <p:spTree>
@@ -13315,302 +12901,6 @@
 </file>
 
 <file path=ppt/slides/slide4.xml><?xml version="1.0" encoding="utf-8"?>
-<p:sld xmlns:a="http://schemas.openxmlformats.org/drawingml/2006/main" xmlns:r="http://schemas.openxmlformats.org/officeDocument/2006/relationships" xmlns:p="http://schemas.openxmlformats.org/presentationml/2006/main">
-  <p:cSld>
-    <p:spTree>
-      <p:nvGrpSpPr>
-        <p:cNvPr id="1" name=""/>
-        <p:cNvGrpSpPr/>
-        <p:nvPr/>
-      </p:nvGrpSpPr>
-      <p:grpSpPr>
-        <a:xfrm>
-          <a:off x="0" y="0"/>
-          <a:ext cx="0" cy="0"/>
-          <a:chOff x="0" y="0"/>
-          <a:chExt cx="0" cy="0"/>
-        </a:xfrm>
-      </p:grpSpPr>
-      <p:sp>
-        <p:nvSpPr>
-          <p:cNvPr id="2" name="CaixaDeTexto 1">
-            <a:extLst>
-              <a:ext uri="{FF2B5EF4-FFF2-40B4-BE49-F238E27FC236}">
-                <a16:creationId xmlns:a16="http://schemas.microsoft.com/office/drawing/2014/main" id="{E2289C40-6B36-4906-BF6F-3D1B594D6D57}"/>
-              </a:ext>
-            </a:extLst>
-          </p:cNvPr>
-          <p:cNvSpPr txBox="1"/>
-          <p:nvPr/>
-        </p:nvSpPr>
-        <p:spPr>
-          <a:xfrm>
-            <a:off x="176644" y="207818"/>
-            <a:ext cx="10619886" cy="523220"/>
-          </a:xfrm>
-          <a:prstGeom prst="rect">
-            <a:avLst/>
-          </a:prstGeom>
-          <a:noFill/>
-        </p:spPr>
-        <p:txBody>
-          <a:bodyPr wrap="square" rtlCol="0">
-            <a:spAutoFit/>
-          </a:bodyPr>
-          <a:lstStyle/>
-          <a:p>
-            <a:r>
-              <a:rPr lang="pt-BR" sz="2800" b="1" dirty="0">
-                <a:solidFill>
-                  <a:schemeClr val="bg1"/>
-                </a:solidFill>
-              </a:rPr>
-              <a:t>Objetivos</a:t>
-            </a:r>
-          </a:p>
-        </p:txBody>
-      </p:sp>
-      <p:sp>
-        <p:nvSpPr>
-          <p:cNvPr id="5" name="Retângulo 4">
-            <a:extLst>
-              <a:ext uri="{FF2B5EF4-FFF2-40B4-BE49-F238E27FC236}">
-                <a16:creationId xmlns:a16="http://schemas.microsoft.com/office/drawing/2014/main" id="{C4351BF4-6949-465B-A55A-C8561462CF2E}"/>
-              </a:ext>
-            </a:extLst>
-          </p:cNvPr>
-          <p:cNvSpPr/>
-          <p:nvPr/>
-        </p:nvSpPr>
-        <p:spPr>
-          <a:xfrm>
-            <a:off x="176644" y="1355075"/>
-            <a:ext cx="11919876" cy="477054"/>
-          </a:xfrm>
-          <a:prstGeom prst="rect">
-            <a:avLst/>
-          </a:prstGeom>
-          <a:solidFill>
-            <a:srgbClr val="CDCDCD"/>
-          </a:solidFill>
-        </p:spPr>
-        <p:txBody>
-          <a:bodyPr wrap="square">
-            <a:spAutoFit/>
-          </a:bodyPr>
-          <a:lstStyle/>
-          <a:p>
-            <a:pPr marL="15875" indent="-15875">
-              <a:lnSpc>
-                <a:spcPts val="3000"/>
-              </a:lnSpc>
-            </a:pPr>
-            <a:r>
-              <a:rPr lang="pt-BR" sz="2400" dirty="0"/>
-              <a:t>Descrição dos objetivos do projeto</a:t>
-            </a:r>
-          </a:p>
-        </p:txBody>
-      </p:sp>
-      <p:sp>
-        <p:nvSpPr>
-          <p:cNvPr id="6" name="CaixaDeTexto 5">
-            <a:extLst>
-              <a:ext uri="{FF2B5EF4-FFF2-40B4-BE49-F238E27FC236}">
-                <a16:creationId xmlns:a16="http://schemas.microsoft.com/office/drawing/2014/main" id="{D5F67441-A755-4247-851C-41974715F282}"/>
-              </a:ext>
-            </a:extLst>
-          </p:cNvPr>
-          <p:cNvSpPr txBox="1"/>
-          <p:nvPr/>
-        </p:nvSpPr>
-        <p:spPr>
-          <a:xfrm>
-            <a:off x="176644" y="2016087"/>
-            <a:ext cx="11919876" cy="2462213"/>
-          </a:xfrm>
-          <a:prstGeom prst="rect">
-            <a:avLst/>
-          </a:prstGeom>
-          <a:noFill/>
-          <a:ln>
-            <a:noFill/>
-          </a:ln>
-        </p:spPr>
-        <p:txBody>
-          <a:bodyPr wrap="square" rtlCol="0">
-            <a:spAutoFit/>
-          </a:bodyPr>
-          <a:lstStyle/>
-          <a:p>
-            <a:r>
-              <a:rPr lang="pt-BR" sz="2200" i="1" dirty="0"/>
-              <a:t>O objetivo é desenvolver um sistema de monitoramento utilizando dados públicos da agência nacional de petróleo e gás, combinados com dados </a:t>
-            </a:r>
-            <a:r>
-              <a:rPr lang="pt-BR" sz="2200" i="1" dirty="0" err="1"/>
-              <a:t>georreferenciados</a:t>
-            </a:r>
-            <a:r>
-              <a:rPr lang="pt-BR" sz="2200" i="1" dirty="0"/>
-              <a:t> da infraestrutura de petróleo e gás fornecidos pela Empresa de Pesquisa Energética e dados </a:t>
-            </a:r>
-            <a:r>
-              <a:rPr lang="pt-BR" sz="2200" i="1" dirty="0" err="1"/>
-              <a:t>georreferenciados</a:t>
-            </a:r>
-            <a:r>
-              <a:rPr lang="pt-BR" sz="2200" i="1" dirty="0"/>
-              <a:t> publicados pelo Instituto Brasileiro de Geografia e Estatística (IBGE).</a:t>
-            </a:r>
-          </a:p>
-          <a:p>
-            <a:endParaRPr lang="pt-BR" sz="2200" i="1" dirty="0"/>
-          </a:p>
-          <a:p>
-            <a:r>
-              <a:rPr lang="pt-BR" sz="2200" i="1" dirty="0"/>
-              <a:t>Para execução deste trabalho, a gasolina foi escolhida como alvo das análises, e os dados foram extraídos de algumas fontes de dados públicos:</a:t>
-            </a:r>
-          </a:p>
-        </p:txBody>
-      </p:sp>
-      <p:pic>
-        <p:nvPicPr>
-          <p:cNvPr id="7" name="Picture 6"/>
-          <p:cNvPicPr/>
-          <p:nvPr/>
-        </p:nvPicPr>
-        <p:blipFill>
-          <a:blip r:embed="rId2">
-            <a:extLst>
-              <a:ext uri="{28A0092B-C50C-407E-A947-70E740481C1C}">
-                <a14:useLocalDpi xmlns:a14="http://schemas.microsoft.com/office/drawing/2010/main" val="0"/>
-              </a:ext>
-            </a:extLst>
-          </a:blip>
-          <a:srcRect/>
-          <a:stretch>
-            <a:fillRect/>
-          </a:stretch>
-        </p:blipFill>
-        <p:spPr bwMode="auto">
-          <a:xfrm>
-            <a:off x="5531983" y="4856869"/>
-            <a:ext cx="6120130" cy="1366520"/>
-          </a:xfrm>
-          <a:prstGeom prst="rect">
-            <a:avLst/>
-          </a:prstGeom>
-          <a:noFill/>
-          <a:ln>
-            <a:noFill/>
-          </a:ln>
-        </p:spPr>
-      </p:pic>
-      <p:sp>
-        <p:nvSpPr>
-          <p:cNvPr id="8" name="CaixaDeTexto 5">
-            <a:extLst>
-              <a:ext uri="{FF2B5EF4-FFF2-40B4-BE49-F238E27FC236}">
-                <a16:creationId xmlns:a16="http://schemas.microsoft.com/office/drawing/2014/main" id="{D5F67441-A755-4247-851C-41974715F282}"/>
-              </a:ext>
-            </a:extLst>
-          </p:cNvPr>
-          <p:cNvSpPr txBox="1"/>
-          <p:nvPr/>
-        </p:nvSpPr>
-        <p:spPr>
-          <a:xfrm>
-            <a:off x="76125" y="4478300"/>
-            <a:ext cx="5248147" cy="2123658"/>
-          </a:xfrm>
-          <a:prstGeom prst="rect">
-            <a:avLst/>
-          </a:prstGeom>
-          <a:noFill/>
-          <a:ln>
-            <a:noFill/>
-          </a:ln>
-        </p:spPr>
-        <p:txBody>
-          <a:bodyPr wrap="square" rtlCol="0">
-            <a:spAutoFit/>
-          </a:bodyPr>
-          <a:lstStyle/>
-          <a:p>
-            <a:endParaRPr lang="pt-BR" sz="2200" i="1" dirty="0"/>
-          </a:p>
-          <a:p>
-            <a:pPr marL="796925" indent="-342900">
-              <a:buFont typeface="Arial" panose="020B0604020202020204" pitchFamily="34" charset="0"/>
-              <a:buChar char="•"/>
-            </a:pPr>
-            <a:r>
-              <a:rPr lang="pt-BR" sz="2200" i="1" dirty="0"/>
-              <a:t>Agência Nacional do Petróleo (</a:t>
-            </a:r>
-            <a:r>
-              <a:rPr lang="pt-BR" sz="2200" b="1" i="1" dirty="0"/>
-              <a:t>ANP</a:t>
-            </a:r>
-            <a:r>
-              <a:rPr lang="pt-BR" sz="2200" i="1" dirty="0"/>
-              <a:t>)</a:t>
-            </a:r>
-          </a:p>
-          <a:p>
-            <a:pPr marL="796925" indent="-342900">
-              <a:buFont typeface="Arial" panose="020B0604020202020204" pitchFamily="34" charset="0"/>
-              <a:buChar char="•"/>
-            </a:pPr>
-            <a:r>
-              <a:rPr lang="pt-BR" sz="2200" i="1" dirty="0"/>
-              <a:t>Empresa de Pesquisa Energética (</a:t>
-            </a:r>
-            <a:r>
-              <a:rPr lang="pt-BR" sz="2200" b="1" i="1" dirty="0"/>
-              <a:t>EPE</a:t>
-            </a:r>
-            <a:r>
-              <a:rPr lang="pt-BR" sz="2200" i="1" dirty="0"/>
-              <a:t>)</a:t>
-            </a:r>
-          </a:p>
-          <a:p>
-            <a:pPr marL="796925" indent="-342900">
-              <a:buFont typeface="Arial" panose="020B0604020202020204" pitchFamily="34" charset="0"/>
-              <a:buChar char="•"/>
-            </a:pPr>
-            <a:r>
-              <a:rPr lang="pt-BR" sz="2200" i="1" dirty="0"/>
-              <a:t>Instituto Brasileiro de Geografia e Estatística (</a:t>
-            </a:r>
-            <a:r>
-              <a:rPr lang="pt-BR" sz="2200" b="1" i="1" dirty="0"/>
-              <a:t>IBGE</a:t>
-            </a:r>
-            <a:r>
-              <a:rPr lang="pt-BR" sz="2200" i="1" dirty="0"/>
-              <a:t>)</a:t>
-            </a:r>
-          </a:p>
-        </p:txBody>
-      </p:sp>
-    </p:spTree>
-    <p:extLst>
-      <p:ext uri="{BB962C8B-B14F-4D97-AF65-F5344CB8AC3E}">
-        <p14:creationId xmlns:p14="http://schemas.microsoft.com/office/powerpoint/2010/main" val="305069841"/>
-      </p:ext>
-    </p:extLst>
-  </p:cSld>
-  <p:clrMapOvr>
-    <a:masterClrMapping/>
-  </p:clrMapOvr>
-</p:sld>
-</file>
-
-<file path=ppt/slides/slide5.xml><?xml version="1.0" encoding="utf-8"?>
 <p:sld xmlns:a="http://schemas.openxmlformats.org/drawingml/2006/main" xmlns:r="http://schemas.openxmlformats.org/officeDocument/2006/relationships" xmlns:p="http://schemas.openxmlformats.org/presentationml/2006/main">
   <p:cSld>
     <p:spTree>
@@ -14610,7 +13900,7 @@
 </p:sld>
 </file>
 
-<file path=ppt/slides/slide6.xml><?xml version="1.0" encoding="utf-8"?>
+<file path=ppt/slides/slide5.xml><?xml version="1.0" encoding="utf-8"?>
 <p:sld xmlns:a="http://schemas.openxmlformats.org/drawingml/2006/main" xmlns:r="http://schemas.openxmlformats.org/officeDocument/2006/relationships" xmlns:p="http://schemas.openxmlformats.org/presentationml/2006/main">
   <p:cSld>
     <p:spTree>
@@ -14822,7 +14112,7 @@
 </p:sld>
 </file>
 
-<file path=ppt/slides/slide7.xml><?xml version="1.0" encoding="utf-8"?>
+<file path=ppt/slides/slide6.xml><?xml version="1.0" encoding="utf-8"?>
 <p:sld xmlns:a="http://schemas.openxmlformats.org/drawingml/2006/main" xmlns:r="http://schemas.openxmlformats.org/officeDocument/2006/relationships" xmlns:p="http://schemas.openxmlformats.org/presentationml/2006/main">
   <p:cSld>
     <p:spTree>
@@ -14955,7 +14245,7 @@
 </p:sld>
 </file>
 
-<file path=ppt/slides/slide8.xml><?xml version="1.0" encoding="utf-8"?>
+<file path=ppt/slides/slide7.xml><?xml version="1.0" encoding="utf-8"?>
 <p:sld xmlns:a="http://schemas.openxmlformats.org/drawingml/2006/main" xmlns:r="http://schemas.openxmlformats.org/officeDocument/2006/relationships" xmlns:p="http://schemas.openxmlformats.org/presentationml/2006/main">
   <p:cSld>
     <p:spTree>
@@ -15088,7 +14378,7 @@
 </p:sld>
 </file>
 
-<file path=ppt/slides/slide9.xml><?xml version="1.0" encoding="utf-8"?>
+<file path=ppt/slides/slide8.xml><?xml version="1.0" encoding="utf-8"?>
 <p:sld xmlns:a="http://schemas.openxmlformats.org/drawingml/2006/main" xmlns:r="http://schemas.openxmlformats.org/officeDocument/2006/relationships" xmlns:p="http://schemas.openxmlformats.org/presentationml/2006/main">
   <p:cSld>
     <p:spTree>
@@ -15236,6 +14526,448 @@
     <p:extLst>
       <p:ext uri="{BB962C8B-B14F-4D97-AF65-F5344CB8AC3E}">
         <p14:creationId xmlns:p14="http://schemas.microsoft.com/office/powerpoint/2010/main" val="3299655017"/>
+      </p:ext>
+    </p:extLst>
+  </p:cSld>
+  <p:clrMapOvr>
+    <a:masterClrMapping/>
+  </p:clrMapOvr>
+</p:sld>
+</file>
+
+<file path=ppt/slides/slide9.xml><?xml version="1.0" encoding="utf-8"?>
+<p:sld xmlns:a="http://schemas.openxmlformats.org/drawingml/2006/main" xmlns:r="http://schemas.openxmlformats.org/officeDocument/2006/relationships" xmlns:p="http://schemas.openxmlformats.org/presentationml/2006/main">
+  <p:cSld>
+    <p:spTree>
+      <p:nvGrpSpPr>
+        <p:cNvPr id="1" name=""/>
+        <p:cNvGrpSpPr/>
+        <p:nvPr/>
+      </p:nvGrpSpPr>
+      <p:grpSpPr>
+        <a:xfrm>
+          <a:off x="0" y="0"/>
+          <a:ext cx="0" cy="0"/>
+          <a:chOff x="0" y="0"/>
+          <a:chExt cx="0" cy="0"/>
+        </a:xfrm>
+      </p:grpSpPr>
+      <p:sp>
+        <p:nvSpPr>
+          <p:cNvPr id="2" name="CaixaDeTexto 1">
+            <a:extLst>
+              <a:ext uri="{FF2B5EF4-FFF2-40B4-BE49-F238E27FC236}">
+                <a16:creationId xmlns:a16="http://schemas.microsoft.com/office/drawing/2014/main" id="{E2289C40-6B36-4906-BF6F-3D1B594D6D57}"/>
+              </a:ext>
+            </a:extLst>
+          </p:cNvPr>
+          <p:cNvSpPr txBox="1"/>
+          <p:nvPr/>
+        </p:nvSpPr>
+        <p:spPr>
+          <a:xfrm>
+            <a:off x="176644" y="207818"/>
+            <a:ext cx="10619886" cy="523220"/>
+          </a:xfrm>
+          <a:prstGeom prst="rect">
+            <a:avLst/>
+          </a:prstGeom>
+          <a:noFill/>
+        </p:spPr>
+        <p:txBody>
+          <a:bodyPr wrap="square" rtlCol="0">
+            <a:spAutoFit/>
+          </a:bodyPr>
+          <a:lstStyle/>
+          <a:p>
+            <a:r>
+              <a:rPr lang="pt-BR" sz="2800" b="1" dirty="0">
+                <a:solidFill>
+                  <a:schemeClr val="bg1"/>
+                </a:solidFill>
+              </a:rPr>
+              <a:t>Ferramentas</a:t>
+            </a:r>
+          </a:p>
+        </p:txBody>
+      </p:sp>
+      <p:sp>
+        <p:nvSpPr>
+          <p:cNvPr id="5" name="Retângulo 4">
+            <a:extLst>
+              <a:ext uri="{FF2B5EF4-FFF2-40B4-BE49-F238E27FC236}">
+                <a16:creationId xmlns:a16="http://schemas.microsoft.com/office/drawing/2014/main" id="{C4351BF4-6949-465B-A55A-C8561462CF2E}"/>
+              </a:ext>
+            </a:extLst>
+          </p:cNvPr>
+          <p:cNvSpPr/>
+          <p:nvPr/>
+        </p:nvSpPr>
+        <p:spPr>
+          <a:xfrm>
+            <a:off x="176644" y="1355075"/>
+            <a:ext cx="11919876" cy="477054"/>
+          </a:xfrm>
+          <a:prstGeom prst="rect">
+            <a:avLst/>
+          </a:prstGeom>
+          <a:solidFill>
+            <a:srgbClr val="CDCDCD"/>
+          </a:solidFill>
+        </p:spPr>
+        <p:txBody>
+          <a:bodyPr wrap="square">
+            <a:spAutoFit/>
+          </a:bodyPr>
+          <a:lstStyle/>
+          <a:p>
+            <a:pPr marL="15875" indent="-15875">
+              <a:lnSpc>
+                <a:spcPts val="3000"/>
+              </a:lnSpc>
+            </a:pPr>
+            <a:r>
+              <a:rPr lang="pt-BR" sz="2400" dirty="0"/>
+              <a:t>Lista de ferramentas a serem utilizadas no projeto</a:t>
+            </a:r>
+          </a:p>
+        </p:txBody>
+      </p:sp>
+      <p:sp>
+        <p:nvSpPr>
+          <p:cNvPr id="7" name="CaixaDeTexto 5">
+            <a:extLst>
+              <a:ext uri="{FF2B5EF4-FFF2-40B4-BE49-F238E27FC236}">
+                <a16:creationId xmlns:a16="http://schemas.microsoft.com/office/drawing/2014/main" id="{D5F67441-A755-4247-851C-41974715F282}"/>
+              </a:ext>
+            </a:extLst>
+          </p:cNvPr>
+          <p:cNvSpPr txBox="1"/>
+          <p:nvPr/>
+        </p:nvSpPr>
+        <p:spPr>
+          <a:xfrm>
+            <a:off x="176644" y="2016087"/>
+            <a:ext cx="11919876" cy="1785104"/>
+          </a:xfrm>
+          <a:prstGeom prst="rect">
+            <a:avLst/>
+          </a:prstGeom>
+          <a:noFill/>
+          <a:ln>
+            <a:noFill/>
+          </a:ln>
+        </p:spPr>
+        <p:txBody>
+          <a:bodyPr wrap="square" rtlCol="0">
+            <a:spAutoFit/>
+          </a:bodyPr>
+          <a:lstStyle/>
+          <a:p>
+            <a:r>
+              <a:rPr lang="pt-BR" sz="2200" i="1" dirty="0"/>
+              <a:t>Para este projeto de pesquisa utilizaremos o </a:t>
+            </a:r>
+            <a:r>
+              <a:rPr lang="pt-BR" sz="2200" b="1" i="1" dirty="0"/>
+              <a:t>R</a:t>
+            </a:r>
+            <a:r>
+              <a:rPr lang="pt-BR" sz="2200" i="1" dirty="0"/>
+              <a:t>, </a:t>
+            </a:r>
+            <a:r>
+              <a:rPr lang="pt-BR" sz="2200" b="1" i="1" dirty="0" err="1"/>
+              <a:t>GeoDa</a:t>
+            </a:r>
+            <a:r>
+              <a:rPr lang="pt-BR" sz="2200" i="1" dirty="0"/>
+              <a:t> e </a:t>
+            </a:r>
+            <a:r>
+              <a:rPr lang="pt-BR" sz="2200" b="1" i="1" dirty="0"/>
+              <a:t>QGIS</a:t>
+            </a:r>
+            <a:r>
+              <a:rPr lang="pt-BR" sz="2200" i="1" dirty="0"/>
+              <a:t> para pré-processamento, análise exploratória de dados e modelagem, para a visualizações utilizaremos o R,  </a:t>
+            </a:r>
+            <a:r>
+              <a:rPr lang="pt-BR" sz="2200" b="1" i="1" dirty="0"/>
+              <a:t>Power BI</a:t>
+            </a:r>
+            <a:r>
+              <a:rPr lang="pt-BR" sz="2200" i="1" dirty="0"/>
+              <a:t> e </a:t>
+            </a:r>
+            <a:r>
+              <a:rPr lang="pt-BR" sz="2200" b="1" i="1" dirty="0"/>
+              <a:t>QGIS</a:t>
+            </a:r>
+            <a:r>
+              <a:rPr lang="pt-BR" sz="2200" i="1" dirty="0"/>
+              <a:t> e a publicação do relatório final será realizada em um repositório no GitHub contendo todo o código fonte produzido para o desenvolvimento do projeto e um pagina na web (GitHub </a:t>
+            </a:r>
+            <a:r>
+              <a:rPr lang="pt-BR" sz="2200" i="1" dirty="0" err="1"/>
+              <a:t>Pages</a:t>
+            </a:r>
+            <a:r>
+              <a:rPr lang="pt-BR" sz="2200" i="1" dirty="0"/>
+              <a:t>) com o resultado final da pesquisa.</a:t>
+            </a:r>
+          </a:p>
+        </p:txBody>
+      </p:sp>
+      <p:pic>
+        <p:nvPicPr>
+          <p:cNvPr id="1026" name="Picture 2" descr="GitHub logo PNG"/>
+          <p:cNvPicPr>
+            <a:picLocks noChangeAspect="1" noChangeArrowheads="1"/>
+          </p:cNvPicPr>
+          <p:nvPr/>
+        </p:nvPicPr>
+        <p:blipFill>
+          <a:blip r:embed="rId2" cstate="hqprint">
+            <a:extLst>
+              <a:ext uri="{28A0092B-C50C-407E-A947-70E740481C1C}">
+                <a14:useLocalDpi xmlns:a14="http://schemas.microsoft.com/office/drawing/2010/main" val="0"/>
+              </a:ext>
+            </a:extLst>
+          </a:blip>
+          <a:srcRect/>
+          <a:stretch>
+            <a:fillRect/>
+          </a:stretch>
+        </p:blipFill>
+        <p:spPr bwMode="auto">
+          <a:xfrm>
+            <a:off x="160860" y="4495584"/>
+            <a:ext cx="1161808" cy="1049258"/>
+          </a:xfrm>
+          <a:prstGeom prst="rect">
+            <a:avLst/>
+          </a:prstGeom>
+          <a:noFill/>
+          <a:extLst>
+            <a:ext uri="{909E8E84-426E-40DD-AFC4-6F175D3DCCD1}">
+              <a14:hiddenFill xmlns:a14="http://schemas.microsoft.com/office/drawing/2010/main">
+                <a:solidFill>
+                  <a:srgbClr val="FFFFFF"/>
+                </a:solidFill>
+              </a14:hiddenFill>
+            </a:ext>
+          </a:extLst>
+        </p:spPr>
+      </p:pic>
+      <p:pic>
+        <p:nvPicPr>
+          <p:cNvPr id="1028" name="Picture 4" descr="R: R Logo"/>
+          <p:cNvPicPr>
+            <a:picLocks noChangeAspect="1" noChangeArrowheads="1"/>
+          </p:cNvPicPr>
+          <p:nvPr/>
+        </p:nvPicPr>
+        <p:blipFill>
+          <a:blip r:embed="rId3" cstate="hqprint">
+            <a:extLst>
+              <a:ext uri="{28A0092B-C50C-407E-A947-70E740481C1C}">
+                <a14:useLocalDpi xmlns:a14="http://schemas.microsoft.com/office/drawing/2010/main" val="0"/>
+              </a:ext>
+            </a:extLst>
+          </a:blip>
+          <a:srcRect/>
+          <a:stretch>
+            <a:fillRect/>
+          </a:stretch>
+        </p:blipFill>
+        <p:spPr bwMode="auto">
+          <a:xfrm>
+            <a:off x="3585118" y="4526063"/>
+            <a:ext cx="1275454" cy="988301"/>
+          </a:xfrm>
+          <a:prstGeom prst="rect">
+            <a:avLst/>
+          </a:prstGeom>
+          <a:noFill/>
+          <a:extLst>
+            <a:ext uri="{909E8E84-426E-40DD-AFC4-6F175D3DCCD1}">
+              <a14:hiddenFill xmlns:a14="http://schemas.microsoft.com/office/drawing/2010/main">
+                <a:solidFill>
+                  <a:srgbClr val="FFFFFF"/>
+                </a:solidFill>
+              </a14:hiddenFill>
+            </a:ext>
+          </a:extLst>
+        </p:spPr>
+      </p:pic>
+      <p:pic>
+        <p:nvPicPr>
+          <p:cNvPr id="1034" name="Picture 10" descr="Power BI - 8 Motivos Para Mudar do Excel para o Power BI"/>
+          <p:cNvPicPr>
+            <a:picLocks noChangeAspect="1" noChangeArrowheads="1"/>
+          </p:cNvPicPr>
+          <p:nvPr/>
+        </p:nvPicPr>
+        <p:blipFill>
+          <a:blip r:embed="rId4">
+            <a:extLst>
+              <a:ext uri="{28A0092B-C50C-407E-A947-70E740481C1C}">
+                <a14:useLocalDpi xmlns:a14="http://schemas.microsoft.com/office/drawing/2010/main" val="0"/>
+              </a:ext>
+            </a:extLst>
+          </a:blip>
+          <a:srcRect/>
+          <a:stretch>
+            <a:fillRect/>
+          </a:stretch>
+        </p:blipFill>
+        <p:spPr bwMode="auto">
+          <a:xfrm>
+            <a:off x="9302665" y="4559975"/>
+            <a:ext cx="2714664" cy="920476"/>
+          </a:xfrm>
+          <a:prstGeom prst="rect">
+            <a:avLst/>
+          </a:prstGeom>
+          <a:noFill/>
+          <a:extLst>
+            <a:ext uri="{909E8E84-426E-40DD-AFC4-6F175D3DCCD1}">
+              <a14:hiddenFill xmlns:a14="http://schemas.microsoft.com/office/drawing/2010/main">
+                <a:solidFill>
+                  <a:srgbClr val="FFFFFF"/>
+                </a:solidFill>
+              </a14:hiddenFill>
+            </a:ext>
+          </a:extLst>
+        </p:spPr>
+      </p:pic>
+      <p:pic>
+        <p:nvPicPr>
+          <p:cNvPr id="3" name="Picture 2" descr="Visual Style Guide">
+            <a:extLst>
+              <a:ext uri="{FF2B5EF4-FFF2-40B4-BE49-F238E27FC236}">
+                <a16:creationId xmlns:a16="http://schemas.microsoft.com/office/drawing/2014/main" id="{97B3EA75-F3A8-4805-8834-5D3B319C7E31}"/>
+              </a:ext>
+            </a:extLst>
+          </p:cNvPr>
+          <p:cNvPicPr>
+            <a:picLocks noChangeAspect="1" noChangeArrowheads="1"/>
+          </p:cNvPicPr>
+          <p:nvPr/>
+        </p:nvPicPr>
+        <p:blipFill rotWithShape="1">
+          <a:blip r:embed="rId5">
+            <a:extLst>
+              <a:ext uri="{28A0092B-C50C-407E-A947-70E740481C1C}">
+                <a14:useLocalDpi xmlns:a14="http://schemas.microsoft.com/office/drawing/2010/main" val="0"/>
+              </a:ext>
+            </a:extLst>
+          </a:blip>
+          <a:srcRect l="6469" t="16090" r="6284" b="21429"/>
+          <a:stretch/>
+        </p:blipFill>
+        <p:spPr bwMode="auto">
+          <a:xfrm>
+            <a:off x="5074255" y="4525399"/>
+            <a:ext cx="2711770" cy="989628"/>
+          </a:xfrm>
+          <a:prstGeom prst="rect">
+            <a:avLst/>
+          </a:prstGeom>
+          <a:noFill/>
+          <a:extLst>
+            <a:ext uri="{909E8E84-426E-40DD-AFC4-6F175D3DCCD1}">
+              <a14:hiddenFill xmlns:a14="http://schemas.microsoft.com/office/drawing/2010/main">
+                <a:solidFill>
+                  <a:srgbClr val="FFFFFF"/>
+                </a:solidFill>
+              </a14:hiddenFill>
+            </a:ext>
+          </a:extLst>
+        </p:spPr>
+      </p:pic>
+      <p:pic>
+        <p:nvPicPr>
+          <p:cNvPr id="4" name="Picture 4" descr="GeoDa Center · GitHub">
+            <a:extLst>
+              <a:ext uri="{FF2B5EF4-FFF2-40B4-BE49-F238E27FC236}">
+                <a16:creationId xmlns:a16="http://schemas.microsoft.com/office/drawing/2014/main" id="{F59BDCC0-DD5D-438F-A3C3-65DFA845FB65}"/>
+              </a:ext>
+            </a:extLst>
+          </p:cNvPr>
+          <p:cNvPicPr>
+            <a:picLocks noChangeAspect="1" noChangeArrowheads="1"/>
+          </p:cNvPicPr>
+          <p:nvPr/>
+        </p:nvPicPr>
+        <p:blipFill>
+          <a:blip r:embed="rId6">
+            <a:extLst>
+              <a:ext uri="{28A0092B-C50C-407E-A947-70E740481C1C}">
+                <a14:useLocalDpi xmlns:a14="http://schemas.microsoft.com/office/drawing/2010/main" val="0"/>
+              </a:ext>
+            </a:extLst>
+          </a:blip>
+          <a:srcRect/>
+          <a:stretch>
+            <a:fillRect/>
+          </a:stretch>
+        </p:blipFill>
+        <p:spPr bwMode="auto">
+          <a:xfrm>
+            <a:off x="7999708" y="4475575"/>
+            <a:ext cx="1089276" cy="1089276"/>
+          </a:xfrm>
+          <a:prstGeom prst="rect">
+            <a:avLst/>
+          </a:prstGeom>
+          <a:noFill/>
+          <a:extLst>
+            <a:ext uri="{909E8E84-426E-40DD-AFC4-6F175D3DCCD1}">
+              <a14:hiddenFill xmlns:a14="http://schemas.microsoft.com/office/drawing/2010/main">
+                <a:solidFill>
+                  <a:srgbClr val="FFFFFF"/>
+                </a:solidFill>
+              </a14:hiddenFill>
+            </a:ext>
+          </a:extLst>
+        </p:spPr>
+      </p:pic>
+      <p:pic>
+        <p:nvPicPr>
+          <p:cNvPr id="6" name="Picture 5">
+            <a:extLst>
+              <a:ext uri="{FF2B5EF4-FFF2-40B4-BE49-F238E27FC236}">
+                <a16:creationId xmlns:a16="http://schemas.microsoft.com/office/drawing/2014/main" id="{806223E6-CF0D-4AD2-9536-3F012144A9D6}"/>
+              </a:ext>
+            </a:extLst>
+          </p:cNvPr>
+          <p:cNvPicPr>
+            <a:picLocks noChangeAspect="1"/>
+          </p:cNvPicPr>
+          <p:nvPr/>
+        </p:nvPicPr>
+        <p:blipFill>
+          <a:blip r:embed="rId7"/>
+          <a:stretch>
+            <a:fillRect/>
+          </a:stretch>
+        </p:blipFill>
+        <p:spPr>
+          <a:xfrm>
+            <a:off x="1536351" y="4537224"/>
+            <a:ext cx="1835084" cy="965978"/>
+          </a:xfrm>
+          <a:prstGeom prst="rect">
+            <a:avLst/>
+          </a:prstGeom>
+        </p:spPr>
+      </p:pic>
+    </p:spTree>
+    <p:extLst>
+      <p:ext uri="{BB962C8B-B14F-4D97-AF65-F5344CB8AC3E}">
+        <p14:creationId xmlns:p14="http://schemas.microsoft.com/office/powerpoint/2010/main" val="2652368446"/>
       </p:ext>
     </p:extLst>
   </p:cSld>
